--- a/TPS Final Report.pptx
+++ b/TPS Final Report.pptx
@@ -7,22 +7,23 @@
     <p:sldMasterId id="2147483696" r:id="rId3"/>
   </p:sldMasterIdLst>
   <p:notesMasterIdLst>
-    <p:notesMasterId r:id="rId14"/>
+    <p:notesMasterId r:id="rId15"/>
   </p:notesMasterIdLst>
   <p:handoutMasterIdLst>
-    <p:handoutMasterId r:id="rId15"/>
+    <p:handoutMasterId r:id="rId16"/>
   </p:handoutMasterIdLst>
   <p:sldIdLst>
     <p:sldId id="288" r:id="rId4"/>
-    <p:sldId id="291" r:id="rId5"/>
-    <p:sldId id="292" r:id="rId6"/>
-    <p:sldId id="293" r:id="rId7"/>
-    <p:sldId id="294" r:id="rId8"/>
-    <p:sldId id="295" r:id="rId9"/>
-    <p:sldId id="296" r:id="rId10"/>
-    <p:sldId id="297" r:id="rId11"/>
-    <p:sldId id="298" r:id="rId12"/>
-    <p:sldId id="299" r:id="rId13"/>
+    <p:sldId id="300" r:id="rId5"/>
+    <p:sldId id="301" r:id="rId6"/>
+    <p:sldId id="292" r:id="rId7"/>
+    <p:sldId id="293" r:id="rId8"/>
+    <p:sldId id="294" r:id="rId9"/>
+    <p:sldId id="295" r:id="rId10"/>
+    <p:sldId id="296" r:id="rId11"/>
+    <p:sldId id="297" r:id="rId12"/>
+    <p:sldId id="298" r:id="rId13"/>
+    <p:sldId id="299" r:id="rId14"/>
   </p:sldIdLst>
   <p:sldSz cx="9144000" cy="6858000" type="screen4x3"/>
   <p:notesSz cx="6858000" cy="9144000"/>
@@ -211,7 +212,7 @@
           <a:p>
             <a:fld id="{51899711-7649-475D-9A83-F7565CDBEDEE}" type="datetimeFigureOut">
               <a:rPr lang="en-US" smtClean="0"/>
-              <a:t>8/7/2021</a:t>
+              <a:t>8/8/2021</a:t>
             </a:fld>
             <a:endParaRPr lang="en-US" dirty="0"/>
           </a:p>
@@ -377,7 +378,7 @@
           <a:p>
             <a:fld id="{A8C5D170-5377-4A38-833C-B92A15BCC4F7}" type="datetimeFigureOut">
               <a:rPr lang="en-US" smtClean="0"/>
-              <a:t>8/7/2021</a:t>
+              <a:t>8/8/2021</a:t>
             </a:fld>
             <a:endParaRPr lang="en-US" dirty="0"/>
           </a:p>
@@ -748,109 +749,6 @@
 </p:notes>
 </file>
 
-<file path=ppt/notesSlides/notesSlide2.xml><?xml version="1.0" encoding="utf-8"?>
-<p:notes xmlns:a="http://schemas.openxmlformats.org/drawingml/2006/main" xmlns:r="http://schemas.openxmlformats.org/officeDocument/2006/relationships" xmlns:p="http://schemas.openxmlformats.org/presentationml/2006/main">
-  <p:cSld>
-    <p:spTree>
-      <p:nvGrpSpPr>
-        <p:cNvPr id="1" name=""/>
-        <p:cNvGrpSpPr/>
-        <p:nvPr/>
-      </p:nvGrpSpPr>
-      <p:grpSpPr>
-        <a:xfrm>
-          <a:off x="0" y="0"/>
-          <a:ext cx="0" cy="0"/>
-          <a:chOff x="0" y="0"/>
-          <a:chExt cx="0" cy="0"/>
-        </a:xfrm>
-      </p:grpSpPr>
-      <p:sp>
-        <p:nvSpPr>
-          <p:cNvPr id="2" name="Slide Image Placeholder 1"/>
-          <p:cNvSpPr>
-            <a:spLocks noGrp="1" noRot="1" noChangeAspect="1"/>
-          </p:cNvSpPr>
-          <p:nvPr>
-            <p:ph type="sldImg"/>
-          </p:nvPr>
-        </p:nvSpPr>
-        <p:spPr/>
-      </p:sp>
-      <p:sp>
-        <p:nvSpPr>
-          <p:cNvPr id="3" name="Notes Placeholder 2"/>
-          <p:cNvSpPr>
-            <a:spLocks noGrp="1"/>
-          </p:cNvSpPr>
-          <p:nvPr>
-            <p:ph type="body" idx="1"/>
-          </p:nvPr>
-        </p:nvSpPr>
-        <p:spPr/>
-        <p:txBody>
-          <a:bodyPr/>
-          <a:lstStyle/>
-          <a:p>
-            <a:endParaRPr lang="en-US" dirty="0"/>
-          </a:p>
-        </p:txBody>
-      </p:sp>
-      <p:sp>
-        <p:nvSpPr>
-          <p:cNvPr id="4" name="Footer Placeholder 3"/>
-          <p:cNvSpPr>
-            <a:spLocks noGrp="1"/>
-          </p:cNvSpPr>
-          <p:nvPr>
-            <p:ph type="ftr" sz="quarter" idx="10"/>
-          </p:nvPr>
-        </p:nvSpPr>
-        <p:spPr/>
-        <p:txBody>
-          <a:bodyPr/>
-          <a:lstStyle/>
-          <a:p>
-            <a:endParaRPr lang="en-US" dirty="0"/>
-          </a:p>
-        </p:txBody>
-      </p:sp>
-      <p:sp>
-        <p:nvSpPr>
-          <p:cNvPr id="5" name="Slide Number Placeholder 4"/>
-          <p:cNvSpPr>
-            <a:spLocks noGrp="1"/>
-          </p:cNvSpPr>
-          <p:nvPr>
-            <p:ph type="sldNum" sz="quarter" idx="11"/>
-          </p:nvPr>
-        </p:nvSpPr>
-        <p:spPr/>
-        <p:txBody>
-          <a:bodyPr/>
-          <a:lstStyle/>
-          <a:p>
-            <a:fld id="{AA531E6F-4BB3-4F7F-BE7A-BA3FF1BEE5CD}" type="slidenum">
-              <a:rPr lang="en-US" smtClean="0"/>
-              <a:t>2</a:t>
-            </a:fld>
-            <a:endParaRPr lang="en-US" dirty="0"/>
-          </a:p>
-        </p:txBody>
-      </p:sp>
-    </p:spTree>
-    <p:extLst>
-      <p:ext uri="{BB962C8B-B14F-4D97-AF65-F5344CB8AC3E}">
-        <p14:creationId xmlns:p14="http://schemas.microsoft.com/office/powerpoint/2010/main" val="764676943"/>
-      </p:ext>
-    </p:extLst>
-  </p:cSld>
-  <p:clrMapOvr>
-    <a:masterClrMapping/>
-  </p:clrMapOvr>
-</p:notes>
-</file>
-
 <file path=ppt/slideLayouts/slideLayout1.xml><?xml version="1.0" encoding="utf-8"?>
 <p:sldLayout xmlns:a="http://schemas.openxmlformats.org/drawingml/2006/main" xmlns:r="http://schemas.openxmlformats.org/officeDocument/2006/relationships" xmlns:p="http://schemas.openxmlformats.org/presentationml/2006/main" type="title" preserve="1">
   <p:cSld name="Title Slide">
@@ -988,7 +886,7 @@
           <a:p>
             <a:fld id="{ECFA5572-09E2-457E-99E8-D1BDF73CF4A5}" type="datetime1">
               <a:rPr lang="en-US" smtClean="0"/>
-              <a:t>8/7/2021</a:t>
+              <a:t>8/8/2021</a:t>
             </a:fld>
             <a:endParaRPr lang="en-US" dirty="0"/>
           </a:p>
@@ -1181,7 +1079,7 @@
           <a:p>
             <a:fld id="{D4D0C6F8-A258-473D-BBAF-F1C294060F77}" type="datetime1">
               <a:rPr lang="en-US" smtClean="0"/>
-              <a:t>8/7/2021</a:t>
+              <a:t>8/8/2021</a:t>
             </a:fld>
             <a:endParaRPr lang="en-US" dirty="0"/>
           </a:p>
@@ -1384,7 +1282,7 @@
           <a:p>
             <a:fld id="{DA45044E-B5EA-4E06-AB67-735E50F76FF9}" type="datetime1">
               <a:rPr lang="en-US" smtClean="0"/>
-              <a:t>8/7/2021</a:t>
+              <a:t>8/8/2021</a:t>
             </a:fld>
             <a:endParaRPr lang="en-US" dirty="0"/>
           </a:p>
@@ -1657,7 +1555,7 @@
                   </a:prstClr>
                 </a:solidFill>
               </a:rPr>
-              <a:t>8/7/2021</a:t>
+              <a:t>8/8/2021</a:t>
             </a:fld>
             <a:endParaRPr lang="vi-VN">
               <a:solidFill>
@@ -1919,7 +1817,7 @@
                   </a:prstClr>
                 </a:solidFill>
               </a:rPr>
-              <a:t>8/7/2021</a:t>
+              <a:t>8/8/2021</a:t>
             </a:fld>
             <a:endParaRPr lang="vi-VN">
               <a:solidFill>
@@ -2201,7 +2099,7 @@
                   </a:prstClr>
                 </a:solidFill>
               </a:rPr>
-              <a:t>8/7/2021</a:t>
+              <a:t>8/8/2021</a:t>
             </a:fld>
             <a:endParaRPr lang="vi-VN">
               <a:solidFill>
@@ -2565,7 +2463,7 @@
                   </a:prstClr>
                 </a:solidFill>
               </a:rPr>
-              <a:t>8/7/2021</a:t>
+              <a:t>8/8/2021</a:t>
             </a:fld>
             <a:endParaRPr lang="vi-VN">
               <a:solidFill>
@@ -3073,7 +2971,7 @@
                   </a:prstClr>
                 </a:solidFill>
               </a:rPr>
-              <a:t>8/7/2021</a:t>
+              <a:t>8/8/2021</a:t>
             </a:fld>
             <a:endParaRPr lang="vi-VN">
               <a:solidFill>
@@ -3233,7 +3131,7 @@
                   </a:prstClr>
                 </a:solidFill>
               </a:rPr>
-              <a:t>8/7/2021</a:t>
+              <a:t>8/8/2021</a:t>
             </a:fld>
             <a:endParaRPr lang="vi-VN">
               <a:solidFill>
@@ -3362,7 +3260,7 @@
                   </a:prstClr>
                 </a:solidFill>
               </a:rPr>
-              <a:t>8/7/2021</a:t>
+              <a:t>8/8/2021</a:t>
             </a:fld>
             <a:endParaRPr lang="vi-VN">
               <a:solidFill>
@@ -3697,7 +3595,7 @@
                   </a:prstClr>
                 </a:solidFill>
               </a:rPr>
-              <a:t>8/7/2021</a:t>
+              <a:t>8/8/2021</a:t>
             </a:fld>
             <a:endParaRPr lang="vi-VN">
               <a:solidFill>
@@ -3918,7 +3816,7 @@
           <a:p>
             <a:fld id="{733EF1D1-E79A-4A2C-A0EF-BFBEDE73F5AD}" type="datetime1">
               <a:rPr lang="en-US" smtClean="0"/>
-              <a:t>8/7/2021</a:t>
+              <a:t>8/8/2021</a:t>
             </a:fld>
             <a:endParaRPr lang="en-US" dirty="0"/>
           </a:p>
@@ -4199,7 +4097,7 @@
                   </a:prstClr>
                 </a:solidFill>
               </a:rPr>
-              <a:t>8/7/2021</a:t>
+              <a:t>8/8/2021</a:t>
             </a:fld>
             <a:endParaRPr lang="vi-VN">
               <a:solidFill>
@@ -4434,7 +4332,7 @@
                   </a:prstClr>
                 </a:solidFill>
               </a:rPr>
-              <a:t>8/7/2021</a:t>
+              <a:t>8/8/2021</a:t>
             </a:fld>
             <a:endParaRPr lang="vi-VN">
               <a:solidFill>
@@ -4679,7 +4577,7 @@
                   </a:prstClr>
                 </a:solidFill>
               </a:rPr>
-              <a:t>8/7/2021</a:t>
+              <a:t>8/8/2021</a:t>
             </a:fld>
             <a:endParaRPr lang="vi-VN">
               <a:solidFill>
@@ -4897,7 +4795,7 @@
           <a:p>
             <a:fld id="{771BEB67-3FD8-4C5F-9B40-4341E7B2D601}" type="datetime1">
               <a:rPr lang="en-US" smtClean="0"/>
-              <a:t>8/7/2021</a:t>
+              <a:t>8/8/2021</a:t>
             </a:fld>
             <a:endParaRPr lang="en-US" dirty="0"/>
           </a:p>
@@ -5068,7 +4966,7 @@
           <a:p>
             <a:fld id="{2B59979B-868C-4C71-A8E3-6FB541B0D862}" type="datetime1">
               <a:rPr lang="en-US" smtClean="0"/>
-              <a:t>8/7/2021</a:t>
+              <a:t>8/8/2021</a:t>
             </a:fld>
             <a:endParaRPr lang="en-US" dirty="0"/>
           </a:p>
@@ -5316,7 +5214,7 @@
           <a:p>
             <a:fld id="{47368C2A-4BD0-4E88-9BB6-33CC5F5F9D6C}" type="datetime1">
               <a:rPr lang="en-US" smtClean="0"/>
-              <a:t>8/7/2021</a:t>
+              <a:t>8/8/2021</a:t>
             </a:fld>
             <a:endParaRPr lang="en-US" dirty="0"/>
           </a:p>
@@ -5548,7 +5446,7 @@
           <a:p>
             <a:fld id="{92083DA3-933F-4DD3-A921-8753DE0229E6}" type="datetime1">
               <a:rPr lang="en-US" smtClean="0"/>
-              <a:t>8/7/2021</a:t>
+              <a:t>8/8/2021</a:t>
             </a:fld>
             <a:endParaRPr lang="en-US" dirty="0"/>
           </a:p>
@@ -5915,7 +5813,7 @@
           <a:p>
             <a:fld id="{AFB4E98F-DF76-4B33-A8AD-23CC714039AC}" type="datetime1">
               <a:rPr lang="en-US" smtClean="0"/>
-              <a:t>8/7/2021</a:t>
+              <a:t>8/8/2021</a:t>
             </a:fld>
             <a:endParaRPr lang="en-US" dirty="0"/>
           </a:p>
@@ -6035,7 +5933,7 @@
           <a:p>
             <a:fld id="{F699B53A-5DB4-43DF-A18E-A1E6DD2B11EA}" type="datetime1">
               <a:rPr lang="en-US" smtClean="0"/>
-              <a:t>8/7/2021</a:t>
+              <a:t>8/8/2021</a:t>
             </a:fld>
             <a:endParaRPr lang="en-US" dirty="0"/>
           </a:p>
@@ -6133,7 +6031,7 @@
           <a:p>
             <a:fld id="{4C442878-D651-43F1-9AC7-6574335B2D37}" type="datetime1">
               <a:rPr lang="en-US" smtClean="0"/>
-              <a:t>8/7/2021</a:t>
+              <a:t>8/8/2021</a:t>
             </a:fld>
             <a:endParaRPr lang="en-US" dirty="0"/>
           </a:p>
@@ -6390,7 +6288,7 @@
           <a:p>
             <a:fld id="{3AE627B3-E951-40DF-AFEA-2EEEB50839E3}" type="datetime1">
               <a:rPr lang="en-US" smtClean="0"/>
-              <a:t>8/7/2021</a:t>
+              <a:t>8/8/2021</a:t>
             </a:fld>
             <a:endParaRPr lang="en-US" dirty="0"/>
           </a:p>
@@ -6668,7 +6566,7 @@
           <a:p>
             <a:fld id="{4D8F8CB9-9E91-4CD5-A22C-905C2EEF627F}" type="datetime1">
               <a:rPr lang="en-US" smtClean="0"/>
-              <a:t>8/7/2021</a:t>
+              <a:t>8/8/2021</a:t>
             </a:fld>
             <a:endParaRPr lang="en-US" dirty="0"/>
           </a:p>
@@ -6923,7 +6821,7 @@
           <a:p>
             <a:fld id="{F116AADA-98D9-4E08-ADFB-79B84FA222B4}" type="datetime1">
               <a:rPr lang="en-US" smtClean="0"/>
-              <a:t>8/7/2021</a:t>
+              <a:t>8/8/2021</a:t>
             </a:fld>
             <a:endParaRPr lang="en-US" dirty="0"/>
           </a:p>
@@ -7094,7 +6992,7 @@
           <a:p>
             <a:fld id="{32F0F61C-C620-4ACE-89EB-98352A77707C}" type="datetime1">
               <a:rPr lang="en-US" smtClean="0"/>
-              <a:t>8/7/2021</a:t>
+              <a:t>8/8/2021</a:t>
             </a:fld>
             <a:endParaRPr lang="en-US" dirty="0"/>
           </a:p>
@@ -7275,7 +7173,7 @@
           <a:p>
             <a:fld id="{6857AE18-D2C6-4852-B561-4ED40B472645}" type="datetime1">
               <a:rPr lang="en-US" smtClean="0"/>
-              <a:t>8/7/2021</a:t>
+              <a:t>8/8/2021</a:t>
             </a:fld>
             <a:endParaRPr lang="en-US" dirty="0"/>
           </a:p>
@@ -7522,7 +7420,7 @@
           <a:p>
             <a:fld id="{B3ED2A87-67B3-4F48-8324-BDE8388895F5}" type="datetime1">
               <a:rPr lang="en-US" smtClean="0"/>
-              <a:t>8/7/2021</a:t>
+              <a:t>8/8/2021</a:t>
             </a:fld>
             <a:endParaRPr lang="en-US" dirty="0"/>
           </a:p>
@@ -7903,7 +7801,7 @@
           <a:p>
             <a:fld id="{4BBFDEB5-5CCC-4724-8EF2-E683E6AD32D0}" type="datetime1">
               <a:rPr lang="en-US" smtClean="0"/>
-              <a:t>8/7/2021</a:t>
+              <a:t>8/8/2021</a:t>
             </a:fld>
             <a:endParaRPr lang="en-US" dirty="0"/>
           </a:p>
@@ -8038,7 +7936,7 @@
           <a:p>
             <a:fld id="{5999CCF1-3712-46B0-812F-CA5172F583F6}" type="datetime1">
               <a:rPr lang="en-US" smtClean="0"/>
-              <a:t>8/7/2021</a:t>
+              <a:t>8/8/2021</a:t>
             </a:fld>
             <a:endParaRPr lang="en-US" dirty="0"/>
           </a:p>
@@ -8144,7 +8042,7 @@
           <a:p>
             <a:fld id="{5DEF55D1-6C6A-4F00-AB74-99D2C8D20E75}" type="datetime1">
               <a:rPr lang="en-US" smtClean="0"/>
-              <a:t>8/7/2021</a:t>
+              <a:t>8/8/2021</a:t>
             </a:fld>
             <a:endParaRPr lang="en-US" dirty="0"/>
           </a:p>
@@ -8430,7 +8328,7 @@
           <a:p>
             <a:fld id="{13563A8C-5EF0-4C53-96CE-229A727A3505}" type="datetime1">
               <a:rPr lang="en-US" smtClean="0"/>
-              <a:t>8/7/2021</a:t>
+              <a:t>8/8/2021</a:t>
             </a:fld>
             <a:endParaRPr lang="en-US" dirty="0"/>
           </a:p>
@@ -8696,7 +8594,7 @@
           <a:p>
             <a:fld id="{BC8AFDB0-69FD-4665-8ABD-56737078AF35}" type="datetime1">
               <a:rPr lang="en-US" smtClean="0"/>
-              <a:t>8/7/2021</a:t>
+              <a:t>8/8/2021</a:t>
             </a:fld>
             <a:endParaRPr lang="en-US" dirty="0"/>
           </a:p>
@@ -9571,7 +9469,7 @@
                   </a:prstClr>
                 </a:solidFill>
               </a:rPr>
-              <a:t>8/7/2021</a:t>
+              <a:t>8/8/2021</a:t>
             </a:fld>
             <a:endParaRPr lang="vi-VN">
               <a:solidFill>
@@ -10140,7 +10038,7 @@
           <a:p>
             <a:fld id="{8659EFB2-C5E1-479E-BBEF-87442CE0B2A4}" type="datetime1">
               <a:rPr lang="en-US" smtClean="0"/>
-              <a:t>8/7/2021</a:t>
+              <a:t>8/8/2021</a:t>
             </a:fld>
             <a:endParaRPr lang="en-US" dirty="0"/>
           </a:p>
@@ -10598,17 +10496,7 @@
                 <a:latin typeface="Century Gothic" panose="020B0502020202020204" pitchFamily="34" charset="0"/>
                 <a:cs typeface="Times New Roman" panose="02020603050405020304" pitchFamily="18" charset="0"/>
               </a:rPr>
-              <a:t>Final</a:t>
-            </a:r>
-            <a:r>
-              <a:rPr lang="en-US" sz="5987" b="1" dirty="0" smtClean="0">
-                <a:solidFill>
-                  <a:schemeClr val="bg1"/>
-                </a:solidFill>
-                <a:latin typeface="Century Gothic" panose="020B0502020202020204" pitchFamily="34" charset="0"/>
-                <a:cs typeface="Times New Roman" panose="02020603050405020304" pitchFamily="18" charset="0"/>
-              </a:rPr>
-              <a:t> </a:t>
+              <a:t>Final </a:t>
             </a:r>
             <a:r>
               <a:rPr lang="en-US" sz="5987" b="1" dirty="0">
@@ -10652,16 +10540,14 @@
           <a:lstStyle/>
           <a:p>
             <a:r>
-              <a:rPr lang="en-US" sz="4800" b="1" dirty="0">
+              <a:rPr lang="en-US" sz="4800" b="1" dirty="0" smtClean="0">
                 <a:solidFill>
                   <a:srgbClr val="00BFFF"/>
                 </a:solidFill>
                 <a:latin typeface="Century Gothic" panose="020B0502020202020204" pitchFamily="34" charset="0"/>
               </a:rPr>
-              <a:t>Kanoo Platform</a:t>
-            </a:r>
-          </a:p>
-          <a:p>
+              <a:t>Trial Project</a:t>
+            </a:r>
             <a:endParaRPr lang="en-US" sz="1400" dirty="0">
               <a:solidFill>
                 <a:schemeClr val="bg1"/>
@@ -11024,6 +10910,13 @@
   <p:clrMapOvr>
     <a:masterClrMapping/>
   </p:clrMapOvr>
+  <p:timing>
+    <p:tnLst>
+      <p:par>
+        <p:cTn id="1" dur="indefinite" restart="never" nodeType="tmRoot"/>
+      </p:par>
+    </p:tnLst>
+  </p:timing>
 </p:sld>
 </file>
 
@@ -11061,7 +10954,7 @@
           <a:p>
             <a:r>
               <a:rPr lang="en-US" dirty="0" smtClean="0"/>
-              <a:t>How to videos</a:t>
+              <a:t>Cards Screen</a:t>
             </a:r>
             <a:endParaRPr lang="en-US" dirty="0"/>
           </a:p>
@@ -11069,7 +10962,7 @@
       </p:sp>
       <p:pic>
         <p:nvPicPr>
-          <p:cNvPr id="6" name="Content Placeholder 5"/>
+          <p:cNvPr id="7" name="Content Placeholder 6"/>
           <p:cNvPicPr>
             <a:picLocks noGrp="1" noChangeAspect="1"/>
           </p:cNvPicPr>
@@ -11091,7 +10984,202 @@
         </p:blipFill>
         <p:spPr>
           <a:xfrm>
-            <a:off x="403313" y="1543119"/>
+            <a:off x="278203" y="1543119"/>
+            <a:ext cx="2182510" cy="4351338"/>
+          </a:xfrm>
+        </p:spPr>
+      </p:pic>
+      <p:sp>
+        <p:nvSpPr>
+          <p:cNvPr id="4" name="Footer Placeholder 3"/>
+          <p:cNvSpPr>
+            <a:spLocks noGrp="1"/>
+          </p:cNvSpPr>
+          <p:nvPr>
+            <p:ph type="ftr" sz="quarter" idx="11"/>
+          </p:nvPr>
+        </p:nvSpPr>
+        <p:spPr/>
+        <p:txBody>
+          <a:bodyPr/>
+          <a:lstStyle/>
+          <a:p>
+            <a:r>
+              <a:rPr lang="en-US" smtClean="0"/>
+              <a:t>+84 28 3991 2068  |  sales@tpssoft.com  | www.tpssoft.com</a:t>
+            </a:r>
+            <a:endParaRPr lang="en-US" dirty="0"/>
+          </a:p>
+        </p:txBody>
+      </p:sp>
+      <p:sp>
+        <p:nvSpPr>
+          <p:cNvPr id="5" name="Slide Number Placeholder 4"/>
+          <p:cNvSpPr>
+            <a:spLocks noGrp="1"/>
+          </p:cNvSpPr>
+          <p:nvPr>
+            <p:ph type="sldNum" sz="quarter" idx="12"/>
+          </p:nvPr>
+        </p:nvSpPr>
+        <p:spPr/>
+        <p:txBody>
+          <a:bodyPr/>
+          <a:lstStyle/>
+          <a:p>
+            <a:fld id="{D8C32136-2E8F-41D8-87DD-E76A2A241A32}" type="slidenum">
+              <a:rPr lang="en-US" smtClean="0"/>
+              <a:t>10</a:t>
+            </a:fld>
+            <a:endParaRPr lang="en-US" dirty="0"/>
+          </a:p>
+        </p:txBody>
+      </p:sp>
+      <p:pic>
+        <p:nvPicPr>
+          <p:cNvPr id="8" name="Picture 7"/>
+          <p:cNvPicPr>
+            <a:picLocks noChangeAspect="1"/>
+          </p:cNvPicPr>
+          <p:nvPr/>
+        </p:nvPicPr>
+        <p:blipFill>
+          <a:blip r:embed="rId3" cstate="print">
+            <a:extLst>
+              <a:ext uri="{28A0092B-C50C-407E-A947-70E740481C1C}">
+                <a14:useLocalDpi xmlns:a14="http://schemas.microsoft.com/office/drawing/2010/main" val="0"/>
+              </a:ext>
+            </a:extLst>
+          </a:blip>
+          <a:stretch>
+            <a:fillRect/>
+          </a:stretch>
+        </p:blipFill>
+        <p:spPr>
+          <a:xfrm>
+            <a:off x="6127287" y="1562193"/>
+            <a:ext cx="2162726" cy="4332264"/>
+          </a:xfrm>
+          <a:prstGeom prst="rect">
+            <a:avLst/>
+          </a:prstGeom>
+        </p:spPr>
+      </p:pic>
+      <p:pic>
+        <p:nvPicPr>
+          <p:cNvPr id="9" name="Picture 8"/>
+          <p:cNvPicPr>
+            <a:picLocks noChangeAspect="1"/>
+          </p:cNvPicPr>
+          <p:nvPr/>
+        </p:nvPicPr>
+        <p:blipFill>
+          <a:blip r:embed="rId4" cstate="print">
+            <a:extLst>
+              <a:ext uri="{28A0092B-C50C-407E-A947-70E740481C1C}">
+                <a14:useLocalDpi xmlns:a14="http://schemas.microsoft.com/office/drawing/2010/main" val="0"/>
+              </a:ext>
+            </a:extLst>
+          </a:blip>
+          <a:stretch>
+            <a:fillRect/>
+          </a:stretch>
+        </p:blipFill>
+        <p:spPr>
+          <a:xfrm>
+            <a:off x="3204455" y="1543119"/>
+            <a:ext cx="2179090" cy="4351338"/>
+          </a:xfrm>
+          <a:prstGeom prst="rect">
+            <a:avLst/>
+          </a:prstGeom>
+        </p:spPr>
+      </p:pic>
+    </p:spTree>
+    <p:extLst>
+      <p:ext uri="{BB962C8B-B14F-4D97-AF65-F5344CB8AC3E}">
+        <p14:creationId xmlns:p14="http://schemas.microsoft.com/office/powerpoint/2010/main" val="1405941348"/>
+      </p:ext>
+    </p:extLst>
+  </p:cSld>
+  <p:clrMapOvr>
+    <a:masterClrMapping/>
+  </p:clrMapOvr>
+  <p:timing>
+    <p:tnLst>
+      <p:par>
+        <p:cTn id="1" dur="indefinite" restart="never" nodeType="tmRoot"/>
+      </p:par>
+    </p:tnLst>
+  </p:timing>
+</p:sld>
+</file>
+
+<file path=ppt/slides/slide11.xml><?xml version="1.0" encoding="utf-8"?>
+<p:sld xmlns:a="http://schemas.openxmlformats.org/drawingml/2006/main" xmlns:r="http://schemas.openxmlformats.org/officeDocument/2006/relationships" xmlns:p="http://schemas.openxmlformats.org/presentationml/2006/main">
+  <p:cSld>
+    <p:spTree>
+      <p:nvGrpSpPr>
+        <p:cNvPr id="1" name=""/>
+        <p:cNvGrpSpPr/>
+        <p:nvPr/>
+      </p:nvGrpSpPr>
+      <p:grpSpPr>
+        <a:xfrm>
+          <a:off x="0" y="0"/>
+          <a:ext cx="0" cy="0"/>
+          <a:chOff x="0" y="0"/>
+          <a:chExt cx="0" cy="0"/>
+        </a:xfrm>
+      </p:grpSpPr>
+      <p:sp>
+        <p:nvSpPr>
+          <p:cNvPr id="2" name="Title 1"/>
+          <p:cNvSpPr>
+            <a:spLocks noGrp="1"/>
+          </p:cNvSpPr>
+          <p:nvPr>
+            <p:ph type="title"/>
+          </p:nvPr>
+        </p:nvSpPr>
+        <p:spPr/>
+        <p:txBody>
+          <a:bodyPr/>
+          <a:lstStyle/>
+          <a:p>
+            <a:r>
+              <a:rPr lang="en-US" dirty="0" smtClean="0"/>
+              <a:t>How to videos</a:t>
+            </a:r>
+            <a:endParaRPr lang="en-US" dirty="0"/>
+          </a:p>
+        </p:txBody>
+      </p:sp>
+      <p:pic>
+        <p:nvPicPr>
+          <p:cNvPr id="6" name="Content Placeholder 5"/>
+          <p:cNvPicPr>
+            <a:picLocks noGrp="1" noChangeAspect="1"/>
+          </p:cNvPicPr>
+          <p:nvPr>
+            <p:ph idx="1"/>
+          </p:nvPr>
+        </p:nvPicPr>
+        <p:blipFill>
+          <a:blip r:embed="rId2" cstate="print">
+            <a:extLst>
+              <a:ext uri="{28A0092B-C50C-407E-A947-70E740481C1C}">
+                <a14:useLocalDpi xmlns:a14="http://schemas.microsoft.com/office/drawing/2010/main" val="0"/>
+              </a:ext>
+            </a:extLst>
+          </a:blip>
+          <a:stretch>
+            <a:fillRect/>
+          </a:stretch>
+        </p:blipFill>
+        <p:spPr>
+          <a:xfrm>
+            <a:off x="3258828" y="1306637"/>
             <a:ext cx="2175669" cy="4351338"/>
           </a:xfrm>
         </p:spPr>
@@ -11136,7 +11224,7 @@
           <a:p>
             <a:fld id="{D8C32136-2E8F-41D8-87DD-E76A2A241A32}" type="slidenum">
               <a:rPr lang="en-US" smtClean="0"/>
-              <a:t>10</a:t>
+              <a:t>11</a:t>
             </a:fld>
             <a:endParaRPr lang="en-US" dirty="0"/>
           </a:p>
@@ -11152,6 +11240,13 @@
   <p:clrMapOvr>
     <a:masterClrMapping/>
   </p:clrMapOvr>
+  <p:timing>
+    <p:tnLst>
+      <p:par>
+        <p:cTn id="1" dur="indefinite" restart="never" nodeType="tmRoot"/>
+      </p:par>
+    </p:tnLst>
+  </p:timing>
 </p:sld>
 </file>
 
@@ -11188,50 +11283,9 @@
           <a:lstStyle/>
           <a:p>
             <a:r>
-              <a:rPr lang="en-US" dirty="0"/>
-              <a:t>Outline</a:t>
-            </a:r>
-          </a:p>
-        </p:txBody>
-      </p:sp>
-      <p:sp>
-        <p:nvSpPr>
-          <p:cNvPr id="3" name="Content Placeholder 2"/>
-          <p:cNvSpPr>
-            <a:spLocks noGrp="1"/>
-          </p:cNvSpPr>
-          <p:nvPr>
-            <p:ph idx="1"/>
-          </p:nvPr>
-        </p:nvSpPr>
-        <p:spPr>
-          <a:xfrm>
-            <a:off x="403313" y="1055914"/>
-            <a:ext cx="8112037" cy="5121049"/>
-          </a:xfrm>
-        </p:spPr>
-        <p:txBody>
-          <a:bodyPr/>
-          <a:lstStyle/>
-          <a:p>
-            <a:r>
-              <a:rPr lang="en-US" dirty="0"/>
-              <a:t>Item 1</a:t>
-            </a:r>
-          </a:p>
-          <a:p>
-            <a:r>
-              <a:rPr lang="en-US" dirty="0"/>
-              <a:t>Item 2</a:t>
-            </a:r>
-          </a:p>
-          <a:p>
-            <a:r>
-              <a:rPr lang="en-US" dirty="0"/>
-              <a:t>Item 3</a:t>
-            </a:r>
-          </a:p>
-          <a:p>
+              <a:rPr lang="en-US" dirty="0" smtClean="0"/>
+              <a:t>Trial Project</a:t>
+            </a:r>
             <a:endParaRPr lang="en-US" dirty="0"/>
           </a:p>
         </p:txBody>
@@ -11252,9 +11306,10 @@
           <a:lstStyle/>
           <a:p>
             <a:r>
-              <a:rPr lang="en-US" dirty="0"/>
+              <a:rPr lang="en-US" smtClean="0"/>
               <a:t>+84 28 3991 2068  |  sales@tpssoft.com  | www.tpssoft.com</a:t>
             </a:r>
+            <a:endParaRPr lang="en-US" dirty="0"/>
           </a:p>
         </p:txBody>
       </p:sp>
@@ -11281,16 +11336,125 @@
           </a:p>
         </p:txBody>
       </p:sp>
+      <p:pic>
+        <p:nvPicPr>
+          <p:cNvPr id="6" name="Content Placeholder 5">
+            <a:extLst>
+              <a:ext uri="{FF2B5EF4-FFF2-40B4-BE49-F238E27FC236}">
+                <a16:creationId xmlns:a16="http://schemas.microsoft.com/office/drawing/2014/main" xmlns="" id="{374484D5-DD92-472C-A95D-0CD8D708FC3C}"/>
+              </a:ext>
+            </a:extLst>
+          </p:cNvPr>
+          <p:cNvPicPr>
+            <a:picLocks noGrp="1" noChangeAspect="1"/>
+          </p:cNvPicPr>
+          <p:nvPr>
+            <p:ph idx="1"/>
+          </p:nvPr>
+        </p:nvPicPr>
+        <p:blipFill>
+          <a:blip r:embed="rId2"/>
+          <a:stretch>
+            <a:fillRect/>
+          </a:stretch>
+        </p:blipFill>
+        <p:spPr>
+          <a:xfrm>
+            <a:off x="0" y="1232151"/>
+            <a:ext cx="1912159" cy="1912159"/>
+          </a:xfrm>
+          <a:prstGeom prst="rect">
+            <a:avLst/>
+          </a:prstGeom>
+        </p:spPr>
+      </p:pic>
+      <p:pic>
+        <p:nvPicPr>
+          <p:cNvPr id="7" name="Picture 6">
+            <a:extLst>
+              <a:ext uri="{FF2B5EF4-FFF2-40B4-BE49-F238E27FC236}">
+                <a16:creationId xmlns:a16="http://schemas.microsoft.com/office/drawing/2014/main" xmlns="" id="{6F4DDB6C-B0A3-4F25-B970-3CCC0384AA60}"/>
+              </a:ext>
+            </a:extLst>
+          </p:cNvPr>
+          <p:cNvPicPr>
+            <a:picLocks noChangeAspect="1"/>
+          </p:cNvPicPr>
+          <p:nvPr/>
+        </p:nvPicPr>
+        <p:blipFill rotWithShape="1">
+          <a:blip r:embed="rId3"/>
+          <a:srcRect l="10287" t="7650" r="10287" b="7214"/>
+          <a:stretch/>
+        </p:blipFill>
+        <p:spPr>
+          <a:xfrm>
+            <a:off x="2759045" y="1232151"/>
+            <a:ext cx="1598295" cy="1713188"/>
+          </a:xfrm>
+          <a:prstGeom prst="rect">
+            <a:avLst/>
+          </a:prstGeom>
+        </p:spPr>
+      </p:pic>
+      <p:pic>
+        <p:nvPicPr>
+          <p:cNvPr id="1026" name="Picture 2" descr="Kotlin Programming Language"/>
+          <p:cNvPicPr>
+            <a:picLocks noChangeAspect="1" noChangeArrowheads="1"/>
+          </p:cNvPicPr>
+          <p:nvPr/>
+        </p:nvPicPr>
+        <p:blipFill>
+          <a:blip r:embed="rId4">
+            <a:extLst>
+              <a:ext uri="{28A0092B-C50C-407E-A947-70E740481C1C}">
+                <a14:useLocalDpi xmlns:a14="http://schemas.microsoft.com/office/drawing/2010/main" val="0"/>
+              </a:ext>
+            </a:extLst>
+          </a:blip>
+          <a:srcRect/>
+          <a:stretch>
+            <a:fillRect/>
+          </a:stretch>
+        </p:blipFill>
+        <p:spPr bwMode="auto">
+          <a:xfrm>
+            <a:off x="5204226" y="1432786"/>
+            <a:ext cx="3810001" cy="1524001"/>
+          </a:xfrm>
+          <a:prstGeom prst="rect">
+            <a:avLst/>
+          </a:prstGeom>
+          <a:noFill/>
+          <a:extLst>
+            <a:ext uri="{909E8E84-426E-40DD-AFC4-6F175D3DCCD1}">
+              <a14:hiddenFill xmlns:a14="http://schemas.microsoft.com/office/drawing/2010/main">
+                <a:solidFill>
+                  <a:srgbClr val="FFFFFF"/>
+                </a:solidFill>
+              </a14:hiddenFill>
+            </a:ext>
+          </a:extLst>
+        </p:spPr>
+      </p:pic>
     </p:spTree>
     <p:extLst>
       <p:ext uri="{BB962C8B-B14F-4D97-AF65-F5344CB8AC3E}">
-        <p14:creationId xmlns:p14="http://schemas.microsoft.com/office/powerpoint/2010/main" val="3871330497"/>
+        <p14:creationId xmlns:p14="http://schemas.microsoft.com/office/powerpoint/2010/main" val="1235888133"/>
       </p:ext>
     </p:extLst>
   </p:cSld>
   <p:clrMapOvr>
     <a:masterClrMapping/>
   </p:clrMapOvr>
+  <p:timing>
+    <p:tnLst>
+      <p:par>
+        <p:cTn id="1" dur="indefinite" restart="never" nodeType="tmRoot"/>
+      </p:par>
+    </p:tnLst>
+  </p:timing>
 </p:sld>
 </file>
 
@@ -11328,41 +11492,58 @@
           <a:p>
             <a:r>
               <a:rPr lang="en-US" dirty="0" smtClean="0"/>
-              <a:t>Splash Screen</a:t>
+              <a:t>Library</a:t>
             </a:r>
             <a:endParaRPr lang="en-US" dirty="0"/>
           </a:p>
         </p:txBody>
       </p:sp>
-      <p:pic>
-        <p:nvPicPr>
-          <p:cNvPr id="6" name="Content Placeholder 5"/>
-          <p:cNvPicPr>
-            <a:picLocks noGrp="1" noChangeAspect="1"/>
-          </p:cNvPicPr>
+      <p:sp>
+        <p:nvSpPr>
+          <p:cNvPr id="3" name="Content Placeholder 2"/>
+          <p:cNvSpPr>
+            <a:spLocks noGrp="1"/>
+          </p:cNvSpPr>
           <p:nvPr>
             <p:ph idx="1"/>
           </p:nvPr>
-        </p:nvPicPr>
-        <p:blipFill>
-          <a:blip r:embed="rId2" cstate="print">
-            <a:extLst>
-              <a:ext uri="{28A0092B-C50C-407E-A947-70E740481C1C}">
-                <a14:useLocalDpi xmlns:a14="http://schemas.microsoft.com/office/drawing/2010/main" val="0"/>
-              </a:ext>
-            </a:extLst>
-          </a:blip>
-          <a:stretch>
-            <a:fillRect/>
-          </a:stretch>
-        </p:blipFill>
-        <p:spPr>
-          <a:xfrm>
-            <a:off x="403313" y="1431487"/>
-            <a:ext cx="2189352" cy="4351338"/>
-          </a:xfrm>
-        </p:spPr>
-      </p:pic>
+        </p:nvSpPr>
+        <p:spPr/>
+        <p:txBody>
+          <a:bodyPr/>
+          <a:lstStyle/>
+          <a:p>
+            <a:r>
+              <a:rPr lang="en-US" dirty="0" smtClean="0"/>
+              <a:t>com.squareup.picasso:picasso:2.71828</a:t>
+            </a:r>
+          </a:p>
+          <a:p>
+            <a:r>
+              <a:rPr lang="en-US" dirty="0" smtClean="0"/>
+              <a:t>com.squareup.retrofit2:retrofit:2.7.1</a:t>
+            </a:r>
+          </a:p>
+          <a:p>
+            <a:r>
+              <a:rPr lang="en-US" dirty="0" smtClean="0"/>
+              <a:t>com.squareup.retrofit2:converter-gson:2.1.0</a:t>
+            </a:r>
+          </a:p>
+          <a:p>
+            <a:r>
+              <a:rPr lang="en-US" dirty="0" smtClean="0"/>
+              <a:t>com.squareup.okhttp3:logging-interceptor:4.9.1</a:t>
+            </a:r>
+          </a:p>
+          <a:p>
+            <a:r>
+              <a:rPr lang="en-US" dirty="0"/>
+              <a:t>androidx.recyclerview:recyclerview:1.2.1</a:t>
+            </a:r>
+          </a:p>
+        </p:txBody>
+      </p:sp>
       <p:sp>
         <p:nvSpPr>
           <p:cNvPr id="4" name="Footer Placeholder 3"/>
@@ -11412,13 +11593,20 @@
     </p:spTree>
     <p:extLst>
       <p:ext uri="{BB962C8B-B14F-4D97-AF65-F5344CB8AC3E}">
-        <p14:creationId xmlns:p14="http://schemas.microsoft.com/office/powerpoint/2010/main" val="3199131277"/>
+        <p14:creationId xmlns:p14="http://schemas.microsoft.com/office/powerpoint/2010/main" val="3066246789"/>
       </p:ext>
     </p:extLst>
   </p:cSld>
   <p:clrMapOvr>
     <a:masterClrMapping/>
   </p:clrMapOvr>
+  <p:timing>
+    <p:tnLst>
+      <p:par>
+        <p:cTn id="1" dur="indefinite" restart="never" nodeType="tmRoot"/>
+      </p:par>
+    </p:tnLst>
+  </p:timing>
 </p:sld>
 </file>
 
@@ -11455,10 +11643,144 @@
           <a:lstStyle/>
           <a:p>
             <a:r>
+              <a:rPr lang="en-US" dirty="0" smtClean="0"/>
+              <a:t>Splash Screen</a:t>
+            </a:r>
+            <a:endParaRPr lang="en-US" dirty="0"/>
+          </a:p>
+        </p:txBody>
+      </p:sp>
+      <p:pic>
+        <p:nvPicPr>
+          <p:cNvPr id="6" name="Content Placeholder 5"/>
+          <p:cNvPicPr>
+            <a:picLocks noGrp="1" noChangeAspect="1"/>
+          </p:cNvPicPr>
+          <p:nvPr>
+            <p:ph idx="1"/>
+          </p:nvPr>
+        </p:nvPicPr>
+        <p:blipFill>
+          <a:blip r:embed="rId2" cstate="print">
+            <a:extLst>
+              <a:ext uri="{28A0092B-C50C-407E-A947-70E740481C1C}">
+                <a14:useLocalDpi xmlns:a14="http://schemas.microsoft.com/office/drawing/2010/main" val="0"/>
+              </a:ext>
+            </a:extLst>
+          </a:blip>
+          <a:stretch>
+            <a:fillRect/>
+          </a:stretch>
+        </p:blipFill>
+        <p:spPr>
+          <a:xfrm>
+            <a:off x="3251987" y="1543119"/>
+            <a:ext cx="2189352" cy="4351338"/>
+          </a:xfrm>
+        </p:spPr>
+      </p:pic>
+      <p:sp>
+        <p:nvSpPr>
+          <p:cNvPr id="4" name="Footer Placeholder 3"/>
+          <p:cNvSpPr>
+            <a:spLocks noGrp="1"/>
+          </p:cNvSpPr>
+          <p:nvPr>
+            <p:ph type="ftr" sz="quarter" idx="11"/>
+          </p:nvPr>
+        </p:nvSpPr>
+        <p:spPr/>
+        <p:txBody>
+          <a:bodyPr/>
+          <a:lstStyle/>
+          <a:p>
+            <a:r>
+              <a:rPr lang="en-US" smtClean="0"/>
+              <a:t>+84 28 3991 2068  |  sales@tpssoft.com  | www.tpssoft.com</a:t>
+            </a:r>
+            <a:endParaRPr lang="en-US" dirty="0"/>
+          </a:p>
+        </p:txBody>
+      </p:sp>
+      <p:sp>
+        <p:nvSpPr>
+          <p:cNvPr id="5" name="Slide Number Placeholder 4"/>
+          <p:cNvSpPr>
+            <a:spLocks noGrp="1"/>
+          </p:cNvSpPr>
+          <p:nvPr>
+            <p:ph type="sldNum" sz="quarter" idx="12"/>
+          </p:nvPr>
+        </p:nvSpPr>
+        <p:spPr/>
+        <p:txBody>
+          <a:bodyPr/>
+          <a:lstStyle/>
+          <a:p>
+            <a:fld id="{D8C32136-2E8F-41D8-87DD-E76A2A241A32}" type="slidenum">
+              <a:rPr lang="en-US" smtClean="0"/>
+              <a:t>4</a:t>
+            </a:fld>
+            <a:endParaRPr lang="en-US" dirty="0"/>
+          </a:p>
+        </p:txBody>
+      </p:sp>
+    </p:spTree>
+    <p:extLst>
+      <p:ext uri="{BB962C8B-B14F-4D97-AF65-F5344CB8AC3E}">
+        <p14:creationId xmlns:p14="http://schemas.microsoft.com/office/powerpoint/2010/main" val="3199131277"/>
+      </p:ext>
+    </p:extLst>
+  </p:cSld>
+  <p:clrMapOvr>
+    <a:masterClrMapping/>
+  </p:clrMapOvr>
+  <p:timing>
+    <p:tnLst>
+      <p:par>
+        <p:cTn id="1" dur="indefinite" restart="never" nodeType="tmRoot"/>
+      </p:par>
+    </p:tnLst>
+  </p:timing>
+</p:sld>
+</file>
+
+<file path=ppt/slides/slide5.xml><?xml version="1.0" encoding="utf-8"?>
+<p:sld xmlns:a="http://schemas.openxmlformats.org/drawingml/2006/main" xmlns:r="http://schemas.openxmlformats.org/officeDocument/2006/relationships" xmlns:p="http://schemas.openxmlformats.org/presentationml/2006/main">
+  <p:cSld>
+    <p:spTree>
+      <p:nvGrpSpPr>
+        <p:cNvPr id="1" name=""/>
+        <p:cNvGrpSpPr/>
+        <p:nvPr/>
+      </p:nvGrpSpPr>
+      <p:grpSpPr>
+        <a:xfrm>
+          <a:off x="0" y="0"/>
+          <a:ext cx="0" cy="0"/>
+          <a:chOff x="0" y="0"/>
+          <a:chExt cx="0" cy="0"/>
+        </a:xfrm>
+      </p:grpSpPr>
+      <p:sp>
+        <p:nvSpPr>
+          <p:cNvPr id="2" name="Title 1"/>
+          <p:cNvSpPr>
+            <a:spLocks noGrp="1"/>
+          </p:cNvSpPr>
+          <p:nvPr>
+            <p:ph type="title"/>
+          </p:nvPr>
+        </p:nvSpPr>
+        <p:spPr/>
+        <p:txBody>
+          <a:bodyPr/>
+          <a:lstStyle/>
+          <a:p>
+            <a:r>
               <a:rPr lang="en-US" dirty="0"/>
               <a:t>Walk-through Screen</a:t>
             </a:r>
-            <a:endParaRPr lang="en-US" dirty="0"/>
           </a:p>
         </p:txBody>
       </p:sp>
@@ -11531,7 +11853,7 @@
           <a:p>
             <a:fld id="{D8C32136-2E8F-41D8-87DD-E76A2A241A32}" type="slidenum">
               <a:rPr lang="en-US" smtClean="0"/>
-              <a:t>4</a:t>
+              <a:t>5</a:t>
             </a:fld>
             <a:endParaRPr lang="en-US" dirty="0"/>
           </a:p>
@@ -11619,7 +11941,7 @@
         </p:blipFill>
         <p:spPr>
           <a:xfrm>
-            <a:off x="6944385" y="1543119"/>
+            <a:off x="6944383" y="1533533"/>
             <a:ext cx="2199615" cy="4351338"/>
           </a:xfrm>
           <a:prstGeom prst="rect">
@@ -11627,6 +11949,98 @@
           </a:prstGeom>
         </p:spPr>
       </p:pic>
+      <p:sp>
+        <p:nvSpPr>
+          <p:cNvPr id="3" name="Oval 2"/>
+          <p:cNvSpPr/>
+          <p:nvPr/>
+        </p:nvSpPr>
+        <p:spPr>
+          <a:xfrm>
+            <a:off x="7303212" y="4635062"/>
+            <a:ext cx="1481959" cy="693683"/>
+          </a:xfrm>
+          <a:prstGeom prst="ellipse">
+            <a:avLst/>
+          </a:prstGeom>
+          <a:noFill/>
+          <a:ln>
+            <a:solidFill>
+              <a:schemeClr val="tx1"/>
+            </a:solidFill>
+          </a:ln>
+        </p:spPr>
+        <p:style>
+          <a:lnRef idx="2">
+            <a:schemeClr val="accent1">
+              <a:shade val="50000"/>
+            </a:schemeClr>
+          </a:lnRef>
+          <a:fillRef idx="1">
+            <a:schemeClr val="accent1"/>
+          </a:fillRef>
+          <a:effectRef idx="0">
+            <a:schemeClr val="accent1"/>
+          </a:effectRef>
+          <a:fontRef idx="minor">
+            <a:schemeClr val="lt1"/>
+          </a:fontRef>
+        </p:style>
+        <p:txBody>
+          <a:bodyPr rtlCol="0" anchor="ctr"/>
+          <a:lstStyle/>
+          <a:p>
+            <a:pPr algn="ctr"/>
+            <a:endParaRPr lang="en-US"/>
+          </a:p>
+        </p:txBody>
+      </p:sp>
+      <p:sp>
+        <p:nvSpPr>
+          <p:cNvPr id="10" name="Oval 9"/>
+          <p:cNvSpPr/>
+          <p:nvPr/>
+        </p:nvSpPr>
+        <p:spPr>
+          <a:xfrm>
+            <a:off x="7467633" y="5429517"/>
+            <a:ext cx="1153113" cy="354581"/>
+          </a:xfrm>
+          <a:prstGeom prst="ellipse">
+            <a:avLst/>
+          </a:prstGeom>
+          <a:noFill/>
+          <a:ln>
+            <a:solidFill>
+              <a:schemeClr val="tx1"/>
+            </a:solidFill>
+          </a:ln>
+        </p:spPr>
+        <p:style>
+          <a:lnRef idx="2">
+            <a:schemeClr val="accent1">
+              <a:shade val="50000"/>
+            </a:schemeClr>
+          </a:lnRef>
+          <a:fillRef idx="1">
+            <a:schemeClr val="accent1"/>
+          </a:fillRef>
+          <a:effectRef idx="0">
+            <a:schemeClr val="accent1"/>
+          </a:effectRef>
+          <a:fontRef idx="minor">
+            <a:schemeClr val="lt1"/>
+          </a:fontRef>
+        </p:style>
+        <p:txBody>
+          <a:bodyPr rtlCol="0" anchor="ctr"/>
+          <a:lstStyle/>
+          <a:p>
+            <a:pPr algn="ctr"/>
+            <a:endParaRPr lang="en-US"/>
+          </a:p>
+        </p:txBody>
+      </p:sp>
     </p:spTree>
     <p:extLst>
       <p:ext uri="{BB962C8B-B14F-4D97-AF65-F5344CB8AC3E}">
@@ -11637,10 +12051,309 @@
   <p:clrMapOvr>
     <a:masterClrMapping/>
   </p:clrMapOvr>
+  <p:timing>
+    <p:tnLst>
+      <p:par>
+        <p:cTn id="1" dur="indefinite" restart="never" nodeType="tmRoot">
+          <p:childTnLst>
+            <p:seq concurrent="1" nextAc="seek">
+              <p:cTn id="2" dur="indefinite" nodeType="mainSeq">
+                <p:childTnLst>
+                  <p:par>
+                    <p:cTn id="3" fill="hold">
+                      <p:stCondLst>
+                        <p:cond delay="indefinite"/>
+                      </p:stCondLst>
+                      <p:childTnLst>
+                        <p:par>
+                          <p:cTn id="4" fill="hold">
+                            <p:stCondLst>
+                              <p:cond delay="0"/>
+                            </p:stCondLst>
+                            <p:childTnLst>
+                              <p:par>
+                                <p:cTn id="5" presetID="10" presetClass="entr" presetSubtype="0" fill="hold" nodeType="clickEffect">
+                                  <p:stCondLst>
+                                    <p:cond delay="0"/>
+                                  </p:stCondLst>
+                                  <p:childTnLst>
+                                    <p:set>
+                                      <p:cBhvr>
+                                        <p:cTn id="6" dur="1" fill="hold">
+                                          <p:stCondLst>
+                                            <p:cond delay="0"/>
+                                          </p:stCondLst>
+                                        </p:cTn>
+                                        <p:tgtEl>
+                                          <p:spTgt spid="7"/>
+                                        </p:tgtEl>
+                                        <p:attrNameLst>
+                                          <p:attrName>style.visibility</p:attrName>
+                                        </p:attrNameLst>
+                                      </p:cBhvr>
+                                      <p:to>
+                                        <p:strVal val="visible"/>
+                                      </p:to>
+                                    </p:set>
+                                    <p:animEffect transition="in" filter="fade">
+                                      <p:cBhvr>
+                                        <p:cTn id="7" dur="500"/>
+                                        <p:tgtEl>
+                                          <p:spTgt spid="7"/>
+                                        </p:tgtEl>
+                                      </p:cBhvr>
+                                    </p:animEffect>
+                                  </p:childTnLst>
+                                </p:cTn>
+                              </p:par>
+                            </p:childTnLst>
+                          </p:cTn>
+                        </p:par>
+                      </p:childTnLst>
+                    </p:cTn>
+                  </p:par>
+                  <p:par>
+                    <p:cTn id="8" fill="hold">
+                      <p:stCondLst>
+                        <p:cond delay="indefinite"/>
+                      </p:stCondLst>
+                      <p:childTnLst>
+                        <p:par>
+                          <p:cTn id="9" fill="hold">
+                            <p:stCondLst>
+                              <p:cond delay="0"/>
+                            </p:stCondLst>
+                            <p:childTnLst>
+                              <p:par>
+                                <p:cTn id="10" presetID="10" presetClass="entr" presetSubtype="0" fill="hold" nodeType="clickEffect">
+                                  <p:stCondLst>
+                                    <p:cond delay="0"/>
+                                  </p:stCondLst>
+                                  <p:childTnLst>
+                                    <p:set>
+                                      <p:cBhvr>
+                                        <p:cTn id="11" dur="1" fill="hold">
+                                          <p:stCondLst>
+                                            <p:cond delay="0"/>
+                                          </p:stCondLst>
+                                        </p:cTn>
+                                        <p:tgtEl>
+                                          <p:spTgt spid="8"/>
+                                        </p:tgtEl>
+                                        <p:attrNameLst>
+                                          <p:attrName>style.visibility</p:attrName>
+                                        </p:attrNameLst>
+                                      </p:cBhvr>
+                                      <p:to>
+                                        <p:strVal val="visible"/>
+                                      </p:to>
+                                    </p:set>
+                                    <p:animEffect transition="in" filter="fade">
+                                      <p:cBhvr>
+                                        <p:cTn id="12" dur="500"/>
+                                        <p:tgtEl>
+                                          <p:spTgt spid="8"/>
+                                        </p:tgtEl>
+                                      </p:cBhvr>
+                                    </p:animEffect>
+                                  </p:childTnLst>
+                                </p:cTn>
+                              </p:par>
+                            </p:childTnLst>
+                          </p:cTn>
+                        </p:par>
+                      </p:childTnLst>
+                    </p:cTn>
+                  </p:par>
+                  <p:par>
+                    <p:cTn id="13" fill="hold">
+                      <p:stCondLst>
+                        <p:cond delay="indefinite"/>
+                      </p:stCondLst>
+                      <p:childTnLst>
+                        <p:par>
+                          <p:cTn id="14" fill="hold">
+                            <p:stCondLst>
+                              <p:cond delay="0"/>
+                            </p:stCondLst>
+                            <p:childTnLst>
+                              <p:par>
+                                <p:cTn id="15" presetID="10" presetClass="entr" presetSubtype="0" fill="hold" nodeType="clickEffect">
+                                  <p:stCondLst>
+                                    <p:cond delay="0"/>
+                                  </p:stCondLst>
+                                  <p:childTnLst>
+                                    <p:set>
+                                      <p:cBhvr>
+                                        <p:cTn id="16" dur="1" fill="hold">
+                                          <p:stCondLst>
+                                            <p:cond delay="0"/>
+                                          </p:stCondLst>
+                                        </p:cTn>
+                                        <p:tgtEl>
+                                          <p:spTgt spid="9"/>
+                                        </p:tgtEl>
+                                        <p:attrNameLst>
+                                          <p:attrName>style.visibility</p:attrName>
+                                        </p:attrNameLst>
+                                      </p:cBhvr>
+                                      <p:to>
+                                        <p:strVal val="visible"/>
+                                      </p:to>
+                                    </p:set>
+                                    <p:animEffect transition="in" filter="fade">
+                                      <p:cBhvr>
+                                        <p:cTn id="17" dur="500"/>
+                                        <p:tgtEl>
+                                          <p:spTgt spid="9"/>
+                                        </p:tgtEl>
+                                      </p:cBhvr>
+                                    </p:animEffect>
+                                  </p:childTnLst>
+                                </p:cTn>
+                              </p:par>
+                            </p:childTnLst>
+                          </p:cTn>
+                        </p:par>
+                      </p:childTnLst>
+                    </p:cTn>
+                  </p:par>
+                  <p:par>
+                    <p:cTn id="18" fill="hold">
+                      <p:stCondLst>
+                        <p:cond delay="indefinite"/>
+                      </p:stCondLst>
+                      <p:childTnLst>
+                        <p:par>
+                          <p:cTn id="19" fill="hold">
+                            <p:stCondLst>
+                              <p:cond delay="0"/>
+                            </p:stCondLst>
+                            <p:childTnLst>
+                              <p:par>
+                                <p:cTn id="20" presetID="6" presetClass="entr" presetSubtype="16" fill="hold" grpId="0" nodeType="clickEffect">
+                                  <p:stCondLst>
+                                    <p:cond delay="0"/>
+                                  </p:stCondLst>
+                                  <p:childTnLst>
+                                    <p:set>
+                                      <p:cBhvr>
+                                        <p:cTn id="21" dur="1" fill="hold">
+                                          <p:stCondLst>
+                                            <p:cond delay="0"/>
+                                          </p:stCondLst>
+                                        </p:cTn>
+                                        <p:tgtEl>
+                                          <p:spTgt spid="3"/>
+                                        </p:tgtEl>
+                                        <p:attrNameLst>
+                                          <p:attrName>style.visibility</p:attrName>
+                                        </p:attrNameLst>
+                                      </p:cBhvr>
+                                      <p:to>
+                                        <p:strVal val="visible"/>
+                                      </p:to>
+                                    </p:set>
+                                    <p:animEffect transition="in" filter="circle(in)">
+                                      <p:cBhvr>
+                                        <p:cTn id="22" dur="2000"/>
+                                        <p:tgtEl>
+                                          <p:spTgt spid="3"/>
+                                        </p:tgtEl>
+                                      </p:cBhvr>
+                                    </p:animEffect>
+                                  </p:childTnLst>
+                                </p:cTn>
+                              </p:par>
+                            </p:childTnLst>
+                          </p:cTn>
+                        </p:par>
+                      </p:childTnLst>
+                    </p:cTn>
+                  </p:par>
+                  <p:par>
+                    <p:cTn id="23" fill="hold">
+                      <p:stCondLst>
+                        <p:cond delay="indefinite"/>
+                      </p:stCondLst>
+                      <p:childTnLst>
+                        <p:par>
+                          <p:cTn id="24" fill="hold">
+                            <p:stCondLst>
+                              <p:cond delay="0"/>
+                            </p:stCondLst>
+                            <p:childTnLst>
+                              <p:par>
+                                <p:cTn id="25" presetID="6" presetClass="entr" presetSubtype="16" fill="hold" grpId="0" nodeType="clickEffect">
+                                  <p:stCondLst>
+                                    <p:cond delay="0"/>
+                                  </p:stCondLst>
+                                  <p:childTnLst>
+                                    <p:set>
+                                      <p:cBhvr>
+                                        <p:cTn id="26" dur="1" fill="hold">
+                                          <p:stCondLst>
+                                            <p:cond delay="0"/>
+                                          </p:stCondLst>
+                                        </p:cTn>
+                                        <p:tgtEl>
+                                          <p:spTgt spid="10"/>
+                                        </p:tgtEl>
+                                        <p:attrNameLst>
+                                          <p:attrName>style.visibility</p:attrName>
+                                        </p:attrNameLst>
+                                      </p:cBhvr>
+                                      <p:to>
+                                        <p:strVal val="visible"/>
+                                      </p:to>
+                                    </p:set>
+                                    <p:animEffect transition="in" filter="circle(in)">
+                                      <p:cBhvr>
+                                        <p:cTn id="27" dur="2000"/>
+                                        <p:tgtEl>
+                                          <p:spTgt spid="10"/>
+                                        </p:tgtEl>
+                                      </p:cBhvr>
+                                    </p:animEffect>
+                                  </p:childTnLst>
+                                </p:cTn>
+                              </p:par>
+                            </p:childTnLst>
+                          </p:cTn>
+                        </p:par>
+                      </p:childTnLst>
+                    </p:cTn>
+                  </p:par>
+                </p:childTnLst>
+              </p:cTn>
+              <p:prevCondLst>
+                <p:cond evt="onPrev" delay="0">
+                  <p:tgtEl>
+                    <p:sldTgt/>
+                  </p:tgtEl>
+                </p:cond>
+              </p:prevCondLst>
+              <p:nextCondLst>
+                <p:cond evt="onNext" delay="0">
+                  <p:tgtEl>
+                    <p:sldTgt/>
+                  </p:tgtEl>
+                </p:cond>
+              </p:nextCondLst>
+            </p:seq>
+          </p:childTnLst>
+        </p:cTn>
+      </p:par>
+    </p:tnLst>
+    <p:bldLst>
+      <p:bldP spid="3" grpId="0" animBg="1"/>
+      <p:bldP spid="10" grpId="0" animBg="1"/>
+    </p:bldLst>
+  </p:timing>
 </p:sld>
 </file>
 
-<file path=ppt/slides/slide5.xml><?xml version="1.0" encoding="utf-8"?>
+<file path=ppt/slides/slide6.xml><?xml version="1.0" encoding="utf-8"?>
 <p:sld xmlns:a="http://schemas.openxmlformats.org/drawingml/2006/main" xmlns:r="http://schemas.openxmlformats.org/officeDocument/2006/relationships" xmlns:p="http://schemas.openxmlformats.org/presentationml/2006/main">
   <p:cSld>
     <p:spTree>
@@ -11704,7 +12417,7 @@
         </p:blipFill>
         <p:spPr>
           <a:xfrm>
-            <a:off x="289568" y="1543119"/>
+            <a:off x="693282" y="1541207"/>
             <a:ext cx="2171145" cy="4351338"/>
           </a:xfrm>
         </p:spPr>
@@ -11749,7 +12462,7 @@
           <a:p>
             <a:fld id="{D8C32136-2E8F-41D8-87DD-E76A2A241A32}" type="slidenum">
               <a:rPr lang="en-US" smtClean="0"/>
-              <a:t>5</a:t>
+              <a:t>6</a:t>
             </a:fld>
             <a:endParaRPr lang="en-US" dirty="0"/>
           </a:p>
@@ -11777,7 +12490,7 @@
         </p:blipFill>
         <p:spPr>
           <a:xfrm>
-            <a:off x="5567816" y="1543119"/>
+            <a:off x="5914658" y="1541207"/>
             <a:ext cx="2173053" cy="4355161"/>
           </a:xfrm>
           <a:prstGeom prst="rect">
@@ -11807,7 +12520,7 @@
         </p:blipFill>
         <p:spPr>
           <a:xfrm>
-            <a:off x="2925674" y="1543119"/>
+            <a:off x="3272516" y="1541207"/>
             <a:ext cx="2177181" cy="4351338"/>
           </a:xfrm>
           <a:prstGeom prst="rect">
@@ -11815,6 +12528,144 @@
           </a:prstGeom>
         </p:spPr>
       </p:pic>
+      <p:sp>
+        <p:nvSpPr>
+          <p:cNvPr id="3" name="Oval 2"/>
+          <p:cNvSpPr/>
+          <p:nvPr/>
+        </p:nvSpPr>
+        <p:spPr>
+          <a:xfrm>
+            <a:off x="2381883" y="3342290"/>
+            <a:ext cx="315311" cy="344966"/>
+          </a:xfrm>
+          <a:prstGeom prst="ellipse">
+            <a:avLst/>
+          </a:prstGeom>
+          <a:noFill/>
+          <a:ln>
+            <a:solidFill>
+              <a:schemeClr val="tx1"/>
+            </a:solidFill>
+          </a:ln>
+        </p:spPr>
+        <p:style>
+          <a:lnRef idx="2">
+            <a:schemeClr val="accent1">
+              <a:shade val="50000"/>
+            </a:schemeClr>
+          </a:lnRef>
+          <a:fillRef idx="1">
+            <a:schemeClr val="accent1"/>
+          </a:fillRef>
+          <a:effectRef idx="0">
+            <a:schemeClr val="accent1"/>
+          </a:effectRef>
+          <a:fontRef idx="minor">
+            <a:schemeClr val="lt1"/>
+          </a:fontRef>
+        </p:style>
+        <p:txBody>
+          <a:bodyPr rtlCol="0" anchor="ctr"/>
+          <a:lstStyle/>
+          <a:p>
+            <a:pPr algn="ctr"/>
+            <a:endParaRPr lang="en-US"/>
+          </a:p>
+        </p:txBody>
+      </p:sp>
+      <p:sp>
+        <p:nvSpPr>
+          <p:cNvPr id="9" name="Oval 8"/>
+          <p:cNvSpPr/>
+          <p:nvPr/>
+        </p:nvSpPr>
+        <p:spPr>
+          <a:xfrm>
+            <a:off x="730991" y="3841530"/>
+            <a:ext cx="2032820" cy="777765"/>
+          </a:xfrm>
+          <a:prstGeom prst="ellipse">
+            <a:avLst/>
+          </a:prstGeom>
+          <a:noFill/>
+          <a:ln>
+            <a:solidFill>
+              <a:schemeClr val="tx1"/>
+            </a:solidFill>
+          </a:ln>
+        </p:spPr>
+        <p:style>
+          <a:lnRef idx="2">
+            <a:schemeClr val="accent1">
+              <a:shade val="50000"/>
+            </a:schemeClr>
+          </a:lnRef>
+          <a:fillRef idx="1">
+            <a:schemeClr val="accent1"/>
+          </a:fillRef>
+          <a:effectRef idx="0">
+            <a:schemeClr val="accent1"/>
+          </a:effectRef>
+          <a:fontRef idx="minor">
+            <a:schemeClr val="lt1"/>
+          </a:fontRef>
+        </p:style>
+        <p:txBody>
+          <a:bodyPr rtlCol="0" anchor="ctr"/>
+          <a:lstStyle/>
+          <a:p>
+            <a:pPr algn="ctr"/>
+            <a:endParaRPr lang="en-US"/>
+          </a:p>
+        </p:txBody>
+      </p:sp>
+      <p:sp>
+        <p:nvSpPr>
+          <p:cNvPr id="10" name="Oval 9"/>
+          <p:cNvSpPr/>
+          <p:nvPr/>
+        </p:nvSpPr>
+        <p:spPr>
+          <a:xfrm>
+            <a:off x="1791145" y="3111351"/>
+            <a:ext cx="1016410" cy="341441"/>
+          </a:xfrm>
+          <a:prstGeom prst="ellipse">
+            <a:avLst/>
+          </a:prstGeom>
+          <a:noFill/>
+          <a:ln>
+            <a:solidFill>
+              <a:schemeClr val="tx1"/>
+            </a:solidFill>
+          </a:ln>
+        </p:spPr>
+        <p:style>
+          <a:lnRef idx="2">
+            <a:schemeClr val="accent1">
+              <a:shade val="50000"/>
+            </a:schemeClr>
+          </a:lnRef>
+          <a:fillRef idx="1">
+            <a:schemeClr val="accent1"/>
+          </a:fillRef>
+          <a:effectRef idx="0">
+            <a:schemeClr val="accent1"/>
+          </a:effectRef>
+          <a:fontRef idx="minor">
+            <a:schemeClr val="lt1"/>
+          </a:fontRef>
+        </p:style>
+        <p:txBody>
+          <a:bodyPr rtlCol="0" anchor="ctr"/>
+          <a:lstStyle/>
+          <a:p>
+            <a:pPr algn="ctr"/>
+            <a:endParaRPr lang="en-US"/>
+          </a:p>
+        </p:txBody>
+      </p:sp>
     </p:spTree>
     <p:extLst>
       <p:ext uri="{BB962C8B-B14F-4D97-AF65-F5344CB8AC3E}">
@@ -11825,10 +12676,540 @@
   <p:clrMapOvr>
     <a:masterClrMapping/>
   </p:clrMapOvr>
+  <p:timing>
+    <p:tnLst>
+      <p:par>
+        <p:cTn id="1" dur="indefinite" restart="never" nodeType="tmRoot">
+          <p:childTnLst>
+            <p:seq concurrent="1" nextAc="seek">
+              <p:cTn id="2" dur="indefinite" nodeType="mainSeq">
+                <p:childTnLst>
+                  <p:par>
+                    <p:cTn id="3" fill="hold">
+                      <p:stCondLst>
+                        <p:cond delay="indefinite"/>
+                      </p:stCondLst>
+                      <p:childTnLst>
+                        <p:par>
+                          <p:cTn id="4" fill="hold">
+                            <p:stCondLst>
+                              <p:cond delay="0"/>
+                            </p:stCondLst>
+                            <p:childTnLst>
+                              <p:par>
+                                <p:cTn id="5" presetID="53" presetClass="entr" presetSubtype="16" fill="hold" grpId="0" nodeType="clickEffect">
+                                  <p:stCondLst>
+                                    <p:cond delay="0"/>
+                                  </p:stCondLst>
+                                  <p:childTnLst>
+                                    <p:set>
+                                      <p:cBhvr>
+                                        <p:cTn id="6" dur="1" fill="hold">
+                                          <p:stCondLst>
+                                            <p:cond delay="0"/>
+                                          </p:stCondLst>
+                                        </p:cTn>
+                                        <p:tgtEl>
+                                          <p:spTgt spid="3"/>
+                                        </p:tgtEl>
+                                        <p:attrNameLst>
+                                          <p:attrName>style.visibility</p:attrName>
+                                        </p:attrNameLst>
+                                      </p:cBhvr>
+                                      <p:to>
+                                        <p:strVal val="visible"/>
+                                      </p:to>
+                                    </p:set>
+                                    <p:anim calcmode="lin" valueType="num">
+                                      <p:cBhvr>
+                                        <p:cTn id="7" dur="500" fill="hold"/>
+                                        <p:tgtEl>
+                                          <p:spTgt spid="3"/>
+                                        </p:tgtEl>
+                                        <p:attrNameLst>
+                                          <p:attrName>ppt_w</p:attrName>
+                                        </p:attrNameLst>
+                                      </p:cBhvr>
+                                      <p:tavLst>
+                                        <p:tav tm="0">
+                                          <p:val>
+                                            <p:fltVal val="0"/>
+                                          </p:val>
+                                        </p:tav>
+                                        <p:tav tm="100000">
+                                          <p:val>
+                                            <p:strVal val="#ppt_w"/>
+                                          </p:val>
+                                        </p:tav>
+                                      </p:tavLst>
+                                    </p:anim>
+                                    <p:anim calcmode="lin" valueType="num">
+                                      <p:cBhvr>
+                                        <p:cTn id="8" dur="500" fill="hold"/>
+                                        <p:tgtEl>
+                                          <p:spTgt spid="3"/>
+                                        </p:tgtEl>
+                                        <p:attrNameLst>
+                                          <p:attrName>ppt_h</p:attrName>
+                                        </p:attrNameLst>
+                                      </p:cBhvr>
+                                      <p:tavLst>
+                                        <p:tav tm="0">
+                                          <p:val>
+                                            <p:fltVal val="0"/>
+                                          </p:val>
+                                        </p:tav>
+                                        <p:tav tm="100000">
+                                          <p:val>
+                                            <p:strVal val="#ppt_h"/>
+                                          </p:val>
+                                        </p:tav>
+                                      </p:tavLst>
+                                    </p:anim>
+                                    <p:animEffect transition="in" filter="fade">
+                                      <p:cBhvr>
+                                        <p:cTn id="9" dur="500"/>
+                                        <p:tgtEl>
+                                          <p:spTgt spid="3"/>
+                                        </p:tgtEl>
+                                      </p:cBhvr>
+                                    </p:animEffect>
+                                  </p:childTnLst>
+                                </p:cTn>
+                              </p:par>
+                            </p:childTnLst>
+                          </p:cTn>
+                        </p:par>
+                      </p:childTnLst>
+                    </p:cTn>
+                  </p:par>
+                  <p:par>
+                    <p:cTn id="10" fill="hold">
+                      <p:stCondLst>
+                        <p:cond delay="indefinite"/>
+                      </p:stCondLst>
+                      <p:childTnLst>
+                        <p:par>
+                          <p:cTn id="11" fill="hold">
+                            <p:stCondLst>
+                              <p:cond delay="0"/>
+                            </p:stCondLst>
+                            <p:childTnLst>
+                              <p:par>
+                                <p:cTn id="12" presetID="42" presetClass="entr" presetSubtype="0" fill="hold" nodeType="clickEffect">
+                                  <p:stCondLst>
+                                    <p:cond delay="0"/>
+                                  </p:stCondLst>
+                                  <p:childTnLst>
+                                    <p:set>
+                                      <p:cBhvr>
+                                        <p:cTn id="13" dur="1" fill="hold">
+                                          <p:stCondLst>
+                                            <p:cond delay="0"/>
+                                          </p:stCondLst>
+                                        </p:cTn>
+                                        <p:tgtEl>
+                                          <p:spTgt spid="8"/>
+                                        </p:tgtEl>
+                                        <p:attrNameLst>
+                                          <p:attrName>style.visibility</p:attrName>
+                                        </p:attrNameLst>
+                                      </p:cBhvr>
+                                      <p:to>
+                                        <p:strVal val="visible"/>
+                                      </p:to>
+                                    </p:set>
+                                    <p:animEffect transition="in" filter="fade">
+                                      <p:cBhvr>
+                                        <p:cTn id="14" dur="1000"/>
+                                        <p:tgtEl>
+                                          <p:spTgt spid="8"/>
+                                        </p:tgtEl>
+                                      </p:cBhvr>
+                                    </p:animEffect>
+                                    <p:anim calcmode="lin" valueType="num">
+                                      <p:cBhvr>
+                                        <p:cTn id="15" dur="1000" fill="hold"/>
+                                        <p:tgtEl>
+                                          <p:spTgt spid="8"/>
+                                        </p:tgtEl>
+                                        <p:attrNameLst>
+                                          <p:attrName>ppt_x</p:attrName>
+                                        </p:attrNameLst>
+                                      </p:cBhvr>
+                                      <p:tavLst>
+                                        <p:tav tm="0">
+                                          <p:val>
+                                            <p:strVal val="#ppt_x"/>
+                                          </p:val>
+                                        </p:tav>
+                                        <p:tav tm="100000">
+                                          <p:val>
+                                            <p:strVal val="#ppt_x"/>
+                                          </p:val>
+                                        </p:tav>
+                                      </p:tavLst>
+                                    </p:anim>
+                                    <p:anim calcmode="lin" valueType="num">
+                                      <p:cBhvr>
+                                        <p:cTn id="16" dur="1000" fill="hold"/>
+                                        <p:tgtEl>
+                                          <p:spTgt spid="8"/>
+                                        </p:tgtEl>
+                                        <p:attrNameLst>
+                                          <p:attrName>ppt_y</p:attrName>
+                                        </p:attrNameLst>
+                                      </p:cBhvr>
+                                      <p:tavLst>
+                                        <p:tav tm="0">
+                                          <p:val>
+                                            <p:strVal val="#ppt_y+.1"/>
+                                          </p:val>
+                                        </p:tav>
+                                        <p:tav tm="100000">
+                                          <p:val>
+                                            <p:strVal val="#ppt_y"/>
+                                          </p:val>
+                                        </p:tav>
+                                      </p:tavLst>
+                                    </p:anim>
+                                  </p:childTnLst>
+                                </p:cTn>
+                              </p:par>
+                            </p:childTnLst>
+                          </p:cTn>
+                        </p:par>
+                      </p:childTnLst>
+                    </p:cTn>
+                  </p:par>
+                  <p:par>
+                    <p:cTn id="17" fill="hold">
+                      <p:stCondLst>
+                        <p:cond delay="indefinite"/>
+                      </p:stCondLst>
+                      <p:childTnLst>
+                        <p:par>
+                          <p:cTn id="18" fill="hold">
+                            <p:stCondLst>
+                              <p:cond delay="0"/>
+                            </p:stCondLst>
+                            <p:childTnLst>
+                              <p:par>
+                                <p:cTn id="19" presetID="42" presetClass="entr" presetSubtype="0" fill="hold" nodeType="clickEffect">
+                                  <p:stCondLst>
+                                    <p:cond delay="0"/>
+                                  </p:stCondLst>
+                                  <p:childTnLst>
+                                    <p:set>
+                                      <p:cBhvr>
+                                        <p:cTn id="20" dur="1" fill="hold">
+                                          <p:stCondLst>
+                                            <p:cond delay="0"/>
+                                          </p:stCondLst>
+                                        </p:cTn>
+                                        <p:tgtEl>
+                                          <p:spTgt spid="7"/>
+                                        </p:tgtEl>
+                                        <p:attrNameLst>
+                                          <p:attrName>style.visibility</p:attrName>
+                                        </p:attrNameLst>
+                                      </p:cBhvr>
+                                      <p:to>
+                                        <p:strVal val="visible"/>
+                                      </p:to>
+                                    </p:set>
+                                    <p:animEffect transition="in" filter="fade">
+                                      <p:cBhvr>
+                                        <p:cTn id="21" dur="1000"/>
+                                        <p:tgtEl>
+                                          <p:spTgt spid="7"/>
+                                        </p:tgtEl>
+                                      </p:cBhvr>
+                                    </p:animEffect>
+                                    <p:anim calcmode="lin" valueType="num">
+                                      <p:cBhvr>
+                                        <p:cTn id="22" dur="1000" fill="hold"/>
+                                        <p:tgtEl>
+                                          <p:spTgt spid="7"/>
+                                        </p:tgtEl>
+                                        <p:attrNameLst>
+                                          <p:attrName>ppt_x</p:attrName>
+                                        </p:attrNameLst>
+                                      </p:cBhvr>
+                                      <p:tavLst>
+                                        <p:tav tm="0">
+                                          <p:val>
+                                            <p:strVal val="#ppt_x"/>
+                                          </p:val>
+                                        </p:tav>
+                                        <p:tav tm="100000">
+                                          <p:val>
+                                            <p:strVal val="#ppt_x"/>
+                                          </p:val>
+                                        </p:tav>
+                                      </p:tavLst>
+                                    </p:anim>
+                                    <p:anim calcmode="lin" valueType="num">
+                                      <p:cBhvr>
+                                        <p:cTn id="23" dur="1000" fill="hold"/>
+                                        <p:tgtEl>
+                                          <p:spTgt spid="7"/>
+                                        </p:tgtEl>
+                                        <p:attrNameLst>
+                                          <p:attrName>ppt_y</p:attrName>
+                                        </p:attrNameLst>
+                                      </p:cBhvr>
+                                      <p:tavLst>
+                                        <p:tav tm="0">
+                                          <p:val>
+                                            <p:strVal val="#ppt_y+.1"/>
+                                          </p:val>
+                                        </p:tav>
+                                        <p:tav tm="100000">
+                                          <p:val>
+                                            <p:strVal val="#ppt_y"/>
+                                          </p:val>
+                                        </p:tav>
+                                      </p:tavLst>
+                                    </p:anim>
+                                  </p:childTnLst>
+                                </p:cTn>
+                              </p:par>
+                            </p:childTnLst>
+                          </p:cTn>
+                        </p:par>
+                      </p:childTnLst>
+                    </p:cTn>
+                  </p:par>
+                  <p:par>
+                    <p:cTn id="24" fill="hold">
+                      <p:stCondLst>
+                        <p:cond delay="indefinite"/>
+                      </p:stCondLst>
+                      <p:childTnLst>
+                        <p:par>
+                          <p:cTn id="25" fill="hold">
+                            <p:stCondLst>
+                              <p:cond delay="0"/>
+                            </p:stCondLst>
+                            <p:childTnLst>
+                              <p:par>
+                                <p:cTn id="26" presetID="53" presetClass="entr" presetSubtype="16" fill="hold" grpId="0" nodeType="clickEffect">
+                                  <p:stCondLst>
+                                    <p:cond delay="0"/>
+                                  </p:stCondLst>
+                                  <p:childTnLst>
+                                    <p:set>
+                                      <p:cBhvr>
+                                        <p:cTn id="27" dur="1" fill="hold">
+                                          <p:stCondLst>
+                                            <p:cond delay="0"/>
+                                          </p:stCondLst>
+                                        </p:cTn>
+                                        <p:tgtEl>
+                                          <p:spTgt spid="9"/>
+                                        </p:tgtEl>
+                                        <p:attrNameLst>
+                                          <p:attrName>style.visibility</p:attrName>
+                                        </p:attrNameLst>
+                                      </p:cBhvr>
+                                      <p:to>
+                                        <p:strVal val="visible"/>
+                                      </p:to>
+                                    </p:set>
+                                    <p:anim calcmode="lin" valueType="num">
+                                      <p:cBhvr>
+                                        <p:cTn id="28" dur="500" fill="hold"/>
+                                        <p:tgtEl>
+                                          <p:spTgt spid="9"/>
+                                        </p:tgtEl>
+                                        <p:attrNameLst>
+                                          <p:attrName>ppt_w</p:attrName>
+                                        </p:attrNameLst>
+                                      </p:cBhvr>
+                                      <p:tavLst>
+                                        <p:tav tm="0">
+                                          <p:val>
+                                            <p:fltVal val="0"/>
+                                          </p:val>
+                                        </p:tav>
+                                        <p:tav tm="100000">
+                                          <p:val>
+                                            <p:strVal val="#ppt_w"/>
+                                          </p:val>
+                                        </p:tav>
+                                      </p:tavLst>
+                                    </p:anim>
+                                    <p:anim calcmode="lin" valueType="num">
+                                      <p:cBhvr>
+                                        <p:cTn id="29" dur="500" fill="hold"/>
+                                        <p:tgtEl>
+                                          <p:spTgt spid="9"/>
+                                        </p:tgtEl>
+                                        <p:attrNameLst>
+                                          <p:attrName>ppt_h</p:attrName>
+                                        </p:attrNameLst>
+                                      </p:cBhvr>
+                                      <p:tavLst>
+                                        <p:tav tm="0">
+                                          <p:val>
+                                            <p:fltVal val="0"/>
+                                          </p:val>
+                                        </p:tav>
+                                        <p:tav tm="100000">
+                                          <p:val>
+                                            <p:strVal val="#ppt_h"/>
+                                          </p:val>
+                                        </p:tav>
+                                      </p:tavLst>
+                                    </p:anim>
+                                    <p:animEffect transition="in" filter="fade">
+                                      <p:cBhvr>
+                                        <p:cTn id="30" dur="500"/>
+                                        <p:tgtEl>
+                                          <p:spTgt spid="9"/>
+                                        </p:tgtEl>
+                                      </p:cBhvr>
+                                    </p:animEffect>
+                                  </p:childTnLst>
+                                </p:cTn>
+                              </p:par>
+                            </p:childTnLst>
+                          </p:cTn>
+                        </p:par>
+                      </p:childTnLst>
+                    </p:cTn>
+                  </p:par>
+                  <p:par>
+                    <p:cTn id="31" fill="hold">
+                      <p:stCondLst>
+                        <p:cond delay="indefinite"/>
+                      </p:stCondLst>
+                      <p:childTnLst>
+                        <p:par>
+                          <p:cTn id="32" fill="hold">
+                            <p:stCondLst>
+                              <p:cond delay="0"/>
+                            </p:stCondLst>
+                            <p:childTnLst>
+                              <p:par>
+                                <p:cTn id="33" presetID="53" presetClass="entr" presetSubtype="16" fill="hold" grpId="0" nodeType="clickEffect">
+                                  <p:stCondLst>
+                                    <p:cond delay="0"/>
+                                  </p:stCondLst>
+                                  <p:childTnLst>
+                                    <p:set>
+                                      <p:cBhvr>
+                                        <p:cTn id="34" dur="1" fill="hold">
+                                          <p:stCondLst>
+                                            <p:cond delay="0"/>
+                                          </p:stCondLst>
+                                        </p:cTn>
+                                        <p:tgtEl>
+                                          <p:spTgt spid="10"/>
+                                        </p:tgtEl>
+                                        <p:attrNameLst>
+                                          <p:attrName>style.visibility</p:attrName>
+                                        </p:attrNameLst>
+                                      </p:cBhvr>
+                                      <p:to>
+                                        <p:strVal val="visible"/>
+                                      </p:to>
+                                    </p:set>
+                                    <p:anim calcmode="lin" valueType="num">
+                                      <p:cBhvr>
+                                        <p:cTn id="35" dur="500" fill="hold"/>
+                                        <p:tgtEl>
+                                          <p:spTgt spid="10"/>
+                                        </p:tgtEl>
+                                        <p:attrNameLst>
+                                          <p:attrName>ppt_w</p:attrName>
+                                        </p:attrNameLst>
+                                      </p:cBhvr>
+                                      <p:tavLst>
+                                        <p:tav tm="0">
+                                          <p:val>
+                                            <p:fltVal val="0"/>
+                                          </p:val>
+                                        </p:tav>
+                                        <p:tav tm="100000">
+                                          <p:val>
+                                            <p:strVal val="#ppt_w"/>
+                                          </p:val>
+                                        </p:tav>
+                                      </p:tavLst>
+                                    </p:anim>
+                                    <p:anim calcmode="lin" valueType="num">
+                                      <p:cBhvr>
+                                        <p:cTn id="36" dur="500" fill="hold"/>
+                                        <p:tgtEl>
+                                          <p:spTgt spid="10"/>
+                                        </p:tgtEl>
+                                        <p:attrNameLst>
+                                          <p:attrName>ppt_h</p:attrName>
+                                        </p:attrNameLst>
+                                      </p:cBhvr>
+                                      <p:tavLst>
+                                        <p:tav tm="0">
+                                          <p:val>
+                                            <p:fltVal val="0"/>
+                                          </p:val>
+                                        </p:tav>
+                                        <p:tav tm="100000">
+                                          <p:val>
+                                            <p:strVal val="#ppt_h"/>
+                                          </p:val>
+                                        </p:tav>
+                                      </p:tavLst>
+                                    </p:anim>
+                                    <p:animEffect transition="in" filter="fade">
+                                      <p:cBhvr>
+                                        <p:cTn id="37" dur="500"/>
+                                        <p:tgtEl>
+                                          <p:spTgt spid="10"/>
+                                        </p:tgtEl>
+                                      </p:cBhvr>
+                                    </p:animEffect>
+                                  </p:childTnLst>
+                                </p:cTn>
+                              </p:par>
+                            </p:childTnLst>
+                          </p:cTn>
+                        </p:par>
+                      </p:childTnLst>
+                    </p:cTn>
+                  </p:par>
+                </p:childTnLst>
+              </p:cTn>
+              <p:prevCondLst>
+                <p:cond evt="onPrev" delay="0">
+                  <p:tgtEl>
+                    <p:sldTgt/>
+                  </p:tgtEl>
+                </p:cond>
+              </p:prevCondLst>
+              <p:nextCondLst>
+                <p:cond evt="onNext" delay="0">
+                  <p:tgtEl>
+                    <p:sldTgt/>
+                  </p:tgtEl>
+                </p:cond>
+              </p:nextCondLst>
+            </p:seq>
+          </p:childTnLst>
+        </p:cTn>
+      </p:par>
+    </p:tnLst>
+    <p:bldLst>
+      <p:bldP spid="3" grpId="0" animBg="1"/>
+      <p:bldP spid="9" grpId="0" animBg="1"/>
+      <p:bldP spid="10" grpId="0" animBg="1"/>
+    </p:bldLst>
+  </p:timing>
 </p:sld>
 </file>
 
-<file path=ppt/slides/slide6.xml><?xml version="1.0" encoding="utf-8"?>
+<file path=ppt/slides/slide7.xml><?xml version="1.0" encoding="utf-8"?>
 <p:sld xmlns:a="http://schemas.openxmlformats.org/drawingml/2006/main" xmlns:r="http://schemas.openxmlformats.org/officeDocument/2006/relationships" xmlns:p="http://schemas.openxmlformats.org/presentationml/2006/main">
   <p:cSld>
     <p:spTree>
@@ -11937,7 +13318,7 @@
           <a:p>
             <a:fld id="{D8C32136-2E8F-41D8-87DD-E76A2A241A32}" type="slidenum">
               <a:rPr lang="en-US" smtClean="0"/>
-              <a:t>6</a:t>
+              <a:t>7</a:t>
             </a:fld>
             <a:endParaRPr lang="en-US" dirty="0"/>
           </a:p>
@@ -11995,7 +13376,7 @@
         </p:blipFill>
         <p:spPr>
           <a:xfrm>
-            <a:off x="5179056" y="1535499"/>
+            <a:off x="5174750" y="1550739"/>
             <a:ext cx="2174784" cy="4356418"/>
           </a:xfrm>
           <a:prstGeom prst="rect">
@@ -12025,7 +13406,7 @@
         </p:blipFill>
         <p:spPr>
           <a:xfrm>
-            <a:off x="5174750" y="1538039"/>
+            <a:off x="5160182" y="1535499"/>
             <a:ext cx="2189352" cy="4351338"/>
           </a:xfrm>
           <a:prstGeom prst="rect">
@@ -12033,6 +13414,98 @@
           </a:prstGeom>
         </p:spPr>
       </p:pic>
+      <p:sp>
+        <p:nvSpPr>
+          <p:cNvPr id="3" name="Oval 2"/>
+          <p:cNvSpPr/>
+          <p:nvPr/>
+        </p:nvSpPr>
+        <p:spPr>
+          <a:xfrm>
+            <a:off x="3200399" y="2806262"/>
+            <a:ext cx="425669" cy="394138"/>
+          </a:xfrm>
+          <a:prstGeom prst="ellipse">
+            <a:avLst/>
+          </a:prstGeom>
+          <a:noFill/>
+          <a:ln>
+            <a:solidFill>
+              <a:schemeClr val="tx1"/>
+            </a:solidFill>
+          </a:ln>
+        </p:spPr>
+        <p:style>
+          <a:lnRef idx="2">
+            <a:schemeClr val="dk1">
+              <a:shade val="50000"/>
+            </a:schemeClr>
+          </a:lnRef>
+          <a:fillRef idx="1">
+            <a:schemeClr val="dk1"/>
+          </a:fillRef>
+          <a:effectRef idx="0">
+            <a:schemeClr val="dk1"/>
+          </a:effectRef>
+          <a:fontRef idx="minor">
+            <a:schemeClr val="lt1"/>
+          </a:fontRef>
+        </p:style>
+        <p:txBody>
+          <a:bodyPr rtlCol="0" anchor="ctr"/>
+          <a:lstStyle/>
+          <a:p>
+            <a:pPr algn="ctr"/>
+            <a:endParaRPr lang="en-US"/>
+          </a:p>
+        </p:txBody>
+      </p:sp>
+      <p:sp>
+        <p:nvSpPr>
+          <p:cNvPr id="10" name="Oval 9"/>
+          <p:cNvSpPr/>
+          <p:nvPr/>
+        </p:nvSpPr>
+        <p:spPr>
+          <a:xfrm>
+            <a:off x="1764717" y="3324650"/>
+            <a:ext cx="425669" cy="394138"/>
+          </a:xfrm>
+          <a:prstGeom prst="ellipse">
+            <a:avLst/>
+          </a:prstGeom>
+          <a:noFill/>
+          <a:ln>
+            <a:solidFill>
+              <a:schemeClr val="tx1"/>
+            </a:solidFill>
+          </a:ln>
+        </p:spPr>
+        <p:style>
+          <a:lnRef idx="2">
+            <a:schemeClr val="dk1">
+              <a:shade val="50000"/>
+            </a:schemeClr>
+          </a:lnRef>
+          <a:fillRef idx="1">
+            <a:schemeClr val="dk1"/>
+          </a:fillRef>
+          <a:effectRef idx="0">
+            <a:schemeClr val="dk1"/>
+          </a:effectRef>
+          <a:fontRef idx="minor">
+            <a:schemeClr val="lt1"/>
+          </a:fontRef>
+        </p:style>
+        <p:txBody>
+          <a:bodyPr rtlCol="0" anchor="ctr"/>
+          <a:lstStyle/>
+          <a:p>
+            <a:pPr algn="ctr"/>
+            <a:endParaRPr lang="en-US"/>
+          </a:p>
+        </p:txBody>
+      </p:sp>
     </p:spTree>
     <p:extLst>
       <p:ext uri="{BB962C8B-B14F-4D97-AF65-F5344CB8AC3E}">
@@ -12043,10 +13516,309 @@
   <p:clrMapOvr>
     <a:masterClrMapping/>
   </p:clrMapOvr>
+  <p:timing>
+    <p:tnLst>
+      <p:par>
+        <p:cTn id="1" dur="indefinite" restart="never" nodeType="tmRoot">
+          <p:childTnLst>
+            <p:seq concurrent="1" nextAc="seek">
+              <p:cTn id="2" dur="indefinite" nodeType="mainSeq">
+                <p:childTnLst>
+                  <p:par>
+                    <p:cTn id="3" fill="hold">
+                      <p:stCondLst>
+                        <p:cond delay="indefinite"/>
+                      </p:stCondLst>
+                      <p:childTnLst>
+                        <p:par>
+                          <p:cTn id="4" fill="hold">
+                            <p:stCondLst>
+                              <p:cond delay="0"/>
+                            </p:stCondLst>
+                            <p:childTnLst>
+                              <p:par>
+                                <p:cTn id="5" presetID="10" presetClass="entr" presetSubtype="0" fill="hold" grpId="0" nodeType="clickEffect">
+                                  <p:stCondLst>
+                                    <p:cond delay="0"/>
+                                  </p:stCondLst>
+                                  <p:childTnLst>
+                                    <p:set>
+                                      <p:cBhvr>
+                                        <p:cTn id="6" dur="1" fill="hold">
+                                          <p:stCondLst>
+                                            <p:cond delay="0"/>
+                                          </p:stCondLst>
+                                        </p:cTn>
+                                        <p:tgtEl>
+                                          <p:spTgt spid="3"/>
+                                        </p:tgtEl>
+                                        <p:attrNameLst>
+                                          <p:attrName>style.visibility</p:attrName>
+                                        </p:attrNameLst>
+                                      </p:cBhvr>
+                                      <p:to>
+                                        <p:strVal val="visible"/>
+                                      </p:to>
+                                    </p:set>
+                                    <p:animEffect transition="in" filter="fade">
+                                      <p:cBhvr>
+                                        <p:cTn id="7" dur="500"/>
+                                        <p:tgtEl>
+                                          <p:spTgt spid="3"/>
+                                        </p:tgtEl>
+                                      </p:cBhvr>
+                                    </p:animEffect>
+                                  </p:childTnLst>
+                                </p:cTn>
+                              </p:par>
+                            </p:childTnLst>
+                          </p:cTn>
+                        </p:par>
+                      </p:childTnLst>
+                    </p:cTn>
+                  </p:par>
+                  <p:par>
+                    <p:cTn id="8" fill="hold">
+                      <p:stCondLst>
+                        <p:cond delay="indefinite"/>
+                      </p:stCondLst>
+                      <p:childTnLst>
+                        <p:par>
+                          <p:cTn id="9" fill="hold">
+                            <p:stCondLst>
+                              <p:cond delay="0"/>
+                            </p:stCondLst>
+                            <p:childTnLst>
+                              <p:par>
+                                <p:cTn id="10" presetID="10" presetClass="entr" presetSubtype="0" fill="hold" grpId="0" nodeType="clickEffect">
+                                  <p:stCondLst>
+                                    <p:cond delay="0"/>
+                                  </p:stCondLst>
+                                  <p:childTnLst>
+                                    <p:set>
+                                      <p:cBhvr>
+                                        <p:cTn id="11" dur="1" fill="hold">
+                                          <p:stCondLst>
+                                            <p:cond delay="0"/>
+                                          </p:stCondLst>
+                                        </p:cTn>
+                                        <p:tgtEl>
+                                          <p:spTgt spid="10"/>
+                                        </p:tgtEl>
+                                        <p:attrNameLst>
+                                          <p:attrName>style.visibility</p:attrName>
+                                        </p:attrNameLst>
+                                      </p:cBhvr>
+                                      <p:to>
+                                        <p:strVal val="visible"/>
+                                      </p:to>
+                                    </p:set>
+                                    <p:animEffect transition="in" filter="fade">
+                                      <p:cBhvr>
+                                        <p:cTn id="12" dur="500"/>
+                                        <p:tgtEl>
+                                          <p:spTgt spid="10"/>
+                                        </p:tgtEl>
+                                      </p:cBhvr>
+                                    </p:animEffect>
+                                  </p:childTnLst>
+                                </p:cTn>
+                              </p:par>
+                            </p:childTnLst>
+                          </p:cTn>
+                        </p:par>
+                      </p:childTnLst>
+                    </p:cTn>
+                  </p:par>
+                  <p:par>
+                    <p:cTn id="13" fill="hold">
+                      <p:stCondLst>
+                        <p:cond delay="indefinite"/>
+                      </p:stCondLst>
+                      <p:childTnLst>
+                        <p:par>
+                          <p:cTn id="14" fill="hold">
+                            <p:stCondLst>
+                              <p:cond delay="0"/>
+                            </p:stCondLst>
+                            <p:childTnLst>
+                              <p:par>
+                                <p:cTn id="15" presetID="16" presetClass="entr" presetSubtype="21" fill="hold" nodeType="clickEffect">
+                                  <p:stCondLst>
+                                    <p:cond delay="0"/>
+                                  </p:stCondLst>
+                                  <p:childTnLst>
+                                    <p:set>
+                                      <p:cBhvr>
+                                        <p:cTn id="16" dur="1" fill="hold">
+                                          <p:stCondLst>
+                                            <p:cond delay="0"/>
+                                          </p:stCondLst>
+                                        </p:cTn>
+                                        <p:tgtEl>
+                                          <p:spTgt spid="7"/>
+                                        </p:tgtEl>
+                                        <p:attrNameLst>
+                                          <p:attrName>style.visibility</p:attrName>
+                                        </p:attrNameLst>
+                                      </p:cBhvr>
+                                      <p:to>
+                                        <p:strVal val="visible"/>
+                                      </p:to>
+                                    </p:set>
+                                    <p:animEffect transition="in" filter="barn(inVertical)">
+                                      <p:cBhvr>
+                                        <p:cTn id="17" dur="500"/>
+                                        <p:tgtEl>
+                                          <p:spTgt spid="7"/>
+                                        </p:tgtEl>
+                                      </p:cBhvr>
+                                    </p:animEffect>
+                                  </p:childTnLst>
+                                </p:cTn>
+                              </p:par>
+                            </p:childTnLst>
+                          </p:cTn>
+                        </p:par>
+                      </p:childTnLst>
+                    </p:cTn>
+                  </p:par>
+                  <p:par>
+                    <p:cTn id="18" fill="hold">
+                      <p:stCondLst>
+                        <p:cond delay="indefinite"/>
+                      </p:stCondLst>
+                      <p:childTnLst>
+                        <p:par>
+                          <p:cTn id="19" fill="hold">
+                            <p:stCondLst>
+                              <p:cond delay="0"/>
+                            </p:stCondLst>
+                            <p:childTnLst>
+                              <p:par>
+                                <p:cTn id="20" presetID="16" presetClass="entr" presetSubtype="21" fill="hold" nodeType="clickEffect">
+                                  <p:stCondLst>
+                                    <p:cond delay="0"/>
+                                  </p:stCondLst>
+                                  <p:childTnLst>
+                                    <p:set>
+                                      <p:cBhvr>
+                                        <p:cTn id="21" dur="1" fill="hold">
+                                          <p:stCondLst>
+                                            <p:cond delay="0"/>
+                                          </p:stCondLst>
+                                        </p:cTn>
+                                        <p:tgtEl>
+                                          <p:spTgt spid="8"/>
+                                        </p:tgtEl>
+                                        <p:attrNameLst>
+                                          <p:attrName>style.visibility</p:attrName>
+                                        </p:attrNameLst>
+                                      </p:cBhvr>
+                                      <p:to>
+                                        <p:strVal val="visible"/>
+                                      </p:to>
+                                    </p:set>
+                                    <p:animEffect transition="in" filter="barn(inVertical)">
+                                      <p:cBhvr>
+                                        <p:cTn id="22" dur="500"/>
+                                        <p:tgtEl>
+                                          <p:spTgt spid="8"/>
+                                        </p:tgtEl>
+                                      </p:cBhvr>
+                                    </p:animEffect>
+                                  </p:childTnLst>
+                                </p:cTn>
+                              </p:par>
+                            </p:childTnLst>
+                          </p:cTn>
+                        </p:par>
+                      </p:childTnLst>
+                    </p:cTn>
+                  </p:par>
+                  <p:par>
+                    <p:cTn id="23" fill="hold">
+                      <p:stCondLst>
+                        <p:cond delay="indefinite"/>
+                      </p:stCondLst>
+                      <p:childTnLst>
+                        <p:par>
+                          <p:cTn id="24" fill="hold">
+                            <p:stCondLst>
+                              <p:cond delay="0"/>
+                            </p:stCondLst>
+                            <p:childTnLst>
+                              <p:par>
+                                <p:cTn id="25" presetID="16" presetClass="entr" presetSubtype="21" fill="hold" nodeType="clickEffect">
+                                  <p:stCondLst>
+                                    <p:cond delay="0"/>
+                                  </p:stCondLst>
+                                  <p:childTnLst>
+                                    <p:set>
+                                      <p:cBhvr>
+                                        <p:cTn id="26" dur="1" fill="hold">
+                                          <p:stCondLst>
+                                            <p:cond delay="0"/>
+                                          </p:stCondLst>
+                                        </p:cTn>
+                                        <p:tgtEl>
+                                          <p:spTgt spid="9"/>
+                                        </p:tgtEl>
+                                        <p:attrNameLst>
+                                          <p:attrName>style.visibility</p:attrName>
+                                        </p:attrNameLst>
+                                      </p:cBhvr>
+                                      <p:to>
+                                        <p:strVal val="visible"/>
+                                      </p:to>
+                                    </p:set>
+                                    <p:animEffect transition="in" filter="barn(inVertical)">
+                                      <p:cBhvr>
+                                        <p:cTn id="27" dur="500"/>
+                                        <p:tgtEl>
+                                          <p:spTgt spid="9"/>
+                                        </p:tgtEl>
+                                      </p:cBhvr>
+                                    </p:animEffect>
+                                  </p:childTnLst>
+                                </p:cTn>
+                              </p:par>
+                            </p:childTnLst>
+                          </p:cTn>
+                        </p:par>
+                      </p:childTnLst>
+                    </p:cTn>
+                  </p:par>
+                </p:childTnLst>
+              </p:cTn>
+              <p:prevCondLst>
+                <p:cond evt="onPrev" delay="0">
+                  <p:tgtEl>
+                    <p:sldTgt/>
+                  </p:tgtEl>
+                </p:cond>
+              </p:prevCondLst>
+              <p:nextCondLst>
+                <p:cond evt="onNext" delay="0">
+                  <p:tgtEl>
+                    <p:sldTgt/>
+                  </p:tgtEl>
+                </p:cond>
+              </p:nextCondLst>
+            </p:seq>
+          </p:childTnLst>
+        </p:cTn>
+      </p:par>
+    </p:tnLst>
+    <p:bldLst>
+      <p:bldP spid="3" grpId="0" animBg="1"/>
+      <p:bldP spid="10" grpId="0" animBg="1"/>
+    </p:bldLst>
+  </p:timing>
 </p:sld>
 </file>
 
-<file path=ppt/slides/slide7.xml><?xml version="1.0" encoding="utf-8"?>
+<file path=ppt/slides/slide8.xml><?xml version="1.0" encoding="utf-8"?>
 <p:sld xmlns:a="http://schemas.openxmlformats.org/drawingml/2006/main" xmlns:r="http://schemas.openxmlformats.org/officeDocument/2006/relationships" xmlns:p="http://schemas.openxmlformats.org/presentationml/2006/main">
   <p:cSld>
     <p:spTree>
@@ -12082,7 +13854,6 @@
               <a:rPr lang="en-US" dirty="0"/>
               <a:t>Main Screen</a:t>
             </a:r>
-            <a:endParaRPr lang="en-US" dirty="0"/>
           </a:p>
         </p:txBody>
       </p:sp>
@@ -12155,9 +13926,349 @@
           <a:p>
             <a:fld id="{D8C32136-2E8F-41D8-87DD-E76A2A241A32}" type="slidenum">
               <a:rPr lang="en-US" smtClean="0"/>
-              <a:t>7</a:t>
+              <a:t>8</a:t>
             </a:fld>
             <a:endParaRPr lang="en-US" dirty="0"/>
+          </a:p>
+        </p:txBody>
+      </p:sp>
+      <p:pic>
+        <p:nvPicPr>
+          <p:cNvPr id="3" name="Picture 2"/>
+          <p:cNvPicPr>
+            <a:picLocks noChangeAspect="1"/>
+          </p:cNvPicPr>
+          <p:nvPr/>
+        </p:nvPicPr>
+        <p:blipFill>
+          <a:blip r:embed="rId3"/>
+          <a:stretch>
+            <a:fillRect/>
+          </a:stretch>
+        </p:blipFill>
+        <p:spPr>
+          <a:xfrm>
+            <a:off x="4694182" y="950222"/>
+            <a:ext cx="2971800" cy="504825"/>
+          </a:xfrm>
+          <a:prstGeom prst="rect">
+            <a:avLst/>
+          </a:prstGeom>
+        </p:spPr>
+      </p:pic>
+      <p:cxnSp>
+        <p:nvCxnSpPr>
+          <p:cNvPr id="8" name="Straight Arrow Connector 7"/>
+          <p:cNvCxnSpPr>
+            <a:endCxn id="3" idx="1"/>
+          </p:cNvCxnSpPr>
+          <p:nvPr/>
+        </p:nvCxnSpPr>
+        <p:spPr>
+          <a:xfrm flipV="1">
+            <a:off x="2842906" y="1202635"/>
+            <a:ext cx="1851276" cy="484275"/>
+          </a:xfrm>
+          <a:prstGeom prst="straightConnector1">
+            <a:avLst/>
+          </a:prstGeom>
+          <a:ln>
+            <a:solidFill>
+              <a:schemeClr val="tx1"/>
+            </a:solidFill>
+            <a:tailEnd type="triangle"/>
+          </a:ln>
+        </p:spPr>
+        <p:style>
+          <a:lnRef idx="1">
+            <a:schemeClr val="accent1"/>
+          </a:lnRef>
+          <a:fillRef idx="0">
+            <a:schemeClr val="accent1"/>
+          </a:fillRef>
+          <a:effectRef idx="0">
+            <a:schemeClr val="accent1"/>
+          </a:effectRef>
+          <a:fontRef idx="minor">
+            <a:schemeClr val="tx1"/>
+          </a:fontRef>
+        </p:style>
+      </p:cxnSp>
+      <p:pic>
+        <p:nvPicPr>
+          <p:cNvPr id="9" name="Picture 8"/>
+          <p:cNvPicPr>
+            <a:picLocks noChangeAspect="1"/>
+          </p:cNvPicPr>
+          <p:nvPr/>
+        </p:nvPicPr>
+        <p:blipFill>
+          <a:blip r:embed="rId4"/>
+          <a:stretch>
+            <a:fillRect/>
+          </a:stretch>
+        </p:blipFill>
+        <p:spPr>
+          <a:xfrm>
+            <a:off x="4945609" y="1656968"/>
+            <a:ext cx="2315942" cy="1562660"/>
+          </a:xfrm>
+          <a:prstGeom prst="rect">
+            <a:avLst/>
+          </a:prstGeom>
+        </p:spPr>
+      </p:pic>
+      <p:cxnSp>
+        <p:nvCxnSpPr>
+          <p:cNvPr id="10" name="Straight Arrow Connector 9"/>
+          <p:cNvCxnSpPr>
+            <a:endCxn id="9" idx="1"/>
+          </p:cNvCxnSpPr>
+          <p:nvPr/>
+        </p:nvCxnSpPr>
+        <p:spPr>
+          <a:xfrm flipV="1">
+            <a:off x="2706890" y="2438298"/>
+            <a:ext cx="2238719" cy="147358"/>
+          </a:xfrm>
+          <a:prstGeom prst="straightConnector1">
+            <a:avLst/>
+          </a:prstGeom>
+          <a:ln>
+            <a:solidFill>
+              <a:schemeClr val="tx1"/>
+            </a:solidFill>
+            <a:tailEnd type="triangle"/>
+          </a:ln>
+        </p:spPr>
+        <p:style>
+          <a:lnRef idx="1">
+            <a:schemeClr val="accent1"/>
+          </a:lnRef>
+          <a:fillRef idx="0">
+            <a:schemeClr val="accent1"/>
+          </a:fillRef>
+          <a:effectRef idx="0">
+            <a:schemeClr val="accent1"/>
+          </a:effectRef>
+          <a:fontRef idx="minor">
+            <a:schemeClr val="tx1"/>
+          </a:fontRef>
+        </p:style>
+      </p:cxnSp>
+      <p:pic>
+        <p:nvPicPr>
+          <p:cNvPr id="13" name="Picture 12"/>
+          <p:cNvPicPr>
+            <a:picLocks noChangeAspect="1"/>
+          </p:cNvPicPr>
+          <p:nvPr/>
+        </p:nvPicPr>
+        <p:blipFill>
+          <a:blip r:embed="rId5"/>
+          <a:stretch>
+            <a:fillRect/>
+          </a:stretch>
+        </p:blipFill>
+        <p:spPr>
+          <a:xfrm>
+            <a:off x="4755792" y="3421549"/>
+            <a:ext cx="2695575" cy="1314450"/>
+          </a:xfrm>
+          <a:prstGeom prst="rect">
+            <a:avLst/>
+          </a:prstGeom>
+        </p:spPr>
+      </p:pic>
+      <p:cxnSp>
+        <p:nvCxnSpPr>
+          <p:cNvPr id="16" name="Straight Arrow Connector 15"/>
+          <p:cNvCxnSpPr>
+            <a:endCxn id="13" idx="1"/>
+          </p:cNvCxnSpPr>
+          <p:nvPr/>
+        </p:nvCxnSpPr>
+        <p:spPr>
+          <a:xfrm>
+            <a:off x="2706890" y="3925614"/>
+            <a:ext cx="2048902" cy="153160"/>
+          </a:xfrm>
+          <a:prstGeom prst="straightConnector1">
+            <a:avLst/>
+          </a:prstGeom>
+          <a:ln>
+            <a:solidFill>
+              <a:schemeClr val="tx1"/>
+            </a:solidFill>
+            <a:tailEnd type="triangle"/>
+          </a:ln>
+        </p:spPr>
+        <p:style>
+          <a:lnRef idx="1">
+            <a:schemeClr val="accent1"/>
+          </a:lnRef>
+          <a:fillRef idx="0">
+            <a:schemeClr val="accent1"/>
+          </a:fillRef>
+          <a:effectRef idx="0">
+            <a:schemeClr val="accent1"/>
+          </a:effectRef>
+          <a:fontRef idx="minor">
+            <a:schemeClr val="tx1"/>
+          </a:fontRef>
+        </p:style>
+      </p:cxnSp>
+      <p:pic>
+        <p:nvPicPr>
+          <p:cNvPr id="18" name="Picture 17"/>
+          <p:cNvPicPr>
+            <a:picLocks noChangeAspect="1"/>
+          </p:cNvPicPr>
+          <p:nvPr/>
+        </p:nvPicPr>
+        <p:blipFill>
+          <a:blip r:embed="rId6"/>
+          <a:stretch>
+            <a:fillRect/>
+          </a:stretch>
+        </p:blipFill>
+        <p:spPr>
+          <a:xfrm>
+            <a:off x="4775144" y="5186130"/>
+            <a:ext cx="2809875" cy="552450"/>
+          </a:xfrm>
+          <a:prstGeom prst="rect">
+            <a:avLst/>
+          </a:prstGeom>
+        </p:spPr>
+      </p:pic>
+      <p:cxnSp>
+        <p:nvCxnSpPr>
+          <p:cNvPr id="20" name="Straight Arrow Connector 19"/>
+          <p:cNvCxnSpPr>
+            <a:endCxn id="18" idx="1"/>
+          </p:cNvCxnSpPr>
+          <p:nvPr/>
+        </p:nvCxnSpPr>
+        <p:spPr>
+          <a:xfrm>
+            <a:off x="2744093" y="4572773"/>
+            <a:ext cx="2031051" cy="889582"/>
+          </a:xfrm>
+          <a:prstGeom prst="straightConnector1">
+            <a:avLst/>
+          </a:prstGeom>
+          <a:ln>
+            <a:solidFill>
+              <a:schemeClr val="tx1"/>
+            </a:solidFill>
+            <a:tailEnd type="triangle"/>
+          </a:ln>
+        </p:spPr>
+        <p:style>
+          <a:lnRef idx="1">
+            <a:schemeClr val="accent1"/>
+          </a:lnRef>
+          <a:fillRef idx="0">
+            <a:schemeClr val="accent1"/>
+          </a:fillRef>
+          <a:effectRef idx="0">
+            <a:schemeClr val="accent1"/>
+          </a:effectRef>
+          <a:fontRef idx="minor">
+            <a:schemeClr val="tx1"/>
+          </a:fontRef>
+        </p:style>
+      </p:cxnSp>
+      <p:sp>
+        <p:nvSpPr>
+          <p:cNvPr id="22" name="Oval 21"/>
+          <p:cNvSpPr/>
+          <p:nvPr/>
+        </p:nvSpPr>
+        <p:spPr>
+          <a:xfrm>
+            <a:off x="4775144" y="5186130"/>
+            <a:ext cx="1010801" cy="552450"/>
+          </a:xfrm>
+          <a:prstGeom prst="ellipse">
+            <a:avLst/>
+          </a:prstGeom>
+          <a:noFill/>
+          <a:ln>
+            <a:solidFill>
+              <a:schemeClr val="tx1"/>
+            </a:solidFill>
+          </a:ln>
+        </p:spPr>
+        <p:style>
+          <a:lnRef idx="2">
+            <a:schemeClr val="accent1">
+              <a:shade val="50000"/>
+            </a:schemeClr>
+          </a:lnRef>
+          <a:fillRef idx="1">
+            <a:schemeClr val="accent1"/>
+          </a:fillRef>
+          <a:effectRef idx="0">
+            <a:schemeClr val="accent1"/>
+          </a:effectRef>
+          <a:fontRef idx="minor">
+            <a:schemeClr val="lt1"/>
+          </a:fontRef>
+        </p:style>
+        <p:txBody>
+          <a:bodyPr rtlCol="0" anchor="ctr"/>
+          <a:lstStyle/>
+          <a:p>
+            <a:pPr algn="ctr"/>
+            <a:endParaRPr lang="en-US"/>
+          </a:p>
+        </p:txBody>
+      </p:sp>
+      <p:sp>
+        <p:nvSpPr>
+          <p:cNvPr id="23" name="Oval 22"/>
+          <p:cNvSpPr/>
+          <p:nvPr/>
+        </p:nvSpPr>
+        <p:spPr>
+          <a:xfrm>
+            <a:off x="4663880" y="903151"/>
+            <a:ext cx="1010801" cy="552450"/>
+          </a:xfrm>
+          <a:prstGeom prst="ellipse">
+            <a:avLst/>
+          </a:prstGeom>
+          <a:noFill/>
+          <a:ln>
+            <a:solidFill>
+              <a:schemeClr val="tx1"/>
+            </a:solidFill>
+          </a:ln>
+        </p:spPr>
+        <p:style>
+          <a:lnRef idx="2">
+            <a:schemeClr val="accent1">
+              <a:shade val="50000"/>
+            </a:schemeClr>
+          </a:lnRef>
+          <a:fillRef idx="1">
+            <a:schemeClr val="accent1"/>
+          </a:fillRef>
+          <a:effectRef idx="0">
+            <a:schemeClr val="accent1"/>
+          </a:effectRef>
+          <a:fontRef idx="minor">
+            <a:schemeClr val="lt1"/>
+          </a:fontRef>
+        </p:style>
+        <p:txBody>
+          <a:bodyPr rtlCol="0" anchor="ctr"/>
+          <a:lstStyle/>
+          <a:p>
+            <a:pPr algn="ctr"/>
+            <a:endParaRPr lang="en-US"/>
           </a:p>
         </p:txBody>
       </p:sp>
@@ -12171,10 +14282,806 @@
   <p:clrMapOvr>
     <a:masterClrMapping/>
   </p:clrMapOvr>
+  <p:timing>
+    <p:tnLst>
+      <p:par>
+        <p:cTn id="1" dur="indefinite" restart="never" nodeType="tmRoot">
+          <p:childTnLst>
+            <p:seq concurrent="1" nextAc="seek">
+              <p:cTn id="2" dur="indefinite" nodeType="mainSeq">
+                <p:childTnLst>
+                  <p:par>
+                    <p:cTn id="3" fill="hold">
+                      <p:stCondLst>
+                        <p:cond delay="indefinite"/>
+                      </p:stCondLst>
+                      <p:childTnLst>
+                        <p:par>
+                          <p:cTn id="4" fill="hold">
+                            <p:stCondLst>
+                              <p:cond delay="0"/>
+                            </p:stCondLst>
+                            <p:childTnLst>
+                              <p:par>
+                                <p:cTn id="5" presetID="2" presetClass="entr" presetSubtype="8" fill="hold" nodeType="clickEffect">
+                                  <p:stCondLst>
+                                    <p:cond delay="0"/>
+                                  </p:stCondLst>
+                                  <p:childTnLst>
+                                    <p:set>
+                                      <p:cBhvr>
+                                        <p:cTn id="6" dur="1" fill="hold">
+                                          <p:stCondLst>
+                                            <p:cond delay="0"/>
+                                          </p:stCondLst>
+                                        </p:cTn>
+                                        <p:tgtEl>
+                                          <p:spTgt spid="8"/>
+                                        </p:tgtEl>
+                                        <p:attrNameLst>
+                                          <p:attrName>style.visibility</p:attrName>
+                                        </p:attrNameLst>
+                                      </p:cBhvr>
+                                      <p:to>
+                                        <p:strVal val="visible"/>
+                                      </p:to>
+                                    </p:set>
+                                    <p:anim calcmode="lin" valueType="num">
+                                      <p:cBhvr additive="base">
+                                        <p:cTn id="7" dur="500" fill="hold"/>
+                                        <p:tgtEl>
+                                          <p:spTgt spid="8"/>
+                                        </p:tgtEl>
+                                        <p:attrNameLst>
+                                          <p:attrName>ppt_x</p:attrName>
+                                        </p:attrNameLst>
+                                      </p:cBhvr>
+                                      <p:tavLst>
+                                        <p:tav tm="0">
+                                          <p:val>
+                                            <p:strVal val="0-#ppt_w/2"/>
+                                          </p:val>
+                                        </p:tav>
+                                        <p:tav tm="100000">
+                                          <p:val>
+                                            <p:strVal val="#ppt_x"/>
+                                          </p:val>
+                                        </p:tav>
+                                      </p:tavLst>
+                                    </p:anim>
+                                    <p:anim calcmode="lin" valueType="num">
+                                      <p:cBhvr additive="base">
+                                        <p:cTn id="8" dur="500" fill="hold"/>
+                                        <p:tgtEl>
+                                          <p:spTgt spid="8"/>
+                                        </p:tgtEl>
+                                        <p:attrNameLst>
+                                          <p:attrName>ppt_y</p:attrName>
+                                        </p:attrNameLst>
+                                      </p:cBhvr>
+                                      <p:tavLst>
+                                        <p:tav tm="0">
+                                          <p:val>
+                                            <p:strVal val="#ppt_y"/>
+                                          </p:val>
+                                        </p:tav>
+                                        <p:tav tm="100000">
+                                          <p:val>
+                                            <p:strVal val="#ppt_y"/>
+                                          </p:val>
+                                        </p:tav>
+                                      </p:tavLst>
+                                    </p:anim>
+                                  </p:childTnLst>
+                                </p:cTn>
+                              </p:par>
+                              <p:par>
+                                <p:cTn id="9" presetID="2" presetClass="entr" presetSubtype="8" fill="hold" nodeType="withEffect">
+                                  <p:stCondLst>
+                                    <p:cond delay="0"/>
+                                  </p:stCondLst>
+                                  <p:childTnLst>
+                                    <p:set>
+                                      <p:cBhvr>
+                                        <p:cTn id="10" dur="1" fill="hold">
+                                          <p:stCondLst>
+                                            <p:cond delay="0"/>
+                                          </p:stCondLst>
+                                        </p:cTn>
+                                        <p:tgtEl>
+                                          <p:spTgt spid="3"/>
+                                        </p:tgtEl>
+                                        <p:attrNameLst>
+                                          <p:attrName>style.visibility</p:attrName>
+                                        </p:attrNameLst>
+                                      </p:cBhvr>
+                                      <p:to>
+                                        <p:strVal val="visible"/>
+                                      </p:to>
+                                    </p:set>
+                                    <p:anim calcmode="lin" valueType="num">
+                                      <p:cBhvr additive="base">
+                                        <p:cTn id="11" dur="500" fill="hold"/>
+                                        <p:tgtEl>
+                                          <p:spTgt spid="3"/>
+                                        </p:tgtEl>
+                                        <p:attrNameLst>
+                                          <p:attrName>ppt_x</p:attrName>
+                                        </p:attrNameLst>
+                                      </p:cBhvr>
+                                      <p:tavLst>
+                                        <p:tav tm="0">
+                                          <p:val>
+                                            <p:strVal val="0-#ppt_w/2"/>
+                                          </p:val>
+                                        </p:tav>
+                                        <p:tav tm="100000">
+                                          <p:val>
+                                            <p:strVal val="#ppt_x"/>
+                                          </p:val>
+                                        </p:tav>
+                                      </p:tavLst>
+                                    </p:anim>
+                                    <p:anim calcmode="lin" valueType="num">
+                                      <p:cBhvr additive="base">
+                                        <p:cTn id="12" dur="500" fill="hold"/>
+                                        <p:tgtEl>
+                                          <p:spTgt spid="3"/>
+                                        </p:tgtEl>
+                                        <p:attrNameLst>
+                                          <p:attrName>ppt_y</p:attrName>
+                                        </p:attrNameLst>
+                                      </p:cBhvr>
+                                      <p:tavLst>
+                                        <p:tav tm="0">
+                                          <p:val>
+                                            <p:strVal val="#ppt_y"/>
+                                          </p:val>
+                                        </p:tav>
+                                        <p:tav tm="100000">
+                                          <p:val>
+                                            <p:strVal val="#ppt_y"/>
+                                          </p:val>
+                                        </p:tav>
+                                      </p:tavLst>
+                                    </p:anim>
+                                  </p:childTnLst>
+                                </p:cTn>
+                              </p:par>
+                            </p:childTnLst>
+                          </p:cTn>
+                        </p:par>
+                      </p:childTnLst>
+                    </p:cTn>
+                  </p:par>
+                  <p:par>
+                    <p:cTn id="13" fill="hold">
+                      <p:stCondLst>
+                        <p:cond delay="indefinite"/>
+                      </p:stCondLst>
+                      <p:childTnLst>
+                        <p:par>
+                          <p:cTn id="14" fill="hold">
+                            <p:stCondLst>
+                              <p:cond delay="0"/>
+                            </p:stCondLst>
+                            <p:childTnLst>
+                              <p:par>
+                                <p:cTn id="15" presetID="2" presetClass="entr" presetSubtype="8" fill="hold" nodeType="clickEffect">
+                                  <p:stCondLst>
+                                    <p:cond delay="0"/>
+                                  </p:stCondLst>
+                                  <p:childTnLst>
+                                    <p:set>
+                                      <p:cBhvr>
+                                        <p:cTn id="16" dur="1" fill="hold">
+                                          <p:stCondLst>
+                                            <p:cond delay="0"/>
+                                          </p:stCondLst>
+                                        </p:cTn>
+                                        <p:tgtEl>
+                                          <p:spTgt spid="10"/>
+                                        </p:tgtEl>
+                                        <p:attrNameLst>
+                                          <p:attrName>style.visibility</p:attrName>
+                                        </p:attrNameLst>
+                                      </p:cBhvr>
+                                      <p:to>
+                                        <p:strVal val="visible"/>
+                                      </p:to>
+                                    </p:set>
+                                    <p:anim calcmode="lin" valueType="num">
+                                      <p:cBhvr additive="base">
+                                        <p:cTn id="17" dur="500" fill="hold"/>
+                                        <p:tgtEl>
+                                          <p:spTgt spid="10"/>
+                                        </p:tgtEl>
+                                        <p:attrNameLst>
+                                          <p:attrName>ppt_x</p:attrName>
+                                        </p:attrNameLst>
+                                      </p:cBhvr>
+                                      <p:tavLst>
+                                        <p:tav tm="0">
+                                          <p:val>
+                                            <p:strVal val="0-#ppt_w/2"/>
+                                          </p:val>
+                                        </p:tav>
+                                        <p:tav tm="100000">
+                                          <p:val>
+                                            <p:strVal val="#ppt_x"/>
+                                          </p:val>
+                                        </p:tav>
+                                      </p:tavLst>
+                                    </p:anim>
+                                    <p:anim calcmode="lin" valueType="num">
+                                      <p:cBhvr additive="base">
+                                        <p:cTn id="18" dur="500" fill="hold"/>
+                                        <p:tgtEl>
+                                          <p:spTgt spid="10"/>
+                                        </p:tgtEl>
+                                        <p:attrNameLst>
+                                          <p:attrName>ppt_y</p:attrName>
+                                        </p:attrNameLst>
+                                      </p:cBhvr>
+                                      <p:tavLst>
+                                        <p:tav tm="0">
+                                          <p:val>
+                                            <p:strVal val="#ppt_y"/>
+                                          </p:val>
+                                        </p:tav>
+                                        <p:tav tm="100000">
+                                          <p:val>
+                                            <p:strVal val="#ppt_y"/>
+                                          </p:val>
+                                        </p:tav>
+                                      </p:tavLst>
+                                    </p:anim>
+                                  </p:childTnLst>
+                                </p:cTn>
+                              </p:par>
+                              <p:par>
+                                <p:cTn id="19" presetID="2" presetClass="entr" presetSubtype="8" fill="hold" nodeType="withEffect">
+                                  <p:stCondLst>
+                                    <p:cond delay="0"/>
+                                  </p:stCondLst>
+                                  <p:childTnLst>
+                                    <p:set>
+                                      <p:cBhvr>
+                                        <p:cTn id="20" dur="1" fill="hold">
+                                          <p:stCondLst>
+                                            <p:cond delay="0"/>
+                                          </p:stCondLst>
+                                        </p:cTn>
+                                        <p:tgtEl>
+                                          <p:spTgt spid="9"/>
+                                        </p:tgtEl>
+                                        <p:attrNameLst>
+                                          <p:attrName>style.visibility</p:attrName>
+                                        </p:attrNameLst>
+                                      </p:cBhvr>
+                                      <p:to>
+                                        <p:strVal val="visible"/>
+                                      </p:to>
+                                    </p:set>
+                                    <p:anim calcmode="lin" valueType="num">
+                                      <p:cBhvr additive="base">
+                                        <p:cTn id="21" dur="500" fill="hold"/>
+                                        <p:tgtEl>
+                                          <p:spTgt spid="9"/>
+                                        </p:tgtEl>
+                                        <p:attrNameLst>
+                                          <p:attrName>ppt_x</p:attrName>
+                                        </p:attrNameLst>
+                                      </p:cBhvr>
+                                      <p:tavLst>
+                                        <p:tav tm="0">
+                                          <p:val>
+                                            <p:strVal val="0-#ppt_w/2"/>
+                                          </p:val>
+                                        </p:tav>
+                                        <p:tav tm="100000">
+                                          <p:val>
+                                            <p:strVal val="#ppt_x"/>
+                                          </p:val>
+                                        </p:tav>
+                                      </p:tavLst>
+                                    </p:anim>
+                                    <p:anim calcmode="lin" valueType="num">
+                                      <p:cBhvr additive="base">
+                                        <p:cTn id="22" dur="500" fill="hold"/>
+                                        <p:tgtEl>
+                                          <p:spTgt spid="9"/>
+                                        </p:tgtEl>
+                                        <p:attrNameLst>
+                                          <p:attrName>ppt_y</p:attrName>
+                                        </p:attrNameLst>
+                                      </p:cBhvr>
+                                      <p:tavLst>
+                                        <p:tav tm="0">
+                                          <p:val>
+                                            <p:strVal val="#ppt_y"/>
+                                          </p:val>
+                                        </p:tav>
+                                        <p:tav tm="100000">
+                                          <p:val>
+                                            <p:strVal val="#ppt_y"/>
+                                          </p:val>
+                                        </p:tav>
+                                      </p:tavLst>
+                                    </p:anim>
+                                  </p:childTnLst>
+                                </p:cTn>
+                              </p:par>
+                            </p:childTnLst>
+                          </p:cTn>
+                        </p:par>
+                      </p:childTnLst>
+                    </p:cTn>
+                  </p:par>
+                  <p:par>
+                    <p:cTn id="23" fill="hold">
+                      <p:stCondLst>
+                        <p:cond delay="indefinite"/>
+                      </p:stCondLst>
+                      <p:childTnLst>
+                        <p:par>
+                          <p:cTn id="24" fill="hold">
+                            <p:stCondLst>
+                              <p:cond delay="0"/>
+                            </p:stCondLst>
+                            <p:childTnLst>
+                              <p:par>
+                                <p:cTn id="25" presetID="2" presetClass="entr" presetSubtype="8" fill="hold" nodeType="clickEffect">
+                                  <p:stCondLst>
+                                    <p:cond delay="0"/>
+                                  </p:stCondLst>
+                                  <p:childTnLst>
+                                    <p:set>
+                                      <p:cBhvr>
+                                        <p:cTn id="26" dur="1" fill="hold">
+                                          <p:stCondLst>
+                                            <p:cond delay="0"/>
+                                          </p:stCondLst>
+                                        </p:cTn>
+                                        <p:tgtEl>
+                                          <p:spTgt spid="16"/>
+                                        </p:tgtEl>
+                                        <p:attrNameLst>
+                                          <p:attrName>style.visibility</p:attrName>
+                                        </p:attrNameLst>
+                                      </p:cBhvr>
+                                      <p:to>
+                                        <p:strVal val="visible"/>
+                                      </p:to>
+                                    </p:set>
+                                    <p:anim calcmode="lin" valueType="num">
+                                      <p:cBhvr additive="base">
+                                        <p:cTn id="27" dur="500" fill="hold"/>
+                                        <p:tgtEl>
+                                          <p:spTgt spid="16"/>
+                                        </p:tgtEl>
+                                        <p:attrNameLst>
+                                          <p:attrName>ppt_x</p:attrName>
+                                        </p:attrNameLst>
+                                      </p:cBhvr>
+                                      <p:tavLst>
+                                        <p:tav tm="0">
+                                          <p:val>
+                                            <p:strVal val="0-#ppt_w/2"/>
+                                          </p:val>
+                                        </p:tav>
+                                        <p:tav tm="100000">
+                                          <p:val>
+                                            <p:strVal val="#ppt_x"/>
+                                          </p:val>
+                                        </p:tav>
+                                      </p:tavLst>
+                                    </p:anim>
+                                    <p:anim calcmode="lin" valueType="num">
+                                      <p:cBhvr additive="base">
+                                        <p:cTn id="28" dur="500" fill="hold"/>
+                                        <p:tgtEl>
+                                          <p:spTgt spid="16"/>
+                                        </p:tgtEl>
+                                        <p:attrNameLst>
+                                          <p:attrName>ppt_y</p:attrName>
+                                        </p:attrNameLst>
+                                      </p:cBhvr>
+                                      <p:tavLst>
+                                        <p:tav tm="0">
+                                          <p:val>
+                                            <p:strVal val="#ppt_y"/>
+                                          </p:val>
+                                        </p:tav>
+                                        <p:tav tm="100000">
+                                          <p:val>
+                                            <p:strVal val="#ppt_y"/>
+                                          </p:val>
+                                        </p:tav>
+                                      </p:tavLst>
+                                    </p:anim>
+                                  </p:childTnLst>
+                                </p:cTn>
+                              </p:par>
+                              <p:par>
+                                <p:cTn id="29" presetID="2" presetClass="entr" presetSubtype="8" fill="hold" nodeType="withEffect">
+                                  <p:stCondLst>
+                                    <p:cond delay="0"/>
+                                  </p:stCondLst>
+                                  <p:childTnLst>
+                                    <p:set>
+                                      <p:cBhvr>
+                                        <p:cTn id="30" dur="1" fill="hold">
+                                          <p:stCondLst>
+                                            <p:cond delay="0"/>
+                                          </p:stCondLst>
+                                        </p:cTn>
+                                        <p:tgtEl>
+                                          <p:spTgt spid="13"/>
+                                        </p:tgtEl>
+                                        <p:attrNameLst>
+                                          <p:attrName>style.visibility</p:attrName>
+                                        </p:attrNameLst>
+                                      </p:cBhvr>
+                                      <p:to>
+                                        <p:strVal val="visible"/>
+                                      </p:to>
+                                    </p:set>
+                                    <p:anim calcmode="lin" valueType="num">
+                                      <p:cBhvr additive="base">
+                                        <p:cTn id="31" dur="500" fill="hold"/>
+                                        <p:tgtEl>
+                                          <p:spTgt spid="13"/>
+                                        </p:tgtEl>
+                                        <p:attrNameLst>
+                                          <p:attrName>ppt_x</p:attrName>
+                                        </p:attrNameLst>
+                                      </p:cBhvr>
+                                      <p:tavLst>
+                                        <p:tav tm="0">
+                                          <p:val>
+                                            <p:strVal val="0-#ppt_w/2"/>
+                                          </p:val>
+                                        </p:tav>
+                                        <p:tav tm="100000">
+                                          <p:val>
+                                            <p:strVal val="#ppt_x"/>
+                                          </p:val>
+                                        </p:tav>
+                                      </p:tavLst>
+                                    </p:anim>
+                                    <p:anim calcmode="lin" valueType="num">
+                                      <p:cBhvr additive="base">
+                                        <p:cTn id="32" dur="500" fill="hold"/>
+                                        <p:tgtEl>
+                                          <p:spTgt spid="13"/>
+                                        </p:tgtEl>
+                                        <p:attrNameLst>
+                                          <p:attrName>ppt_y</p:attrName>
+                                        </p:attrNameLst>
+                                      </p:cBhvr>
+                                      <p:tavLst>
+                                        <p:tav tm="0">
+                                          <p:val>
+                                            <p:strVal val="#ppt_y"/>
+                                          </p:val>
+                                        </p:tav>
+                                        <p:tav tm="100000">
+                                          <p:val>
+                                            <p:strVal val="#ppt_y"/>
+                                          </p:val>
+                                        </p:tav>
+                                      </p:tavLst>
+                                    </p:anim>
+                                  </p:childTnLst>
+                                </p:cTn>
+                              </p:par>
+                            </p:childTnLst>
+                          </p:cTn>
+                        </p:par>
+                      </p:childTnLst>
+                    </p:cTn>
+                  </p:par>
+                  <p:par>
+                    <p:cTn id="33" fill="hold">
+                      <p:stCondLst>
+                        <p:cond delay="indefinite"/>
+                      </p:stCondLst>
+                      <p:childTnLst>
+                        <p:par>
+                          <p:cTn id="34" fill="hold">
+                            <p:stCondLst>
+                              <p:cond delay="0"/>
+                            </p:stCondLst>
+                            <p:childTnLst>
+                              <p:par>
+                                <p:cTn id="35" presetID="2" presetClass="entr" presetSubtype="8" fill="hold" nodeType="clickEffect">
+                                  <p:stCondLst>
+                                    <p:cond delay="0"/>
+                                  </p:stCondLst>
+                                  <p:childTnLst>
+                                    <p:set>
+                                      <p:cBhvr>
+                                        <p:cTn id="36" dur="1" fill="hold">
+                                          <p:stCondLst>
+                                            <p:cond delay="0"/>
+                                          </p:stCondLst>
+                                        </p:cTn>
+                                        <p:tgtEl>
+                                          <p:spTgt spid="20"/>
+                                        </p:tgtEl>
+                                        <p:attrNameLst>
+                                          <p:attrName>style.visibility</p:attrName>
+                                        </p:attrNameLst>
+                                      </p:cBhvr>
+                                      <p:to>
+                                        <p:strVal val="visible"/>
+                                      </p:to>
+                                    </p:set>
+                                    <p:anim calcmode="lin" valueType="num">
+                                      <p:cBhvr additive="base">
+                                        <p:cTn id="37" dur="500" fill="hold"/>
+                                        <p:tgtEl>
+                                          <p:spTgt spid="20"/>
+                                        </p:tgtEl>
+                                        <p:attrNameLst>
+                                          <p:attrName>ppt_x</p:attrName>
+                                        </p:attrNameLst>
+                                      </p:cBhvr>
+                                      <p:tavLst>
+                                        <p:tav tm="0">
+                                          <p:val>
+                                            <p:strVal val="0-#ppt_w/2"/>
+                                          </p:val>
+                                        </p:tav>
+                                        <p:tav tm="100000">
+                                          <p:val>
+                                            <p:strVal val="#ppt_x"/>
+                                          </p:val>
+                                        </p:tav>
+                                      </p:tavLst>
+                                    </p:anim>
+                                    <p:anim calcmode="lin" valueType="num">
+                                      <p:cBhvr additive="base">
+                                        <p:cTn id="38" dur="500" fill="hold"/>
+                                        <p:tgtEl>
+                                          <p:spTgt spid="20"/>
+                                        </p:tgtEl>
+                                        <p:attrNameLst>
+                                          <p:attrName>ppt_y</p:attrName>
+                                        </p:attrNameLst>
+                                      </p:cBhvr>
+                                      <p:tavLst>
+                                        <p:tav tm="0">
+                                          <p:val>
+                                            <p:strVal val="#ppt_y"/>
+                                          </p:val>
+                                        </p:tav>
+                                        <p:tav tm="100000">
+                                          <p:val>
+                                            <p:strVal val="#ppt_y"/>
+                                          </p:val>
+                                        </p:tav>
+                                      </p:tavLst>
+                                    </p:anim>
+                                  </p:childTnLst>
+                                </p:cTn>
+                              </p:par>
+                              <p:par>
+                                <p:cTn id="39" presetID="2" presetClass="entr" presetSubtype="8" fill="hold" nodeType="withEffect">
+                                  <p:stCondLst>
+                                    <p:cond delay="0"/>
+                                  </p:stCondLst>
+                                  <p:childTnLst>
+                                    <p:set>
+                                      <p:cBhvr>
+                                        <p:cTn id="40" dur="1" fill="hold">
+                                          <p:stCondLst>
+                                            <p:cond delay="0"/>
+                                          </p:stCondLst>
+                                        </p:cTn>
+                                        <p:tgtEl>
+                                          <p:spTgt spid="18"/>
+                                        </p:tgtEl>
+                                        <p:attrNameLst>
+                                          <p:attrName>style.visibility</p:attrName>
+                                        </p:attrNameLst>
+                                      </p:cBhvr>
+                                      <p:to>
+                                        <p:strVal val="visible"/>
+                                      </p:to>
+                                    </p:set>
+                                    <p:anim calcmode="lin" valueType="num">
+                                      <p:cBhvr additive="base">
+                                        <p:cTn id="41" dur="500" fill="hold"/>
+                                        <p:tgtEl>
+                                          <p:spTgt spid="18"/>
+                                        </p:tgtEl>
+                                        <p:attrNameLst>
+                                          <p:attrName>ppt_x</p:attrName>
+                                        </p:attrNameLst>
+                                      </p:cBhvr>
+                                      <p:tavLst>
+                                        <p:tav tm="0">
+                                          <p:val>
+                                            <p:strVal val="0-#ppt_w/2"/>
+                                          </p:val>
+                                        </p:tav>
+                                        <p:tav tm="100000">
+                                          <p:val>
+                                            <p:strVal val="#ppt_x"/>
+                                          </p:val>
+                                        </p:tav>
+                                      </p:tavLst>
+                                    </p:anim>
+                                    <p:anim calcmode="lin" valueType="num">
+                                      <p:cBhvr additive="base">
+                                        <p:cTn id="42" dur="500" fill="hold"/>
+                                        <p:tgtEl>
+                                          <p:spTgt spid="18"/>
+                                        </p:tgtEl>
+                                        <p:attrNameLst>
+                                          <p:attrName>ppt_y</p:attrName>
+                                        </p:attrNameLst>
+                                      </p:cBhvr>
+                                      <p:tavLst>
+                                        <p:tav tm="0">
+                                          <p:val>
+                                            <p:strVal val="#ppt_y"/>
+                                          </p:val>
+                                        </p:tav>
+                                        <p:tav tm="100000">
+                                          <p:val>
+                                            <p:strVal val="#ppt_y"/>
+                                          </p:val>
+                                        </p:tav>
+                                      </p:tavLst>
+                                    </p:anim>
+                                  </p:childTnLst>
+                                </p:cTn>
+                              </p:par>
+                            </p:childTnLst>
+                          </p:cTn>
+                        </p:par>
+                      </p:childTnLst>
+                    </p:cTn>
+                  </p:par>
+                  <p:par>
+                    <p:cTn id="43" fill="hold">
+                      <p:stCondLst>
+                        <p:cond delay="indefinite"/>
+                      </p:stCondLst>
+                      <p:childTnLst>
+                        <p:par>
+                          <p:cTn id="44" fill="hold">
+                            <p:stCondLst>
+                              <p:cond delay="0"/>
+                            </p:stCondLst>
+                            <p:childTnLst>
+                              <p:par>
+                                <p:cTn id="45" presetID="16" presetClass="entr" presetSubtype="21" fill="hold" grpId="0" nodeType="clickEffect">
+                                  <p:stCondLst>
+                                    <p:cond delay="0"/>
+                                  </p:stCondLst>
+                                  <p:childTnLst>
+                                    <p:set>
+                                      <p:cBhvr>
+                                        <p:cTn id="46" dur="1" fill="hold">
+                                          <p:stCondLst>
+                                            <p:cond delay="0"/>
+                                          </p:stCondLst>
+                                        </p:cTn>
+                                        <p:tgtEl>
+                                          <p:spTgt spid="22"/>
+                                        </p:tgtEl>
+                                        <p:attrNameLst>
+                                          <p:attrName>style.visibility</p:attrName>
+                                        </p:attrNameLst>
+                                      </p:cBhvr>
+                                      <p:to>
+                                        <p:strVal val="visible"/>
+                                      </p:to>
+                                    </p:set>
+                                    <p:animEffect transition="in" filter="barn(inVertical)">
+                                      <p:cBhvr>
+                                        <p:cTn id="47" dur="500"/>
+                                        <p:tgtEl>
+                                          <p:spTgt spid="22"/>
+                                        </p:tgtEl>
+                                      </p:cBhvr>
+                                    </p:animEffect>
+                                  </p:childTnLst>
+                                </p:cTn>
+                              </p:par>
+                            </p:childTnLst>
+                          </p:cTn>
+                        </p:par>
+                      </p:childTnLst>
+                    </p:cTn>
+                  </p:par>
+                  <p:par>
+                    <p:cTn id="48" fill="hold">
+                      <p:stCondLst>
+                        <p:cond delay="indefinite"/>
+                      </p:stCondLst>
+                      <p:childTnLst>
+                        <p:par>
+                          <p:cTn id="49" fill="hold">
+                            <p:stCondLst>
+                              <p:cond delay="0"/>
+                            </p:stCondLst>
+                            <p:childTnLst>
+                              <p:par>
+                                <p:cTn id="50" presetID="16" presetClass="entr" presetSubtype="21" fill="hold" grpId="0" nodeType="clickEffect">
+                                  <p:stCondLst>
+                                    <p:cond delay="0"/>
+                                  </p:stCondLst>
+                                  <p:childTnLst>
+                                    <p:set>
+                                      <p:cBhvr>
+                                        <p:cTn id="51" dur="1" fill="hold">
+                                          <p:stCondLst>
+                                            <p:cond delay="0"/>
+                                          </p:stCondLst>
+                                        </p:cTn>
+                                        <p:tgtEl>
+                                          <p:spTgt spid="23"/>
+                                        </p:tgtEl>
+                                        <p:attrNameLst>
+                                          <p:attrName>style.visibility</p:attrName>
+                                        </p:attrNameLst>
+                                      </p:cBhvr>
+                                      <p:to>
+                                        <p:strVal val="visible"/>
+                                      </p:to>
+                                    </p:set>
+                                    <p:animEffect transition="in" filter="barn(inVertical)">
+                                      <p:cBhvr>
+                                        <p:cTn id="52" dur="500"/>
+                                        <p:tgtEl>
+                                          <p:spTgt spid="23"/>
+                                        </p:tgtEl>
+                                      </p:cBhvr>
+                                    </p:animEffect>
+                                  </p:childTnLst>
+                                </p:cTn>
+                              </p:par>
+                            </p:childTnLst>
+                          </p:cTn>
+                        </p:par>
+                      </p:childTnLst>
+                    </p:cTn>
+                  </p:par>
+                </p:childTnLst>
+              </p:cTn>
+              <p:prevCondLst>
+                <p:cond evt="onPrev" delay="0">
+                  <p:tgtEl>
+                    <p:sldTgt/>
+                  </p:tgtEl>
+                </p:cond>
+              </p:prevCondLst>
+              <p:nextCondLst>
+                <p:cond evt="onNext" delay="0">
+                  <p:tgtEl>
+                    <p:sldTgt/>
+                  </p:tgtEl>
+                </p:cond>
+              </p:nextCondLst>
+            </p:seq>
+          </p:childTnLst>
+        </p:cTn>
+      </p:par>
+    </p:tnLst>
+    <p:bldLst>
+      <p:bldP spid="22" grpId="0" animBg="1"/>
+      <p:bldP spid="23" grpId="0" animBg="1"/>
+    </p:bldLst>
+  </p:timing>
 </p:sld>
 </file>
 
-<file path=ppt/slides/slide8.xml><?xml version="1.0" encoding="utf-8"?>
+<file path=ppt/slides/slide9.xml><?xml version="1.0" encoding="utf-8"?>
 <p:sld xmlns:a="http://schemas.openxmlformats.org/drawingml/2006/main" xmlns:r="http://schemas.openxmlformats.org/officeDocument/2006/relationships" xmlns:p="http://schemas.openxmlformats.org/presentationml/2006/main">
   <p:cSld>
     <p:spTree>
@@ -12238,7 +15145,7 @@
         </p:blipFill>
         <p:spPr>
           <a:xfrm>
-            <a:off x="1191589" y="1543119"/>
+            <a:off x="1746367" y="1543119"/>
             <a:ext cx="2189352" cy="4351338"/>
           </a:xfrm>
         </p:spPr>
@@ -12283,7 +15190,7 @@
           <a:p>
             <a:fld id="{D8C32136-2E8F-41D8-87DD-E76A2A241A32}" type="slidenum">
               <a:rPr lang="en-US" smtClean="0"/>
-              <a:t>8</a:t>
+              <a:t>9</a:t>
             </a:fld>
             <a:endParaRPr lang="en-US" dirty="0"/>
           </a:p>
@@ -12341,7 +15248,7 @@
         </p:blipFill>
         <p:spPr>
           <a:xfrm>
-            <a:off x="5037237" y="1543119"/>
+            <a:off x="5050921" y="1543119"/>
             <a:ext cx="2182511" cy="4351338"/>
           </a:xfrm>
           <a:prstGeom prst="rect">
@@ -12349,6 +15256,52 @@
           </a:prstGeom>
         </p:spPr>
       </p:pic>
+      <p:sp>
+        <p:nvSpPr>
+          <p:cNvPr id="3" name="Oval 2"/>
+          <p:cNvSpPr/>
+          <p:nvPr/>
+        </p:nvSpPr>
+        <p:spPr>
+          <a:xfrm>
+            <a:off x="1732683" y="2869324"/>
+            <a:ext cx="1056289" cy="189186"/>
+          </a:xfrm>
+          <a:prstGeom prst="ellipse">
+            <a:avLst/>
+          </a:prstGeom>
+          <a:noFill/>
+          <a:ln>
+            <a:solidFill>
+              <a:schemeClr val="tx1"/>
+            </a:solidFill>
+          </a:ln>
+        </p:spPr>
+        <p:style>
+          <a:lnRef idx="2">
+            <a:schemeClr val="accent1">
+              <a:shade val="50000"/>
+            </a:schemeClr>
+          </a:lnRef>
+          <a:fillRef idx="1">
+            <a:schemeClr val="accent1"/>
+          </a:fillRef>
+          <a:effectRef idx="0">
+            <a:schemeClr val="accent1"/>
+          </a:effectRef>
+          <a:fontRef idx="minor">
+            <a:schemeClr val="lt1"/>
+          </a:fontRef>
+        </p:style>
+        <p:txBody>
+          <a:bodyPr rtlCol="0" anchor="ctr"/>
+          <a:lstStyle/>
+          <a:p>
+            <a:pPr algn="ctr"/>
+            <a:endParaRPr lang="en-US"/>
+          </a:p>
+        </p:txBody>
+      </p:sp>
     </p:spTree>
     <p:extLst>
       <p:ext uri="{BB962C8B-B14F-4D97-AF65-F5344CB8AC3E}">
@@ -12359,194 +15312,234 @@
   <p:clrMapOvr>
     <a:masterClrMapping/>
   </p:clrMapOvr>
-</p:sld>
-</file>
-
-<file path=ppt/slides/slide9.xml><?xml version="1.0" encoding="utf-8"?>
-<p:sld xmlns:a="http://schemas.openxmlformats.org/drawingml/2006/main" xmlns:r="http://schemas.openxmlformats.org/officeDocument/2006/relationships" xmlns:p="http://schemas.openxmlformats.org/presentationml/2006/main">
-  <p:cSld>
-    <p:spTree>
-      <p:nvGrpSpPr>
-        <p:cNvPr id="1" name=""/>
-        <p:cNvGrpSpPr/>
-        <p:nvPr/>
-      </p:nvGrpSpPr>
-      <p:grpSpPr>
-        <a:xfrm>
-          <a:off x="0" y="0"/>
-          <a:ext cx="0" cy="0"/>
-          <a:chOff x="0" y="0"/>
-          <a:chExt cx="0" cy="0"/>
-        </a:xfrm>
-      </p:grpSpPr>
-      <p:sp>
-        <p:nvSpPr>
-          <p:cNvPr id="2" name="Title 1"/>
-          <p:cNvSpPr>
-            <a:spLocks noGrp="1"/>
-          </p:cNvSpPr>
-          <p:nvPr>
-            <p:ph type="title"/>
-          </p:nvPr>
-        </p:nvSpPr>
-        <p:spPr/>
-        <p:txBody>
-          <a:bodyPr/>
-          <a:lstStyle/>
-          <a:p>
-            <a:r>
-              <a:rPr lang="en-US" dirty="0" smtClean="0"/>
-              <a:t>Cards Screen</a:t>
-            </a:r>
-            <a:endParaRPr lang="en-US" dirty="0"/>
-          </a:p>
-        </p:txBody>
-      </p:sp>
-      <p:pic>
-        <p:nvPicPr>
-          <p:cNvPr id="7" name="Content Placeholder 6"/>
-          <p:cNvPicPr>
-            <a:picLocks noGrp="1" noChangeAspect="1"/>
-          </p:cNvPicPr>
-          <p:nvPr>
-            <p:ph idx="1"/>
-          </p:nvPr>
-        </p:nvPicPr>
-        <p:blipFill>
-          <a:blip r:embed="rId2" cstate="print">
-            <a:extLst>
-              <a:ext uri="{28A0092B-C50C-407E-A947-70E740481C1C}">
-                <a14:useLocalDpi xmlns:a14="http://schemas.microsoft.com/office/drawing/2010/main" val="0"/>
-              </a:ext>
-            </a:extLst>
-          </a:blip>
-          <a:stretch>
-            <a:fillRect/>
-          </a:stretch>
-        </p:blipFill>
-        <p:spPr>
-          <a:xfrm>
-            <a:off x="278203" y="1543119"/>
-            <a:ext cx="2182510" cy="4351338"/>
-          </a:xfrm>
-        </p:spPr>
-      </p:pic>
-      <p:sp>
-        <p:nvSpPr>
-          <p:cNvPr id="4" name="Footer Placeholder 3"/>
-          <p:cNvSpPr>
-            <a:spLocks noGrp="1"/>
-          </p:cNvSpPr>
-          <p:nvPr>
-            <p:ph type="ftr" sz="quarter" idx="11"/>
-          </p:nvPr>
-        </p:nvSpPr>
-        <p:spPr/>
-        <p:txBody>
-          <a:bodyPr/>
-          <a:lstStyle/>
-          <a:p>
-            <a:r>
-              <a:rPr lang="en-US" smtClean="0"/>
-              <a:t>+84 28 3991 2068  |  sales@tpssoft.com  | www.tpssoft.com</a:t>
-            </a:r>
-            <a:endParaRPr lang="en-US" dirty="0"/>
-          </a:p>
-        </p:txBody>
-      </p:sp>
-      <p:sp>
-        <p:nvSpPr>
-          <p:cNvPr id="5" name="Slide Number Placeholder 4"/>
-          <p:cNvSpPr>
-            <a:spLocks noGrp="1"/>
-          </p:cNvSpPr>
-          <p:nvPr>
-            <p:ph type="sldNum" sz="quarter" idx="12"/>
-          </p:nvPr>
-        </p:nvSpPr>
-        <p:spPr/>
-        <p:txBody>
-          <a:bodyPr/>
-          <a:lstStyle/>
-          <a:p>
-            <a:fld id="{D8C32136-2E8F-41D8-87DD-E76A2A241A32}" type="slidenum">
-              <a:rPr lang="en-US" smtClean="0"/>
-              <a:t>9</a:t>
-            </a:fld>
-            <a:endParaRPr lang="en-US" dirty="0"/>
-          </a:p>
-        </p:txBody>
-      </p:sp>
-      <p:pic>
-        <p:nvPicPr>
-          <p:cNvPr id="8" name="Picture 7"/>
-          <p:cNvPicPr>
-            <a:picLocks noChangeAspect="1"/>
-          </p:cNvPicPr>
-          <p:nvPr/>
-        </p:nvPicPr>
-        <p:blipFill>
-          <a:blip r:embed="rId3" cstate="print">
-            <a:extLst>
-              <a:ext uri="{28A0092B-C50C-407E-A947-70E740481C1C}">
-                <a14:useLocalDpi xmlns:a14="http://schemas.microsoft.com/office/drawing/2010/main" val="0"/>
-              </a:ext>
-            </a:extLst>
-          </a:blip>
-          <a:stretch>
-            <a:fillRect/>
-          </a:stretch>
-        </p:blipFill>
-        <p:spPr>
-          <a:xfrm>
-            <a:off x="6127287" y="1562193"/>
-            <a:ext cx="2162726" cy="4332264"/>
-          </a:xfrm>
-          <a:prstGeom prst="rect">
-            <a:avLst/>
-          </a:prstGeom>
-        </p:spPr>
-      </p:pic>
-      <p:pic>
-        <p:nvPicPr>
-          <p:cNvPr id="9" name="Picture 8"/>
-          <p:cNvPicPr>
-            <a:picLocks noChangeAspect="1"/>
-          </p:cNvPicPr>
-          <p:nvPr/>
-        </p:nvPicPr>
-        <p:blipFill>
-          <a:blip r:embed="rId4" cstate="print">
-            <a:extLst>
-              <a:ext uri="{28A0092B-C50C-407E-A947-70E740481C1C}">
-                <a14:useLocalDpi xmlns:a14="http://schemas.microsoft.com/office/drawing/2010/main" val="0"/>
-              </a:ext>
-            </a:extLst>
-          </a:blip>
-          <a:stretch>
-            <a:fillRect/>
-          </a:stretch>
-        </p:blipFill>
-        <p:spPr>
-          <a:xfrm>
-            <a:off x="3204455" y="1543119"/>
-            <a:ext cx="2179090" cy="4351338"/>
-          </a:xfrm>
-          <a:prstGeom prst="rect">
-            <a:avLst/>
-          </a:prstGeom>
-        </p:spPr>
-      </p:pic>
-    </p:spTree>
-    <p:extLst>
-      <p:ext uri="{BB962C8B-B14F-4D97-AF65-F5344CB8AC3E}">
-        <p14:creationId xmlns:p14="http://schemas.microsoft.com/office/powerpoint/2010/main" val="1405941348"/>
-      </p:ext>
-    </p:extLst>
-  </p:cSld>
-  <p:clrMapOvr>
-    <a:masterClrMapping/>
-  </p:clrMapOvr>
+  <p:timing>
+    <p:tnLst>
+      <p:par>
+        <p:cTn id="1" dur="indefinite" restart="never" nodeType="tmRoot">
+          <p:childTnLst>
+            <p:seq concurrent="1" nextAc="seek">
+              <p:cTn id="2" dur="indefinite" nodeType="mainSeq">
+                <p:childTnLst>
+                  <p:par>
+                    <p:cTn id="3" fill="hold">
+                      <p:stCondLst>
+                        <p:cond delay="indefinite"/>
+                      </p:stCondLst>
+                      <p:childTnLst>
+                        <p:par>
+                          <p:cTn id="4" fill="hold">
+                            <p:stCondLst>
+                              <p:cond delay="0"/>
+                            </p:stCondLst>
+                            <p:childTnLst>
+                              <p:par>
+                                <p:cTn id="5" presetID="42" presetClass="entr" presetSubtype="0" fill="hold" nodeType="clickEffect">
+                                  <p:stCondLst>
+                                    <p:cond delay="0"/>
+                                  </p:stCondLst>
+                                  <p:childTnLst>
+                                    <p:set>
+                                      <p:cBhvr>
+                                        <p:cTn id="6" dur="1" fill="hold">
+                                          <p:stCondLst>
+                                            <p:cond delay="0"/>
+                                          </p:stCondLst>
+                                        </p:cTn>
+                                        <p:tgtEl>
+                                          <p:spTgt spid="8"/>
+                                        </p:tgtEl>
+                                        <p:attrNameLst>
+                                          <p:attrName>style.visibility</p:attrName>
+                                        </p:attrNameLst>
+                                      </p:cBhvr>
+                                      <p:to>
+                                        <p:strVal val="visible"/>
+                                      </p:to>
+                                    </p:set>
+                                    <p:animEffect transition="in" filter="fade">
+                                      <p:cBhvr>
+                                        <p:cTn id="7" dur="1000"/>
+                                        <p:tgtEl>
+                                          <p:spTgt spid="8"/>
+                                        </p:tgtEl>
+                                      </p:cBhvr>
+                                    </p:animEffect>
+                                    <p:anim calcmode="lin" valueType="num">
+                                      <p:cBhvr>
+                                        <p:cTn id="8" dur="1000" fill="hold"/>
+                                        <p:tgtEl>
+                                          <p:spTgt spid="8"/>
+                                        </p:tgtEl>
+                                        <p:attrNameLst>
+                                          <p:attrName>ppt_x</p:attrName>
+                                        </p:attrNameLst>
+                                      </p:cBhvr>
+                                      <p:tavLst>
+                                        <p:tav tm="0">
+                                          <p:val>
+                                            <p:strVal val="#ppt_x"/>
+                                          </p:val>
+                                        </p:tav>
+                                        <p:tav tm="100000">
+                                          <p:val>
+                                            <p:strVal val="#ppt_x"/>
+                                          </p:val>
+                                        </p:tav>
+                                      </p:tavLst>
+                                    </p:anim>
+                                    <p:anim calcmode="lin" valueType="num">
+                                      <p:cBhvr>
+                                        <p:cTn id="9" dur="1000" fill="hold"/>
+                                        <p:tgtEl>
+                                          <p:spTgt spid="8"/>
+                                        </p:tgtEl>
+                                        <p:attrNameLst>
+                                          <p:attrName>ppt_y</p:attrName>
+                                        </p:attrNameLst>
+                                      </p:cBhvr>
+                                      <p:tavLst>
+                                        <p:tav tm="0">
+                                          <p:val>
+                                            <p:strVal val="#ppt_y+.1"/>
+                                          </p:val>
+                                        </p:tav>
+                                        <p:tav tm="100000">
+                                          <p:val>
+                                            <p:strVal val="#ppt_y"/>
+                                          </p:val>
+                                        </p:tav>
+                                      </p:tavLst>
+                                    </p:anim>
+                                  </p:childTnLst>
+                                </p:cTn>
+                              </p:par>
+                            </p:childTnLst>
+                          </p:cTn>
+                        </p:par>
+                      </p:childTnLst>
+                    </p:cTn>
+                  </p:par>
+                  <p:par>
+                    <p:cTn id="10" fill="hold">
+                      <p:stCondLst>
+                        <p:cond delay="indefinite"/>
+                      </p:stCondLst>
+                      <p:childTnLst>
+                        <p:par>
+                          <p:cTn id="11" fill="hold">
+                            <p:stCondLst>
+                              <p:cond delay="0"/>
+                            </p:stCondLst>
+                            <p:childTnLst>
+                              <p:par>
+                                <p:cTn id="12" presetID="42" presetClass="entr" presetSubtype="0" fill="hold" nodeType="clickEffect">
+                                  <p:stCondLst>
+                                    <p:cond delay="0"/>
+                                  </p:stCondLst>
+                                  <p:childTnLst>
+                                    <p:set>
+                                      <p:cBhvr>
+                                        <p:cTn id="13" dur="1" fill="hold">
+                                          <p:stCondLst>
+                                            <p:cond delay="0"/>
+                                          </p:stCondLst>
+                                        </p:cTn>
+                                        <p:tgtEl>
+                                          <p:spTgt spid="7"/>
+                                        </p:tgtEl>
+                                        <p:attrNameLst>
+                                          <p:attrName>style.visibility</p:attrName>
+                                        </p:attrNameLst>
+                                      </p:cBhvr>
+                                      <p:to>
+                                        <p:strVal val="visible"/>
+                                      </p:to>
+                                    </p:set>
+                                    <p:animEffect transition="in" filter="fade">
+                                      <p:cBhvr>
+                                        <p:cTn id="14" dur="1000"/>
+                                        <p:tgtEl>
+                                          <p:spTgt spid="7"/>
+                                        </p:tgtEl>
+                                      </p:cBhvr>
+                                    </p:animEffect>
+                                    <p:anim calcmode="lin" valueType="num">
+                                      <p:cBhvr>
+                                        <p:cTn id="15" dur="1000" fill="hold"/>
+                                        <p:tgtEl>
+                                          <p:spTgt spid="7"/>
+                                        </p:tgtEl>
+                                        <p:attrNameLst>
+                                          <p:attrName>ppt_x</p:attrName>
+                                        </p:attrNameLst>
+                                      </p:cBhvr>
+                                      <p:tavLst>
+                                        <p:tav tm="0">
+                                          <p:val>
+                                            <p:strVal val="#ppt_x"/>
+                                          </p:val>
+                                        </p:tav>
+                                        <p:tav tm="100000">
+                                          <p:val>
+                                            <p:strVal val="#ppt_x"/>
+                                          </p:val>
+                                        </p:tav>
+                                      </p:tavLst>
+                                    </p:anim>
+                                    <p:anim calcmode="lin" valueType="num">
+                                      <p:cBhvr>
+                                        <p:cTn id="16" dur="1000" fill="hold"/>
+                                        <p:tgtEl>
+                                          <p:spTgt spid="7"/>
+                                        </p:tgtEl>
+                                        <p:attrNameLst>
+                                          <p:attrName>ppt_y</p:attrName>
+                                        </p:attrNameLst>
+                                      </p:cBhvr>
+                                      <p:tavLst>
+                                        <p:tav tm="0">
+                                          <p:val>
+                                            <p:strVal val="#ppt_y+.1"/>
+                                          </p:val>
+                                        </p:tav>
+                                        <p:tav tm="100000">
+                                          <p:val>
+                                            <p:strVal val="#ppt_y"/>
+                                          </p:val>
+                                        </p:tav>
+                                      </p:tavLst>
+                                    </p:anim>
+                                  </p:childTnLst>
+                                </p:cTn>
+                              </p:par>
+                            </p:childTnLst>
+                          </p:cTn>
+                        </p:par>
+                      </p:childTnLst>
+                    </p:cTn>
+                  </p:par>
+                </p:childTnLst>
+              </p:cTn>
+              <p:prevCondLst>
+                <p:cond evt="onPrev" delay="0">
+                  <p:tgtEl>
+                    <p:sldTgt/>
+                  </p:tgtEl>
+                </p:cond>
+              </p:prevCondLst>
+              <p:nextCondLst>
+                <p:cond evt="onNext" delay="0">
+                  <p:tgtEl>
+                    <p:sldTgt/>
+                  </p:tgtEl>
+                </p:cond>
+              </p:nextCondLst>
+            </p:seq>
+          </p:childTnLst>
+        </p:cTn>
+      </p:par>
+    </p:tnLst>
+  </p:timing>
 </p:sld>
 </file>
 

--- a/TPS Final Report.pptx
+++ b/TPS Final Report.pptx
@@ -7,23 +7,26 @@
     <p:sldMasterId id="2147483696" r:id="rId3"/>
   </p:sldMasterIdLst>
   <p:notesMasterIdLst>
-    <p:notesMasterId r:id="rId15"/>
+    <p:notesMasterId r:id="rId18"/>
   </p:notesMasterIdLst>
   <p:handoutMasterIdLst>
-    <p:handoutMasterId r:id="rId16"/>
+    <p:handoutMasterId r:id="rId19"/>
   </p:handoutMasterIdLst>
   <p:sldIdLst>
     <p:sldId id="288" r:id="rId4"/>
-    <p:sldId id="300" r:id="rId5"/>
-    <p:sldId id="301" r:id="rId6"/>
-    <p:sldId id="292" r:id="rId7"/>
-    <p:sldId id="293" r:id="rId8"/>
-    <p:sldId id="294" r:id="rId9"/>
-    <p:sldId id="295" r:id="rId10"/>
-    <p:sldId id="296" r:id="rId11"/>
-    <p:sldId id="297" r:id="rId12"/>
-    <p:sldId id="298" r:id="rId13"/>
-    <p:sldId id="299" r:id="rId14"/>
+    <p:sldId id="303" r:id="rId5"/>
+    <p:sldId id="302" r:id="rId6"/>
+    <p:sldId id="300" r:id="rId7"/>
+    <p:sldId id="301" r:id="rId8"/>
+    <p:sldId id="292" r:id="rId9"/>
+    <p:sldId id="293" r:id="rId10"/>
+    <p:sldId id="294" r:id="rId11"/>
+    <p:sldId id="295" r:id="rId12"/>
+    <p:sldId id="296" r:id="rId13"/>
+    <p:sldId id="297" r:id="rId14"/>
+    <p:sldId id="298" r:id="rId15"/>
+    <p:sldId id="299" r:id="rId16"/>
+    <p:sldId id="304" r:id="rId17"/>
   </p:sldIdLst>
   <p:sldSz cx="9144000" cy="6858000" type="screen4x3"/>
   <p:notesSz cx="6858000" cy="9144000"/>
@@ -10489,16 +10492,6 @@
           <a:lstStyle/>
           <a:p>
             <a:r>
-              <a:rPr lang="en-US" sz="5987" b="1" dirty="0" smtClean="0">
-                <a:solidFill>
-                  <a:schemeClr val="bg1"/>
-                </a:solidFill>
-                <a:latin typeface="Century Gothic" panose="020B0502020202020204" pitchFamily="34" charset="0"/>
-                <a:cs typeface="Times New Roman" panose="02020603050405020304" pitchFamily="18" charset="0"/>
-              </a:rPr>
-              <a:t>Final </a:t>
-            </a:r>
-            <a:r>
               <a:rPr lang="en-US" sz="5987" b="1" dirty="0">
                 <a:solidFill>
                   <a:schemeClr val="bg1"/>
@@ -10506,7 +10499,7 @@
                 <a:latin typeface="Century Gothic" panose="020B0502020202020204" pitchFamily="34" charset="0"/>
                 <a:cs typeface="Times New Roman" panose="02020603050405020304" pitchFamily="18" charset="0"/>
               </a:rPr>
-              <a:t>Report</a:t>
+              <a:t>Final Report</a:t>
             </a:r>
             <a:endParaRPr lang="en-US" sz="5987" b="1" dirty="0">
               <a:solidFill>
@@ -10540,7 +10533,7 @@
           <a:lstStyle/>
           <a:p>
             <a:r>
-              <a:rPr lang="en-US" sz="4800" b="1" dirty="0" smtClean="0">
+              <a:rPr lang="en-US" sz="4800" b="1" dirty="0">
                 <a:solidFill>
                   <a:srgbClr val="00BFFF"/>
                 </a:solidFill>
@@ -10768,23 +10761,7 @@
                   <a:schemeClr val="bg1"/>
                 </a:solidFill>
               </a:rPr>
-              <a:t>Aug </a:t>
-            </a:r>
-            <a:r>
-              <a:rPr lang="en-US" sz="2400" dirty="0" smtClean="0">
-                <a:solidFill>
-                  <a:schemeClr val="bg1"/>
-                </a:solidFill>
-              </a:rPr>
-              <a:t>09, </a:t>
-            </a:r>
-            <a:r>
-              <a:rPr lang="en-US" sz="2400" dirty="0">
-                <a:solidFill>
-                  <a:schemeClr val="bg1"/>
-                </a:solidFill>
-              </a:rPr>
-              <a:t>2021</a:t>
+              <a:t>Aug 09, 2021</a:t>
             </a:r>
           </a:p>
         </p:txBody>
@@ -10819,15 +10796,10 @@
               </a:rPr>
               <a:t>Author: </a:t>
             </a:r>
-            <a:endParaRPr lang="en-US" sz="2400" dirty="0" smtClean="0">
-              <a:solidFill>
-                <a:schemeClr val="bg1"/>
-              </a:solidFill>
-            </a:endParaRPr>
-          </a:p>
-          <a:p>
-            <a:r>
-              <a:rPr lang="en-US" sz="2400" dirty="0" smtClean="0">
+          </a:p>
+          <a:p>
+            <a:r>
+              <a:rPr lang="en-US" sz="2400" dirty="0">
                 <a:solidFill>
                   <a:schemeClr val="bg1"/>
                 </a:solidFill>
@@ -10835,7 +10807,7 @@
               <a:t>Phan </a:t>
             </a:r>
             <a:r>
-              <a:rPr lang="en-US" sz="2400" dirty="0" err="1" smtClean="0">
+              <a:rPr lang="en-US" sz="2400" dirty="0" err="1">
                 <a:solidFill>
                   <a:schemeClr val="bg1"/>
                 </a:solidFill>
@@ -10843,7 +10815,7 @@
               <a:t>Hải</a:t>
             </a:r>
             <a:r>
-              <a:rPr lang="en-US" sz="2400" dirty="0" smtClean="0">
+              <a:rPr lang="en-US" sz="2400" dirty="0">
                 <a:solidFill>
                   <a:schemeClr val="bg1"/>
                 </a:solidFill>
@@ -10853,7 +10825,7 @@
           </a:p>
           <a:p>
             <a:r>
-              <a:rPr lang="en-US" sz="2400" dirty="0" err="1" smtClean="0">
+              <a:rPr lang="en-US" sz="2400" dirty="0" err="1">
                 <a:solidFill>
                   <a:schemeClr val="bg1"/>
                 </a:solidFill>
@@ -10861,7 +10833,7 @@
               <a:t>Huỳnh</a:t>
             </a:r>
             <a:r>
-              <a:rPr lang="en-US" sz="2400" dirty="0" smtClean="0">
+              <a:rPr lang="en-US" sz="2400" dirty="0">
                 <a:solidFill>
                   <a:schemeClr val="bg1"/>
                 </a:solidFill>
@@ -10869,7 +10841,7 @@
               <a:t> </a:t>
             </a:r>
             <a:r>
-              <a:rPr lang="en-US" sz="2400" dirty="0" err="1" smtClean="0">
+              <a:rPr lang="en-US" sz="2400" dirty="0" err="1">
                 <a:solidFill>
                   <a:schemeClr val="bg1"/>
                 </a:solidFill>
@@ -10877,7 +10849,7 @@
               <a:t>Hữu</a:t>
             </a:r>
             <a:r>
-              <a:rPr lang="en-US" sz="2400" dirty="0" smtClean="0">
+              <a:rPr lang="en-US" sz="2400" dirty="0">
                 <a:solidFill>
                   <a:schemeClr val="bg1"/>
                 </a:solidFill>
@@ -10885,7 +10857,7 @@
               <a:t> </a:t>
             </a:r>
             <a:r>
-              <a:rPr lang="en-US" sz="2400" dirty="0" err="1" smtClean="0">
+              <a:rPr lang="en-US" sz="2400" dirty="0" err="1">
                 <a:solidFill>
                   <a:schemeClr val="bg1"/>
                 </a:solidFill>
@@ -10910,13 +10882,6 @@
   <p:clrMapOvr>
     <a:masterClrMapping/>
   </p:clrMapOvr>
-  <p:timing>
-    <p:tnLst>
-      <p:par>
-        <p:cTn id="1" dur="indefinite" restart="never" nodeType="tmRoot"/>
-      </p:par>
-    </p:tnLst>
-  </p:timing>
 </p:sld>
 </file>
 
@@ -10953,2904 +10918,6 @@
           <a:lstStyle/>
           <a:p>
             <a:r>
-              <a:rPr lang="en-US" dirty="0" smtClean="0"/>
-              <a:t>Cards Screen</a:t>
-            </a:r>
-            <a:endParaRPr lang="en-US" dirty="0"/>
-          </a:p>
-        </p:txBody>
-      </p:sp>
-      <p:pic>
-        <p:nvPicPr>
-          <p:cNvPr id="7" name="Content Placeholder 6"/>
-          <p:cNvPicPr>
-            <a:picLocks noGrp="1" noChangeAspect="1"/>
-          </p:cNvPicPr>
-          <p:nvPr>
-            <p:ph idx="1"/>
-          </p:nvPr>
-        </p:nvPicPr>
-        <p:blipFill>
-          <a:blip r:embed="rId2" cstate="print">
-            <a:extLst>
-              <a:ext uri="{28A0092B-C50C-407E-A947-70E740481C1C}">
-                <a14:useLocalDpi xmlns:a14="http://schemas.microsoft.com/office/drawing/2010/main" val="0"/>
-              </a:ext>
-            </a:extLst>
-          </a:blip>
-          <a:stretch>
-            <a:fillRect/>
-          </a:stretch>
-        </p:blipFill>
-        <p:spPr>
-          <a:xfrm>
-            <a:off x="278203" y="1543119"/>
-            <a:ext cx="2182510" cy="4351338"/>
-          </a:xfrm>
-        </p:spPr>
-      </p:pic>
-      <p:sp>
-        <p:nvSpPr>
-          <p:cNvPr id="4" name="Footer Placeholder 3"/>
-          <p:cNvSpPr>
-            <a:spLocks noGrp="1"/>
-          </p:cNvSpPr>
-          <p:nvPr>
-            <p:ph type="ftr" sz="quarter" idx="11"/>
-          </p:nvPr>
-        </p:nvSpPr>
-        <p:spPr/>
-        <p:txBody>
-          <a:bodyPr/>
-          <a:lstStyle/>
-          <a:p>
-            <a:r>
-              <a:rPr lang="en-US" smtClean="0"/>
-              <a:t>+84 28 3991 2068  |  sales@tpssoft.com  | www.tpssoft.com</a:t>
-            </a:r>
-            <a:endParaRPr lang="en-US" dirty="0"/>
-          </a:p>
-        </p:txBody>
-      </p:sp>
-      <p:sp>
-        <p:nvSpPr>
-          <p:cNvPr id="5" name="Slide Number Placeholder 4"/>
-          <p:cNvSpPr>
-            <a:spLocks noGrp="1"/>
-          </p:cNvSpPr>
-          <p:nvPr>
-            <p:ph type="sldNum" sz="quarter" idx="12"/>
-          </p:nvPr>
-        </p:nvSpPr>
-        <p:spPr/>
-        <p:txBody>
-          <a:bodyPr/>
-          <a:lstStyle/>
-          <a:p>
-            <a:fld id="{D8C32136-2E8F-41D8-87DD-E76A2A241A32}" type="slidenum">
-              <a:rPr lang="en-US" smtClean="0"/>
-              <a:t>10</a:t>
-            </a:fld>
-            <a:endParaRPr lang="en-US" dirty="0"/>
-          </a:p>
-        </p:txBody>
-      </p:sp>
-      <p:pic>
-        <p:nvPicPr>
-          <p:cNvPr id="8" name="Picture 7"/>
-          <p:cNvPicPr>
-            <a:picLocks noChangeAspect="1"/>
-          </p:cNvPicPr>
-          <p:nvPr/>
-        </p:nvPicPr>
-        <p:blipFill>
-          <a:blip r:embed="rId3" cstate="print">
-            <a:extLst>
-              <a:ext uri="{28A0092B-C50C-407E-A947-70E740481C1C}">
-                <a14:useLocalDpi xmlns:a14="http://schemas.microsoft.com/office/drawing/2010/main" val="0"/>
-              </a:ext>
-            </a:extLst>
-          </a:blip>
-          <a:stretch>
-            <a:fillRect/>
-          </a:stretch>
-        </p:blipFill>
-        <p:spPr>
-          <a:xfrm>
-            <a:off x="6127287" y="1562193"/>
-            <a:ext cx="2162726" cy="4332264"/>
-          </a:xfrm>
-          <a:prstGeom prst="rect">
-            <a:avLst/>
-          </a:prstGeom>
-        </p:spPr>
-      </p:pic>
-      <p:pic>
-        <p:nvPicPr>
-          <p:cNvPr id="9" name="Picture 8"/>
-          <p:cNvPicPr>
-            <a:picLocks noChangeAspect="1"/>
-          </p:cNvPicPr>
-          <p:nvPr/>
-        </p:nvPicPr>
-        <p:blipFill>
-          <a:blip r:embed="rId4" cstate="print">
-            <a:extLst>
-              <a:ext uri="{28A0092B-C50C-407E-A947-70E740481C1C}">
-                <a14:useLocalDpi xmlns:a14="http://schemas.microsoft.com/office/drawing/2010/main" val="0"/>
-              </a:ext>
-            </a:extLst>
-          </a:blip>
-          <a:stretch>
-            <a:fillRect/>
-          </a:stretch>
-        </p:blipFill>
-        <p:spPr>
-          <a:xfrm>
-            <a:off x="3204455" y="1543119"/>
-            <a:ext cx="2179090" cy="4351338"/>
-          </a:xfrm>
-          <a:prstGeom prst="rect">
-            <a:avLst/>
-          </a:prstGeom>
-        </p:spPr>
-      </p:pic>
-    </p:spTree>
-    <p:extLst>
-      <p:ext uri="{BB962C8B-B14F-4D97-AF65-F5344CB8AC3E}">
-        <p14:creationId xmlns:p14="http://schemas.microsoft.com/office/powerpoint/2010/main" val="1405941348"/>
-      </p:ext>
-    </p:extLst>
-  </p:cSld>
-  <p:clrMapOvr>
-    <a:masterClrMapping/>
-  </p:clrMapOvr>
-  <p:timing>
-    <p:tnLst>
-      <p:par>
-        <p:cTn id="1" dur="indefinite" restart="never" nodeType="tmRoot"/>
-      </p:par>
-    </p:tnLst>
-  </p:timing>
-</p:sld>
-</file>
-
-<file path=ppt/slides/slide11.xml><?xml version="1.0" encoding="utf-8"?>
-<p:sld xmlns:a="http://schemas.openxmlformats.org/drawingml/2006/main" xmlns:r="http://schemas.openxmlformats.org/officeDocument/2006/relationships" xmlns:p="http://schemas.openxmlformats.org/presentationml/2006/main">
-  <p:cSld>
-    <p:spTree>
-      <p:nvGrpSpPr>
-        <p:cNvPr id="1" name=""/>
-        <p:cNvGrpSpPr/>
-        <p:nvPr/>
-      </p:nvGrpSpPr>
-      <p:grpSpPr>
-        <a:xfrm>
-          <a:off x="0" y="0"/>
-          <a:ext cx="0" cy="0"/>
-          <a:chOff x="0" y="0"/>
-          <a:chExt cx="0" cy="0"/>
-        </a:xfrm>
-      </p:grpSpPr>
-      <p:sp>
-        <p:nvSpPr>
-          <p:cNvPr id="2" name="Title 1"/>
-          <p:cNvSpPr>
-            <a:spLocks noGrp="1"/>
-          </p:cNvSpPr>
-          <p:nvPr>
-            <p:ph type="title"/>
-          </p:nvPr>
-        </p:nvSpPr>
-        <p:spPr/>
-        <p:txBody>
-          <a:bodyPr/>
-          <a:lstStyle/>
-          <a:p>
-            <a:r>
-              <a:rPr lang="en-US" dirty="0" smtClean="0"/>
-              <a:t>How to videos</a:t>
-            </a:r>
-            <a:endParaRPr lang="en-US" dirty="0"/>
-          </a:p>
-        </p:txBody>
-      </p:sp>
-      <p:pic>
-        <p:nvPicPr>
-          <p:cNvPr id="6" name="Content Placeholder 5"/>
-          <p:cNvPicPr>
-            <a:picLocks noGrp="1" noChangeAspect="1"/>
-          </p:cNvPicPr>
-          <p:nvPr>
-            <p:ph idx="1"/>
-          </p:nvPr>
-        </p:nvPicPr>
-        <p:blipFill>
-          <a:blip r:embed="rId2" cstate="print">
-            <a:extLst>
-              <a:ext uri="{28A0092B-C50C-407E-A947-70E740481C1C}">
-                <a14:useLocalDpi xmlns:a14="http://schemas.microsoft.com/office/drawing/2010/main" val="0"/>
-              </a:ext>
-            </a:extLst>
-          </a:blip>
-          <a:stretch>
-            <a:fillRect/>
-          </a:stretch>
-        </p:blipFill>
-        <p:spPr>
-          <a:xfrm>
-            <a:off x="3258828" y="1306637"/>
-            <a:ext cx="2175669" cy="4351338"/>
-          </a:xfrm>
-        </p:spPr>
-      </p:pic>
-      <p:sp>
-        <p:nvSpPr>
-          <p:cNvPr id="4" name="Footer Placeholder 3"/>
-          <p:cNvSpPr>
-            <a:spLocks noGrp="1"/>
-          </p:cNvSpPr>
-          <p:nvPr>
-            <p:ph type="ftr" sz="quarter" idx="11"/>
-          </p:nvPr>
-        </p:nvSpPr>
-        <p:spPr/>
-        <p:txBody>
-          <a:bodyPr/>
-          <a:lstStyle/>
-          <a:p>
-            <a:r>
-              <a:rPr lang="en-US" smtClean="0"/>
-              <a:t>+84 28 3991 2068  |  sales@tpssoft.com  | www.tpssoft.com</a:t>
-            </a:r>
-            <a:endParaRPr lang="en-US" dirty="0"/>
-          </a:p>
-        </p:txBody>
-      </p:sp>
-      <p:sp>
-        <p:nvSpPr>
-          <p:cNvPr id="5" name="Slide Number Placeholder 4"/>
-          <p:cNvSpPr>
-            <a:spLocks noGrp="1"/>
-          </p:cNvSpPr>
-          <p:nvPr>
-            <p:ph type="sldNum" sz="quarter" idx="12"/>
-          </p:nvPr>
-        </p:nvSpPr>
-        <p:spPr/>
-        <p:txBody>
-          <a:bodyPr/>
-          <a:lstStyle/>
-          <a:p>
-            <a:fld id="{D8C32136-2E8F-41D8-87DD-E76A2A241A32}" type="slidenum">
-              <a:rPr lang="en-US" smtClean="0"/>
-              <a:t>11</a:t>
-            </a:fld>
-            <a:endParaRPr lang="en-US" dirty="0"/>
-          </a:p>
-        </p:txBody>
-      </p:sp>
-    </p:spTree>
-    <p:extLst>
-      <p:ext uri="{BB962C8B-B14F-4D97-AF65-F5344CB8AC3E}">
-        <p14:creationId xmlns:p14="http://schemas.microsoft.com/office/powerpoint/2010/main" val="4176280223"/>
-      </p:ext>
-    </p:extLst>
-  </p:cSld>
-  <p:clrMapOvr>
-    <a:masterClrMapping/>
-  </p:clrMapOvr>
-  <p:timing>
-    <p:tnLst>
-      <p:par>
-        <p:cTn id="1" dur="indefinite" restart="never" nodeType="tmRoot"/>
-      </p:par>
-    </p:tnLst>
-  </p:timing>
-</p:sld>
-</file>
-
-<file path=ppt/slides/slide2.xml><?xml version="1.0" encoding="utf-8"?>
-<p:sld xmlns:a="http://schemas.openxmlformats.org/drawingml/2006/main" xmlns:r="http://schemas.openxmlformats.org/officeDocument/2006/relationships" xmlns:p="http://schemas.openxmlformats.org/presentationml/2006/main">
-  <p:cSld>
-    <p:spTree>
-      <p:nvGrpSpPr>
-        <p:cNvPr id="1" name=""/>
-        <p:cNvGrpSpPr/>
-        <p:nvPr/>
-      </p:nvGrpSpPr>
-      <p:grpSpPr>
-        <a:xfrm>
-          <a:off x="0" y="0"/>
-          <a:ext cx="0" cy="0"/>
-          <a:chOff x="0" y="0"/>
-          <a:chExt cx="0" cy="0"/>
-        </a:xfrm>
-      </p:grpSpPr>
-      <p:sp>
-        <p:nvSpPr>
-          <p:cNvPr id="2" name="Title 1"/>
-          <p:cNvSpPr>
-            <a:spLocks noGrp="1"/>
-          </p:cNvSpPr>
-          <p:nvPr>
-            <p:ph type="title"/>
-          </p:nvPr>
-        </p:nvSpPr>
-        <p:spPr/>
-        <p:txBody>
-          <a:bodyPr/>
-          <a:lstStyle/>
-          <a:p>
-            <a:r>
-              <a:rPr lang="en-US" dirty="0" smtClean="0"/>
-              <a:t>Trial Project</a:t>
-            </a:r>
-            <a:endParaRPr lang="en-US" dirty="0"/>
-          </a:p>
-        </p:txBody>
-      </p:sp>
-      <p:sp>
-        <p:nvSpPr>
-          <p:cNvPr id="4" name="Footer Placeholder 3"/>
-          <p:cNvSpPr>
-            <a:spLocks noGrp="1"/>
-          </p:cNvSpPr>
-          <p:nvPr>
-            <p:ph type="ftr" sz="quarter" idx="11"/>
-          </p:nvPr>
-        </p:nvSpPr>
-        <p:spPr/>
-        <p:txBody>
-          <a:bodyPr/>
-          <a:lstStyle/>
-          <a:p>
-            <a:r>
-              <a:rPr lang="en-US" smtClean="0"/>
-              <a:t>+84 28 3991 2068  |  sales@tpssoft.com  | www.tpssoft.com</a:t>
-            </a:r>
-            <a:endParaRPr lang="en-US" dirty="0"/>
-          </a:p>
-        </p:txBody>
-      </p:sp>
-      <p:sp>
-        <p:nvSpPr>
-          <p:cNvPr id="5" name="Slide Number Placeholder 4"/>
-          <p:cNvSpPr>
-            <a:spLocks noGrp="1"/>
-          </p:cNvSpPr>
-          <p:nvPr>
-            <p:ph type="sldNum" sz="quarter" idx="12"/>
-          </p:nvPr>
-        </p:nvSpPr>
-        <p:spPr/>
-        <p:txBody>
-          <a:bodyPr/>
-          <a:lstStyle/>
-          <a:p>
-            <a:fld id="{D8C32136-2E8F-41D8-87DD-E76A2A241A32}" type="slidenum">
-              <a:rPr lang="en-US" smtClean="0"/>
-              <a:t>2</a:t>
-            </a:fld>
-            <a:endParaRPr lang="en-US" dirty="0"/>
-          </a:p>
-        </p:txBody>
-      </p:sp>
-      <p:pic>
-        <p:nvPicPr>
-          <p:cNvPr id="6" name="Content Placeholder 5">
-            <a:extLst>
-              <a:ext uri="{FF2B5EF4-FFF2-40B4-BE49-F238E27FC236}">
-                <a16:creationId xmlns:a16="http://schemas.microsoft.com/office/drawing/2014/main" xmlns="" id="{374484D5-DD92-472C-A95D-0CD8D708FC3C}"/>
-              </a:ext>
-            </a:extLst>
-          </p:cNvPr>
-          <p:cNvPicPr>
-            <a:picLocks noGrp="1" noChangeAspect="1"/>
-          </p:cNvPicPr>
-          <p:nvPr>
-            <p:ph idx="1"/>
-          </p:nvPr>
-        </p:nvPicPr>
-        <p:blipFill>
-          <a:blip r:embed="rId2"/>
-          <a:stretch>
-            <a:fillRect/>
-          </a:stretch>
-        </p:blipFill>
-        <p:spPr>
-          <a:xfrm>
-            <a:off x="0" y="1232151"/>
-            <a:ext cx="1912159" cy="1912159"/>
-          </a:xfrm>
-          <a:prstGeom prst="rect">
-            <a:avLst/>
-          </a:prstGeom>
-        </p:spPr>
-      </p:pic>
-      <p:pic>
-        <p:nvPicPr>
-          <p:cNvPr id="7" name="Picture 6">
-            <a:extLst>
-              <a:ext uri="{FF2B5EF4-FFF2-40B4-BE49-F238E27FC236}">
-                <a16:creationId xmlns:a16="http://schemas.microsoft.com/office/drawing/2014/main" xmlns="" id="{6F4DDB6C-B0A3-4F25-B970-3CCC0384AA60}"/>
-              </a:ext>
-            </a:extLst>
-          </p:cNvPr>
-          <p:cNvPicPr>
-            <a:picLocks noChangeAspect="1"/>
-          </p:cNvPicPr>
-          <p:nvPr/>
-        </p:nvPicPr>
-        <p:blipFill rotWithShape="1">
-          <a:blip r:embed="rId3"/>
-          <a:srcRect l="10287" t="7650" r="10287" b="7214"/>
-          <a:stretch/>
-        </p:blipFill>
-        <p:spPr>
-          <a:xfrm>
-            <a:off x="2759045" y="1232151"/>
-            <a:ext cx="1598295" cy="1713188"/>
-          </a:xfrm>
-          <a:prstGeom prst="rect">
-            <a:avLst/>
-          </a:prstGeom>
-        </p:spPr>
-      </p:pic>
-      <p:pic>
-        <p:nvPicPr>
-          <p:cNvPr id="1026" name="Picture 2" descr="Kotlin Programming Language"/>
-          <p:cNvPicPr>
-            <a:picLocks noChangeAspect="1" noChangeArrowheads="1"/>
-          </p:cNvPicPr>
-          <p:nvPr/>
-        </p:nvPicPr>
-        <p:blipFill>
-          <a:blip r:embed="rId4">
-            <a:extLst>
-              <a:ext uri="{28A0092B-C50C-407E-A947-70E740481C1C}">
-                <a14:useLocalDpi xmlns:a14="http://schemas.microsoft.com/office/drawing/2010/main" val="0"/>
-              </a:ext>
-            </a:extLst>
-          </a:blip>
-          <a:srcRect/>
-          <a:stretch>
-            <a:fillRect/>
-          </a:stretch>
-        </p:blipFill>
-        <p:spPr bwMode="auto">
-          <a:xfrm>
-            <a:off x="5204226" y="1432786"/>
-            <a:ext cx="3810001" cy="1524001"/>
-          </a:xfrm>
-          <a:prstGeom prst="rect">
-            <a:avLst/>
-          </a:prstGeom>
-          <a:noFill/>
-          <a:extLst>
-            <a:ext uri="{909E8E84-426E-40DD-AFC4-6F175D3DCCD1}">
-              <a14:hiddenFill xmlns:a14="http://schemas.microsoft.com/office/drawing/2010/main">
-                <a:solidFill>
-                  <a:srgbClr val="FFFFFF"/>
-                </a:solidFill>
-              </a14:hiddenFill>
-            </a:ext>
-          </a:extLst>
-        </p:spPr>
-      </p:pic>
-    </p:spTree>
-    <p:extLst>
-      <p:ext uri="{BB962C8B-B14F-4D97-AF65-F5344CB8AC3E}">
-        <p14:creationId xmlns:p14="http://schemas.microsoft.com/office/powerpoint/2010/main" val="1235888133"/>
-      </p:ext>
-    </p:extLst>
-  </p:cSld>
-  <p:clrMapOvr>
-    <a:masterClrMapping/>
-  </p:clrMapOvr>
-  <p:timing>
-    <p:tnLst>
-      <p:par>
-        <p:cTn id="1" dur="indefinite" restart="never" nodeType="tmRoot"/>
-      </p:par>
-    </p:tnLst>
-  </p:timing>
-</p:sld>
-</file>
-
-<file path=ppt/slides/slide3.xml><?xml version="1.0" encoding="utf-8"?>
-<p:sld xmlns:a="http://schemas.openxmlformats.org/drawingml/2006/main" xmlns:r="http://schemas.openxmlformats.org/officeDocument/2006/relationships" xmlns:p="http://schemas.openxmlformats.org/presentationml/2006/main">
-  <p:cSld>
-    <p:spTree>
-      <p:nvGrpSpPr>
-        <p:cNvPr id="1" name=""/>
-        <p:cNvGrpSpPr/>
-        <p:nvPr/>
-      </p:nvGrpSpPr>
-      <p:grpSpPr>
-        <a:xfrm>
-          <a:off x="0" y="0"/>
-          <a:ext cx="0" cy="0"/>
-          <a:chOff x="0" y="0"/>
-          <a:chExt cx="0" cy="0"/>
-        </a:xfrm>
-      </p:grpSpPr>
-      <p:sp>
-        <p:nvSpPr>
-          <p:cNvPr id="2" name="Title 1"/>
-          <p:cNvSpPr>
-            <a:spLocks noGrp="1"/>
-          </p:cNvSpPr>
-          <p:nvPr>
-            <p:ph type="title"/>
-          </p:nvPr>
-        </p:nvSpPr>
-        <p:spPr/>
-        <p:txBody>
-          <a:bodyPr/>
-          <a:lstStyle/>
-          <a:p>
-            <a:r>
-              <a:rPr lang="en-US" dirty="0" smtClean="0"/>
-              <a:t>Library</a:t>
-            </a:r>
-            <a:endParaRPr lang="en-US" dirty="0"/>
-          </a:p>
-        </p:txBody>
-      </p:sp>
-      <p:sp>
-        <p:nvSpPr>
-          <p:cNvPr id="3" name="Content Placeholder 2"/>
-          <p:cNvSpPr>
-            <a:spLocks noGrp="1"/>
-          </p:cNvSpPr>
-          <p:nvPr>
-            <p:ph idx="1"/>
-          </p:nvPr>
-        </p:nvSpPr>
-        <p:spPr/>
-        <p:txBody>
-          <a:bodyPr/>
-          <a:lstStyle/>
-          <a:p>
-            <a:r>
-              <a:rPr lang="en-US" dirty="0" smtClean="0"/>
-              <a:t>com.squareup.picasso:picasso:2.71828</a:t>
-            </a:r>
-          </a:p>
-          <a:p>
-            <a:r>
-              <a:rPr lang="en-US" dirty="0" smtClean="0"/>
-              <a:t>com.squareup.retrofit2:retrofit:2.7.1</a:t>
-            </a:r>
-          </a:p>
-          <a:p>
-            <a:r>
-              <a:rPr lang="en-US" dirty="0" smtClean="0"/>
-              <a:t>com.squareup.retrofit2:converter-gson:2.1.0</a:t>
-            </a:r>
-          </a:p>
-          <a:p>
-            <a:r>
-              <a:rPr lang="en-US" dirty="0" smtClean="0"/>
-              <a:t>com.squareup.okhttp3:logging-interceptor:4.9.1</a:t>
-            </a:r>
-          </a:p>
-          <a:p>
-            <a:r>
-              <a:rPr lang="en-US" dirty="0"/>
-              <a:t>androidx.recyclerview:recyclerview:1.2.1</a:t>
-            </a:r>
-          </a:p>
-        </p:txBody>
-      </p:sp>
-      <p:sp>
-        <p:nvSpPr>
-          <p:cNvPr id="4" name="Footer Placeholder 3"/>
-          <p:cNvSpPr>
-            <a:spLocks noGrp="1"/>
-          </p:cNvSpPr>
-          <p:nvPr>
-            <p:ph type="ftr" sz="quarter" idx="11"/>
-          </p:nvPr>
-        </p:nvSpPr>
-        <p:spPr/>
-        <p:txBody>
-          <a:bodyPr/>
-          <a:lstStyle/>
-          <a:p>
-            <a:r>
-              <a:rPr lang="en-US" smtClean="0"/>
-              <a:t>+84 28 3991 2068  |  sales@tpssoft.com  | www.tpssoft.com</a:t>
-            </a:r>
-            <a:endParaRPr lang="en-US" dirty="0"/>
-          </a:p>
-        </p:txBody>
-      </p:sp>
-      <p:sp>
-        <p:nvSpPr>
-          <p:cNvPr id="5" name="Slide Number Placeholder 4"/>
-          <p:cNvSpPr>
-            <a:spLocks noGrp="1"/>
-          </p:cNvSpPr>
-          <p:nvPr>
-            <p:ph type="sldNum" sz="quarter" idx="12"/>
-          </p:nvPr>
-        </p:nvSpPr>
-        <p:spPr/>
-        <p:txBody>
-          <a:bodyPr/>
-          <a:lstStyle/>
-          <a:p>
-            <a:fld id="{D8C32136-2E8F-41D8-87DD-E76A2A241A32}" type="slidenum">
-              <a:rPr lang="en-US" smtClean="0"/>
-              <a:t>3</a:t>
-            </a:fld>
-            <a:endParaRPr lang="en-US" dirty="0"/>
-          </a:p>
-        </p:txBody>
-      </p:sp>
-    </p:spTree>
-    <p:extLst>
-      <p:ext uri="{BB962C8B-B14F-4D97-AF65-F5344CB8AC3E}">
-        <p14:creationId xmlns:p14="http://schemas.microsoft.com/office/powerpoint/2010/main" val="3066246789"/>
-      </p:ext>
-    </p:extLst>
-  </p:cSld>
-  <p:clrMapOvr>
-    <a:masterClrMapping/>
-  </p:clrMapOvr>
-  <p:timing>
-    <p:tnLst>
-      <p:par>
-        <p:cTn id="1" dur="indefinite" restart="never" nodeType="tmRoot"/>
-      </p:par>
-    </p:tnLst>
-  </p:timing>
-</p:sld>
-</file>
-
-<file path=ppt/slides/slide4.xml><?xml version="1.0" encoding="utf-8"?>
-<p:sld xmlns:a="http://schemas.openxmlformats.org/drawingml/2006/main" xmlns:r="http://schemas.openxmlformats.org/officeDocument/2006/relationships" xmlns:p="http://schemas.openxmlformats.org/presentationml/2006/main">
-  <p:cSld>
-    <p:spTree>
-      <p:nvGrpSpPr>
-        <p:cNvPr id="1" name=""/>
-        <p:cNvGrpSpPr/>
-        <p:nvPr/>
-      </p:nvGrpSpPr>
-      <p:grpSpPr>
-        <a:xfrm>
-          <a:off x="0" y="0"/>
-          <a:ext cx="0" cy="0"/>
-          <a:chOff x="0" y="0"/>
-          <a:chExt cx="0" cy="0"/>
-        </a:xfrm>
-      </p:grpSpPr>
-      <p:sp>
-        <p:nvSpPr>
-          <p:cNvPr id="2" name="Title 1"/>
-          <p:cNvSpPr>
-            <a:spLocks noGrp="1"/>
-          </p:cNvSpPr>
-          <p:nvPr>
-            <p:ph type="title"/>
-          </p:nvPr>
-        </p:nvSpPr>
-        <p:spPr/>
-        <p:txBody>
-          <a:bodyPr/>
-          <a:lstStyle/>
-          <a:p>
-            <a:r>
-              <a:rPr lang="en-US" dirty="0" smtClean="0"/>
-              <a:t>Splash Screen</a:t>
-            </a:r>
-            <a:endParaRPr lang="en-US" dirty="0"/>
-          </a:p>
-        </p:txBody>
-      </p:sp>
-      <p:pic>
-        <p:nvPicPr>
-          <p:cNvPr id="6" name="Content Placeholder 5"/>
-          <p:cNvPicPr>
-            <a:picLocks noGrp="1" noChangeAspect="1"/>
-          </p:cNvPicPr>
-          <p:nvPr>
-            <p:ph idx="1"/>
-          </p:nvPr>
-        </p:nvPicPr>
-        <p:blipFill>
-          <a:blip r:embed="rId2" cstate="print">
-            <a:extLst>
-              <a:ext uri="{28A0092B-C50C-407E-A947-70E740481C1C}">
-                <a14:useLocalDpi xmlns:a14="http://schemas.microsoft.com/office/drawing/2010/main" val="0"/>
-              </a:ext>
-            </a:extLst>
-          </a:blip>
-          <a:stretch>
-            <a:fillRect/>
-          </a:stretch>
-        </p:blipFill>
-        <p:spPr>
-          <a:xfrm>
-            <a:off x="3251987" y="1543119"/>
-            <a:ext cx="2189352" cy="4351338"/>
-          </a:xfrm>
-        </p:spPr>
-      </p:pic>
-      <p:sp>
-        <p:nvSpPr>
-          <p:cNvPr id="4" name="Footer Placeholder 3"/>
-          <p:cNvSpPr>
-            <a:spLocks noGrp="1"/>
-          </p:cNvSpPr>
-          <p:nvPr>
-            <p:ph type="ftr" sz="quarter" idx="11"/>
-          </p:nvPr>
-        </p:nvSpPr>
-        <p:spPr/>
-        <p:txBody>
-          <a:bodyPr/>
-          <a:lstStyle/>
-          <a:p>
-            <a:r>
-              <a:rPr lang="en-US" smtClean="0"/>
-              <a:t>+84 28 3991 2068  |  sales@tpssoft.com  | www.tpssoft.com</a:t>
-            </a:r>
-            <a:endParaRPr lang="en-US" dirty="0"/>
-          </a:p>
-        </p:txBody>
-      </p:sp>
-      <p:sp>
-        <p:nvSpPr>
-          <p:cNvPr id="5" name="Slide Number Placeholder 4"/>
-          <p:cNvSpPr>
-            <a:spLocks noGrp="1"/>
-          </p:cNvSpPr>
-          <p:nvPr>
-            <p:ph type="sldNum" sz="quarter" idx="12"/>
-          </p:nvPr>
-        </p:nvSpPr>
-        <p:spPr/>
-        <p:txBody>
-          <a:bodyPr/>
-          <a:lstStyle/>
-          <a:p>
-            <a:fld id="{D8C32136-2E8F-41D8-87DD-E76A2A241A32}" type="slidenum">
-              <a:rPr lang="en-US" smtClean="0"/>
-              <a:t>4</a:t>
-            </a:fld>
-            <a:endParaRPr lang="en-US" dirty="0"/>
-          </a:p>
-        </p:txBody>
-      </p:sp>
-    </p:spTree>
-    <p:extLst>
-      <p:ext uri="{BB962C8B-B14F-4D97-AF65-F5344CB8AC3E}">
-        <p14:creationId xmlns:p14="http://schemas.microsoft.com/office/powerpoint/2010/main" val="3199131277"/>
-      </p:ext>
-    </p:extLst>
-  </p:cSld>
-  <p:clrMapOvr>
-    <a:masterClrMapping/>
-  </p:clrMapOvr>
-  <p:timing>
-    <p:tnLst>
-      <p:par>
-        <p:cTn id="1" dur="indefinite" restart="never" nodeType="tmRoot"/>
-      </p:par>
-    </p:tnLst>
-  </p:timing>
-</p:sld>
-</file>
-
-<file path=ppt/slides/slide5.xml><?xml version="1.0" encoding="utf-8"?>
-<p:sld xmlns:a="http://schemas.openxmlformats.org/drawingml/2006/main" xmlns:r="http://schemas.openxmlformats.org/officeDocument/2006/relationships" xmlns:p="http://schemas.openxmlformats.org/presentationml/2006/main">
-  <p:cSld>
-    <p:spTree>
-      <p:nvGrpSpPr>
-        <p:cNvPr id="1" name=""/>
-        <p:cNvGrpSpPr/>
-        <p:nvPr/>
-      </p:nvGrpSpPr>
-      <p:grpSpPr>
-        <a:xfrm>
-          <a:off x="0" y="0"/>
-          <a:ext cx="0" cy="0"/>
-          <a:chOff x="0" y="0"/>
-          <a:chExt cx="0" cy="0"/>
-        </a:xfrm>
-      </p:grpSpPr>
-      <p:sp>
-        <p:nvSpPr>
-          <p:cNvPr id="2" name="Title 1"/>
-          <p:cNvSpPr>
-            <a:spLocks noGrp="1"/>
-          </p:cNvSpPr>
-          <p:nvPr>
-            <p:ph type="title"/>
-          </p:nvPr>
-        </p:nvSpPr>
-        <p:spPr/>
-        <p:txBody>
-          <a:bodyPr/>
-          <a:lstStyle/>
-          <a:p>
-            <a:r>
-              <a:rPr lang="en-US" dirty="0"/>
-              <a:t>Walk-through Screen</a:t>
-            </a:r>
-          </a:p>
-        </p:txBody>
-      </p:sp>
-      <p:pic>
-        <p:nvPicPr>
-          <p:cNvPr id="6" name="Content Placeholder 5"/>
-          <p:cNvPicPr>
-            <a:picLocks noGrp="1" noChangeAspect="1"/>
-          </p:cNvPicPr>
-          <p:nvPr>
-            <p:ph idx="1"/>
-          </p:nvPr>
-        </p:nvPicPr>
-        <p:blipFill>
-          <a:blip r:embed="rId2" cstate="print">
-            <a:extLst>
-              <a:ext uri="{28A0092B-C50C-407E-A947-70E740481C1C}">
-                <a14:useLocalDpi xmlns:a14="http://schemas.microsoft.com/office/drawing/2010/main" val="0"/>
-              </a:ext>
-            </a:extLst>
-          </a:blip>
-          <a:stretch>
-            <a:fillRect/>
-          </a:stretch>
-        </p:blipFill>
-        <p:spPr>
-          <a:xfrm>
-            <a:off x="0" y="1543120"/>
-            <a:ext cx="2196194" cy="4351338"/>
-          </a:xfrm>
-        </p:spPr>
-      </p:pic>
-      <p:sp>
-        <p:nvSpPr>
-          <p:cNvPr id="4" name="Footer Placeholder 3"/>
-          <p:cNvSpPr>
-            <a:spLocks noGrp="1"/>
-          </p:cNvSpPr>
-          <p:nvPr>
-            <p:ph type="ftr" sz="quarter" idx="11"/>
-          </p:nvPr>
-        </p:nvSpPr>
-        <p:spPr/>
-        <p:txBody>
-          <a:bodyPr/>
-          <a:lstStyle/>
-          <a:p>
-            <a:r>
-              <a:rPr lang="en-US" smtClean="0"/>
-              <a:t>+84 28 3991 2068  |  sales@tpssoft.com  | www.tpssoft.com</a:t>
-            </a:r>
-            <a:endParaRPr lang="en-US" dirty="0"/>
-          </a:p>
-        </p:txBody>
-      </p:sp>
-      <p:sp>
-        <p:nvSpPr>
-          <p:cNvPr id="5" name="Slide Number Placeholder 4"/>
-          <p:cNvSpPr>
-            <a:spLocks noGrp="1"/>
-          </p:cNvSpPr>
-          <p:nvPr>
-            <p:ph type="sldNum" sz="quarter" idx="12"/>
-          </p:nvPr>
-        </p:nvSpPr>
-        <p:spPr/>
-        <p:txBody>
-          <a:bodyPr/>
-          <a:lstStyle/>
-          <a:p>
-            <a:fld id="{D8C32136-2E8F-41D8-87DD-E76A2A241A32}" type="slidenum">
-              <a:rPr lang="en-US" smtClean="0"/>
-              <a:t>5</a:t>
-            </a:fld>
-            <a:endParaRPr lang="en-US" dirty="0"/>
-          </a:p>
-        </p:txBody>
-      </p:sp>
-      <p:pic>
-        <p:nvPicPr>
-          <p:cNvPr id="7" name="Picture 6"/>
-          <p:cNvPicPr>
-            <a:picLocks noChangeAspect="1"/>
-          </p:cNvPicPr>
-          <p:nvPr/>
-        </p:nvPicPr>
-        <p:blipFill>
-          <a:blip r:embed="rId3" cstate="print">
-            <a:extLst>
-              <a:ext uri="{28A0092B-C50C-407E-A947-70E740481C1C}">
-                <a14:useLocalDpi xmlns:a14="http://schemas.microsoft.com/office/drawing/2010/main" val="0"/>
-              </a:ext>
-            </a:extLst>
-          </a:blip>
-          <a:stretch>
-            <a:fillRect/>
-          </a:stretch>
-        </p:blipFill>
-        <p:spPr>
-          <a:xfrm>
-            <a:off x="2299313" y="1543118"/>
-            <a:ext cx="2185932" cy="4351338"/>
-          </a:xfrm>
-          <a:prstGeom prst="rect">
-            <a:avLst/>
-          </a:prstGeom>
-        </p:spPr>
-      </p:pic>
-      <p:pic>
-        <p:nvPicPr>
-          <p:cNvPr id="8" name="Picture 7"/>
-          <p:cNvPicPr>
-            <a:picLocks noChangeAspect="1"/>
-          </p:cNvPicPr>
-          <p:nvPr/>
-        </p:nvPicPr>
-        <p:blipFill>
-          <a:blip r:embed="rId4" cstate="print">
-            <a:extLst>
-              <a:ext uri="{28A0092B-C50C-407E-A947-70E740481C1C}">
-                <a14:useLocalDpi xmlns:a14="http://schemas.microsoft.com/office/drawing/2010/main" val="0"/>
-              </a:ext>
-            </a:extLst>
-          </a:blip>
-          <a:stretch>
-            <a:fillRect/>
-          </a:stretch>
-        </p:blipFill>
-        <p:spPr>
-          <a:xfrm>
-            <a:off x="4655334" y="1543118"/>
-            <a:ext cx="2185932" cy="4351339"/>
-          </a:xfrm>
-          <a:prstGeom prst="rect">
-            <a:avLst/>
-          </a:prstGeom>
-        </p:spPr>
-      </p:pic>
-      <p:pic>
-        <p:nvPicPr>
-          <p:cNvPr id="9" name="Picture 8"/>
-          <p:cNvPicPr>
-            <a:picLocks noChangeAspect="1"/>
-          </p:cNvPicPr>
-          <p:nvPr/>
-        </p:nvPicPr>
-        <p:blipFill>
-          <a:blip r:embed="rId5" cstate="print">
-            <a:extLst>
-              <a:ext uri="{28A0092B-C50C-407E-A947-70E740481C1C}">
-                <a14:useLocalDpi xmlns:a14="http://schemas.microsoft.com/office/drawing/2010/main" val="0"/>
-              </a:ext>
-            </a:extLst>
-          </a:blip>
-          <a:stretch>
-            <a:fillRect/>
-          </a:stretch>
-        </p:blipFill>
-        <p:spPr>
-          <a:xfrm>
-            <a:off x="6944383" y="1533533"/>
-            <a:ext cx="2199615" cy="4351338"/>
-          </a:xfrm>
-          <a:prstGeom prst="rect">
-            <a:avLst/>
-          </a:prstGeom>
-        </p:spPr>
-      </p:pic>
-      <p:sp>
-        <p:nvSpPr>
-          <p:cNvPr id="3" name="Oval 2"/>
-          <p:cNvSpPr/>
-          <p:nvPr/>
-        </p:nvSpPr>
-        <p:spPr>
-          <a:xfrm>
-            <a:off x="7303212" y="4635062"/>
-            <a:ext cx="1481959" cy="693683"/>
-          </a:xfrm>
-          <a:prstGeom prst="ellipse">
-            <a:avLst/>
-          </a:prstGeom>
-          <a:noFill/>
-          <a:ln>
-            <a:solidFill>
-              <a:schemeClr val="tx1"/>
-            </a:solidFill>
-          </a:ln>
-        </p:spPr>
-        <p:style>
-          <a:lnRef idx="2">
-            <a:schemeClr val="accent1">
-              <a:shade val="50000"/>
-            </a:schemeClr>
-          </a:lnRef>
-          <a:fillRef idx="1">
-            <a:schemeClr val="accent1"/>
-          </a:fillRef>
-          <a:effectRef idx="0">
-            <a:schemeClr val="accent1"/>
-          </a:effectRef>
-          <a:fontRef idx="minor">
-            <a:schemeClr val="lt1"/>
-          </a:fontRef>
-        </p:style>
-        <p:txBody>
-          <a:bodyPr rtlCol="0" anchor="ctr"/>
-          <a:lstStyle/>
-          <a:p>
-            <a:pPr algn="ctr"/>
-            <a:endParaRPr lang="en-US"/>
-          </a:p>
-        </p:txBody>
-      </p:sp>
-      <p:sp>
-        <p:nvSpPr>
-          <p:cNvPr id="10" name="Oval 9"/>
-          <p:cNvSpPr/>
-          <p:nvPr/>
-        </p:nvSpPr>
-        <p:spPr>
-          <a:xfrm>
-            <a:off x="7467633" y="5429517"/>
-            <a:ext cx="1153113" cy="354581"/>
-          </a:xfrm>
-          <a:prstGeom prst="ellipse">
-            <a:avLst/>
-          </a:prstGeom>
-          <a:noFill/>
-          <a:ln>
-            <a:solidFill>
-              <a:schemeClr val="tx1"/>
-            </a:solidFill>
-          </a:ln>
-        </p:spPr>
-        <p:style>
-          <a:lnRef idx="2">
-            <a:schemeClr val="accent1">
-              <a:shade val="50000"/>
-            </a:schemeClr>
-          </a:lnRef>
-          <a:fillRef idx="1">
-            <a:schemeClr val="accent1"/>
-          </a:fillRef>
-          <a:effectRef idx="0">
-            <a:schemeClr val="accent1"/>
-          </a:effectRef>
-          <a:fontRef idx="minor">
-            <a:schemeClr val="lt1"/>
-          </a:fontRef>
-        </p:style>
-        <p:txBody>
-          <a:bodyPr rtlCol="0" anchor="ctr"/>
-          <a:lstStyle/>
-          <a:p>
-            <a:pPr algn="ctr"/>
-            <a:endParaRPr lang="en-US"/>
-          </a:p>
-        </p:txBody>
-      </p:sp>
-    </p:spTree>
-    <p:extLst>
-      <p:ext uri="{BB962C8B-B14F-4D97-AF65-F5344CB8AC3E}">
-        <p14:creationId xmlns:p14="http://schemas.microsoft.com/office/powerpoint/2010/main" val="609072999"/>
-      </p:ext>
-    </p:extLst>
-  </p:cSld>
-  <p:clrMapOvr>
-    <a:masterClrMapping/>
-  </p:clrMapOvr>
-  <p:timing>
-    <p:tnLst>
-      <p:par>
-        <p:cTn id="1" dur="indefinite" restart="never" nodeType="tmRoot">
-          <p:childTnLst>
-            <p:seq concurrent="1" nextAc="seek">
-              <p:cTn id="2" dur="indefinite" nodeType="mainSeq">
-                <p:childTnLst>
-                  <p:par>
-                    <p:cTn id="3" fill="hold">
-                      <p:stCondLst>
-                        <p:cond delay="indefinite"/>
-                      </p:stCondLst>
-                      <p:childTnLst>
-                        <p:par>
-                          <p:cTn id="4" fill="hold">
-                            <p:stCondLst>
-                              <p:cond delay="0"/>
-                            </p:stCondLst>
-                            <p:childTnLst>
-                              <p:par>
-                                <p:cTn id="5" presetID="10" presetClass="entr" presetSubtype="0" fill="hold" nodeType="clickEffect">
-                                  <p:stCondLst>
-                                    <p:cond delay="0"/>
-                                  </p:stCondLst>
-                                  <p:childTnLst>
-                                    <p:set>
-                                      <p:cBhvr>
-                                        <p:cTn id="6" dur="1" fill="hold">
-                                          <p:stCondLst>
-                                            <p:cond delay="0"/>
-                                          </p:stCondLst>
-                                        </p:cTn>
-                                        <p:tgtEl>
-                                          <p:spTgt spid="7"/>
-                                        </p:tgtEl>
-                                        <p:attrNameLst>
-                                          <p:attrName>style.visibility</p:attrName>
-                                        </p:attrNameLst>
-                                      </p:cBhvr>
-                                      <p:to>
-                                        <p:strVal val="visible"/>
-                                      </p:to>
-                                    </p:set>
-                                    <p:animEffect transition="in" filter="fade">
-                                      <p:cBhvr>
-                                        <p:cTn id="7" dur="500"/>
-                                        <p:tgtEl>
-                                          <p:spTgt spid="7"/>
-                                        </p:tgtEl>
-                                      </p:cBhvr>
-                                    </p:animEffect>
-                                  </p:childTnLst>
-                                </p:cTn>
-                              </p:par>
-                            </p:childTnLst>
-                          </p:cTn>
-                        </p:par>
-                      </p:childTnLst>
-                    </p:cTn>
-                  </p:par>
-                  <p:par>
-                    <p:cTn id="8" fill="hold">
-                      <p:stCondLst>
-                        <p:cond delay="indefinite"/>
-                      </p:stCondLst>
-                      <p:childTnLst>
-                        <p:par>
-                          <p:cTn id="9" fill="hold">
-                            <p:stCondLst>
-                              <p:cond delay="0"/>
-                            </p:stCondLst>
-                            <p:childTnLst>
-                              <p:par>
-                                <p:cTn id="10" presetID="10" presetClass="entr" presetSubtype="0" fill="hold" nodeType="clickEffect">
-                                  <p:stCondLst>
-                                    <p:cond delay="0"/>
-                                  </p:stCondLst>
-                                  <p:childTnLst>
-                                    <p:set>
-                                      <p:cBhvr>
-                                        <p:cTn id="11" dur="1" fill="hold">
-                                          <p:stCondLst>
-                                            <p:cond delay="0"/>
-                                          </p:stCondLst>
-                                        </p:cTn>
-                                        <p:tgtEl>
-                                          <p:spTgt spid="8"/>
-                                        </p:tgtEl>
-                                        <p:attrNameLst>
-                                          <p:attrName>style.visibility</p:attrName>
-                                        </p:attrNameLst>
-                                      </p:cBhvr>
-                                      <p:to>
-                                        <p:strVal val="visible"/>
-                                      </p:to>
-                                    </p:set>
-                                    <p:animEffect transition="in" filter="fade">
-                                      <p:cBhvr>
-                                        <p:cTn id="12" dur="500"/>
-                                        <p:tgtEl>
-                                          <p:spTgt spid="8"/>
-                                        </p:tgtEl>
-                                      </p:cBhvr>
-                                    </p:animEffect>
-                                  </p:childTnLst>
-                                </p:cTn>
-                              </p:par>
-                            </p:childTnLst>
-                          </p:cTn>
-                        </p:par>
-                      </p:childTnLst>
-                    </p:cTn>
-                  </p:par>
-                  <p:par>
-                    <p:cTn id="13" fill="hold">
-                      <p:stCondLst>
-                        <p:cond delay="indefinite"/>
-                      </p:stCondLst>
-                      <p:childTnLst>
-                        <p:par>
-                          <p:cTn id="14" fill="hold">
-                            <p:stCondLst>
-                              <p:cond delay="0"/>
-                            </p:stCondLst>
-                            <p:childTnLst>
-                              <p:par>
-                                <p:cTn id="15" presetID="10" presetClass="entr" presetSubtype="0" fill="hold" nodeType="clickEffect">
-                                  <p:stCondLst>
-                                    <p:cond delay="0"/>
-                                  </p:stCondLst>
-                                  <p:childTnLst>
-                                    <p:set>
-                                      <p:cBhvr>
-                                        <p:cTn id="16" dur="1" fill="hold">
-                                          <p:stCondLst>
-                                            <p:cond delay="0"/>
-                                          </p:stCondLst>
-                                        </p:cTn>
-                                        <p:tgtEl>
-                                          <p:spTgt spid="9"/>
-                                        </p:tgtEl>
-                                        <p:attrNameLst>
-                                          <p:attrName>style.visibility</p:attrName>
-                                        </p:attrNameLst>
-                                      </p:cBhvr>
-                                      <p:to>
-                                        <p:strVal val="visible"/>
-                                      </p:to>
-                                    </p:set>
-                                    <p:animEffect transition="in" filter="fade">
-                                      <p:cBhvr>
-                                        <p:cTn id="17" dur="500"/>
-                                        <p:tgtEl>
-                                          <p:spTgt spid="9"/>
-                                        </p:tgtEl>
-                                      </p:cBhvr>
-                                    </p:animEffect>
-                                  </p:childTnLst>
-                                </p:cTn>
-                              </p:par>
-                            </p:childTnLst>
-                          </p:cTn>
-                        </p:par>
-                      </p:childTnLst>
-                    </p:cTn>
-                  </p:par>
-                  <p:par>
-                    <p:cTn id="18" fill="hold">
-                      <p:stCondLst>
-                        <p:cond delay="indefinite"/>
-                      </p:stCondLst>
-                      <p:childTnLst>
-                        <p:par>
-                          <p:cTn id="19" fill="hold">
-                            <p:stCondLst>
-                              <p:cond delay="0"/>
-                            </p:stCondLst>
-                            <p:childTnLst>
-                              <p:par>
-                                <p:cTn id="20" presetID="6" presetClass="entr" presetSubtype="16" fill="hold" grpId="0" nodeType="clickEffect">
-                                  <p:stCondLst>
-                                    <p:cond delay="0"/>
-                                  </p:stCondLst>
-                                  <p:childTnLst>
-                                    <p:set>
-                                      <p:cBhvr>
-                                        <p:cTn id="21" dur="1" fill="hold">
-                                          <p:stCondLst>
-                                            <p:cond delay="0"/>
-                                          </p:stCondLst>
-                                        </p:cTn>
-                                        <p:tgtEl>
-                                          <p:spTgt spid="3"/>
-                                        </p:tgtEl>
-                                        <p:attrNameLst>
-                                          <p:attrName>style.visibility</p:attrName>
-                                        </p:attrNameLst>
-                                      </p:cBhvr>
-                                      <p:to>
-                                        <p:strVal val="visible"/>
-                                      </p:to>
-                                    </p:set>
-                                    <p:animEffect transition="in" filter="circle(in)">
-                                      <p:cBhvr>
-                                        <p:cTn id="22" dur="2000"/>
-                                        <p:tgtEl>
-                                          <p:spTgt spid="3"/>
-                                        </p:tgtEl>
-                                      </p:cBhvr>
-                                    </p:animEffect>
-                                  </p:childTnLst>
-                                </p:cTn>
-                              </p:par>
-                            </p:childTnLst>
-                          </p:cTn>
-                        </p:par>
-                      </p:childTnLst>
-                    </p:cTn>
-                  </p:par>
-                  <p:par>
-                    <p:cTn id="23" fill="hold">
-                      <p:stCondLst>
-                        <p:cond delay="indefinite"/>
-                      </p:stCondLst>
-                      <p:childTnLst>
-                        <p:par>
-                          <p:cTn id="24" fill="hold">
-                            <p:stCondLst>
-                              <p:cond delay="0"/>
-                            </p:stCondLst>
-                            <p:childTnLst>
-                              <p:par>
-                                <p:cTn id="25" presetID="6" presetClass="entr" presetSubtype="16" fill="hold" grpId="0" nodeType="clickEffect">
-                                  <p:stCondLst>
-                                    <p:cond delay="0"/>
-                                  </p:stCondLst>
-                                  <p:childTnLst>
-                                    <p:set>
-                                      <p:cBhvr>
-                                        <p:cTn id="26" dur="1" fill="hold">
-                                          <p:stCondLst>
-                                            <p:cond delay="0"/>
-                                          </p:stCondLst>
-                                        </p:cTn>
-                                        <p:tgtEl>
-                                          <p:spTgt spid="10"/>
-                                        </p:tgtEl>
-                                        <p:attrNameLst>
-                                          <p:attrName>style.visibility</p:attrName>
-                                        </p:attrNameLst>
-                                      </p:cBhvr>
-                                      <p:to>
-                                        <p:strVal val="visible"/>
-                                      </p:to>
-                                    </p:set>
-                                    <p:animEffect transition="in" filter="circle(in)">
-                                      <p:cBhvr>
-                                        <p:cTn id="27" dur="2000"/>
-                                        <p:tgtEl>
-                                          <p:spTgt spid="10"/>
-                                        </p:tgtEl>
-                                      </p:cBhvr>
-                                    </p:animEffect>
-                                  </p:childTnLst>
-                                </p:cTn>
-                              </p:par>
-                            </p:childTnLst>
-                          </p:cTn>
-                        </p:par>
-                      </p:childTnLst>
-                    </p:cTn>
-                  </p:par>
-                </p:childTnLst>
-              </p:cTn>
-              <p:prevCondLst>
-                <p:cond evt="onPrev" delay="0">
-                  <p:tgtEl>
-                    <p:sldTgt/>
-                  </p:tgtEl>
-                </p:cond>
-              </p:prevCondLst>
-              <p:nextCondLst>
-                <p:cond evt="onNext" delay="0">
-                  <p:tgtEl>
-                    <p:sldTgt/>
-                  </p:tgtEl>
-                </p:cond>
-              </p:nextCondLst>
-            </p:seq>
-          </p:childTnLst>
-        </p:cTn>
-      </p:par>
-    </p:tnLst>
-    <p:bldLst>
-      <p:bldP spid="3" grpId="0" animBg="1"/>
-      <p:bldP spid="10" grpId="0" animBg="1"/>
-    </p:bldLst>
-  </p:timing>
-</p:sld>
-</file>
-
-<file path=ppt/slides/slide6.xml><?xml version="1.0" encoding="utf-8"?>
-<p:sld xmlns:a="http://schemas.openxmlformats.org/drawingml/2006/main" xmlns:r="http://schemas.openxmlformats.org/officeDocument/2006/relationships" xmlns:p="http://schemas.openxmlformats.org/presentationml/2006/main">
-  <p:cSld>
-    <p:spTree>
-      <p:nvGrpSpPr>
-        <p:cNvPr id="1" name=""/>
-        <p:cNvGrpSpPr/>
-        <p:nvPr/>
-      </p:nvGrpSpPr>
-      <p:grpSpPr>
-        <a:xfrm>
-          <a:off x="0" y="0"/>
-          <a:ext cx="0" cy="0"/>
-          <a:chOff x="0" y="0"/>
-          <a:chExt cx="0" cy="0"/>
-        </a:xfrm>
-      </p:grpSpPr>
-      <p:sp>
-        <p:nvSpPr>
-          <p:cNvPr id="2" name="Title 1"/>
-          <p:cNvSpPr>
-            <a:spLocks noGrp="1"/>
-          </p:cNvSpPr>
-          <p:nvPr>
-            <p:ph type="title"/>
-          </p:nvPr>
-        </p:nvSpPr>
-        <p:spPr/>
-        <p:txBody>
-          <a:bodyPr/>
-          <a:lstStyle/>
-          <a:p>
-            <a:r>
-              <a:rPr lang="en-US" dirty="0" smtClean="0"/>
-              <a:t>Sign In</a:t>
-            </a:r>
-            <a:endParaRPr lang="en-US" dirty="0"/>
-          </a:p>
-        </p:txBody>
-      </p:sp>
-      <p:pic>
-        <p:nvPicPr>
-          <p:cNvPr id="6" name="Content Placeholder 5"/>
-          <p:cNvPicPr>
-            <a:picLocks noGrp="1" noChangeAspect="1"/>
-          </p:cNvPicPr>
-          <p:nvPr>
-            <p:ph idx="1"/>
-          </p:nvPr>
-        </p:nvPicPr>
-        <p:blipFill>
-          <a:blip r:embed="rId2" cstate="print">
-            <a:extLst>
-              <a:ext uri="{28A0092B-C50C-407E-A947-70E740481C1C}">
-                <a14:useLocalDpi xmlns:a14="http://schemas.microsoft.com/office/drawing/2010/main" val="0"/>
-              </a:ext>
-            </a:extLst>
-          </a:blip>
-          <a:stretch>
-            <a:fillRect/>
-          </a:stretch>
-        </p:blipFill>
-        <p:spPr>
-          <a:xfrm>
-            <a:off x="693282" y="1541207"/>
-            <a:ext cx="2171145" cy="4351338"/>
-          </a:xfrm>
-        </p:spPr>
-      </p:pic>
-      <p:sp>
-        <p:nvSpPr>
-          <p:cNvPr id="4" name="Footer Placeholder 3"/>
-          <p:cNvSpPr>
-            <a:spLocks noGrp="1"/>
-          </p:cNvSpPr>
-          <p:nvPr>
-            <p:ph type="ftr" sz="quarter" idx="11"/>
-          </p:nvPr>
-        </p:nvSpPr>
-        <p:spPr/>
-        <p:txBody>
-          <a:bodyPr/>
-          <a:lstStyle/>
-          <a:p>
-            <a:r>
-              <a:rPr lang="en-US" smtClean="0"/>
-              <a:t>+84 28 3991 2068  |  sales@tpssoft.com  | www.tpssoft.com</a:t>
-            </a:r>
-            <a:endParaRPr lang="en-US" dirty="0"/>
-          </a:p>
-        </p:txBody>
-      </p:sp>
-      <p:sp>
-        <p:nvSpPr>
-          <p:cNvPr id="5" name="Slide Number Placeholder 4"/>
-          <p:cNvSpPr>
-            <a:spLocks noGrp="1"/>
-          </p:cNvSpPr>
-          <p:nvPr>
-            <p:ph type="sldNum" sz="quarter" idx="12"/>
-          </p:nvPr>
-        </p:nvSpPr>
-        <p:spPr/>
-        <p:txBody>
-          <a:bodyPr/>
-          <a:lstStyle/>
-          <a:p>
-            <a:fld id="{D8C32136-2E8F-41D8-87DD-E76A2A241A32}" type="slidenum">
-              <a:rPr lang="en-US" smtClean="0"/>
-              <a:t>6</a:t>
-            </a:fld>
-            <a:endParaRPr lang="en-US" dirty="0"/>
-          </a:p>
-        </p:txBody>
-      </p:sp>
-      <p:pic>
-        <p:nvPicPr>
-          <p:cNvPr id="7" name="Picture 6"/>
-          <p:cNvPicPr>
-            <a:picLocks noChangeAspect="1"/>
-          </p:cNvPicPr>
-          <p:nvPr/>
-        </p:nvPicPr>
-        <p:blipFill>
-          <a:blip r:embed="rId3" cstate="print">
-            <a:extLst>
-              <a:ext uri="{28A0092B-C50C-407E-A947-70E740481C1C}">
-                <a14:useLocalDpi xmlns:a14="http://schemas.microsoft.com/office/drawing/2010/main" val="0"/>
-              </a:ext>
-            </a:extLst>
-          </a:blip>
-          <a:stretch>
-            <a:fillRect/>
-          </a:stretch>
-        </p:blipFill>
-        <p:spPr>
-          <a:xfrm>
-            <a:off x="5914658" y="1541207"/>
-            <a:ext cx="2173053" cy="4355161"/>
-          </a:xfrm>
-          <a:prstGeom prst="rect">
-            <a:avLst/>
-          </a:prstGeom>
-        </p:spPr>
-      </p:pic>
-      <p:pic>
-        <p:nvPicPr>
-          <p:cNvPr id="8" name="Picture 7"/>
-          <p:cNvPicPr>
-            <a:picLocks noChangeAspect="1"/>
-          </p:cNvPicPr>
-          <p:nvPr/>
-        </p:nvPicPr>
-        <p:blipFill>
-          <a:blip r:embed="rId4" cstate="print">
-            <a:extLst>
-              <a:ext uri="{28A0092B-C50C-407E-A947-70E740481C1C}">
-                <a14:useLocalDpi xmlns:a14="http://schemas.microsoft.com/office/drawing/2010/main" val="0"/>
-              </a:ext>
-            </a:extLst>
-          </a:blip>
-          <a:stretch>
-            <a:fillRect/>
-          </a:stretch>
-        </p:blipFill>
-        <p:spPr>
-          <a:xfrm>
-            <a:off x="3272516" y="1541207"/>
-            <a:ext cx="2177181" cy="4351338"/>
-          </a:xfrm>
-          <a:prstGeom prst="rect">
-            <a:avLst/>
-          </a:prstGeom>
-        </p:spPr>
-      </p:pic>
-      <p:sp>
-        <p:nvSpPr>
-          <p:cNvPr id="3" name="Oval 2"/>
-          <p:cNvSpPr/>
-          <p:nvPr/>
-        </p:nvSpPr>
-        <p:spPr>
-          <a:xfrm>
-            <a:off x="2381883" y="3342290"/>
-            <a:ext cx="315311" cy="344966"/>
-          </a:xfrm>
-          <a:prstGeom prst="ellipse">
-            <a:avLst/>
-          </a:prstGeom>
-          <a:noFill/>
-          <a:ln>
-            <a:solidFill>
-              <a:schemeClr val="tx1"/>
-            </a:solidFill>
-          </a:ln>
-        </p:spPr>
-        <p:style>
-          <a:lnRef idx="2">
-            <a:schemeClr val="accent1">
-              <a:shade val="50000"/>
-            </a:schemeClr>
-          </a:lnRef>
-          <a:fillRef idx="1">
-            <a:schemeClr val="accent1"/>
-          </a:fillRef>
-          <a:effectRef idx="0">
-            <a:schemeClr val="accent1"/>
-          </a:effectRef>
-          <a:fontRef idx="minor">
-            <a:schemeClr val="lt1"/>
-          </a:fontRef>
-        </p:style>
-        <p:txBody>
-          <a:bodyPr rtlCol="0" anchor="ctr"/>
-          <a:lstStyle/>
-          <a:p>
-            <a:pPr algn="ctr"/>
-            <a:endParaRPr lang="en-US"/>
-          </a:p>
-        </p:txBody>
-      </p:sp>
-      <p:sp>
-        <p:nvSpPr>
-          <p:cNvPr id="9" name="Oval 8"/>
-          <p:cNvSpPr/>
-          <p:nvPr/>
-        </p:nvSpPr>
-        <p:spPr>
-          <a:xfrm>
-            <a:off x="730991" y="3841530"/>
-            <a:ext cx="2032820" cy="777765"/>
-          </a:xfrm>
-          <a:prstGeom prst="ellipse">
-            <a:avLst/>
-          </a:prstGeom>
-          <a:noFill/>
-          <a:ln>
-            <a:solidFill>
-              <a:schemeClr val="tx1"/>
-            </a:solidFill>
-          </a:ln>
-        </p:spPr>
-        <p:style>
-          <a:lnRef idx="2">
-            <a:schemeClr val="accent1">
-              <a:shade val="50000"/>
-            </a:schemeClr>
-          </a:lnRef>
-          <a:fillRef idx="1">
-            <a:schemeClr val="accent1"/>
-          </a:fillRef>
-          <a:effectRef idx="0">
-            <a:schemeClr val="accent1"/>
-          </a:effectRef>
-          <a:fontRef idx="minor">
-            <a:schemeClr val="lt1"/>
-          </a:fontRef>
-        </p:style>
-        <p:txBody>
-          <a:bodyPr rtlCol="0" anchor="ctr"/>
-          <a:lstStyle/>
-          <a:p>
-            <a:pPr algn="ctr"/>
-            <a:endParaRPr lang="en-US"/>
-          </a:p>
-        </p:txBody>
-      </p:sp>
-      <p:sp>
-        <p:nvSpPr>
-          <p:cNvPr id="10" name="Oval 9"/>
-          <p:cNvSpPr/>
-          <p:nvPr/>
-        </p:nvSpPr>
-        <p:spPr>
-          <a:xfrm>
-            <a:off x="1791145" y="3111351"/>
-            <a:ext cx="1016410" cy="341441"/>
-          </a:xfrm>
-          <a:prstGeom prst="ellipse">
-            <a:avLst/>
-          </a:prstGeom>
-          <a:noFill/>
-          <a:ln>
-            <a:solidFill>
-              <a:schemeClr val="tx1"/>
-            </a:solidFill>
-          </a:ln>
-        </p:spPr>
-        <p:style>
-          <a:lnRef idx="2">
-            <a:schemeClr val="accent1">
-              <a:shade val="50000"/>
-            </a:schemeClr>
-          </a:lnRef>
-          <a:fillRef idx="1">
-            <a:schemeClr val="accent1"/>
-          </a:fillRef>
-          <a:effectRef idx="0">
-            <a:schemeClr val="accent1"/>
-          </a:effectRef>
-          <a:fontRef idx="minor">
-            <a:schemeClr val="lt1"/>
-          </a:fontRef>
-        </p:style>
-        <p:txBody>
-          <a:bodyPr rtlCol="0" anchor="ctr"/>
-          <a:lstStyle/>
-          <a:p>
-            <a:pPr algn="ctr"/>
-            <a:endParaRPr lang="en-US"/>
-          </a:p>
-        </p:txBody>
-      </p:sp>
-    </p:spTree>
-    <p:extLst>
-      <p:ext uri="{BB962C8B-B14F-4D97-AF65-F5344CB8AC3E}">
-        <p14:creationId xmlns:p14="http://schemas.microsoft.com/office/powerpoint/2010/main" val="652814488"/>
-      </p:ext>
-    </p:extLst>
-  </p:cSld>
-  <p:clrMapOvr>
-    <a:masterClrMapping/>
-  </p:clrMapOvr>
-  <p:timing>
-    <p:tnLst>
-      <p:par>
-        <p:cTn id="1" dur="indefinite" restart="never" nodeType="tmRoot">
-          <p:childTnLst>
-            <p:seq concurrent="1" nextAc="seek">
-              <p:cTn id="2" dur="indefinite" nodeType="mainSeq">
-                <p:childTnLst>
-                  <p:par>
-                    <p:cTn id="3" fill="hold">
-                      <p:stCondLst>
-                        <p:cond delay="indefinite"/>
-                      </p:stCondLst>
-                      <p:childTnLst>
-                        <p:par>
-                          <p:cTn id="4" fill="hold">
-                            <p:stCondLst>
-                              <p:cond delay="0"/>
-                            </p:stCondLst>
-                            <p:childTnLst>
-                              <p:par>
-                                <p:cTn id="5" presetID="53" presetClass="entr" presetSubtype="16" fill="hold" grpId="0" nodeType="clickEffect">
-                                  <p:stCondLst>
-                                    <p:cond delay="0"/>
-                                  </p:stCondLst>
-                                  <p:childTnLst>
-                                    <p:set>
-                                      <p:cBhvr>
-                                        <p:cTn id="6" dur="1" fill="hold">
-                                          <p:stCondLst>
-                                            <p:cond delay="0"/>
-                                          </p:stCondLst>
-                                        </p:cTn>
-                                        <p:tgtEl>
-                                          <p:spTgt spid="3"/>
-                                        </p:tgtEl>
-                                        <p:attrNameLst>
-                                          <p:attrName>style.visibility</p:attrName>
-                                        </p:attrNameLst>
-                                      </p:cBhvr>
-                                      <p:to>
-                                        <p:strVal val="visible"/>
-                                      </p:to>
-                                    </p:set>
-                                    <p:anim calcmode="lin" valueType="num">
-                                      <p:cBhvr>
-                                        <p:cTn id="7" dur="500" fill="hold"/>
-                                        <p:tgtEl>
-                                          <p:spTgt spid="3"/>
-                                        </p:tgtEl>
-                                        <p:attrNameLst>
-                                          <p:attrName>ppt_w</p:attrName>
-                                        </p:attrNameLst>
-                                      </p:cBhvr>
-                                      <p:tavLst>
-                                        <p:tav tm="0">
-                                          <p:val>
-                                            <p:fltVal val="0"/>
-                                          </p:val>
-                                        </p:tav>
-                                        <p:tav tm="100000">
-                                          <p:val>
-                                            <p:strVal val="#ppt_w"/>
-                                          </p:val>
-                                        </p:tav>
-                                      </p:tavLst>
-                                    </p:anim>
-                                    <p:anim calcmode="lin" valueType="num">
-                                      <p:cBhvr>
-                                        <p:cTn id="8" dur="500" fill="hold"/>
-                                        <p:tgtEl>
-                                          <p:spTgt spid="3"/>
-                                        </p:tgtEl>
-                                        <p:attrNameLst>
-                                          <p:attrName>ppt_h</p:attrName>
-                                        </p:attrNameLst>
-                                      </p:cBhvr>
-                                      <p:tavLst>
-                                        <p:tav tm="0">
-                                          <p:val>
-                                            <p:fltVal val="0"/>
-                                          </p:val>
-                                        </p:tav>
-                                        <p:tav tm="100000">
-                                          <p:val>
-                                            <p:strVal val="#ppt_h"/>
-                                          </p:val>
-                                        </p:tav>
-                                      </p:tavLst>
-                                    </p:anim>
-                                    <p:animEffect transition="in" filter="fade">
-                                      <p:cBhvr>
-                                        <p:cTn id="9" dur="500"/>
-                                        <p:tgtEl>
-                                          <p:spTgt spid="3"/>
-                                        </p:tgtEl>
-                                      </p:cBhvr>
-                                    </p:animEffect>
-                                  </p:childTnLst>
-                                </p:cTn>
-                              </p:par>
-                            </p:childTnLst>
-                          </p:cTn>
-                        </p:par>
-                      </p:childTnLst>
-                    </p:cTn>
-                  </p:par>
-                  <p:par>
-                    <p:cTn id="10" fill="hold">
-                      <p:stCondLst>
-                        <p:cond delay="indefinite"/>
-                      </p:stCondLst>
-                      <p:childTnLst>
-                        <p:par>
-                          <p:cTn id="11" fill="hold">
-                            <p:stCondLst>
-                              <p:cond delay="0"/>
-                            </p:stCondLst>
-                            <p:childTnLst>
-                              <p:par>
-                                <p:cTn id="12" presetID="42" presetClass="entr" presetSubtype="0" fill="hold" nodeType="clickEffect">
-                                  <p:stCondLst>
-                                    <p:cond delay="0"/>
-                                  </p:stCondLst>
-                                  <p:childTnLst>
-                                    <p:set>
-                                      <p:cBhvr>
-                                        <p:cTn id="13" dur="1" fill="hold">
-                                          <p:stCondLst>
-                                            <p:cond delay="0"/>
-                                          </p:stCondLst>
-                                        </p:cTn>
-                                        <p:tgtEl>
-                                          <p:spTgt spid="8"/>
-                                        </p:tgtEl>
-                                        <p:attrNameLst>
-                                          <p:attrName>style.visibility</p:attrName>
-                                        </p:attrNameLst>
-                                      </p:cBhvr>
-                                      <p:to>
-                                        <p:strVal val="visible"/>
-                                      </p:to>
-                                    </p:set>
-                                    <p:animEffect transition="in" filter="fade">
-                                      <p:cBhvr>
-                                        <p:cTn id="14" dur="1000"/>
-                                        <p:tgtEl>
-                                          <p:spTgt spid="8"/>
-                                        </p:tgtEl>
-                                      </p:cBhvr>
-                                    </p:animEffect>
-                                    <p:anim calcmode="lin" valueType="num">
-                                      <p:cBhvr>
-                                        <p:cTn id="15" dur="1000" fill="hold"/>
-                                        <p:tgtEl>
-                                          <p:spTgt spid="8"/>
-                                        </p:tgtEl>
-                                        <p:attrNameLst>
-                                          <p:attrName>ppt_x</p:attrName>
-                                        </p:attrNameLst>
-                                      </p:cBhvr>
-                                      <p:tavLst>
-                                        <p:tav tm="0">
-                                          <p:val>
-                                            <p:strVal val="#ppt_x"/>
-                                          </p:val>
-                                        </p:tav>
-                                        <p:tav tm="100000">
-                                          <p:val>
-                                            <p:strVal val="#ppt_x"/>
-                                          </p:val>
-                                        </p:tav>
-                                      </p:tavLst>
-                                    </p:anim>
-                                    <p:anim calcmode="lin" valueType="num">
-                                      <p:cBhvr>
-                                        <p:cTn id="16" dur="1000" fill="hold"/>
-                                        <p:tgtEl>
-                                          <p:spTgt spid="8"/>
-                                        </p:tgtEl>
-                                        <p:attrNameLst>
-                                          <p:attrName>ppt_y</p:attrName>
-                                        </p:attrNameLst>
-                                      </p:cBhvr>
-                                      <p:tavLst>
-                                        <p:tav tm="0">
-                                          <p:val>
-                                            <p:strVal val="#ppt_y+.1"/>
-                                          </p:val>
-                                        </p:tav>
-                                        <p:tav tm="100000">
-                                          <p:val>
-                                            <p:strVal val="#ppt_y"/>
-                                          </p:val>
-                                        </p:tav>
-                                      </p:tavLst>
-                                    </p:anim>
-                                  </p:childTnLst>
-                                </p:cTn>
-                              </p:par>
-                            </p:childTnLst>
-                          </p:cTn>
-                        </p:par>
-                      </p:childTnLst>
-                    </p:cTn>
-                  </p:par>
-                  <p:par>
-                    <p:cTn id="17" fill="hold">
-                      <p:stCondLst>
-                        <p:cond delay="indefinite"/>
-                      </p:stCondLst>
-                      <p:childTnLst>
-                        <p:par>
-                          <p:cTn id="18" fill="hold">
-                            <p:stCondLst>
-                              <p:cond delay="0"/>
-                            </p:stCondLst>
-                            <p:childTnLst>
-                              <p:par>
-                                <p:cTn id="19" presetID="42" presetClass="entr" presetSubtype="0" fill="hold" nodeType="clickEffect">
-                                  <p:stCondLst>
-                                    <p:cond delay="0"/>
-                                  </p:stCondLst>
-                                  <p:childTnLst>
-                                    <p:set>
-                                      <p:cBhvr>
-                                        <p:cTn id="20" dur="1" fill="hold">
-                                          <p:stCondLst>
-                                            <p:cond delay="0"/>
-                                          </p:stCondLst>
-                                        </p:cTn>
-                                        <p:tgtEl>
-                                          <p:spTgt spid="7"/>
-                                        </p:tgtEl>
-                                        <p:attrNameLst>
-                                          <p:attrName>style.visibility</p:attrName>
-                                        </p:attrNameLst>
-                                      </p:cBhvr>
-                                      <p:to>
-                                        <p:strVal val="visible"/>
-                                      </p:to>
-                                    </p:set>
-                                    <p:animEffect transition="in" filter="fade">
-                                      <p:cBhvr>
-                                        <p:cTn id="21" dur="1000"/>
-                                        <p:tgtEl>
-                                          <p:spTgt spid="7"/>
-                                        </p:tgtEl>
-                                      </p:cBhvr>
-                                    </p:animEffect>
-                                    <p:anim calcmode="lin" valueType="num">
-                                      <p:cBhvr>
-                                        <p:cTn id="22" dur="1000" fill="hold"/>
-                                        <p:tgtEl>
-                                          <p:spTgt spid="7"/>
-                                        </p:tgtEl>
-                                        <p:attrNameLst>
-                                          <p:attrName>ppt_x</p:attrName>
-                                        </p:attrNameLst>
-                                      </p:cBhvr>
-                                      <p:tavLst>
-                                        <p:tav tm="0">
-                                          <p:val>
-                                            <p:strVal val="#ppt_x"/>
-                                          </p:val>
-                                        </p:tav>
-                                        <p:tav tm="100000">
-                                          <p:val>
-                                            <p:strVal val="#ppt_x"/>
-                                          </p:val>
-                                        </p:tav>
-                                      </p:tavLst>
-                                    </p:anim>
-                                    <p:anim calcmode="lin" valueType="num">
-                                      <p:cBhvr>
-                                        <p:cTn id="23" dur="1000" fill="hold"/>
-                                        <p:tgtEl>
-                                          <p:spTgt spid="7"/>
-                                        </p:tgtEl>
-                                        <p:attrNameLst>
-                                          <p:attrName>ppt_y</p:attrName>
-                                        </p:attrNameLst>
-                                      </p:cBhvr>
-                                      <p:tavLst>
-                                        <p:tav tm="0">
-                                          <p:val>
-                                            <p:strVal val="#ppt_y+.1"/>
-                                          </p:val>
-                                        </p:tav>
-                                        <p:tav tm="100000">
-                                          <p:val>
-                                            <p:strVal val="#ppt_y"/>
-                                          </p:val>
-                                        </p:tav>
-                                      </p:tavLst>
-                                    </p:anim>
-                                  </p:childTnLst>
-                                </p:cTn>
-                              </p:par>
-                            </p:childTnLst>
-                          </p:cTn>
-                        </p:par>
-                      </p:childTnLst>
-                    </p:cTn>
-                  </p:par>
-                  <p:par>
-                    <p:cTn id="24" fill="hold">
-                      <p:stCondLst>
-                        <p:cond delay="indefinite"/>
-                      </p:stCondLst>
-                      <p:childTnLst>
-                        <p:par>
-                          <p:cTn id="25" fill="hold">
-                            <p:stCondLst>
-                              <p:cond delay="0"/>
-                            </p:stCondLst>
-                            <p:childTnLst>
-                              <p:par>
-                                <p:cTn id="26" presetID="53" presetClass="entr" presetSubtype="16" fill="hold" grpId="0" nodeType="clickEffect">
-                                  <p:stCondLst>
-                                    <p:cond delay="0"/>
-                                  </p:stCondLst>
-                                  <p:childTnLst>
-                                    <p:set>
-                                      <p:cBhvr>
-                                        <p:cTn id="27" dur="1" fill="hold">
-                                          <p:stCondLst>
-                                            <p:cond delay="0"/>
-                                          </p:stCondLst>
-                                        </p:cTn>
-                                        <p:tgtEl>
-                                          <p:spTgt spid="9"/>
-                                        </p:tgtEl>
-                                        <p:attrNameLst>
-                                          <p:attrName>style.visibility</p:attrName>
-                                        </p:attrNameLst>
-                                      </p:cBhvr>
-                                      <p:to>
-                                        <p:strVal val="visible"/>
-                                      </p:to>
-                                    </p:set>
-                                    <p:anim calcmode="lin" valueType="num">
-                                      <p:cBhvr>
-                                        <p:cTn id="28" dur="500" fill="hold"/>
-                                        <p:tgtEl>
-                                          <p:spTgt spid="9"/>
-                                        </p:tgtEl>
-                                        <p:attrNameLst>
-                                          <p:attrName>ppt_w</p:attrName>
-                                        </p:attrNameLst>
-                                      </p:cBhvr>
-                                      <p:tavLst>
-                                        <p:tav tm="0">
-                                          <p:val>
-                                            <p:fltVal val="0"/>
-                                          </p:val>
-                                        </p:tav>
-                                        <p:tav tm="100000">
-                                          <p:val>
-                                            <p:strVal val="#ppt_w"/>
-                                          </p:val>
-                                        </p:tav>
-                                      </p:tavLst>
-                                    </p:anim>
-                                    <p:anim calcmode="lin" valueType="num">
-                                      <p:cBhvr>
-                                        <p:cTn id="29" dur="500" fill="hold"/>
-                                        <p:tgtEl>
-                                          <p:spTgt spid="9"/>
-                                        </p:tgtEl>
-                                        <p:attrNameLst>
-                                          <p:attrName>ppt_h</p:attrName>
-                                        </p:attrNameLst>
-                                      </p:cBhvr>
-                                      <p:tavLst>
-                                        <p:tav tm="0">
-                                          <p:val>
-                                            <p:fltVal val="0"/>
-                                          </p:val>
-                                        </p:tav>
-                                        <p:tav tm="100000">
-                                          <p:val>
-                                            <p:strVal val="#ppt_h"/>
-                                          </p:val>
-                                        </p:tav>
-                                      </p:tavLst>
-                                    </p:anim>
-                                    <p:animEffect transition="in" filter="fade">
-                                      <p:cBhvr>
-                                        <p:cTn id="30" dur="500"/>
-                                        <p:tgtEl>
-                                          <p:spTgt spid="9"/>
-                                        </p:tgtEl>
-                                      </p:cBhvr>
-                                    </p:animEffect>
-                                  </p:childTnLst>
-                                </p:cTn>
-                              </p:par>
-                            </p:childTnLst>
-                          </p:cTn>
-                        </p:par>
-                      </p:childTnLst>
-                    </p:cTn>
-                  </p:par>
-                  <p:par>
-                    <p:cTn id="31" fill="hold">
-                      <p:stCondLst>
-                        <p:cond delay="indefinite"/>
-                      </p:stCondLst>
-                      <p:childTnLst>
-                        <p:par>
-                          <p:cTn id="32" fill="hold">
-                            <p:stCondLst>
-                              <p:cond delay="0"/>
-                            </p:stCondLst>
-                            <p:childTnLst>
-                              <p:par>
-                                <p:cTn id="33" presetID="53" presetClass="entr" presetSubtype="16" fill="hold" grpId="0" nodeType="clickEffect">
-                                  <p:stCondLst>
-                                    <p:cond delay="0"/>
-                                  </p:stCondLst>
-                                  <p:childTnLst>
-                                    <p:set>
-                                      <p:cBhvr>
-                                        <p:cTn id="34" dur="1" fill="hold">
-                                          <p:stCondLst>
-                                            <p:cond delay="0"/>
-                                          </p:stCondLst>
-                                        </p:cTn>
-                                        <p:tgtEl>
-                                          <p:spTgt spid="10"/>
-                                        </p:tgtEl>
-                                        <p:attrNameLst>
-                                          <p:attrName>style.visibility</p:attrName>
-                                        </p:attrNameLst>
-                                      </p:cBhvr>
-                                      <p:to>
-                                        <p:strVal val="visible"/>
-                                      </p:to>
-                                    </p:set>
-                                    <p:anim calcmode="lin" valueType="num">
-                                      <p:cBhvr>
-                                        <p:cTn id="35" dur="500" fill="hold"/>
-                                        <p:tgtEl>
-                                          <p:spTgt spid="10"/>
-                                        </p:tgtEl>
-                                        <p:attrNameLst>
-                                          <p:attrName>ppt_w</p:attrName>
-                                        </p:attrNameLst>
-                                      </p:cBhvr>
-                                      <p:tavLst>
-                                        <p:tav tm="0">
-                                          <p:val>
-                                            <p:fltVal val="0"/>
-                                          </p:val>
-                                        </p:tav>
-                                        <p:tav tm="100000">
-                                          <p:val>
-                                            <p:strVal val="#ppt_w"/>
-                                          </p:val>
-                                        </p:tav>
-                                      </p:tavLst>
-                                    </p:anim>
-                                    <p:anim calcmode="lin" valueType="num">
-                                      <p:cBhvr>
-                                        <p:cTn id="36" dur="500" fill="hold"/>
-                                        <p:tgtEl>
-                                          <p:spTgt spid="10"/>
-                                        </p:tgtEl>
-                                        <p:attrNameLst>
-                                          <p:attrName>ppt_h</p:attrName>
-                                        </p:attrNameLst>
-                                      </p:cBhvr>
-                                      <p:tavLst>
-                                        <p:tav tm="0">
-                                          <p:val>
-                                            <p:fltVal val="0"/>
-                                          </p:val>
-                                        </p:tav>
-                                        <p:tav tm="100000">
-                                          <p:val>
-                                            <p:strVal val="#ppt_h"/>
-                                          </p:val>
-                                        </p:tav>
-                                      </p:tavLst>
-                                    </p:anim>
-                                    <p:animEffect transition="in" filter="fade">
-                                      <p:cBhvr>
-                                        <p:cTn id="37" dur="500"/>
-                                        <p:tgtEl>
-                                          <p:spTgt spid="10"/>
-                                        </p:tgtEl>
-                                      </p:cBhvr>
-                                    </p:animEffect>
-                                  </p:childTnLst>
-                                </p:cTn>
-                              </p:par>
-                            </p:childTnLst>
-                          </p:cTn>
-                        </p:par>
-                      </p:childTnLst>
-                    </p:cTn>
-                  </p:par>
-                </p:childTnLst>
-              </p:cTn>
-              <p:prevCondLst>
-                <p:cond evt="onPrev" delay="0">
-                  <p:tgtEl>
-                    <p:sldTgt/>
-                  </p:tgtEl>
-                </p:cond>
-              </p:prevCondLst>
-              <p:nextCondLst>
-                <p:cond evt="onNext" delay="0">
-                  <p:tgtEl>
-                    <p:sldTgt/>
-                  </p:tgtEl>
-                </p:cond>
-              </p:nextCondLst>
-            </p:seq>
-          </p:childTnLst>
-        </p:cTn>
-      </p:par>
-    </p:tnLst>
-    <p:bldLst>
-      <p:bldP spid="3" grpId="0" animBg="1"/>
-      <p:bldP spid="9" grpId="0" animBg="1"/>
-      <p:bldP spid="10" grpId="0" animBg="1"/>
-    </p:bldLst>
-  </p:timing>
-</p:sld>
-</file>
-
-<file path=ppt/slides/slide7.xml><?xml version="1.0" encoding="utf-8"?>
-<p:sld xmlns:a="http://schemas.openxmlformats.org/drawingml/2006/main" xmlns:r="http://schemas.openxmlformats.org/officeDocument/2006/relationships" xmlns:p="http://schemas.openxmlformats.org/presentationml/2006/main">
-  <p:cSld>
-    <p:spTree>
-      <p:nvGrpSpPr>
-        <p:cNvPr id="1" name=""/>
-        <p:cNvGrpSpPr/>
-        <p:nvPr/>
-      </p:nvGrpSpPr>
-      <p:grpSpPr>
-        <a:xfrm>
-          <a:off x="0" y="0"/>
-          <a:ext cx="0" cy="0"/>
-          <a:chOff x="0" y="0"/>
-          <a:chExt cx="0" cy="0"/>
-        </a:xfrm>
-      </p:grpSpPr>
-      <p:sp>
-        <p:nvSpPr>
-          <p:cNvPr id="2" name="Title 1"/>
-          <p:cNvSpPr>
-            <a:spLocks noGrp="1"/>
-          </p:cNvSpPr>
-          <p:nvPr>
-            <p:ph type="title"/>
-          </p:nvPr>
-        </p:nvSpPr>
-        <p:spPr/>
-        <p:txBody>
-          <a:bodyPr/>
-          <a:lstStyle/>
-          <a:p>
-            <a:r>
-              <a:rPr lang="en-US" dirty="0" smtClean="0"/>
-              <a:t>Forgot Password</a:t>
-            </a:r>
-            <a:endParaRPr lang="en-US" dirty="0"/>
-          </a:p>
-        </p:txBody>
-      </p:sp>
-      <p:pic>
-        <p:nvPicPr>
-          <p:cNvPr id="6" name="Content Placeholder 5"/>
-          <p:cNvPicPr>
-            <a:picLocks noGrp="1" noChangeAspect="1"/>
-          </p:cNvPicPr>
-          <p:nvPr>
-            <p:ph idx="1"/>
-          </p:nvPr>
-        </p:nvPicPr>
-        <p:blipFill>
-          <a:blip r:embed="rId2" cstate="print">
-            <a:extLst>
-              <a:ext uri="{28A0092B-C50C-407E-A947-70E740481C1C}">
-                <a14:useLocalDpi xmlns:a14="http://schemas.microsoft.com/office/drawing/2010/main" val="0"/>
-              </a:ext>
-            </a:extLst>
-          </a:blip>
-          <a:stretch>
-            <a:fillRect/>
-          </a:stretch>
-        </p:blipFill>
-        <p:spPr>
-          <a:xfrm>
-            <a:off x="1575525" y="1540579"/>
-            <a:ext cx="2179089" cy="4351338"/>
-          </a:xfrm>
-        </p:spPr>
-      </p:pic>
-      <p:sp>
-        <p:nvSpPr>
-          <p:cNvPr id="4" name="Footer Placeholder 3"/>
-          <p:cNvSpPr>
-            <a:spLocks noGrp="1"/>
-          </p:cNvSpPr>
-          <p:nvPr>
-            <p:ph type="ftr" sz="quarter" idx="11"/>
-          </p:nvPr>
-        </p:nvSpPr>
-        <p:spPr/>
-        <p:txBody>
-          <a:bodyPr/>
-          <a:lstStyle/>
-          <a:p>
-            <a:r>
-              <a:rPr lang="en-US" smtClean="0"/>
-              <a:t>+84 28 3991 2068  |  sales@tpssoft.com  | www.tpssoft.com</a:t>
-            </a:r>
-            <a:endParaRPr lang="en-US" dirty="0"/>
-          </a:p>
-        </p:txBody>
-      </p:sp>
-      <p:sp>
-        <p:nvSpPr>
-          <p:cNvPr id="5" name="Slide Number Placeholder 4"/>
-          <p:cNvSpPr>
-            <a:spLocks noGrp="1"/>
-          </p:cNvSpPr>
-          <p:nvPr>
-            <p:ph type="sldNum" sz="quarter" idx="12"/>
-          </p:nvPr>
-        </p:nvSpPr>
-        <p:spPr/>
-        <p:txBody>
-          <a:bodyPr/>
-          <a:lstStyle/>
-          <a:p>
-            <a:fld id="{D8C32136-2E8F-41D8-87DD-E76A2A241A32}" type="slidenum">
-              <a:rPr lang="en-US" smtClean="0"/>
-              <a:t>7</a:t>
-            </a:fld>
-            <a:endParaRPr lang="en-US" dirty="0"/>
-          </a:p>
-        </p:txBody>
-      </p:sp>
-      <p:pic>
-        <p:nvPicPr>
-          <p:cNvPr id="7" name="Picture 6"/>
-          <p:cNvPicPr>
-            <a:picLocks noChangeAspect="1"/>
-          </p:cNvPicPr>
-          <p:nvPr/>
-        </p:nvPicPr>
-        <p:blipFill>
-          <a:blip r:embed="rId3" cstate="print">
-            <a:extLst>
-              <a:ext uri="{28A0092B-C50C-407E-A947-70E740481C1C}">
-                <a14:useLocalDpi xmlns:a14="http://schemas.microsoft.com/office/drawing/2010/main" val="0"/>
-              </a:ext>
-            </a:extLst>
-          </a:blip>
-          <a:stretch>
-            <a:fillRect/>
-          </a:stretch>
-        </p:blipFill>
-        <p:spPr>
-          <a:xfrm>
-            <a:off x="5174750" y="1535499"/>
-            <a:ext cx="2179090" cy="4351338"/>
-          </a:xfrm>
-          <a:prstGeom prst="rect">
-            <a:avLst/>
-          </a:prstGeom>
-        </p:spPr>
-      </p:pic>
-      <p:pic>
-        <p:nvPicPr>
-          <p:cNvPr id="8" name="Picture 7"/>
-          <p:cNvPicPr>
-            <a:picLocks noChangeAspect="1"/>
-          </p:cNvPicPr>
-          <p:nvPr/>
-        </p:nvPicPr>
-        <p:blipFill>
-          <a:blip r:embed="rId4" cstate="print">
-            <a:extLst>
-              <a:ext uri="{28A0092B-C50C-407E-A947-70E740481C1C}">
-                <a14:useLocalDpi xmlns:a14="http://schemas.microsoft.com/office/drawing/2010/main" val="0"/>
-              </a:ext>
-            </a:extLst>
-          </a:blip>
-          <a:stretch>
-            <a:fillRect/>
-          </a:stretch>
-        </p:blipFill>
-        <p:spPr>
-          <a:xfrm>
-            <a:off x="5174750" y="1550739"/>
-            <a:ext cx="2174784" cy="4356418"/>
-          </a:xfrm>
-          <a:prstGeom prst="rect">
-            <a:avLst/>
-          </a:prstGeom>
-        </p:spPr>
-      </p:pic>
-      <p:pic>
-        <p:nvPicPr>
-          <p:cNvPr id="9" name="Picture 8"/>
-          <p:cNvPicPr>
-            <a:picLocks noChangeAspect="1"/>
-          </p:cNvPicPr>
-          <p:nvPr/>
-        </p:nvPicPr>
-        <p:blipFill>
-          <a:blip r:embed="rId5" cstate="print">
-            <a:extLst>
-              <a:ext uri="{28A0092B-C50C-407E-A947-70E740481C1C}">
-                <a14:useLocalDpi xmlns:a14="http://schemas.microsoft.com/office/drawing/2010/main" val="0"/>
-              </a:ext>
-            </a:extLst>
-          </a:blip>
-          <a:stretch>
-            <a:fillRect/>
-          </a:stretch>
-        </p:blipFill>
-        <p:spPr>
-          <a:xfrm>
-            <a:off x="5160182" y="1535499"/>
-            <a:ext cx="2189352" cy="4351338"/>
-          </a:xfrm>
-          <a:prstGeom prst="rect">
-            <a:avLst/>
-          </a:prstGeom>
-        </p:spPr>
-      </p:pic>
-      <p:sp>
-        <p:nvSpPr>
-          <p:cNvPr id="3" name="Oval 2"/>
-          <p:cNvSpPr/>
-          <p:nvPr/>
-        </p:nvSpPr>
-        <p:spPr>
-          <a:xfrm>
-            <a:off x="3200399" y="2806262"/>
-            <a:ext cx="425669" cy="394138"/>
-          </a:xfrm>
-          <a:prstGeom prst="ellipse">
-            <a:avLst/>
-          </a:prstGeom>
-          <a:noFill/>
-          <a:ln>
-            <a:solidFill>
-              <a:schemeClr val="tx1"/>
-            </a:solidFill>
-          </a:ln>
-        </p:spPr>
-        <p:style>
-          <a:lnRef idx="2">
-            <a:schemeClr val="dk1">
-              <a:shade val="50000"/>
-            </a:schemeClr>
-          </a:lnRef>
-          <a:fillRef idx="1">
-            <a:schemeClr val="dk1"/>
-          </a:fillRef>
-          <a:effectRef idx="0">
-            <a:schemeClr val="dk1"/>
-          </a:effectRef>
-          <a:fontRef idx="minor">
-            <a:schemeClr val="lt1"/>
-          </a:fontRef>
-        </p:style>
-        <p:txBody>
-          <a:bodyPr rtlCol="0" anchor="ctr"/>
-          <a:lstStyle/>
-          <a:p>
-            <a:pPr algn="ctr"/>
-            <a:endParaRPr lang="en-US"/>
-          </a:p>
-        </p:txBody>
-      </p:sp>
-      <p:sp>
-        <p:nvSpPr>
-          <p:cNvPr id="10" name="Oval 9"/>
-          <p:cNvSpPr/>
-          <p:nvPr/>
-        </p:nvSpPr>
-        <p:spPr>
-          <a:xfrm>
-            <a:off x="1764717" y="3324650"/>
-            <a:ext cx="425669" cy="394138"/>
-          </a:xfrm>
-          <a:prstGeom prst="ellipse">
-            <a:avLst/>
-          </a:prstGeom>
-          <a:noFill/>
-          <a:ln>
-            <a:solidFill>
-              <a:schemeClr val="tx1"/>
-            </a:solidFill>
-          </a:ln>
-        </p:spPr>
-        <p:style>
-          <a:lnRef idx="2">
-            <a:schemeClr val="dk1">
-              <a:shade val="50000"/>
-            </a:schemeClr>
-          </a:lnRef>
-          <a:fillRef idx="1">
-            <a:schemeClr val="dk1"/>
-          </a:fillRef>
-          <a:effectRef idx="0">
-            <a:schemeClr val="dk1"/>
-          </a:effectRef>
-          <a:fontRef idx="minor">
-            <a:schemeClr val="lt1"/>
-          </a:fontRef>
-        </p:style>
-        <p:txBody>
-          <a:bodyPr rtlCol="0" anchor="ctr"/>
-          <a:lstStyle/>
-          <a:p>
-            <a:pPr algn="ctr"/>
-            <a:endParaRPr lang="en-US"/>
-          </a:p>
-        </p:txBody>
-      </p:sp>
-    </p:spTree>
-    <p:extLst>
-      <p:ext uri="{BB962C8B-B14F-4D97-AF65-F5344CB8AC3E}">
-        <p14:creationId xmlns:p14="http://schemas.microsoft.com/office/powerpoint/2010/main" val="2902786571"/>
-      </p:ext>
-    </p:extLst>
-  </p:cSld>
-  <p:clrMapOvr>
-    <a:masterClrMapping/>
-  </p:clrMapOvr>
-  <p:timing>
-    <p:tnLst>
-      <p:par>
-        <p:cTn id="1" dur="indefinite" restart="never" nodeType="tmRoot">
-          <p:childTnLst>
-            <p:seq concurrent="1" nextAc="seek">
-              <p:cTn id="2" dur="indefinite" nodeType="mainSeq">
-                <p:childTnLst>
-                  <p:par>
-                    <p:cTn id="3" fill="hold">
-                      <p:stCondLst>
-                        <p:cond delay="indefinite"/>
-                      </p:stCondLst>
-                      <p:childTnLst>
-                        <p:par>
-                          <p:cTn id="4" fill="hold">
-                            <p:stCondLst>
-                              <p:cond delay="0"/>
-                            </p:stCondLst>
-                            <p:childTnLst>
-                              <p:par>
-                                <p:cTn id="5" presetID="10" presetClass="entr" presetSubtype="0" fill="hold" grpId="0" nodeType="clickEffect">
-                                  <p:stCondLst>
-                                    <p:cond delay="0"/>
-                                  </p:stCondLst>
-                                  <p:childTnLst>
-                                    <p:set>
-                                      <p:cBhvr>
-                                        <p:cTn id="6" dur="1" fill="hold">
-                                          <p:stCondLst>
-                                            <p:cond delay="0"/>
-                                          </p:stCondLst>
-                                        </p:cTn>
-                                        <p:tgtEl>
-                                          <p:spTgt spid="3"/>
-                                        </p:tgtEl>
-                                        <p:attrNameLst>
-                                          <p:attrName>style.visibility</p:attrName>
-                                        </p:attrNameLst>
-                                      </p:cBhvr>
-                                      <p:to>
-                                        <p:strVal val="visible"/>
-                                      </p:to>
-                                    </p:set>
-                                    <p:animEffect transition="in" filter="fade">
-                                      <p:cBhvr>
-                                        <p:cTn id="7" dur="500"/>
-                                        <p:tgtEl>
-                                          <p:spTgt spid="3"/>
-                                        </p:tgtEl>
-                                      </p:cBhvr>
-                                    </p:animEffect>
-                                  </p:childTnLst>
-                                </p:cTn>
-                              </p:par>
-                            </p:childTnLst>
-                          </p:cTn>
-                        </p:par>
-                      </p:childTnLst>
-                    </p:cTn>
-                  </p:par>
-                  <p:par>
-                    <p:cTn id="8" fill="hold">
-                      <p:stCondLst>
-                        <p:cond delay="indefinite"/>
-                      </p:stCondLst>
-                      <p:childTnLst>
-                        <p:par>
-                          <p:cTn id="9" fill="hold">
-                            <p:stCondLst>
-                              <p:cond delay="0"/>
-                            </p:stCondLst>
-                            <p:childTnLst>
-                              <p:par>
-                                <p:cTn id="10" presetID="10" presetClass="entr" presetSubtype="0" fill="hold" grpId="0" nodeType="clickEffect">
-                                  <p:stCondLst>
-                                    <p:cond delay="0"/>
-                                  </p:stCondLst>
-                                  <p:childTnLst>
-                                    <p:set>
-                                      <p:cBhvr>
-                                        <p:cTn id="11" dur="1" fill="hold">
-                                          <p:stCondLst>
-                                            <p:cond delay="0"/>
-                                          </p:stCondLst>
-                                        </p:cTn>
-                                        <p:tgtEl>
-                                          <p:spTgt spid="10"/>
-                                        </p:tgtEl>
-                                        <p:attrNameLst>
-                                          <p:attrName>style.visibility</p:attrName>
-                                        </p:attrNameLst>
-                                      </p:cBhvr>
-                                      <p:to>
-                                        <p:strVal val="visible"/>
-                                      </p:to>
-                                    </p:set>
-                                    <p:animEffect transition="in" filter="fade">
-                                      <p:cBhvr>
-                                        <p:cTn id="12" dur="500"/>
-                                        <p:tgtEl>
-                                          <p:spTgt spid="10"/>
-                                        </p:tgtEl>
-                                      </p:cBhvr>
-                                    </p:animEffect>
-                                  </p:childTnLst>
-                                </p:cTn>
-                              </p:par>
-                            </p:childTnLst>
-                          </p:cTn>
-                        </p:par>
-                      </p:childTnLst>
-                    </p:cTn>
-                  </p:par>
-                  <p:par>
-                    <p:cTn id="13" fill="hold">
-                      <p:stCondLst>
-                        <p:cond delay="indefinite"/>
-                      </p:stCondLst>
-                      <p:childTnLst>
-                        <p:par>
-                          <p:cTn id="14" fill="hold">
-                            <p:stCondLst>
-                              <p:cond delay="0"/>
-                            </p:stCondLst>
-                            <p:childTnLst>
-                              <p:par>
-                                <p:cTn id="15" presetID="16" presetClass="entr" presetSubtype="21" fill="hold" nodeType="clickEffect">
-                                  <p:stCondLst>
-                                    <p:cond delay="0"/>
-                                  </p:stCondLst>
-                                  <p:childTnLst>
-                                    <p:set>
-                                      <p:cBhvr>
-                                        <p:cTn id="16" dur="1" fill="hold">
-                                          <p:stCondLst>
-                                            <p:cond delay="0"/>
-                                          </p:stCondLst>
-                                        </p:cTn>
-                                        <p:tgtEl>
-                                          <p:spTgt spid="7"/>
-                                        </p:tgtEl>
-                                        <p:attrNameLst>
-                                          <p:attrName>style.visibility</p:attrName>
-                                        </p:attrNameLst>
-                                      </p:cBhvr>
-                                      <p:to>
-                                        <p:strVal val="visible"/>
-                                      </p:to>
-                                    </p:set>
-                                    <p:animEffect transition="in" filter="barn(inVertical)">
-                                      <p:cBhvr>
-                                        <p:cTn id="17" dur="500"/>
-                                        <p:tgtEl>
-                                          <p:spTgt spid="7"/>
-                                        </p:tgtEl>
-                                      </p:cBhvr>
-                                    </p:animEffect>
-                                  </p:childTnLst>
-                                </p:cTn>
-                              </p:par>
-                            </p:childTnLst>
-                          </p:cTn>
-                        </p:par>
-                      </p:childTnLst>
-                    </p:cTn>
-                  </p:par>
-                  <p:par>
-                    <p:cTn id="18" fill="hold">
-                      <p:stCondLst>
-                        <p:cond delay="indefinite"/>
-                      </p:stCondLst>
-                      <p:childTnLst>
-                        <p:par>
-                          <p:cTn id="19" fill="hold">
-                            <p:stCondLst>
-                              <p:cond delay="0"/>
-                            </p:stCondLst>
-                            <p:childTnLst>
-                              <p:par>
-                                <p:cTn id="20" presetID="16" presetClass="entr" presetSubtype="21" fill="hold" nodeType="clickEffect">
-                                  <p:stCondLst>
-                                    <p:cond delay="0"/>
-                                  </p:stCondLst>
-                                  <p:childTnLst>
-                                    <p:set>
-                                      <p:cBhvr>
-                                        <p:cTn id="21" dur="1" fill="hold">
-                                          <p:stCondLst>
-                                            <p:cond delay="0"/>
-                                          </p:stCondLst>
-                                        </p:cTn>
-                                        <p:tgtEl>
-                                          <p:spTgt spid="8"/>
-                                        </p:tgtEl>
-                                        <p:attrNameLst>
-                                          <p:attrName>style.visibility</p:attrName>
-                                        </p:attrNameLst>
-                                      </p:cBhvr>
-                                      <p:to>
-                                        <p:strVal val="visible"/>
-                                      </p:to>
-                                    </p:set>
-                                    <p:animEffect transition="in" filter="barn(inVertical)">
-                                      <p:cBhvr>
-                                        <p:cTn id="22" dur="500"/>
-                                        <p:tgtEl>
-                                          <p:spTgt spid="8"/>
-                                        </p:tgtEl>
-                                      </p:cBhvr>
-                                    </p:animEffect>
-                                  </p:childTnLst>
-                                </p:cTn>
-                              </p:par>
-                            </p:childTnLst>
-                          </p:cTn>
-                        </p:par>
-                      </p:childTnLst>
-                    </p:cTn>
-                  </p:par>
-                  <p:par>
-                    <p:cTn id="23" fill="hold">
-                      <p:stCondLst>
-                        <p:cond delay="indefinite"/>
-                      </p:stCondLst>
-                      <p:childTnLst>
-                        <p:par>
-                          <p:cTn id="24" fill="hold">
-                            <p:stCondLst>
-                              <p:cond delay="0"/>
-                            </p:stCondLst>
-                            <p:childTnLst>
-                              <p:par>
-                                <p:cTn id="25" presetID="16" presetClass="entr" presetSubtype="21" fill="hold" nodeType="clickEffect">
-                                  <p:stCondLst>
-                                    <p:cond delay="0"/>
-                                  </p:stCondLst>
-                                  <p:childTnLst>
-                                    <p:set>
-                                      <p:cBhvr>
-                                        <p:cTn id="26" dur="1" fill="hold">
-                                          <p:stCondLst>
-                                            <p:cond delay="0"/>
-                                          </p:stCondLst>
-                                        </p:cTn>
-                                        <p:tgtEl>
-                                          <p:spTgt spid="9"/>
-                                        </p:tgtEl>
-                                        <p:attrNameLst>
-                                          <p:attrName>style.visibility</p:attrName>
-                                        </p:attrNameLst>
-                                      </p:cBhvr>
-                                      <p:to>
-                                        <p:strVal val="visible"/>
-                                      </p:to>
-                                    </p:set>
-                                    <p:animEffect transition="in" filter="barn(inVertical)">
-                                      <p:cBhvr>
-                                        <p:cTn id="27" dur="500"/>
-                                        <p:tgtEl>
-                                          <p:spTgt spid="9"/>
-                                        </p:tgtEl>
-                                      </p:cBhvr>
-                                    </p:animEffect>
-                                  </p:childTnLst>
-                                </p:cTn>
-                              </p:par>
-                            </p:childTnLst>
-                          </p:cTn>
-                        </p:par>
-                      </p:childTnLst>
-                    </p:cTn>
-                  </p:par>
-                </p:childTnLst>
-              </p:cTn>
-              <p:prevCondLst>
-                <p:cond evt="onPrev" delay="0">
-                  <p:tgtEl>
-                    <p:sldTgt/>
-                  </p:tgtEl>
-                </p:cond>
-              </p:prevCondLst>
-              <p:nextCondLst>
-                <p:cond evt="onNext" delay="0">
-                  <p:tgtEl>
-                    <p:sldTgt/>
-                  </p:tgtEl>
-                </p:cond>
-              </p:nextCondLst>
-            </p:seq>
-          </p:childTnLst>
-        </p:cTn>
-      </p:par>
-    </p:tnLst>
-    <p:bldLst>
-      <p:bldP spid="3" grpId="0" animBg="1"/>
-      <p:bldP spid="10" grpId="0" animBg="1"/>
-    </p:bldLst>
-  </p:timing>
-</p:sld>
-</file>
-
-<file path=ppt/slides/slide8.xml><?xml version="1.0" encoding="utf-8"?>
-<p:sld xmlns:a="http://schemas.openxmlformats.org/drawingml/2006/main" xmlns:r="http://schemas.openxmlformats.org/officeDocument/2006/relationships" xmlns:p="http://schemas.openxmlformats.org/presentationml/2006/main">
-  <p:cSld>
-    <p:spTree>
-      <p:nvGrpSpPr>
-        <p:cNvPr id="1" name=""/>
-        <p:cNvGrpSpPr/>
-        <p:nvPr/>
-      </p:nvGrpSpPr>
-      <p:grpSpPr>
-        <a:xfrm>
-          <a:off x="0" y="0"/>
-          <a:ext cx="0" cy="0"/>
-          <a:chOff x="0" y="0"/>
-          <a:chExt cx="0" cy="0"/>
-        </a:xfrm>
-      </p:grpSpPr>
-      <p:sp>
-        <p:nvSpPr>
-          <p:cNvPr id="2" name="Title 1"/>
-          <p:cNvSpPr>
-            <a:spLocks noGrp="1"/>
-          </p:cNvSpPr>
-          <p:nvPr>
-            <p:ph type="title"/>
-          </p:nvPr>
-        </p:nvSpPr>
-        <p:spPr/>
-        <p:txBody>
-          <a:bodyPr/>
-          <a:lstStyle/>
-          <a:p>
-            <a:r>
               <a:rPr lang="en-US" dirty="0"/>
               <a:t>Main Screen</a:t>
             </a:r>
@@ -13902,7 +10969,7 @@
           <a:lstStyle/>
           <a:p>
             <a:r>
-              <a:rPr lang="en-US" smtClean="0"/>
+              <a:rPr lang="en-US"/>
               <a:t>+84 28 3991 2068  |  sales@tpssoft.com  | www.tpssoft.com</a:t>
             </a:r>
             <a:endParaRPr lang="en-US" dirty="0"/>
@@ -13926,7 +10993,7 @@
           <a:p>
             <a:fld id="{D8C32136-2E8F-41D8-87DD-E76A2A241A32}" type="slidenum">
               <a:rPr lang="en-US" smtClean="0"/>
-              <a:t>8</a:t>
+              <a:t>10</a:t>
             </a:fld>
             <a:endParaRPr lang="en-US" dirty="0"/>
           </a:p>
@@ -15081,7 +12148,7 @@
 </p:sld>
 </file>
 
-<file path=ppt/slides/slide9.xml><?xml version="1.0" encoding="utf-8"?>
+<file path=ppt/slides/slide11.xml><?xml version="1.0" encoding="utf-8"?>
 <p:sld xmlns:a="http://schemas.openxmlformats.org/drawingml/2006/main" xmlns:r="http://schemas.openxmlformats.org/officeDocument/2006/relationships" xmlns:p="http://schemas.openxmlformats.org/presentationml/2006/main">
   <p:cSld>
     <p:spTree>
@@ -15114,10 +12181,9 @@
           <a:lstStyle/>
           <a:p>
             <a:r>
-              <a:rPr lang="en-US" dirty="0" smtClean="0"/>
+              <a:rPr lang="en-US" dirty="0"/>
               <a:t>Left Menu</a:t>
             </a:r>
-            <a:endParaRPr lang="en-US" dirty="0"/>
           </a:p>
         </p:txBody>
       </p:sp>
@@ -15166,7 +12232,7 @@
           <a:lstStyle/>
           <a:p>
             <a:r>
-              <a:rPr lang="en-US" smtClean="0"/>
+              <a:rPr lang="en-US"/>
               <a:t>+84 28 3991 2068  |  sales@tpssoft.com  | www.tpssoft.com</a:t>
             </a:r>
             <a:endParaRPr lang="en-US" dirty="0"/>
@@ -15190,7 +12256,7 @@
           <a:p>
             <a:fld id="{D8C32136-2E8F-41D8-87DD-E76A2A241A32}" type="slidenum">
               <a:rPr lang="en-US" smtClean="0"/>
-              <a:t>9</a:t>
+              <a:t>11</a:t>
             </a:fld>
             <a:endParaRPr lang="en-US" dirty="0"/>
           </a:p>
@@ -15539,6 +12605,3435 @@
         </p:cTn>
       </p:par>
     </p:tnLst>
+  </p:timing>
+</p:sld>
+</file>
+
+<file path=ppt/slides/slide12.xml><?xml version="1.0" encoding="utf-8"?>
+<p:sld xmlns:a="http://schemas.openxmlformats.org/drawingml/2006/main" xmlns:r="http://schemas.openxmlformats.org/officeDocument/2006/relationships" xmlns:p="http://schemas.openxmlformats.org/presentationml/2006/main">
+  <p:cSld>
+    <p:spTree>
+      <p:nvGrpSpPr>
+        <p:cNvPr id="1" name=""/>
+        <p:cNvGrpSpPr/>
+        <p:nvPr/>
+      </p:nvGrpSpPr>
+      <p:grpSpPr>
+        <a:xfrm>
+          <a:off x="0" y="0"/>
+          <a:ext cx="0" cy="0"/>
+          <a:chOff x="0" y="0"/>
+          <a:chExt cx="0" cy="0"/>
+        </a:xfrm>
+      </p:grpSpPr>
+      <p:sp>
+        <p:nvSpPr>
+          <p:cNvPr id="2" name="Title 1"/>
+          <p:cNvSpPr>
+            <a:spLocks noGrp="1"/>
+          </p:cNvSpPr>
+          <p:nvPr>
+            <p:ph type="title"/>
+          </p:nvPr>
+        </p:nvSpPr>
+        <p:spPr/>
+        <p:txBody>
+          <a:bodyPr/>
+          <a:lstStyle/>
+          <a:p>
+            <a:r>
+              <a:rPr lang="en-US" dirty="0"/>
+              <a:t>Cards Screen</a:t>
+            </a:r>
+          </a:p>
+        </p:txBody>
+      </p:sp>
+      <p:pic>
+        <p:nvPicPr>
+          <p:cNvPr id="7" name="Content Placeholder 6"/>
+          <p:cNvPicPr>
+            <a:picLocks noGrp="1" noChangeAspect="1"/>
+          </p:cNvPicPr>
+          <p:nvPr>
+            <p:ph idx="1"/>
+          </p:nvPr>
+        </p:nvPicPr>
+        <p:blipFill>
+          <a:blip r:embed="rId2" cstate="print">
+            <a:extLst>
+              <a:ext uri="{28A0092B-C50C-407E-A947-70E740481C1C}">
+                <a14:useLocalDpi xmlns:a14="http://schemas.microsoft.com/office/drawing/2010/main" val="0"/>
+              </a:ext>
+            </a:extLst>
+          </a:blip>
+          <a:stretch>
+            <a:fillRect/>
+          </a:stretch>
+        </p:blipFill>
+        <p:spPr>
+          <a:xfrm>
+            <a:off x="278203" y="1543119"/>
+            <a:ext cx="2182510" cy="4351338"/>
+          </a:xfrm>
+        </p:spPr>
+      </p:pic>
+      <p:sp>
+        <p:nvSpPr>
+          <p:cNvPr id="4" name="Footer Placeholder 3"/>
+          <p:cNvSpPr>
+            <a:spLocks noGrp="1"/>
+          </p:cNvSpPr>
+          <p:nvPr>
+            <p:ph type="ftr" sz="quarter" idx="11"/>
+          </p:nvPr>
+        </p:nvSpPr>
+        <p:spPr/>
+        <p:txBody>
+          <a:bodyPr/>
+          <a:lstStyle/>
+          <a:p>
+            <a:r>
+              <a:rPr lang="en-US"/>
+              <a:t>+84 28 3991 2068  |  sales@tpssoft.com  | www.tpssoft.com</a:t>
+            </a:r>
+            <a:endParaRPr lang="en-US" dirty="0"/>
+          </a:p>
+        </p:txBody>
+      </p:sp>
+      <p:sp>
+        <p:nvSpPr>
+          <p:cNvPr id="5" name="Slide Number Placeholder 4"/>
+          <p:cNvSpPr>
+            <a:spLocks noGrp="1"/>
+          </p:cNvSpPr>
+          <p:nvPr>
+            <p:ph type="sldNum" sz="quarter" idx="12"/>
+          </p:nvPr>
+        </p:nvSpPr>
+        <p:spPr/>
+        <p:txBody>
+          <a:bodyPr/>
+          <a:lstStyle/>
+          <a:p>
+            <a:fld id="{D8C32136-2E8F-41D8-87DD-E76A2A241A32}" type="slidenum">
+              <a:rPr lang="en-US" smtClean="0"/>
+              <a:t>12</a:t>
+            </a:fld>
+            <a:endParaRPr lang="en-US" dirty="0"/>
+          </a:p>
+        </p:txBody>
+      </p:sp>
+      <p:pic>
+        <p:nvPicPr>
+          <p:cNvPr id="8" name="Picture 7"/>
+          <p:cNvPicPr>
+            <a:picLocks noChangeAspect="1"/>
+          </p:cNvPicPr>
+          <p:nvPr/>
+        </p:nvPicPr>
+        <p:blipFill>
+          <a:blip r:embed="rId3" cstate="print">
+            <a:extLst>
+              <a:ext uri="{28A0092B-C50C-407E-A947-70E740481C1C}">
+                <a14:useLocalDpi xmlns:a14="http://schemas.microsoft.com/office/drawing/2010/main" val="0"/>
+              </a:ext>
+            </a:extLst>
+          </a:blip>
+          <a:stretch>
+            <a:fillRect/>
+          </a:stretch>
+        </p:blipFill>
+        <p:spPr>
+          <a:xfrm>
+            <a:off x="6127287" y="1562193"/>
+            <a:ext cx="2162726" cy="4332264"/>
+          </a:xfrm>
+          <a:prstGeom prst="rect">
+            <a:avLst/>
+          </a:prstGeom>
+        </p:spPr>
+      </p:pic>
+      <p:pic>
+        <p:nvPicPr>
+          <p:cNvPr id="9" name="Picture 8"/>
+          <p:cNvPicPr>
+            <a:picLocks noChangeAspect="1"/>
+          </p:cNvPicPr>
+          <p:nvPr/>
+        </p:nvPicPr>
+        <p:blipFill>
+          <a:blip r:embed="rId4" cstate="print">
+            <a:extLst>
+              <a:ext uri="{28A0092B-C50C-407E-A947-70E740481C1C}">
+                <a14:useLocalDpi xmlns:a14="http://schemas.microsoft.com/office/drawing/2010/main" val="0"/>
+              </a:ext>
+            </a:extLst>
+          </a:blip>
+          <a:stretch>
+            <a:fillRect/>
+          </a:stretch>
+        </p:blipFill>
+        <p:spPr>
+          <a:xfrm>
+            <a:off x="3204455" y="1543119"/>
+            <a:ext cx="2179090" cy="4351338"/>
+          </a:xfrm>
+          <a:prstGeom prst="rect">
+            <a:avLst/>
+          </a:prstGeom>
+        </p:spPr>
+      </p:pic>
+    </p:spTree>
+    <p:extLst>
+      <p:ext uri="{BB962C8B-B14F-4D97-AF65-F5344CB8AC3E}">
+        <p14:creationId xmlns:p14="http://schemas.microsoft.com/office/powerpoint/2010/main" val="1405941348"/>
+      </p:ext>
+    </p:extLst>
+  </p:cSld>
+  <p:clrMapOvr>
+    <a:masterClrMapping/>
+  </p:clrMapOvr>
+</p:sld>
+</file>
+
+<file path=ppt/slides/slide13.xml><?xml version="1.0" encoding="utf-8"?>
+<p:sld xmlns:a="http://schemas.openxmlformats.org/drawingml/2006/main" xmlns:r="http://schemas.openxmlformats.org/officeDocument/2006/relationships" xmlns:p="http://schemas.openxmlformats.org/presentationml/2006/main">
+  <p:cSld>
+    <p:spTree>
+      <p:nvGrpSpPr>
+        <p:cNvPr id="1" name=""/>
+        <p:cNvGrpSpPr/>
+        <p:nvPr/>
+      </p:nvGrpSpPr>
+      <p:grpSpPr>
+        <a:xfrm>
+          <a:off x="0" y="0"/>
+          <a:ext cx="0" cy="0"/>
+          <a:chOff x="0" y="0"/>
+          <a:chExt cx="0" cy="0"/>
+        </a:xfrm>
+      </p:grpSpPr>
+      <p:sp>
+        <p:nvSpPr>
+          <p:cNvPr id="2" name="Title 1"/>
+          <p:cNvSpPr>
+            <a:spLocks noGrp="1"/>
+          </p:cNvSpPr>
+          <p:nvPr>
+            <p:ph type="title"/>
+          </p:nvPr>
+        </p:nvSpPr>
+        <p:spPr/>
+        <p:txBody>
+          <a:bodyPr/>
+          <a:lstStyle/>
+          <a:p>
+            <a:r>
+              <a:rPr lang="en-US" dirty="0"/>
+              <a:t>How to videos</a:t>
+            </a:r>
+          </a:p>
+        </p:txBody>
+      </p:sp>
+      <p:pic>
+        <p:nvPicPr>
+          <p:cNvPr id="6" name="Content Placeholder 5"/>
+          <p:cNvPicPr>
+            <a:picLocks noGrp="1" noChangeAspect="1"/>
+          </p:cNvPicPr>
+          <p:nvPr>
+            <p:ph idx="1"/>
+          </p:nvPr>
+        </p:nvPicPr>
+        <p:blipFill>
+          <a:blip r:embed="rId2" cstate="print">
+            <a:extLst>
+              <a:ext uri="{28A0092B-C50C-407E-A947-70E740481C1C}">
+                <a14:useLocalDpi xmlns:a14="http://schemas.microsoft.com/office/drawing/2010/main" val="0"/>
+              </a:ext>
+            </a:extLst>
+          </a:blip>
+          <a:stretch>
+            <a:fillRect/>
+          </a:stretch>
+        </p:blipFill>
+        <p:spPr>
+          <a:xfrm>
+            <a:off x="3258828" y="1306637"/>
+            <a:ext cx="2175669" cy="4351338"/>
+          </a:xfrm>
+        </p:spPr>
+      </p:pic>
+      <p:sp>
+        <p:nvSpPr>
+          <p:cNvPr id="4" name="Footer Placeholder 3"/>
+          <p:cNvSpPr>
+            <a:spLocks noGrp="1"/>
+          </p:cNvSpPr>
+          <p:nvPr>
+            <p:ph type="ftr" sz="quarter" idx="11"/>
+          </p:nvPr>
+        </p:nvSpPr>
+        <p:spPr/>
+        <p:txBody>
+          <a:bodyPr/>
+          <a:lstStyle/>
+          <a:p>
+            <a:r>
+              <a:rPr lang="en-US"/>
+              <a:t>+84 28 3991 2068  |  sales@tpssoft.com  | www.tpssoft.com</a:t>
+            </a:r>
+            <a:endParaRPr lang="en-US" dirty="0"/>
+          </a:p>
+        </p:txBody>
+      </p:sp>
+      <p:sp>
+        <p:nvSpPr>
+          <p:cNvPr id="5" name="Slide Number Placeholder 4"/>
+          <p:cNvSpPr>
+            <a:spLocks noGrp="1"/>
+          </p:cNvSpPr>
+          <p:nvPr>
+            <p:ph type="sldNum" sz="quarter" idx="12"/>
+          </p:nvPr>
+        </p:nvSpPr>
+        <p:spPr/>
+        <p:txBody>
+          <a:bodyPr/>
+          <a:lstStyle/>
+          <a:p>
+            <a:fld id="{D8C32136-2E8F-41D8-87DD-E76A2A241A32}" type="slidenum">
+              <a:rPr lang="en-US" smtClean="0"/>
+              <a:t>13</a:t>
+            </a:fld>
+            <a:endParaRPr lang="en-US" dirty="0"/>
+          </a:p>
+        </p:txBody>
+      </p:sp>
+    </p:spTree>
+    <p:extLst>
+      <p:ext uri="{BB962C8B-B14F-4D97-AF65-F5344CB8AC3E}">
+        <p14:creationId xmlns:p14="http://schemas.microsoft.com/office/powerpoint/2010/main" val="4176280223"/>
+      </p:ext>
+    </p:extLst>
+  </p:cSld>
+  <p:clrMapOvr>
+    <a:masterClrMapping/>
+  </p:clrMapOvr>
+</p:sld>
+</file>
+
+<file path=ppt/slides/slide14.xml><?xml version="1.0" encoding="utf-8"?>
+<p:sld xmlns:a="http://schemas.openxmlformats.org/drawingml/2006/main" xmlns:r="http://schemas.openxmlformats.org/officeDocument/2006/relationships" xmlns:p="http://schemas.openxmlformats.org/presentationml/2006/main">
+  <p:cSld>
+    <p:spTree>
+      <p:nvGrpSpPr>
+        <p:cNvPr id="1" name=""/>
+        <p:cNvGrpSpPr/>
+        <p:nvPr/>
+      </p:nvGrpSpPr>
+      <p:grpSpPr>
+        <a:xfrm>
+          <a:off x="0" y="0"/>
+          <a:ext cx="0" cy="0"/>
+          <a:chOff x="0" y="0"/>
+          <a:chExt cx="0" cy="0"/>
+        </a:xfrm>
+      </p:grpSpPr>
+      <p:sp>
+        <p:nvSpPr>
+          <p:cNvPr id="2" name="Footer Placeholder 1">
+            <a:extLst>
+              <a:ext uri="{FF2B5EF4-FFF2-40B4-BE49-F238E27FC236}">
+                <a16:creationId xmlns:a16="http://schemas.microsoft.com/office/drawing/2014/main" id="{5FE85532-9C09-453E-A61B-14633CCE5F63}"/>
+              </a:ext>
+            </a:extLst>
+          </p:cNvPr>
+          <p:cNvSpPr>
+            <a:spLocks noGrp="1"/>
+          </p:cNvSpPr>
+          <p:nvPr>
+            <p:ph type="ftr" sz="quarter" idx="11"/>
+          </p:nvPr>
+        </p:nvSpPr>
+        <p:spPr/>
+        <p:txBody>
+          <a:bodyPr/>
+          <a:lstStyle/>
+          <a:p>
+            <a:r>
+              <a:rPr lang="en-US"/>
+              <a:t>+84 28 3991 2068  |  sales@tpssoft.com  | www.tpssoft.com</a:t>
+            </a:r>
+            <a:endParaRPr lang="en-US" dirty="0"/>
+          </a:p>
+        </p:txBody>
+      </p:sp>
+      <p:sp>
+        <p:nvSpPr>
+          <p:cNvPr id="3" name="Slide Number Placeholder 2">
+            <a:extLst>
+              <a:ext uri="{FF2B5EF4-FFF2-40B4-BE49-F238E27FC236}">
+                <a16:creationId xmlns:a16="http://schemas.microsoft.com/office/drawing/2014/main" id="{98A8294F-C0DA-4EA7-B560-9B76513CB7A6}"/>
+              </a:ext>
+            </a:extLst>
+          </p:cNvPr>
+          <p:cNvSpPr>
+            <a:spLocks noGrp="1"/>
+          </p:cNvSpPr>
+          <p:nvPr>
+            <p:ph type="sldNum" sz="quarter" idx="12"/>
+          </p:nvPr>
+        </p:nvSpPr>
+        <p:spPr/>
+        <p:txBody>
+          <a:bodyPr/>
+          <a:lstStyle/>
+          <a:p>
+            <a:fld id="{D8C32136-2E8F-41D8-87DD-E76A2A241A32}" type="slidenum">
+              <a:rPr lang="en-US" smtClean="0"/>
+              <a:t>14</a:t>
+            </a:fld>
+            <a:endParaRPr lang="en-US" dirty="0"/>
+          </a:p>
+        </p:txBody>
+      </p:sp>
+      <p:sp>
+        <p:nvSpPr>
+          <p:cNvPr id="4" name="TextBox 3">
+            <a:extLst>
+              <a:ext uri="{FF2B5EF4-FFF2-40B4-BE49-F238E27FC236}">
+                <a16:creationId xmlns:a16="http://schemas.microsoft.com/office/drawing/2014/main" id="{1B71CE2E-2F5F-4152-9870-F6191CC0C906}"/>
+              </a:ext>
+            </a:extLst>
+          </p:cNvPr>
+          <p:cNvSpPr txBox="1"/>
+          <p:nvPr/>
+        </p:nvSpPr>
+        <p:spPr>
+          <a:xfrm>
+            <a:off x="898263" y="3075057"/>
+            <a:ext cx="7347473" cy="707886"/>
+          </a:xfrm>
+          <a:prstGeom prst="rect">
+            <a:avLst/>
+          </a:prstGeom>
+          <a:noFill/>
+        </p:spPr>
+        <p:txBody>
+          <a:bodyPr wrap="square" rtlCol="0">
+            <a:spAutoFit/>
+          </a:bodyPr>
+          <a:lstStyle/>
+          <a:p>
+            <a:pPr algn="ctr"/>
+            <a:r>
+              <a:rPr lang="en-US" sz="4000" dirty="0">
+                <a:solidFill>
+                  <a:srgbClr val="ED502E"/>
+                </a:solidFill>
+                <a:latin typeface="Century Gothic" panose="020B0502020202020204" pitchFamily="34" charset="0"/>
+              </a:rPr>
+              <a:t>THANKS FOR LISTENING</a:t>
+            </a:r>
+          </a:p>
+        </p:txBody>
+      </p:sp>
+    </p:spTree>
+    <p:extLst>
+      <p:ext uri="{BB962C8B-B14F-4D97-AF65-F5344CB8AC3E}">
+        <p14:creationId xmlns:p14="http://schemas.microsoft.com/office/powerpoint/2010/main" val="3579024638"/>
+      </p:ext>
+    </p:extLst>
+  </p:cSld>
+  <p:clrMapOvr>
+    <a:masterClrMapping/>
+  </p:clrMapOvr>
+</p:sld>
+</file>
+
+<file path=ppt/slides/slide2.xml><?xml version="1.0" encoding="utf-8"?>
+<p:sld xmlns:a="http://schemas.openxmlformats.org/drawingml/2006/main" xmlns:r="http://schemas.openxmlformats.org/officeDocument/2006/relationships" xmlns:p="http://schemas.openxmlformats.org/presentationml/2006/main">
+  <p:cSld>
+    <p:spTree>
+      <p:nvGrpSpPr>
+        <p:cNvPr id="1" name=""/>
+        <p:cNvGrpSpPr/>
+        <p:nvPr/>
+      </p:nvGrpSpPr>
+      <p:grpSpPr>
+        <a:xfrm>
+          <a:off x="0" y="0"/>
+          <a:ext cx="0" cy="0"/>
+          <a:chOff x="0" y="0"/>
+          <a:chExt cx="0" cy="0"/>
+        </a:xfrm>
+      </p:grpSpPr>
+      <p:sp>
+        <p:nvSpPr>
+          <p:cNvPr id="2" name="Title 1">
+            <a:extLst>
+              <a:ext uri="{FF2B5EF4-FFF2-40B4-BE49-F238E27FC236}">
+                <a16:creationId xmlns:a16="http://schemas.microsoft.com/office/drawing/2014/main" id="{4B597634-A516-4A63-8C0F-99550707D81F}"/>
+              </a:ext>
+            </a:extLst>
+          </p:cNvPr>
+          <p:cNvSpPr>
+            <a:spLocks noGrp="1"/>
+          </p:cNvSpPr>
+          <p:nvPr>
+            <p:ph type="title"/>
+          </p:nvPr>
+        </p:nvSpPr>
+        <p:spPr/>
+        <p:txBody>
+          <a:bodyPr/>
+          <a:lstStyle/>
+          <a:p>
+            <a:r>
+              <a:rPr lang="en-US" dirty="0"/>
+              <a:t>Objectives</a:t>
+            </a:r>
+          </a:p>
+        </p:txBody>
+      </p:sp>
+      <p:sp>
+        <p:nvSpPr>
+          <p:cNvPr id="3" name="Footer Placeholder 2">
+            <a:extLst>
+              <a:ext uri="{FF2B5EF4-FFF2-40B4-BE49-F238E27FC236}">
+                <a16:creationId xmlns:a16="http://schemas.microsoft.com/office/drawing/2014/main" id="{D1C29229-7B63-465B-AFE5-2517A163C8E2}"/>
+              </a:ext>
+            </a:extLst>
+          </p:cNvPr>
+          <p:cNvSpPr>
+            <a:spLocks noGrp="1"/>
+          </p:cNvSpPr>
+          <p:nvPr>
+            <p:ph type="ftr" sz="quarter" idx="11"/>
+          </p:nvPr>
+        </p:nvSpPr>
+        <p:spPr/>
+        <p:txBody>
+          <a:bodyPr/>
+          <a:lstStyle/>
+          <a:p>
+            <a:r>
+              <a:rPr lang="en-US"/>
+              <a:t>+84 28 3991 2068  |  sales@tpssoft.com  | www.tpssoft.com</a:t>
+            </a:r>
+            <a:endParaRPr lang="en-US" dirty="0"/>
+          </a:p>
+        </p:txBody>
+      </p:sp>
+      <p:sp>
+        <p:nvSpPr>
+          <p:cNvPr id="4" name="Slide Number Placeholder 3">
+            <a:extLst>
+              <a:ext uri="{FF2B5EF4-FFF2-40B4-BE49-F238E27FC236}">
+                <a16:creationId xmlns:a16="http://schemas.microsoft.com/office/drawing/2014/main" id="{B919A1B8-9CFF-4D6D-B97B-5C864A82937B}"/>
+              </a:ext>
+            </a:extLst>
+          </p:cNvPr>
+          <p:cNvSpPr>
+            <a:spLocks noGrp="1"/>
+          </p:cNvSpPr>
+          <p:nvPr>
+            <p:ph type="sldNum" sz="quarter" idx="12"/>
+          </p:nvPr>
+        </p:nvSpPr>
+        <p:spPr/>
+        <p:txBody>
+          <a:bodyPr/>
+          <a:lstStyle/>
+          <a:p>
+            <a:fld id="{D8C32136-2E8F-41D8-87DD-E76A2A241A32}" type="slidenum">
+              <a:rPr lang="en-US" smtClean="0"/>
+              <a:t>2</a:t>
+            </a:fld>
+            <a:endParaRPr lang="en-US" dirty="0"/>
+          </a:p>
+        </p:txBody>
+      </p:sp>
+      <p:sp>
+        <p:nvSpPr>
+          <p:cNvPr id="5" name="TextBox 4">
+            <a:extLst>
+              <a:ext uri="{FF2B5EF4-FFF2-40B4-BE49-F238E27FC236}">
+                <a16:creationId xmlns:a16="http://schemas.microsoft.com/office/drawing/2014/main" id="{147C4A55-A2AF-4723-92D7-4A63C5D3F825}"/>
+              </a:ext>
+            </a:extLst>
+          </p:cNvPr>
+          <p:cNvSpPr txBox="1"/>
+          <p:nvPr/>
+        </p:nvSpPr>
+        <p:spPr>
+          <a:xfrm>
+            <a:off x="505609" y="1269402"/>
+            <a:ext cx="7784404" cy="3000821"/>
+          </a:xfrm>
+          <a:prstGeom prst="rect">
+            <a:avLst/>
+          </a:prstGeom>
+          <a:noFill/>
+        </p:spPr>
+        <p:txBody>
+          <a:bodyPr wrap="square" rtlCol="0">
+            <a:spAutoFit/>
+          </a:bodyPr>
+          <a:lstStyle/>
+          <a:p>
+            <a:pPr marL="342900" indent="-342900" algn="l">
+              <a:buFont typeface="Arial" panose="020B0604020202020204" pitchFamily="34" charset="0"/>
+              <a:buChar char="•"/>
+            </a:pPr>
+            <a:r>
+              <a:rPr lang="en-US" sz="2100" b="0" i="0" dirty="0">
+                <a:solidFill>
+                  <a:srgbClr val="333333"/>
+                </a:solidFill>
+                <a:effectLst/>
+              </a:rPr>
+              <a:t>To learn how to work with real projects .</a:t>
+            </a:r>
+          </a:p>
+          <a:p>
+            <a:pPr marL="342900" indent="-342900" algn="l">
+              <a:buFont typeface="Arial" panose="020B0604020202020204" pitchFamily="34" charset="0"/>
+              <a:buChar char="•"/>
+            </a:pPr>
+            <a:r>
+              <a:rPr lang="en-US" sz="2100" dirty="0">
+                <a:solidFill>
+                  <a:srgbClr val="333333"/>
+                </a:solidFill>
+              </a:rPr>
+              <a:t>To e</a:t>
+            </a:r>
+            <a:r>
+              <a:rPr lang="en-US" sz="2100" b="0" i="0" dirty="0">
+                <a:solidFill>
+                  <a:srgbClr val="333333"/>
+                </a:solidFill>
+                <a:effectLst/>
+              </a:rPr>
+              <a:t>xperience a professional working environment.</a:t>
+            </a:r>
+          </a:p>
+          <a:p>
+            <a:pPr marL="342900" indent="-342900" algn="l">
+              <a:buFont typeface="Arial" panose="020B0604020202020204" pitchFamily="34" charset="0"/>
+              <a:buChar char="•"/>
+            </a:pPr>
+            <a:r>
+              <a:rPr lang="en-US" sz="2100" b="0" i="0" dirty="0">
+                <a:solidFill>
+                  <a:srgbClr val="333333"/>
+                </a:solidFill>
+                <a:effectLst/>
+              </a:rPr>
+              <a:t>Experience the work with time pressure and progress.</a:t>
+            </a:r>
+          </a:p>
+          <a:p>
+            <a:pPr marL="342900" indent="-342900" algn="l">
+              <a:buFont typeface="Arial" panose="020B0604020202020204" pitchFamily="34" charset="0"/>
+              <a:buChar char="•"/>
+            </a:pPr>
+            <a:r>
+              <a:rPr lang="en-US" sz="2100" b="0" i="0" dirty="0">
+                <a:solidFill>
+                  <a:srgbClr val="333333"/>
+                </a:solidFill>
+                <a:effectLst/>
+              </a:rPr>
+              <a:t>Manage and allocate time appropriately.</a:t>
+            </a:r>
+          </a:p>
+          <a:p>
+            <a:pPr marL="342900" indent="-342900" algn="l">
+              <a:buFont typeface="Arial" panose="020B0604020202020204" pitchFamily="34" charset="0"/>
+              <a:buChar char="•"/>
+            </a:pPr>
+            <a:r>
+              <a:rPr lang="en-US" sz="2100" dirty="0">
+                <a:solidFill>
+                  <a:srgbClr val="333333"/>
+                </a:solidFill>
+              </a:rPr>
+              <a:t>Learn how to </a:t>
+            </a:r>
+            <a:r>
+              <a:rPr lang="en-US" sz="2100" b="0" i="0" dirty="0">
+                <a:solidFill>
+                  <a:srgbClr val="333333"/>
+                </a:solidFill>
+                <a:effectLst/>
+              </a:rPr>
+              <a:t>prioritize each task for the assigned tasks. </a:t>
+            </a:r>
+          </a:p>
+          <a:p>
+            <a:pPr marL="342900" indent="-342900" algn="l">
+              <a:buFont typeface="Arial" panose="020B0604020202020204" pitchFamily="34" charset="0"/>
+              <a:buChar char="•"/>
+            </a:pPr>
+            <a:r>
+              <a:rPr lang="en-US" sz="2100" b="0" i="0" dirty="0">
+                <a:solidFill>
+                  <a:srgbClr val="333333"/>
+                </a:solidFill>
+                <a:effectLst/>
+              </a:rPr>
+              <a:t>Improve teamwork ability, how to coordinate with colleagues.</a:t>
+            </a:r>
+          </a:p>
+          <a:p>
+            <a:pPr marL="342900" indent="-342900" algn="l">
+              <a:buFont typeface="Arial" panose="020B0604020202020204" pitchFamily="34" charset="0"/>
+              <a:buChar char="•"/>
+            </a:pPr>
+            <a:r>
+              <a:rPr lang="en-US" sz="2100" b="0" i="0" dirty="0">
+                <a:solidFill>
+                  <a:srgbClr val="333333"/>
+                </a:solidFill>
+                <a:effectLst/>
+              </a:rPr>
+              <a:t>Know how to communicate between colleagues and superiors in a polite and respectful manner.</a:t>
+            </a:r>
+          </a:p>
+        </p:txBody>
+      </p:sp>
+    </p:spTree>
+    <p:extLst>
+      <p:ext uri="{BB962C8B-B14F-4D97-AF65-F5344CB8AC3E}">
+        <p14:creationId xmlns:p14="http://schemas.microsoft.com/office/powerpoint/2010/main" val="1847532699"/>
+      </p:ext>
+    </p:extLst>
+  </p:cSld>
+  <p:clrMapOvr>
+    <a:masterClrMapping/>
+  </p:clrMapOvr>
+</p:sld>
+</file>
+
+<file path=ppt/slides/slide3.xml><?xml version="1.0" encoding="utf-8"?>
+<p:sld xmlns:a="http://schemas.openxmlformats.org/drawingml/2006/main" xmlns:r="http://schemas.openxmlformats.org/officeDocument/2006/relationships" xmlns:p="http://schemas.openxmlformats.org/presentationml/2006/main">
+  <p:cSld>
+    <p:spTree>
+      <p:nvGrpSpPr>
+        <p:cNvPr id="1" name=""/>
+        <p:cNvGrpSpPr/>
+        <p:nvPr/>
+      </p:nvGrpSpPr>
+      <p:grpSpPr>
+        <a:xfrm>
+          <a:off x="0" y="0"/>
+          <a:ext cx="0" cy="0"/>
+          <a:chOff x="0" y="0"/>
+          <a:chExt cx="0" cy="0"/>
+        </a:xfrm>
+      </p:grpSpPr>
+      <p:sp>
+        <p:nvSpPr>
+          <p:cNvPr id="2" name="Title 1">
+            <a:extLst>
+              <a:ext uri="{FF2B5EF4-FFF2-40B4-BE49-F238E27FC236}">
+                <a16:creationId xmlns:a16="http://schemas.microsoft.com/office/drawing/2014/main" id="{4B597634-A516-4A63-8C0F-99550707D81F}"/>
+              </a:ext>
+            </a:extLst>
+          </p:cNvPr>
+          <p:cNvSpPr>
+            <a:spLocks noGrp="1"/>
+          </p:cNvSpPr>
+          <p:nvPr>
+            <p:ph type="title"/>
+          </p:nvPr>
+        </p:nvSpPr>
+        <p:spPr/>
+        <p:txBody>
+          <a:bodyPr/>
+          <a:lstStyle/>
+          <a:p>
+            <a:r>
+              <a:rPr lang="en-US" dirty="0"/>
+              <a:t>Application Introduction</a:t>
+            </a:r>
+          </a:p>
+        </p:txBody>
+      </p:sp>
+      <p:sp>
+        <p:nvSpPr>
+          <p:cNvPr id="3" name="Footer Placeholder 2">
+            <a:extLst>
+              <a:ext uri="{FF2B5EF4-FFF2-40B4-BE49-F238E27FC236}">
+                <a16:creationId xmlns:a16="http://schemas.microsoft.com/office/drawing/2014/main" id="{D1C29229-7B63-465B-AFE5-2517A163C8E2}"/>
+              </a:ext>
+            </a:extLst>
+          </p:cNvPr>
+          <p:cNvSpPr>
+            <a:spLocks noGrp="1"/>
+          </p:cNvSpPr>
+          <p:nvPr>
+            <p:ph type="ftr" sz="quarter" idx="11"/>
+          </p:nvPr>
+        </p:nvSpPr>
+        <p:spPr/>
+        <p:txBody>
+          <a:bodyPr/>
+          <a:lstStyle/>
+          <a:p>
+            <a:r>
+              <a:rPr lang="en-US"/>
+              <a:t>+84 28 3991 2068  |  sales@tpssoft.com  | www.tpssoft.com</a:t>
+            </a:r>
+            <a:endParaRPr lang="en-US" dirty="0"/>
+          </a:p>
+        </p:txBody>
+      </p:sp>
+      <p:sp>
+        <p:nvSpPr>
+          <p:cNvPr id="4" name="Slide Number Placeholder 3">
+            <a:extLst>
+              <a:ext uri="{FF2B5EF4-FFF2-40B4-BE49-F238E27FC236}">
+                <a16:creationId xmlns:a16="http://schemas.microsoft.com/office/drawing/2014/main" id="{B919A1B8-9CFF-4D6D-B97B-5C864A82937B}"/>
+              </a:ext>
+            </a:extLst>
+          </p:cNvPr>
+          <p:cNvSpPr>
+            <a:spLocks noGrp="1"/>
+          </p:cNvSpPr>
+          <p:nvPr>
+            <p:ph type="sldNum" sz="quarter" idx="12"/>
+          </p:nvPr>
+        </p:nvSpPr>
+        <p:spPr/>
+        <p:txBody>
+          <a:bodyPr/>
+          <a:lstStyle/>
+          <a:p>
+            <a:fld id="{D8C32136-2E8F-41D8-87DD-E76A2A241A32}" type="slidenum">
+              <a:rPr lang="en-US" smtClean="0"/>
+              <a:t>3</a:t>
+            </a:fld>
+            <a:endParaRPr lang="en-US" dirty="0"/>
+          </a:p>
+        </p:txBody>
+      </p:sp>
+      <p:sp>
+        <p:nvSpPr>
+          <p:cNvPr id="5" name="TextBox 4">
+            <a:extLst>
+              <a:ext uri="{FF2B5EF4-FFF2-40B4-BE49-F238E27FC236}">
+                <a16:creationId xmlns:a16="http://schemas.microsoft.com/office/drawing/2014/main" id="{147C4A55-A2AF-4723-92D7-4A63C5D3F825}"/>
+              </a:ext>
+            </a:extLst>
+          </p:cNvPr>
+          <p:cNvSpPr txBox="1"/>
+          <p:nvPr/>
+        </p:nvSpPr>
+        <p:spPr>
+          <a:xfrm>
+            <a:off x="505609" y="1269402"/>
+            <a:ext cx="7784404" cy="2262158"/>
+          </a:xfrm>
+          <a:prstGeom prst="rect">
+            <a:avLst/>
+          </a:prstGeom>
+          <a:noFill/>
+        </p:spPr>
+        <p:txBody>
+          <a:bodyPr wrap="square" rtlCol="0">
+            <a:spAutoFit/>
+          </a:bodyPr>
+          <a:lstStyle/>
+          <a:p>
+            <a:pPr algn="l"/>
+            <a:r>
+              <a:rPr lang="en-US" sz="2100" b="0" i="0" dirty="0">
+                <a:solidFill>
+                  <a:srgbClr val="333333"/>
+                </a:solidFill>
+                <a:effectLst/>
+              </a:rPr>
+              <a:t>Kanoo is a digital or mobile wallet that allows users to make secure payments and transfer money from their mobile devices. Users can connect to other users, manage their funds and take advantage of exclusive online discounts and promotions from merchants.</a:t>
+            </a:r>
+          </a:p>
+          <a:p>
+            <a:br>
+              <a:rPr lang="en-US" dirty="0"/>
+            </a:br>
+            <a:endParaRPr lang="en-US" dirty="0"/>
+          </a:p>
+        </p:txBody>
+      </p:sp>
+    </p:spTree>
+    <p:extLst>
+      <p:ext uri="{BB962C8B-B14F-4D97-AF65-F5344CB8AC3E}">
+        <p14:creationId xmlns:p14="http://schemas.microsoft.com/office/powerpoint/2010/main" val="1044995993"/>
+      </p:ext>
+    </p:extLst>
+  </p:cSld>
+  <p:clrMapOvr>
+    <a:masterClrMapping/>
+  </p:clrMapOvr>
+</p:sld>
+</file>
+
+<file path=ppt/slides/slide4.xml><?xml version="1.0" encoding="utf-8"?>
+<p:sld xmlns:a="http://schemas.openxmlformats.org/drawingml/2006/main" xmlns:r="http://schemas.openxmlformats.org/officeDocument/2006/relationships" xmlns:p="http://schemas.openxmlformats.org/presentationml/2006/main">
+  <p:cSld>
+    <p:spTree>
+      <p:nvGrpSpPr>
+        <p:cNvPr id="1" name=""/>
+        <p:cNvGrpSpPr/>
+        <p:nvPr/>
+      </p:nvGrpSpPr>
+      <p:grpSpPr>
+        <a:xfrm>
+          <a:off x="0" y="0"/>
+          <a:ext cx="0" cy="0"/>
+          <a:chOff x="0" y="0"/>
+          <a:chExt cx="0" cy="0"/>
+        </a:xfrm>
+      </p:grpSpPr>
+      <p:sp>
+        <p:nvSpPr>
+          <p:cNvPr id="2" name="Title 1"/>
+          <p:cNvSpPr>
+            <a:spLocks noGrp="1"/>
+          </p:cNvSpPr>
+          <p:nvPr>
+            <p:ph type="title"/>
+          </p:nvPr>
+        </p:nvSpPr>
+        <p:spPr/>
+        <p:txBody>
+          <a:bodyPr/>
+          <a:lstStyle/>
+          <a:p>
+            <a:r>
+              <a:rPr lang="en-US" dirty="0"/>
+              <a:t>Technologies used</a:t>
+            </a:r>
+          </a:p>
+        </p:txBody>
+      </p:sp>
+      <p:sp>
+        <p:nvSpPr>
+          <p:cNvPr id="4" name="Footer Placeholder 3"/>
+          <p:cNvSpPr>
+            <a:spLocks noGrp="1"/>
+          </p:cNvSpPr>
+          <p:nvPr>
+            <p:ph type="ftr" sz="quarter" idx="11"/>
+          </p:nvPr>
+        </p:nvSpPr>
+        <p:spPr/>
+        <p:txBody>
+          <a:bodyPr/>
+          <a:lstStyle/>
+          <a:p>
+            <a:r>
+              <a:rPr lang="en-US"/>
+              <a:t>+84 28 3991 2068  |  sales@tpssoft.com  | www.tpssoft.com</a:t>
+            </a:r>
+            <a:endParaRPr lang="en-US" dirty="0"/>
+          </a:p>
+        </p:txBody>
+      </p:sp>
+      <p:sp>
+        <p:nvSpPr>
+          <p:cNvPr id="5" name="Slide Number Placeholder 4"/>
+          <p:cNvSpPr>
+            <a:spLocks noGrp="1"/>
+          </p:cNvSpPr>
+          <p:nvPr>
+            <p:ph type="sldNum" sz="quarter" idx="12"/>
+          </p:nvPr>
+        </p:nvSpPr>
+        <p:spPr/>
+        <p:txBody>
+          <a:bodyPr/>
+          <a:lstStyle/>
+          <a:p>
+            <a:fld id="{D8C32136-2E8F-41D8-87DD-E76A2A241A32}" type="slidenum">
+              <a:rPr lang="en-US" smtClean="0"/>
+              <a:t>4</a:t>
+            </a:fld>
+            <a:endParaRPr lang="en-US" dirty="0"/>
+          </a:p>
+        </p:txBody>
+      </p:sp>
+      <p:pic>
+        <p:nvPicPr>
+          <p:cNvPr id="6" name="Content Placeholder 5">
+            <a:extLst>
+              <a:ext uri="{FF2B5EF4-FFF2-40B4-BE49-F238E27FC236}">
+                <a16:creationId xmlns:a16="http://schemas.microsoft.com/office/drawing/2014/main" id="{374484D5-DD92-472C-A95D-0CD8D708FC3C}"/>
+              </a:ext>
+            </a:extLst>
+          </p:cNvPr>
+          <p:cNvPicPr>
+            <a:picLocks noGrp="1" noChangeAspect="1"/>
+          </p:cNvPicPr>
+          <p:nvPr>
+            <p:ph idx="1"/>
+          </p:nvPr>
+        </p:nvPicPr>
+        <p:blipFill>
+          <a:blip r:embed="rId2"/>
+          <a:stretch>
+            <a:fillRect/>
+          </a:stretch>
+        </p:blipFill>
+        <p:spPr>
+          <a:xfrm>
+            <a:off x="129773" y="2576856"/>
+            <a:ext cx="1912159" cy="1912159"/>
+          </a:xfrm>
+          <a:prstGeom prst="rect">
+            <a:avLst/>
+          </a:prstGeom>
+        </p:spPr>
+      </p:pic>
+      <p:pic>
+        <p:nvPicPr>
+          <p:cNvPr id="7" name="Picture 6">
+            <a:extLst>
+              <a:ext uri="{FF2B5EF4-FFF2-40B4-BE49-F238E27FC236}">
+                <a16:creationId xmlns:a16="http://schemas.microsoft.com/office/drawing/2014/main" id="{6F4DDB6C-B0A3-4F25-B970-3CCC0384AA60}"/>
+              </a:ext>
+            </a:extLst>
+          </p:cNvPr>
+          <p:cNvPicPr>
+            <a:picLocks noChangeAspect="1"/>
+          </p:cNvPicPr>
+          <p:nvPr/>
+        </p:nvPicPr>
+        <p:blipFill rotWithShape="1">
+          <a:blip r:embed="rId3"/>
+          <a:srcRect l="10287" t="7650" r="10287" b="7214"/>
+          <a:stretch/>
+        </p:blipFill>
+        <p:spPr>
+          <a:xfrm>
+            <a:off x="2748368" y="2576856"/>
+            <a:ext cx="1598295" cy="1713188"/>
+          </a:xfrm>
+          <a:prstGeom prst="rect">
+            <a:avLst/>
+          </a:prstGeom>
+        </p:spPr>
+      </p:pic>
+      <p:pic>
+        <p:nvPicPr>
+          <p:cNvPr id="1026" name="Picture 2" descr="Kotlin Programming Language"/>
+          <p:cNvPicPr>
+            <a:picLocks noChangeAspect="1" noChangeArrowheads="1"/>
+          </p:cNvPicPr>
+          <p:nvPr/>
+        </p:nvPicPr>
+        <p:blipFill>
+          <a:blip r:embed="rId4">
+            <a:extLst>
+              <a:ext uri="{28A0092B-C50C-407E-A947-70E740481C1C}">
+                <a14:useLocalDpi xmlns:a14="http://schemas.microsoft.com/office/drawing/2010/main" val="0"/>
+              </a:ext>
+            </a:extLst>
+          </a:blip>
+          <a:srcRect/>
+          <a:stretch>
+            <a:fillRect/>
+          </a:stretch>
+        </p:blipFill>
+        <p:spPr bwMode="auto">
+          <a:xfrm>
+            <a:off x="5204226" y="2666999"/>
+            <a:ext cx="3810001" cy="1524001"/>
+          </a:xfrm>
+          <a:prstGeom prst="rect">
+            <a:avLst/>
+          </a:prstGeom>
+          <a:noFill/>
+          <a:extLst>
+            <a:ext uri="{909E8E84-426E-40DD-AFC4-6F175D3DCCD1}">
+              <a14:hiddenFill xmlns:a14="http://schemas.microsoft.com/office/drawing/2010/main">
+                <a:solidFill>
+                  <a:srgbClr val="FFFFFF"/>
+                </a:solidFill>
+              </a14:hiddenFill>
+            </a:ext>
+          </a:extLst>
+        </p:spPr>
+      </p:pic>
+    </p:spTree>
+    <p:extLst>
+      <p:ext uri="{BB962C8B-B14F-4D97-AF65-F5344CB8AC3E}">
+        <p14:creationId xmlns:p14="http://schemas.microsoft.com/office/powerpoint/2010/main" val="1235888133"/>
+      </p:ext>
+    </p:extLst>
+  </p:cSld>
+  <p:clrMapOvr>
+    <a:masterClrMapping/>
+  </p:clrMapOvr>
+</p:sld>
+</file>
+
+<file path=ppt/slides/slide5.xml><?xml version="1.0" encoding="utf-8"?>
+<p:sld xmlns:a="http://schemas.openxmlformats.org/drawingml/2006/main" xmlns:r="http://schemas.openxmlformats.org/officeDocument/2006/relationships" xmlns:p="http://schemas.openxmlformats.org/presentationml/2006/main">
+  <p:cSld>
+    <p:spTree>
+      <p:nvGrpSpPr>
+        <p:cNvPr id="1" name=""/>
+        <p:cNvGrpSpPr/>
+        <p:nvPr/>
+      </p:nvGrpSpPr>
+      <p:grpSpPr>
+        <a:xfrm>
+          <a:off x="0" y="0"/>
+          <a:ext cx="0" cy="0"/>
+          <a:chOff x="0" y="0"/>
+          <a:chExt cx="0" cy="0"/>
+        </a:xfrm>
+      </p:grpSpPr>
+      <p:sp>
+        <p:nvSpPr>
+          <p:cNvPr id="2" name="Title 1"/>
+          <p:cNvSpPr>
+            <a:spLocks noGrp="1"/>
+          </p:cNvSpPr>
+          <p:nvPr>
+            <p:ph type="title"/>
+          </p:nvPr>
+        </p:nvSpPr>
+        <p:spPr/>
+        <p:txBody>
+          <a:bodyPr/>
+          <a:lstStyle/>
+          <a:p>
+            <a:r>
+              <a:rPr lang="en-US" dirty="0"/>
+              <a:t>Library</a:t>
+            </a:r>
+          </a:p>
+        </p:txBody>
+      </p:sp>
+      <p:sp>
+        <p:nvSpPr>
+          <p:cNvPr id="3" name="Content Placeholder 2"/>
+          <p:cNvSpPr>
+            <a:spLocks noGrp="1"/>
+          </p:cNvSpPr>
+          <p:nvPr>
+            <p:ph idx="1"/>
+          </p:nvPr>
+        </p:nvSpPr>
+        <p:spPr/>
+        <p:txBody>
+          <a:bodyPr/>
+          <a:lstStyle/>
+          <a:p>
+            <a:r>
+              <a:rPr lang="en-US" dirty="0"/>
+              <a:t>com.squareup.picasso:picasso:2.71828</a:t>
+            </a:r>
+          </a:p>
+          <a:p>
+            <a:r>
+              <a:rPr lang="en-US" dirty="0"/>
+              <a:t>com.squareup.retrofit2:retrofit:2.7.1</a:t>
+            </a:r>
+          </a:p>
+          <a:p>
+            <a:r>
+              <a:rPr lang="en-US" dirty="0"/>
+              <a:t>com.squareup.retrofit2:converter-gson:2.1.0</a:t>
+            </a:r>
+          </a:p>
+          <a:p>
+            <a:r>
+              <a:rPr lang="en-US" dirty="0"/>
+              <a:t>com.squareup.okhttp3:logging-interceptor:4.9.1</a:t>
+            </a:r>
+          </a:p>
+          <a:p>
+            <a:r>
+              <a:rPr lang="en-US" dirty="0"/>
+              <a:t>androidx.recyclerview:recyclerview:1.2.1</a:t>
+            </a:r>
+          </a:p>
+          <a:p>
+            <a:r>
+              <a:rPr lang="en-US" dirty="0"/>
+              <a:t>androidx.lifecycle:lifecycle-viewmodel-ktx:2.4.0-alpha02</a:t>
+            </a:r>
+          </a:p>
+          <a:p>
+            <a:r>
+              <a:rPr lang="en-US" dirty="0"/>
+              <a:t>org.jetbrains.kotlinx:kotlinx-coroutines-core:1.5.0</a:t>
+            </a:r>
+          </a:p>
+          <a:p>
+            <a:endParaRPr lang="en-US" dirty="0"/>
+          </a:p>
+        </p:txBody>
+      </p:sp>
+      <p:sp>
+        <p:nvSpPr>
+          <p:cNvPr id="4" name="Footer Placeholder 3"/>
+          <p:cNvSpPr>
+            <a:spLocks noGrp="1"/>
+          </p:cNvSpPr>
+          <p:nvPr>
+            <p:ph type="ftr" sz="quarter" idx="11"/>
+          </p:nvPr>
+        </p:nvSpPr>
+        <p:spPr/>
+        <p:txBody>
+          <a:bodyPr/>
+          <a:lstStyle/>
+          <a:p>
+            <a:r>
+              <a:rPr lang="en-US"/>
+              <a:t>+84 28 3991 2068  |  sales@tpssoft.com  | www.tpssoft.com</a:t>
+            </a:r>
+            <a:endParaRPr lang="en-US" dirty="0"/>
+          </a:p>
+        </p:txBody>
+      </p:sp>
+      <p:sp>
+        <p:nvSpPr>
+          <p:cNvPr id="5" name="Slide Number Placeholder 4"/>
+          <p:cNvSpPr>
+            <a:spLocks noGrp="1"/>
+          </p:cNvSpPr>
+          <p:nvPr>
+            <p:ph type="sldNum" sz="quarter" idx="12"/>
+          </p:nvPr>
+        </p:nvSpPr>
+        <p:spPr/>
+        <p:txBody>
+          <a:bodyPr/>
+          <a:lstStyle/>
+          <a:p>
+            <a:fld id="{D8C32136-2E8F-41D8-87DD-E76A2A241A32}" type="slidenum">
+              <a:rPr lang="en-US" smtClean="0"/>
+              <a:t>5</a:t>
+            </a:fld>
+            <a:endParaRPr lang="en-US" dirty="0"/>
+          </a:p>
+        </p:txBody>
+      </p:sp>
+    </p:spTree>
+    <p:extLst>
+      <p:ext uri="{BB962C8B-B14F-4D97-AF65-F5344CB8AC3E}">
+        <p14:creationId xmlns:p14="http://schemas.microsoft.com/office/powerpoint/2010/main" val="3066246789"/>
+      </p:ext>
+    </p:extLst>
+  </p:cSld>
+  <p:clrMapOvr>
+    <a:masterClrMapping/>
+  </p:clrMapOvr>
+</p:sld>
+</file>
+
+<file path=ppt/slides/slide6.xml><?xml version="1.0" encoding="utf-8"?>
+<p:sld xmlns:a="http://schemas.openxmlformats.org/drawingml/2006/main" xmlns:r="http://schemas.openxmlformats.org/officeDocument/2006/relationships" xmlns:p="http://schemas.openxmlformats.org/presentationml/2006/main">
+  <p:cSld>
+    <p:spTree>
+      <p:nvGrpSpPr>
+        <p:cNvPr id="1" name=""/>
+        <p:cNvGrpSpPr/>
+        <p:nvPr/>
+      </p:nvGrpSpPr>
+      <p:grpSpPr>
+        <a:xfrm>
+          <a:off x="0" y="0"/>
+          <a:ext cx="0" cy="0"/>
+          <a:chOff x="0" y="0"/>
+          <a:chExt cx="0" cy="0"/>
+        </a:xfrm>
+      </p:grpSpPr>
+      <p:sp>
+        <p:nvSpPr>
+          <p:cNvPr id="2" name="Title 1"/>
+          <p:cNvSpPr>
+            <a:spLocks noGrp="1"/>
+          </p:cNvSpPr>
+          <p:nvPr>
+            <p:ph type="title"/>
+          </p:nvPr>
+        </p:nvSpPr>
+        <p:spPr/>
+        <p:txBody>
+          <a:bodyPr/>
+          <a:lstStyle/>
+          <a:p>
+            <a:r>
+              <a:rPr lang="en-US" dirty="0"/>
+              <a:t>Splash Screen</a:t>
+            </a:r>
+          </a:p>
+        </p:txBody>
+      </p:sp>
+      <p:pic>
+        <p:nvPicPr>
+          <p:cNvPr id="6" name="Content Placeholder 5"/>
+          <p:cNvPicPr>
+            <a:picLocks noGrp="1" noChangeAspect="1"/>
+          </p:cNvPicPr>
+          <p:nvPr>
+            <p:ph idx="1"/>
+          </p:nvPr>
+        </p:nvPicPr>
+        <p:blipFill>
+          <a:blip r:embed="rId2" cstate="print">
+            <a:extLst>
+              <a:ext uri="{28A0092B-C50C-407E-A947-70E740481C1C}">
+                <a14:useLocalDpi xmlns:a14="http://schemas.microsoft.com/office/drawing/2010/main" val="0"/>
+              </a:ext>
+            </a:extLst>
+          </a:blip>
+          <a:stretch>
+            <a:fillRect/>
+          </a:stretch>
+        </p:blipFill>
+        <p:spPr>
+          <a:xfrm>
+            <a:off x="3251987" y="1543119"/>
+            <a:ext cx="2189352" cy="4351338"/>
+          </a:xfrm>
+        </p:spPr>
+      </p:pic>
+      <p:sp>
+        <p:nvSpPr>
+          <p:cNvPr id="4" name="Footer Placeholder 3"/>
+          <p:cNvSpPr>
+            <a:spLocks noGrp="1"/>
+          </p:cNvSpPr>
+          <p:nvPr>
+            <p:ph type="ftr" sz="quarter" idx="11"/>
+          </p:nvPr>
+        </p:nvSpPr>
+        <p:spPr/>
+        <p:txBody>
+          <a:bodyPr/>
+          <a:lstStyle/>
+          <a:p>
+            <a:r>
+              <a:rPr lang="en-US"/>
+              <a:t>+84 28 3991 2068  |  sales@tpssoft.com  | www.tpssoft.com</a:t>
+            </a:r>
+            <a:endParaRPr lang="en-US" dirty="0"/>
+          </a:p>
+        </p:txBody>
+      </p:sp>
+      <p:sp>
+        <p:nvSpPr>
+          <p:cNvPr id="5" name="Slide Number Placeholder 4"/>
+          <p:cNvSpPr>
+            <a:spLocks noGrp="1"/>
+          </p:cNvSpPr>
+          <p:nvPr>
+            <p:ph type="sldNum" sz="quarter" idx="12"/>
+          </p:nvPr>
+        </p:nvSpPr>
+        <p:spPr/>
+        <p:txBody>
+          <a:bodyPr/>
+          <a:lstStyle/>
+          <a:p>
+            <a:fld id="{D8C32136-2E8F-41D8-87DD-E76A2A241A32}" type="slidenum">
+              <a:rPr lang="en-US" smtClean="0"/>
+              <a:t>6</a:t>
+            </a:fld>
+            <a:endParaRPr lang="en-US" dirty="0"/>
+          </a:p>
+        </p:txBody>
+      </p:sp>
+    </p:spTree>
+    <p:extLst>
+      <p:ext uri="{BB962C8B-B14F-4D97-AF65-F5344CB8AC3E}">
+        <p14:creationId xmlns:p14="http://schemas.microsoft.com/office/powerpoint/2010/main" val="3199131277"/>
+      </p:ext>
+    </p:extLst>
+  </p:cSld>
+  <p:clrMapOvr>
+    <a:masterClrMapping/>
+  </p:clrMapOvr>
+</p:sld>
+</file>
+
+<file path=ppt/slides/slide7.xml><?xml version="1.0" encoding="utf-8"?>
+<p:sld xmlns:a="http://schemas.openxmlformats.org/drawingml/2006/main" xmlns:r="http://schemas.openxmlformats.org/officeDocument/2006/relationships" xmlns:p="http://schemas.openxmlformats.org/presentationml/2006/main">
+  <p:cSld>
+    <p:spTree>
+      <p:nvGrpSpPr>
+        <p:cNvPr id="1" name=""/>
+        <p:cNvGrpSpPr/>
+        <p:nvPr/>
+      </p:nvGrpSpPr>
+      <p:grpSpPr>
+        <a:xfrm>
+          <a:off x="0" y="0"/>
+          <a:ext cx="0" cy="0"/>
+          <a:chOff x="0" y="0"/>
+          <a:chExt cx="0" cy="0"/>
+        </a:xfrm>
+      </p:grpSpPr>
+      <p:sp>
+        <p:nvSpPr>
+          <p:cNvPr id="2" name="Title 1"/>
+          <p:cNvSpPr>
+            <a:spLocks noGrp="1"/>
+          </p:cNvSpPr>
+          <p:nvPr>
+            <p:ph type="title"/>
+          </p:nvPr>
+        </p:nvSpPr>
+        <p:spPr/>
+        <p:txBody>
+          <a:bodyPr/>
+          <a:lstStyle/>
+          <a:p>
+            <a:r>
+              <a:rPr lang="en-US" dirty="0"/>
+              <a:t>Walk-through Screen</a:t>
+            </a:r>
+          </a:p>
+        </p:txBody>
+      </p:sp>
+      <p:pic>
+        <p:nvPicPr>
+          <p:cNvPr id="6" name="Content Placeholder 5"/>
+          <p:cNvPicPr>
+            <a:picLocks noGrp="1" noChangeAspect="1"/>
+          </p:cNvPicPr>
+          <p:nvPr>
+            <p:ph idx="1"/>
+          </p:nvPr>
+        </p:nvPicPr>
+        <p:blipFill>
+          <a:blip r:embed="rId2" cstate="print">
+            <a:extLst>
+              <a:ext uri="{28A0092B-C50C-407E-A947-70E740481C1C}">
+                <a14:useLocalDpi xmlns:a14="http://schemas.microsoft.com/office/drawing/2010/main" val="0"/>
+              </a:ext>
+            </a:extLst>
+          </a:blip>
+          <a:stretch>
+            <a:fillRect/>
+          </a:stretch>
+        </p:blipFill>
+        <p:spPr>
+          <a:xfrm>
+            <a:off x="0" y="1543120"/>
+            <a:ext cx="2196194" cy="4351338"/>
+          </a:xfrm>
+        </p:spPr>
+      </p:pic>
+      <p:sp>
+        <p:nvSpPr>
+          <p:cNvPr id="4" name="Footer Placeholder 3"/>
+          <p:cNvSpPr>
+            <a:spLocks noGrp="1"/>
+          </p:cNvSpPr>
+          <p:nvPr>
+            <p:ph type="ftr" sz="quarter" idx="11"/>
+          </p:nvPr>
+        </p:nvSpPr>
+        <p:spPr/>
+        <p:txBody>
+          <a:bodyPr/>
+          <a:lstStyle/>
+          <a:p>
+            <a:r>
+              <a:rPr lang="en-US"/>
+              <a:t>+84 28 3991 2068  |  sales@tpssoft.com  | www.tpssoft.com</a:t>
+            </a:r>
+            <a:endParaRPr lang="en-US" dirty="0"/>
+          </a:p>
+        </p:txBody>
+      </p:sp>
+      <p:sp>
+        <p:nvSpPr>
+          <p:cNvPr id="5" name="Slide Number Placeholder 4"/>
+          <p:cNvSpPr>
+            <a:spLocks noGrp="1"/>
+          </p:cNvSpPr>
+          <p:nvPr>
+            <p:ph type="sldNum" sz="quarter" idx="12"/>
+          </p:nvPr>
+        </p:nvSpPr>
+        <p:spPr/>
+        <p:txBody>
+          <a:bodyPr/>
+          <a:lstStyle/>
+          <a:p>
+            <a:fld id="{D8C32136-2E8F-41D8-87DD-E76A2A241A32}" type="slidenum">
+              <a:rPr lang="en-US" smtClean="0"/>
+              <a:t>7</a:t>
+            </a:fld>
+            <a:endParaRPr lang="en-US" dirty="0"/>
+          </a:p>
+        </p:txBody>
+      </p:sp>
+      <p:pic>
+        <p:nvPicPr>
+          <p:cNvPr id="7" name="Picture 6"/>
+          <p:cNvPicPr>
+            <a:picLocks noChangeAspect="1"/>
+          </p:cNvPicPr>
+          <p:nvPr/>
+        </p:nvPicPr>
+        <p:blipFill>
+          <a:blip r:embed="rId3" cstate="print">
+            <a:extLst>
+              <a:ext uri="{28A0092B-C50C-407E-A947-70E740481C1C}">
+                <a14:useLocalDpi xmlns:a14="http://schemas.microsoft.com/office/drawing/2010/main" val="0"/>
+              </a:ext>
+            </a:extLst>
+          </a:blip>
+          <a:stretch>
+            <a:fillRect/>
+          </a:stretch>
+        </p:blipFill>
+        <p:spPr>
+          <a:xfrm>
+            <a:off x="2299313" y="1543118"/>
+            <a:ext cx="2185932" cy="4351338"/>
+          </a:xfrm>
+          <a:prstGeom prst="rect">
+            <a:avLst/>
+          </a:prstGeom>
+        </p:spPr>
+      </p:pic>
+      <p:pic>
+        <p:nvPicPr>
+          <p:cNvPr id="8" name="Picture 7"/>
+          <p:cNvPicPr>
+            <a:picLocks noChangeAspect="1"/>
+          </p:cNvPicPr>
+          <p:nvPr/>
+        </p:nvPicPr>
+        <p:blipFill>
+          <a:blip r:embed="rId4" cstate="print">
+            <a:extLst>
+              <a:ext uri="{28A0092B-C50C-407E-A947-70E740481C1C}">
+                <a14:useLocalDpi xmlns:a14="http://schemas.microsoft.com/office/drawing/2010/main" val="0"/>
+              </a:ext>
+            </a:extLst>
+          </a:blip>
+          <a:stretch>
+            <a:fillRect/>
+          </a:stretch>
+        </p:blipFill>
+        <p:spPr>
+          <a:xfrm>
+            <a:off x="4655334" y="1543118"/>
+            <a:ext cx="2185932" cy="4351339"/>
+          </a:xfrm>
+          <a:prstGeom prst="rect">
+            <a:avLst/>
+          </a:prstGeom>
+        </p:spPr>
+      </p:pic>
+      <p:pic>
+        <p:nvPicPr>
+          <p:cNvPr id="9" name="Picture 8"/>
+          <p:cNvPicPr>
+            <a:picLocks noChangeAspect="1"/>
+          </p:cNvPicPr>
+          <p:nvPr/>
+        </p:nvPicPr>
+        <p:blipFill>
+          <a:blip r:embed="rId5" cstate="print">
+            <a:extLst>
+              <a:ext uri="{28A0092B-C50C-407E-A947-70E740481C1C}">
+                <a14:useLocalDpi xmlns:a14="http://schemas.microsoft.com/office/drawing/2010/main" val="0"/>
+              </a:ext>
+            </a:extLst>
+          </a:blip>
+          <a:stretch>
+            <a:fillRect/>
+          </a:stretch>
+        </p:blipFill>
+        <p:spPr>
+          <a:xfrm>
+            <a:off x="6944383" y="1533533"/>
+            <a:ext cx="2199615" cy="4351338"/>
+          </a:xfrm>
+          <a:prstGeom prst="rect">
+            <a:avLst/>
+          </a:prstGeom>
+        </p:spPr>
+      </p:pic>
+      <p:sp>
+        <p:nvSpPr>
+          <p:cNvPr id="3" name="Oval 2"/>
+          <p:cNvSpPr/>
+          <p:nvPr/>
+        </p:nvSpPr>
+        <p:spPr>
+          <a:xfrm>
+            <a:off x="7303212" y="4635062"/>
+            <a:ext cx="1481959" cy="693683"/>
+          </a:xfrm>
+          <a:prstGeom prst="ellipse">
+            <a:avLst/>
+          </a:prstGeom>
+          <a:noFill/>
+          <a:ln>
+            <a:solidFill>
+              <a:schemeClr val="tx1"/>
+            </a:solidFill>
+          </a:ln>
+        </p:spPr>
+        <p:style>
+          <a:lnRef idx="2">
+            <a:schemeClr val="accent1">
+              <a:shade val="50000"/>
+            </a:schemeClr>
+          </a:lnRef>
+          <a:fillRef idx="1">
+            <a:schemeClr val="accent1"/>
+          </a:fillRef>
+          <a:effectRef idx="0">
+            <a:schemeClr val="accent1"/>
+          </a:effectRef>
+          <a:fontRef idx="minor">
+            <a:schemeClr val="lt1"/>
+          </a:fontRef>
+        </p:style>
+        <p:txBody>
+          <a:bodyPr rtlCol="0" anchor="ctr"/>
+          <a:lstStyle/>
+          <a:p>
+            <a:pPr algn="ctr"/>
+            <a:endParaRPr lang="en-US"/>
+          </a:p>
+        </p:txBody>
+      </p:sp>
+      <p:sp>
+        <p:nvSpPr>
+          <p:cNvPr id="10" name="Oval 9"/>
+          <p:cNvSpPr/>
+          <p:nvPr/>
+        </p:nvSpPr>
+        <p:spPr>
+          <a:xfrm>
+            <a:off x="7467633" y="5429517"/>
+            <a:ext cx="1153113" cy="354581"/>
+          </a:xfrm>
+          <a:prstGeom prst="ellipse">
+            <a:avLst/>
+          </a:prstGeom>
+          <a:noFill/>
+          <a:ln>
+            <a:solidFill>
+              <a:schemeClr val="tx1"/>
+            </a:solidFill>
+          </a:ln>
+        </p:spPr>
+        <p:style>
+          <a:lnRef idx="2">
+            <a:schemeClr val="accent1">
+              <a:shade val="50000"/>
+            </a:schemeClr>
+          </a:lnRef>
+          <a:fillRef idx="1">
+            <a:schemeClr val="accent1"/>
+          </a:fillRef>
+          <a:effectRef idx="0">
+            <a:schemeClr val="accent1"/>
+          </a:effectRef>
+          <a:fontRef idx="minor">
+            <a:schemeClr val="lt1"/>
+          </a:fontRef>
+        </p:style>
+        <p:txBody>
+          <a:bodyPr rtlCol="0" anchor="ctr"/>
+          <a:lstStyle/>
+          <a:p>
+            <a:pPr algn="ctr"/>
+            <a:endParaRPr lang="en-US"/>
+          </a:p>
+        </p:txBody>
+      </p:sp>
+    </p:spTree>
+    <p:extLst>
+      <p:ext uri="{BB962C8B-B14F-4D97-AF65-F5344CB8AC3E}">
+        <p14:creationId xmlns:p14="http://schemas.microsoft.com/office/powerpoint/2010/main" val="609072999"/>
+      </p:ext>
+    </p:extLst>
+  </p:cSld>
+  <p:clrMapOvr>
+    <a:masterClrMapping/>
+  </p:clrMapOvr>
+  <p:timing>
+    <p:tnLst>
+      <p:par>
+        <p:cTn id="1" dur="indefinite" restart="never" nodeType="tmRoot">
+          <p:childTnLst>
+            <p:seq concurrent="1" nextAc="seek">
+              <p:cTn id="2" dur="indefinite" nodeType="mainSeq">
+                <p:childTnLst>
+                  <p:par>
+                    <p:cTn id="3" fill="hold">
+                      <p:stCondLst>
+                        <p:cond delay="indefinite"/>
+                      </p:stCondLst>
+                      <p:childTnLst>
+                        <p:par>
+                          <p:cTn id="4" fill="hold">
+                            <p:stCondLst>
+                              <p:cond delay="0"/>
+                            </p:stCondLst>
+                            <p:childTnLst>
+                              <p:par>
+                                <p:cTn id="5" presetID="10" presetClass="entr" presetSubtype="0" fill="hold" nodeType="clickEffect">
+                                  <p:stCondLst>
+                                    <p:cond delay="0"/>
+                                  </p:stCondLst>
+                                  <p:childTnLst>
+                                    <p:set>
+                                      <p:cBhvr>
+                                        <p:cTn id="6" dur="1" fill="hold">
+                                          <p:stCondLst>
+                                            <p:cond delay="0"/>
+                                          </p:stCondLst>
+                                        </p:cTn>
+                                        <p:tgtEl>
+                                          <p:spTgt spid="7"/>
+                                        </p:tgtEl>
+                                        <p:attrNameLst>
+                                          <p:attrName>style.visibility</p:attrName>
+                                        </p:attrNameLst>
+                                      </p:cBhvr>
+                                      <p:to>
+                                        <p:strVal val="visible"/>
+                                      </p:to>
+                                    </p:set>
+                                    <p:animEffect transition="in" filter="fade">
+                                      <p:cBhvr>
+                                        <p:cTn id="7" dur="500"/>
+                                        <p:tgtEl>
+                                          <p:spTgt spid="7"/>
+                                        </p:tgtEl>
+                                      </p:cBhvr>
+                                    </p:animEffect>
+                                  </p:childTnLst>
+                                </p:cTn>
+                              </p:par>
+                            </p:childTnLst>
+                          </p:cTn>
+                        </p:par>
+                      </p:childTnLst>
+                    </p:cTn>
+                  </p:par>
+                  <p:par>
+                    <p:cTn id="8" fill="hold">
+                      <p:stCondLst>
+                        <p:cond delay="indefinite"/>
+                      </p:stCondLst>
+                      <p:childTnLst>
+                        <p:par>
+                          <p:cTn id="9" fill="hold">
+                            <p:stCondLst>
+                              <p:cond delay="0"/>
+                            </p:stCondLst>
+                            <p:childTnLst>
+                              <p:par>
+                                <p:cTn id="10" presetID="10" presetClass="entr" presetSubtype="0" fill="hold" nodeType="clickEffect">
+                                  <p:stCondLst>
+                                    <p:cond delay="0"/>
+                                  </p:stCondLst>
+                                  <p:childTnLst>
+                                    <p:set>
+                                      <p:cBhvr>
+                                        <p:cTn id="11" dur="1" fill="hold">
+                                          <p:stCondLst>
+                                            <p:cond delay="0"/>
+                                          </p:stCondLst>
+                                        </p:cTn>
+                                        <p:tgtEl>
+                                          <p:spTgt spid="8"/>
+                                        </p:tgtEl>
+                                        <p:attrNameLst>
+                                          <p:attrName>style.visibility</p:attrName>
+                                        </p:attrNameLst>
+                                      </p:cBhvr>
+                                      <p:to>
+                                        <p:strVal val="visible"/>
+                                      </p:to>
+                                    </p:set>
+                                    <p:animEffect transition="in" filter="fade">
+                                      <p:cBhvr>
+                                        <p:cTn id="12" dur="500"/>
+                                        <p:tgtEl>
+                                          <p:spTgt spid="8"/>
+                                        </p:tgtEl>
+                                      </p:cBhvr>
+                                    </p:animEffect>
+                                  </p:childTnLst>
+                                </p:cTn>
+                              </p:par>
+                            </p:childTnLst>
+                          </p:cTn>
+                        </p:par>
+                      </p:childTnLst>
+                    </p:cTn>
+                  </p:par>
+                  <p:par>
+                    <p:cTn id="13" fill="hold">
+                      <p:stCondLst>
+                        <p:cond delay="indefinite"/>
+                      </p:stCondLst>
+                      <p:childTnLst>
+                        <p:par>
+                          <p:cTn id="14" fill="hold">
+                            <p:stCondLst>
+                              <p:cond delay="0"/>
+                            </p:stCondLst>
+                            <p:childTnLst>
+                              <p:par>
+                                <p:cTn id="15" presetID="10" presetClass="entr" presetSubtype="0" fill="hold" nodeType="clickEffect">
+                                  <p:stCondLst>
+                                    <p:cond delay="0"/>
+                                  </p:stCondLst>
+                                  <p:childTnLst>
+                                    <p:set>
+                                      <p:cBhvr>
+                                        <p:cTn id="16" dur="1" fill="hold">
+                                          <p:stCondLst>
+                                            <p:cond delay="0"/>
+                                          </p:stCondLst>
+                                        </p:cTn>
+                                        <p:tgtEl>
+                                          <p:spTgt spid="9"/>
+                                        </p:tgtEl>
+                                        <p:attrNameLst>
+                                          <p:attrName>style.visibility</p:attrName>
+                                        </p:attrNameLst>
+                                      </p:cBhvr>
+                                      <p:to>
+                                        <p:strVal val="visible"/>
+                                      </p:to>
+                                    </p:set>
+                                    <p:animEffect transition="in" filter="fade">
+                                      <p:cBhvr>
+                                        <p:cTn id="17" dur="500"/>
+                                        <p:tgtEl>
+                                          <p:spTgt spid="9"/>
+                                        </p:tgtEl>
+                                      </p:cBhvr>
+                                    </p:animEffect>
+                                  </p:childTnLst>
+                                </p:cTn>
+                              </p:par>
+                            </p:childTnLst>
+                          </p:cTn>
+                        </p:par>
+                      </p:childTnLst>
+                    </p:cTn>
+                  </p:par>
+                  <p:par>
+                    <p:cTn id="18" fill="hold">
+                      <p:stCondLst>
+                        <p:cond delay="indefinite"/>
+                      </p:stCondLst>
+                      <p:childTnLst>
+                        <p:par>
+                          <p:cTn id="19" fill="hold">
+                            <p:stCondLst>
+                              <p:cond delay="0"/>
+                            </p:stCondLst>
+                            <p:childTnLst>
+                              <p:par>
+                                <p:cTn id="20" presetID="6" presetClass="entr" presetSubtype="16" fill="hold" grpId="0" nodeType="clickEffect">
+                                  <p:stCondLst>
+                                    <p:cond delay="0"/>
+                                  </p:stCondLst>
+                                  <p:childTnLst>
+                                    <p:set>
+                                      <p:cBhvr>
+                                        <p:cTn id="21" dur="1" fill="hold">
+                                          <p:stCondLst>
+                                            <p:cond delay="0"/>
+                                          </p:stCondLst>
+                                        </p:cTn>
+                                        <p:tgtEl>
+                                          <p:spTgt spid="3"/>
+                                        </p:tgtEl>
+                                        <p:attrNameLst>
+                                          <p:attrName>style.visibility</p:attrName>
+                                        </p:attrNameLst>
+                                      </p:cBhvr>
+                                      <p:to>
+                                        <p:strVal val="visible"/>
+                                      </p:to>
+                                    </p:set>
+                                    <p:animEffect transition="in" filter="circle(in)">
+                                      <p:cBhvr>
+                                        <p:cTn id="22" dur="2000"/>
+                                        <p:tgtEl>
+                                          <p:spTgt spid="3"/>
+                                        </p:tgtEl>
+                                      </p:cBhvr>
+                                    </p:animEffect>
+                                  </p:childTnLst>
+                                </p:cTn>
+                              </p:par>
+                            </p:childTnLst>
+                          </p:cTn>
+                        </p:par>
+                      </p:childTnLst>
+                    </p:cTn>
+                  </p:par>
+                  <p:par>
+                    <p:cTn id="23" fill="hold">
+                      <p:stCondLst>
+                        <p:cond delay="indefinite"/>
+                      </p:stCondLst>
+                      <p:childTnLst>
+                        <p:par>
+                          <p:cTn id="24" fill="hold">
+                            <p:stCondLst>
+                              <p:cond delay="0"/>
+                            </p:stCondLst>
+                            <p:childTnLst>
+                              <p:par>
+                                <p:cTn id="25" presetID="6" presetClass="entr" presetSubtype="16" fill="hold" grpId="0" nodeType="clickEffect">
+                                  <p:stCondLst>
+                                    <p:cond delay="0"/>
+                                  </p:stCondLst>
+                                  <p:childTnLst>
+                                    <p:set>
+                                      <p:cBhvr>
+                                        <p:cTn id="26" dur="1" fill="hold">
+                                          <p:stCondLst>
+                                            <p:cond delay="0"/>
+                                          </p:stCondLst>
+                                        </p:cTn>
+                                        <p:tgtEl>
+                                          <p:spTgt spid="10"/>
+                                        </p:tgtEl>
+                                        <p:attrNameLst>
+                                          <p:attrName>style.visibility</p:attrName>
+                                        </p:attrNameLst>
+                                      </p:cBhvr>
+                                      <p:to>
+                                        <p:strVal val="visible"/>
+                                      </p:to>
+                                    </p:set>
+                                    <p:animEffect transition="in" filter="circle(in)">
+                                      <p:cBhvr>
+                                        <p:cTn id="27" dur="2000"/>
+                                        <p:tgtEl>
+                                          <p:spTgt spid="10"/>
+                                        </p:tgtEl>
+                                      </p:cBhvr>
+                                    </p:animEffect>
+                                  </p:childTnLst>
+                                </p:cTn>
+                              </p:par>
+                            </p:childTnLst>
+                          </p:cTn>
+                        </p:par>
+                      </p:childTnLst>
+                    </p:cTn>
+                  </p:par>
+                </p:childTnLst>
+              </p:cTn>
+              <p:prevCondLst>
+                <p:cond evt="onPrev" delay="0">
+                  <p:tgtEl>
+                    <p:sldTgt/>
+                  </p:tgtEl>
+                </p:cond>
+              </p:prevCondLst>
+              <p:nextCondLst>
+                <p:cond evt="onNext" delay="0">
+                  <p:tgtEl>
+                    <p:sldTgt/>
+                  </p:tgtEl>
+                </p:cond>
+              </p:nextCondLst>
+            </p:seq>
+          </p:childTnLst>
+        </p:cTn>
+      </p:par>
+    </p:tnLst>
+    <p:bldLst>
+      <p:bldP spid="3" grpId="0" animBg="1"/>
+      <p:bldP spid="10" grpId="0" animBg="1"/>
+    </p:bldLst>
+  </p:timing>
+</p:sld>
+</file>
+
+<file path=ppt/slides/slide8.xml><?xml version="1.0" encoding="utf-8"?>
+<p:sld xmlns:a="http://schemas.openxmlformats.org/drawingml/2006/main" xmlns:r="http://schemas.openxmlformats.org/officeDocument/2006/relationships" xmlns:p="http://schemas.openxmlformats.org/presentationml/2006/main">
+  <p:cSld>
+    <p:spTree>
+      <p:nvGrpSpPr>
+        <p:cNvPr id="1" name=""/>
+        <p:cNvGrpSpPr/>
+        <p:nvPr/>
+      </p:nvGrpSpPr>
+      <p:grpSpPr>
+        <a:xfrm>
+          <a:off x="0" y="0"/>
+          <a:ext cx="0" cy="0"/>
+          <a:chOff x="0" y="0"/>
+          <a:chExt cx="0" cy="0"/>
+        </a:xfrm>
+      </p:grpSpPr>
+      <p:sp>
+        <p:nvSpPr>
+          <p:cNvPr id="2" name="Title 1"/>
+          <p:cNvSpPr>
+            <a:spLocks noGrp="1"/>
+          </p:cNvSpPr>
+          <p:nvPr>
+            <p:ph type="title"/>
+          </p:nvPr>
+        </p:nvSpPr>
+        <p:spPr/>
+        <p:txBody>
+          <a:bodyPr/>
+          <a:lstStyle/>
+          <a:p>
+            <a:r>
+              <a:rPr lang="en-US" dirty="0"/>
+              <a:t>Sign In</a:t>
+            </a:r>
+          </a:p>
+        </p:txBody>
+      </p:sp>
+      <p:pic>
+        <p:nvPicPr>
+          <p:cNvPr id="6" name="Content Placeholder 5"/>
+          <p:cNvPicPr>
+            <a:picLocks noGrp="1" noChangeAspect="1"/>
+          </p:cNvPicPr>
+          <p:nvPr>
+            <p:ph idx="1"/>
+          </p:nvPr>
+        </p:nvPicPr>
+        <p:blipFill>
+          <a:blip r:embed="rId2" cstate="print">
+            <a:extLst>
+              <a:ext uri="{28A0092B-C50C-407E-A947-70E740481C1C}">
+                <a14:useLocalDpi xmlns:a14="http://schemas.microsoft.com/office/drawing/2010/main" val="0"/>
+              </a:ext>
+            </a:extLst>
+          </a:blip>
+          <a:stretch>
+            <a:fillRect/>
+          </a:stretch>
+        </p:blipFill>
+        <p:spPr>
+          <a:xfrm>
+            <a:off x="693282" y="1541207"/>
+            <a:ext cx="2171145" cy="4351338"/>
+          </a:xfrm>
+        </p:spPr>
+      </p:pic>
+      <p:sp>
+        <p:nvSpPr>
+          <p:cNvPr id="4" name="Footer Placeholder 3"/>
+          <p:cNvSpPr>
+            <a:spLocks noGrp="1"/>
+          </p:cNvSpPr>
+          <p:nvPr>
+            <p:ph type="ftr" sz="quarter" idx="11"/>
+          </p:nvPr>
+        </p:nvSpPr>
+        <p:spPr/>
+        <p:txBody>
+          <a:bodyPr/>
+          <a:lstStyle/>
+          <a:p>
+            <a:r>
+              <a:rPr lang="en-US"/>
+              <a:t>+84 28 3991 2068  |  sales@tpssoft.com  | www.tpssoft.com</a:t>
+            </a:r>
+            <a:endParaRPr lang="en-US" dirty="0"/>
+          </a:p>
+        </p:txBody>
+      </p:sp>
+      <p:sp>
+        <p:nvSpPr>
+          <p:cNvPr id="5" name="Slide Number Placeholder 4"/>
+          <p:cNvSpPr>
+            <a:spLocks noGrp="1"/>
+          </p:cNvSpPr>
+          <p:nvPr>
+            <p:ph type="sldNum" sz="quarter" idx="12"/>
+          </p:nvPr>
+        </p:nvSpPr>
+        <p:spPr/>
+        <p:txBody>
+          <a:bodyPr/>
+          <a:lstStyle/>
+          <a:p>
+            <a:fld id="{D8C32136-2E8F-41D8-87DD-E76A2A241A32}" type="slidenum">
+              <a:rPr lang="en-US" smtClean="0"/>
+              <a:t>8</a:t>
+            </a:fld>
+            <a:endParaRPr lang="en-US" dirty="0"/>
+          </a:p>
+        </p:txBody>
+      </p:sp>
+      <p:pic>
+        <p:nvPicPr>
+          <p:cNvPr id="7" name="Picture 6"/>
+          <p:cNvPicPr>
+            <a:picLocks noChangeAspect="1"/>
+          </p:cNvPicPr>
+          <p:nvPr/>
+        </p:nvPicPr>
+        <p:blipFill>
+          <a:blip r:embed="rId3" cstate="print">
+            <a:extLst>
+              <a:ext uri="{28A0092B-C50C-407E-A947-70E740481C1C}">
+                <a14:useLocalDpi xmlns:a14="http://schemas.microsoft.com/office/drawing/2010/main" val="0"/>
+              </a:ext>
+            </a:extLst>
+          </a:blip>
+          <a:stretch>
+            <a:fillRect/>
+          </a:stretch>
+        </p:blipFill>
+        <p:spPr>
+          <a:xfrm>
+            <a:off x="5914658" y="1541207"/>
+            <a:ext cx="2173053" cy="4355161"/>
+          </a:xfrm>
+          <a:prstGeom prst="rect">
+            <a:avLst/>
+          </a:prstGeom>
+        </p:spPr>
+      </p:pic>
+      <p:pic>
+        <p:nvPicPr>
+          <p:cNvPr id="8" name="Picture 7"/>
+          <p:cNvPicPr>
+            <a:picLocks noChangeAspect="1"/>
+          </p:cNvPicPr>
+          <p:nvPr/>
+        </p:nvPicPr>
+        <p:blipFill>
+          <a:blip r:embed="rId4" cstate="print">
+            <a:extLst>
+              <a:ext uri="{28A0092B-C50C-407E-A947-70E740481C1C}">
+                <a14:useLocalDpi xmlns:a14="http://schemas.microsoft.com/office/drawing/2010/main" val="0"/>
+              </a:ext>
+            </a:extLst>
+          </a:blip>
+          <a:stretch>
+            <a:fillRect/>
+          </a:stretch>
+        </p:blipFill>
+        <p:spPr>
+          <a:xfrm>
+            <a:off x="3272516" y="1541207"/>
+            <a:ext cx="2177181" cy="4351338"/>
+          </a:xfrm>
+          <a:prstGeom prst="rect">
+            <a:avLst/>
+          </a:prstGeom>
+        </p:spPr>
+      </p:pic>
+      <p:sp>
+        <p:nvSpPr>
+          <p:cNvPr id="3" name="Oval 2"/>
+          <p:cNvSpPr/>
+          <p:nvPr/>
+        </p:nvSpPr>
+        <p:spPr>
+          <a:xfrm>
+            <a:off x="2381883" y="3342290"/>
+            <a:ext cx="315311" cy="344966"/>
+          </a:xfrm>
+          <a:prstGeom prst="ellipse">
+            <a:avLst/>
+          </a:prstGeom>
+          <a:noFill/>
+          <a:ln>
+            <a:solidFill>
+              <a:schemeClr val="tx1"/>
+            </a:solidFill>
+          </a:ln>
+        </p:spPr>
+        <p:style>
+          <a:lnRef idx="2">
+            <a:schemeClr val="accent1">
+              <a:shade val="50000"/>
+            </a:schemeClr>
+          </a:lnRef>
+          <a:fillRef idx="1">
+            <a:schemeClr val="accent1"/>
+          </a:fillRef>
+          <a:effectRef idx="0">
+            <a:schemeClr val="accent1"/>
+          </a:effectRef>
+          <a:fontRef idx="minor">
+            <a:schemeClr val="lt1"/>
+          </a:fontRef>
+        </p:style>
+        <p:txBody>
+          <a:bodyPr rtlCol="0" anchor="ctr"/>
+          <a:lstStyle/>
+          <a:p>
+            <a:pPr algn="ctr"/>
+            <a:endParaRPr lang="en-US"/>
+          </a:p>
+        </p:txBody>
+      </p:sp>
+      <p:sp>
+        <p:nvSpPr>
+          <p:cNvPr id="9" name="Oval 8"/>
+          <p:cNvSpPr/>
+          <p:nvPr/>
+        </p:nvSpPr>
+        <p:spPr>
+          <a:xfrm>
+            <a:off x="730991" y="3841530"/>
+            <a:ext cx="2032820" cy="777765"/>
+          </a:xfrm>
+          <a:prstGeom prst="ellipse">
+            <a:avLst/>
+          </a:prstGeom>
+          <a:noFill/>
+          <a:ln>
+            <a:solidFill>
+              <a:schemeClr val="tx1"/>
+            </a:solidFill>
+          </a:ln>
+        </p:spPr>
+        <p:style>
+          <a:lnRef idx="2">
+            <a:schemeClr val="accent1">
+              <a:shade val="50000"/>
+            </a:schemeClr>
+          </a:lnRef>
+          <a:fillRef idx="1">
+            <a:schemeClr val="accent1"/>
+          </a:fillRef>
+          <a:effectRef idx="0">
+            <a:schemeClr val="accent1"/>
+          </a:effectRef>
+          <a:fontRef idx="minor">
+            <a:schemeClr val="lt1"/>
+          </a:fontRef>
+        </p:style>
+        <p:txBody>
+          <a:bodyPr rtlCol="0" anchor="ctr"/>
+          <a:lstStyle/>
+          <a:p>
+            <a:pPr algn="ctr"/>
+            <a:endParaRPr lang="en-US"/>
+          </a:p>
+        </p:txBody>
+      </p:sp>
+      <p:sp>
+        <p:nvSpPr>
+          <p:cNvPr id="10" name="Oval 9"/>
+          <p:cNvSpPr/>
+          <p:nvPr/>
+        </p:nvSpPr>
+        <p:spPr>
+          <a:xfrm>
+            <a:off x="1791145" y="3111351"/>
+            <a:ext cx="1016410" cy="341441"/>
+          </a:xfrm>
+          <a:prstGeom prst="ellipse">
+            <a:avLst/>
+          </a:prstGeom>
+          <a:noFill/>
+          <a:ln>
+            <a:solidFill>
+              <a:schemeClr val="tx1"/>
+            </a:solidFill>
+          </a:ln>
+        </p:spPr>
+        <p:style>
+          <a:lnRef idx="2">
+            <a:schemeClr val="accent1">
+              <a:shade val="50000"/>
+            </a:schemeClr>
+          </a:lnRef>
+          <a:fillRef idx="1">
+            <a:schemeClr val="accent1"/>
+          </a:fillRef>
+          <a:effectRef idx="0">
+            <a:schemeClr val="accent1"/>
+          </a:effectRef>
+          <a:fontRef idx="minor">
+            <a:schemeClr val="lt1"/>
+          </a:fontRef>
+        </p:style>
+        <p:txBody>
+          <a:bodyPr rtlCol="0" anchor="ctr"/>
+          <a:lstStyle/>
+          <a:p>
+            <a:pPr algn="ctr"/>
+            <a:endParaRPr lang="en-US"/>
+          </a:p>
+        </p:txBody>
+      </p:sp>
+    </p:spTree>
+    <p:extLst>
+      <p:ext uri="{BB962C8B-B14F-4D97-AF65-F5344CB8AC3E}">
+        <p14:creationId xmlns:p14="http://schemas.microsoft.com/office/powerpoint/2010/main" val="652814488"/>
+      </p:ext>
+    </p:extLst>
+  </p:cSld>
+  <p:clrMapOvr>
+    <a:masterClrMapping/>
+  </p:clrMapOvr>
+  <p:timing>
+    <p:tnLst>
+      <p:par>
+        <p:cTn id="1" dur="indefinite" restart="never" nodeType="tmRoot">
+          <p:childTnLst>
+            <p:seq concurrent="1" nextAc="seek">
+              <p:cTn id="2" dur="indefinite" nodeType="mainSeq">
+                <p:childTnLst>
+                  <p:par>
+                    <p:cTn id="3" fill="hold">
+                      <p:stCondLst>
+                        <p:cond delay="indefinite"/>
+                      </p:stCondLst>
+                      <p:childTnLst>
+                        <p:par>
+                          <p:cTn id="4" fill="hold">
+                            <p:stCondLst>
+                              <p:cond delay="0"/>
+                            </p:stCondLst>
+                            <p:childTnLst>
+                              <p:par>
+                                <p:cTn id="5" presetID="53" presetClass="entr" presetSubtype="16" fill="hold" grpId="0" nodeType="clickEffect">
+                                  <p:stCondLst>
+                                    <p:cond delay="0"/>
+                                  </p:stCondLst>
+                                  <p:childTnLst>
+                                    <p:set>
+                                      <p:cBhvr>
+                                        <p:cTn id="6" dur="1" fill="hold">
+                                          <p:stCondLst>
+                                            <p:cond delay="0"/>
+                                          </p:stCondLst>
+                                        </p:cTn>
+                                        <p:tgtEl>
+                                          <p:spTgt spid="3"/>
+                                        </p:tgtEl>
+                                        <p:attrNameLst>
+                                          <p:attrName>style.visibility</p:attrName>
+                                        </p:attrNameLst>
+                                      </p:cBhvr>
+                                      <p:to>
+                                        <p:strVal val="visible"/>
+                                      </p:to>
+                                    </p:set>
+                                    <p:anim calcmode="lin" valueType="num">
+                                      <p:cBhvr>
+                                        <p:cTn id="7" dur="500" fill="hold"/>
+                                        <p:tgtEl>
+                                          <p:spTgt spid="3"/>
+                                        </p:tgtEl>
+                                        <p:attrNameLst>
+                                          <p:attrName>ppt_w</p:attrName>
+                                        </p:attrNameLst>
+                                      </p:cBhvr>
+                                      <p:tavLst>
+                                        <p:tav tm="0">
+                                          <p:val>
+                                            <p:fltVal val="0"/>
+                                          </p:val>
+                                        </p:tav>
+                                        <p:tav tm="100000">
+                                          <p:val>
+                                            <p:strVal val="#ppt_w"/>
+                                          </p:val>
+                                        </p:tav>
+                                      </p:tavLst>
+                                    </p:anim>
+                                    <p:anim calcmode="lin" valueType="num">
+                                      <p:cBhvr>
+                                        <p:cTn id="8" dur="500" fill="hold"/>
+                                        <p:tgtEl>
+                                          <p:spTgt spid="3"/>
+                                        </p:tgtEl>
+                                        <p:attrNameLst>
+                                          <p:attrName>ppt_h</p:attrName>
+                                        </p:attrNameLst>
+                                      </p:cBhvr>
+                                      <p:tavLst>
+                                        <p:tav tm="0">
+                                          <p:val>
+                                            <p:fltVal val="0"/>
+                                          </p:val>
+                                        </p:tav>
+                                        <p:tav tm="100000">
+                                          <p:val>
+                                            <p:strVal val="#ppt_h"/>
+                                          </p:val>
+                                        </p:tav>
+                                      </p:tavLst>
+                                    </p:anim>
+                                    <p:animEffect transition="in" filter="fade">
+                                      <p:cBhvr>
+                                        <p:cTn id="9" dur="500"/>
+                                        <p:tgtEl>
+                                          <p:spTgt spid="3"/>
+                                        </p:tgtEl>
+                                      </p:cBhvr>
+                                    </p:animEffect>
+                                  </p:childTnLst>
+                                </p:cTn>
+                              </p:par>
+                            </p:childTnLst>
+                          </p:cTn>
+                        </p:par>
+                      </p:childTnLst>
+                    </p:cTn>
+                  </p:par>
+                  <p:par>
+                    <p:cTn id="10" fill="hold">
+                      <p:stCondLst>
+                        <p:cond delay="indefinite"/>
+                      </p:stCondLst>
+                      <p:childTnLst>
+                        <p:par>
+                          <p:cTn id="11" fill="hold">
+                            <p:stCondLst>
+                              <p:cond delay="0"/>
+                            </p:stCondLst>
+                            <p:childTnLst>
+                              <p:par>
+                                <p:cTn id="12" presetID="42" presetClass="entr" presetSubtype="0" fill="hold" nodeType="clickEffect">
+                                  <p:stCondLst>
+                                    <p:cond delay="0"/>
+                                  </p:stCondLst>
+                                  <p:childTnLst>
+                                    <p:set>
+                                      <p:cBhvr>
+                                        <p:cTn id="13" dur="1" fill="hold">
+                                          <p:stCondLst>
+                                            <p:cond delay="0"/>
+                                          </p:stCondLst>
+                                        </p:cTn>
+                                        <p:tgtEl>
+                                          <p:spTgt spid="8"/>
+                                        </p:tgtEl>
+                                        <p:attrNameLst>
+                                          <p:attrName>style.visibility</p:attrName>
+                                        </p:attrNameLst>
+                                      </p:cBhvr>
+                                      <p:to>
+                                        <p:strVal val="visible"/>
+                                      </p:to>
+                                    </p:set>
+                                    <p:animEffect transition="in" filter="fade">
+                                      <p:cBhvr>
+                                        <p:cTn id="14" dur="1000"/>
+                                        <p:tgtEl>
+                                          <p:spTgt spid="8"/>
+                                        </p:tgtEl>
+                                      </p:cBhvr>
+                                    </p:animEffect>
+                                    <p:anim calcmode="lin" valueType="num">
+                                      <p:cBhvr>
+                                        <p:cTn id="15" dur="1000" fill="hold"/>
+                                        <p:tgtEl>
+                                          <p:spTgt spid="8"/>
+                                        </p:tgtEl>
+                                        <p:attrNameLst>
+                                          <p:attrName>ppt_x</p:attrName>
+                                        </p:attrNameLst>
+                                      </p:cBhvr>
+                                      <p:tavLst>
+                                        <p:tav tm="0">
+                                          <p:val>
+                                            <p:strVal val="#ppt_x"/>
+                                          </p:val>
+                                        </p:tav>
+                                        <p:tav tm="100000">
+                                          <p:val>
+                                            <p:strVal val="#ppt_x"/>
+                                          </p:val>
+                                        </p:tav>
+                                      </p:tavLst>
+                                    </p:anim>
+                                    <p:anim calcmode="lin" valueType="num">
+                                      <p:cBhvr>
+                                        <p:cTn id="16" dur="1000" fill="hold"/>
+                                        <p:tgtEl>
+                                          <p:spTgt spid="8"/>
+                                        </p:tgtEl>
+                                        <p:attrNameLst>
+                                          <p:attrName>ppt_y</p:attrName>
+                                        </p:attrNameLst>
+                                      </p:cBhvr>
+                                      <p:tavLst>
+                                        <p:tav tm="0">
+                                          <p:val>
+                                            <p:strVal val="#ppt_y+.1"/>
+                                          </p:val>
+                                        </p:tav>
+                                        <p:tav tm="100000">
+                                          <p:val>
+                                            <p:strVal val="#ppt_y"/>
+                                          </p:val>
+                                        </p:tav>
+                                      </p:tavLst>
+                                    </p:anim>
+                                  </p:childTnLst>
+                                </p:cTn>
+                              </p:par>
+                            </p:childTnLst>
+                          </p:cTn>
+                        </p:par>
+                      </p:childTnLst>
+                    </p:cTn>
+                  </p:par>
+                  <p:par>
+                    <p:cTn id="17" fill="hold">
+                      <p:stCondLst>
+                        <p:cond delay="indefinite"/>
+                      </p:stCondLst>
+                      <p:childTnLst>
+                        <p:par>
+                          <p:cTn id="18" fill="hold">
+                            <p:stCondLst>
+                              <p:cond delay="0"/>
+                            </p:stCondLst>
+                            <p:childTnLst>
+                              <p:par>
+                                <p:cTn id="19" presetID="42" presetClass="entr" presetSubtype="0" fill="hold" nodeType="clickEffect">
+                                  <p:stCondLst>
+                                    <p:cond delay="0"/>
+                                  </p:stCondLst>
+                                  <p:childTnLst>
+                                    <p:set>
+                                      <p:cBhvr>
+                                        <p:cTn id="20" dur="1" fill="hold">
+                                          <p:stCondLst>
+                                            <p:cond delay="0"/>
+                                          </p:stCondLst>
+                                        </p:cTn>
+                                        <p:tgtEl>
+                                          <p:spTgt spid="7"/>
+                                        </p:tgtEl>
+                                        <p:attrNameLst>
+                                          <p:attrName>style.visibility</p:attrName>
+                                        </p:attrNameLst>
+                                      </p:cBhvr>
+                                      <p:to>
+                                        <p:strVal val="visible"/>
+                                      </p:to>
+                                    </p:set>
+                                    <p:animEffect transition="in" filter="fade">
+                                      <p:cBhvr>
+                                        <p:cTn id="21" dur="1000"/>
+                                        <p:tgtEl>
+                                          <p:spTgt spid="7"/>
+                                        </p:tgtEl>
+                                      </p:cBhvr>
+                                    </p:animEffect>
+                                    <p:anim calcmode="lin" valueType="num">
+                                      <p:cBhvr>
+                                        <p:cTn id="22" dur="1000" fill="hold"/>
+                                        <p:tgtEl>
+                                          <p:spTgt spid="7"/>
+                                        </p:tgtEl>
+                                        <p:attrNameLst>
+                                          <p:attrName>ppt_x</p:attrName>
+                                        </p:attrNameLst>
+                                      </p:cBhvr>
+                                      <p:tavLst>
+                                        <p:tav tm="0">
+                                          <p:val>
+                                            <p:strVal val="#ppt_x"/>
+                                          </p:val>
+                                        </p:tav>
+                                        <p:tav tm="100000">
+                                          <p:val>
+                                            <p:strVal val="#ppt_x"/>
+                                          </p:val>
+                                        </p:tav>
+                                      </p:tavLst>
+                                    </p:anim>
+                                    <p:anim calcmode="lin" valueType="num">
+                                      <p:cBhvr>
+                                        <p:cTn id="23" dur="1000" fill="hold"/>
+                                        <p:tgtEl>
+                                          <p:spTgt spid="7"/>
+                                        </p:tgtEl>
+                                        <p:attrNameLst>
+                                          <p:attrName>ppt_y</p:attrName>
+                                        </p:attrNameLst>
+                                      </p:cBhvr>
+                                      <p:tavLst>
+                                        <p:tav tm="0">
+                                          <p:val>
+                                            <p:strVal val="#ppt_y+.1"/>
+                                          </p:val>
+                                        </p:tav>
+                                        <p:tav tm="100000">
+                                          <p:val>
+                                            <p:strVal val="#ppt_y"/>
+                                          </p:val>
+                                        </p:tav>
+                                      </p:tavLst>
+                                    </p:anim>
+                                  </p:childTnLst>
+                                </p:cTn>
+                              </p:par>
+                            </p:childTnLst>
+                          </p:cTn>
+                        </p:par>
+                      </p:childTnLst>
+                    </p:cTn>
+                  </p:par>
+                  <p:par>
+                    <p:cTn id="24" fill="hold">
+                      <p:stCondLst>
+                        <p:cond delay="indefinite"/>
+                      </p:stCondLst>
+                      <p:childTnLst>
+                        <p:par>
+                          <p:cTn id="25" fill="hold">
+                            <p:stCondLst>
+                              <p:cond delay="0"/>
+                            </p:stCondLst>
+                            <p:childTnLst>
+                              <p:par>
+                                <p:cTn id="26" presetID="53" presetClass="entr" presetSubtype="16" fill="hold" grpId="0" nodeType="clickEffect">
+                                  <p:stCondLst>
+                                    <p:cond delay="0"/>
+                                  </p:stCondLst>
+                                  <p:childTnLst>
+                                    <p:set>
+                                      <p:cBhvr>
+                                        <p:cTn id="27" dur="1" fill="hold">
+                                          <p:stCondLst>
+                                            <p:cond delay="0"/>
+                                          </p:stCondLst>
+                                        </p:cTn>
+                                        <p:tgtEl>
+                                          <p:spTgt spid="9"/>
+                                        </p:tgtEl>
+                                        <p:attrNameLst>
+                                          <p:attrName>style.visibility</p:attrName>
+                                        </p:attrNameLst>
+                                      </p:cBhvr>
+                                      <p:to>
+                                        <p:strVal val="visible"/>
+                                      </p:to>
+                                    </p:set>
+                                    <p:anim calcmode="lin" valueType="num">
+                                      <p:cBhvr>
+                                        <p:cTn id="28" dur="500" fill="hold"/>
+                                        <p:tgtEl>
+                                          <p:spTgt spid="9"/>
+                                        </p:tgtEl>
+                                        <p:attrNameLst>
+                                          <p:attrName>ppt_w</p:attrName>
+                                        </p:attrNameLst>
+                                      </p:cBhvr>
+                                      <p:tavLst>
+                                        <p:tav tm="0">
+                                          <p:val>
+                                            <p:fltVal val="0"/>
+                                          </p:val>
+                                        </p:tav>
+                                        <p:tav tm="100000">
+                                          <p:val>
+                                            <p:strVal val="#ppt_w"/>
+                                          </p:val>
+                                        </p:tav>
+                                      </p:tavLst>
+                                    </p:anim>
+                                    <p:anim calcmode="lin" valueType="num">
+                                      <p:cBhvr>
+                                        <p:cTn id="29" dur="500" fill="hold"/>
+                                        <p:tgtEl>
+                                          <p:spTgt spid="9"/>
+                                        </p:tgtEl>
+                                        <p:attrNameLst>
+                                          <p:attrName>ppt_h</p:attrName>
+                                        </p:attrNameLst>
+                                      </p:cBhvr>
+                                      <p:tavLst>
+                                        <p:tav tm="0">
+                                          <p:val>
+                                            <p:fltVal val="0"/>
+                                          </p:val>
+                                        </p:tav>
+                                        <p:tav tm="100000">
+                                          <p:val>
+                                            <p:strVal val="#ppt_h"/>
+                                          </p:val>
+                                        </p:tav>
+                                      </p:tavLst>
+                                    </p:anim>
+                                    <p:animEffect transition="in" filter="fade">
+                                      <p:cBhvr>
+                                        <p:cTn id="30" dur="500"/>
+                                        <p:tgtEl>
+                                          <p:spTgt spid="9"/>
+                                        </p:tgtEl>
+                                      </p:cBhvr>
+                                    </p:animEffect>
+                                  </p:childTnLst>
+                                </p:cTn>
+                              </p:par>
+                            </p:childTnLst>
+                          </p:cTn>
+                        </p:par>
+                      </p:childTnLst>
+                    </p:cTn>
+                  </p:par>
+                  <p:par>
+                    <p:cTn id="31" fill="hold">
+                      <p:stCondLst>
+                        <p:cond delay="indefinite"/>
+                      </p:stCondLst>
+                      <p:childTnLst>
+                        <p:par>
+                          <p:cTn id="32" fill="hold">
+                            <p:stCondLst>
+                              <p:cond delay="0"/>
+                            </p:stCondLst>
+                            <p:childTnLst>
+                              <p:par>
+                                <p:cTn id="33" presetID="53" presetClass="entr" presetSubtype="16" fill="hold" grpId="0" nodeType="clickEffect">
+                                  <p:stCondLst>
+                                    <p:cond delay="0"/>
+                                  </p:stCondLst>
+                                  <p:childTnLst>
+                                    <p:set>
+                                      <p:cBhvr>
+                                        <p:cTn id="34" dur="1" fill="hold">
+                                          <p:stCondLst>
+                                            <p:cond delay="0"/>
+                                          </p:stCondLst>
+                                        </p:cTn>
+                                        <p:tgtEl>
+                                          <p:spTgt spid="10"/>
+                                        </p:tgtEl>
+                                        <p:attrNameLst>
+                                          <p:attrName>style.visibility</p:attrName>
+                                        </p:attrNameLst>
+                                      </p:cBhvr>
+                                      <p:to>
+                                        <p:strVal val="visible"/>
+                                      </p:to>
+                                    </p:set>
+                                    <p:anim calcmode="lin" valueType="num">
+                                      <p:cBhvr>
+                                        <p:cTn id="35" dur="500" fill="hold"/>
+                                        <p:tgtEl>
+                                          <p:spTgt spid="10"/>
+                                        </p:tgtEl>
+                                        <p:attrNameLst>
+                                          <p:attrName>ppt_w</p:attrName>
+                                        </p:attrNameLst>
+                                      </p:cBhvr>
+                                      <p:tavLst>
+                                        <p:tav tm="0">
+                                          <p:val>
+                                            <p:fltVal val="0"/>
+                                          </p:val>
+                                        </p:tav>
+                                        <p:tav tm="100000">
+                                          <p:val>
+                                            <p:strVal val="#ppt_w"/>
+                                          </p:val>
+                                        </p:tav>
+                                      </p:tavLst>
+                                    </p:anim>
+                                    <p:anim calcmode="lin" valueType="num">
+                                      <p:cBhvr>
+                                        <p:cTn id="36" dur="500" fill="hold"/>
+                                        <p:tgtEl>
+                                          <p:spTgt spid="10"/>
+                                        </p:tgtEl>
+                                        <p:attrNameLst>
+                                          <p:attrName>ppt_h</p:attrName>
+                                        </p:attrNameLst>
+                                      </p:cBhvr>
+                                      <p:tavLst>
+                                        <p:tav tm="0">
+                                          <p:val>
+                                            <p:fltVal val="0"/>
+                                          </p:val>
+                                        </p:tav>
+                                        <p:tav tm="100000">
+                                          <p:val>
+                                            <p:strVal val="#ppt_h"/>
+                                          </p:val>
+                                        </p:tav>
+                                      </p:tavLst>
+                                    </p:anim>
+                                    <p:animEffect transition="in" filter="fade">
+                                      <p:cBhvr>
+                                        <p:cTn id="37" dur="500"/>
+                                        <p:tgtEl>
+                                          <p:spTgt spid="10"/>
+                                        </p:tgtEl>
+                                      </p:cBhvr>
+                                    </p:animEffect>
+                                  </p:childTnLst>
+                                </p:cTn>
+                              </p:par>
+                            </p:childTnLst>
+                          </p:cTn>
+                        </p:par>
+                      </p:childTnLst>
+                    </p:cTn>
+                  </p:par>
+                </p:childTnLst>
+              </p:cTn>
+              <p:prevCondLst>
+                <p:cond evt="onPrev" delay="0">
+                  <p:tgtEl>
+                    <p:sldTgt/>
+                  </p:tgtEl>
+                </p:cond>
+              </p:prevCondLst>
+              <p:nextCondLst>
+                <p:cond evt="onNext" delay="0">
+                  <p:tgtEl>
+                    <p:sldTgt/>
+                  </p:tgtEl>
+                </p:cond>
+              </p:nextCondLst>
+            </p:seq>
+          </p:childTnLst>
+        </p:cTn>
+      </p:par>
+    </p:tnLst>
+    <p:bldLst>
+      <p:bldP spid="3" grpId="0" animBg="1"/>
+      <p:bldP spid="9" grpId="0" animBg="1"/>
+      <p:bldP spid="10" grpId="0" animBg="1"/>
+    </p:bldLst>
+  </p:timing>
+</p:sld>
+</file>
+
+<file path=ppt/slides/slide9.xml><?xml version="1.0" encoding="utf-8"?>
+<p:sld xmlns:a="http://schemas.openxmlformats.org/drawingml/2006/main" xmlns:r="http://schemas.openxmlformats.org/officeDocument/2006/relationships" xmlns:p="http://schemas.openxmlformats.org/presentationml/2006/main">
+  <p:cSld>
+    <p:spTree>
+      <p:nvGrpSpPr>
+        <p:cNvPr id="1" name=""/>
+        <p:cNvGrpSpPr/>
+        <p:nvPr/>
+      </p:nvGrpSpPr>
+      <p:grpSpPr>
+        <a:xfrm>
+          <a:off x="0" y="0"/>
+          <a:ext cx="0" cy="0"/>
+          <a:chOff x="0" y="0"/>
+          <a:chExt cx="0" cy="0"/>
+        </a:xfrm>
+      </p:grpSpPr>
+      <p:sp>
+        <p:nvSpPr>
+          <p:cNvPr id="2" name="Title 1"/>
+          <p:cNvSpPr>
+            <a:spLocks noGrp="1"/>
+          </p:cNvSpPr>
+          <p:nvPr>
+            <p:ph type="title"/>
+          </p:nvPr>
+        </p:nvSpPr>
+        <p:spPr/>
+        <p:txBody>
+          <a:bodyPr/>
+          <a:lstStyle/>
+          <a:p>
+            <a:r>
+              <a:rPr lang="en-US" dirty="0"/>
+              <a:t>Forgot Password</a:t>
+            </a:r>
+          </a:p>
+        </p:txBody>
+      </p:sp>
+      <p:pic>
+        <p:nvPicPr>
+          <p:cNvPr id="6" name="Content Placeholder 5"/>
+          <p:cNvPicPr>
+            <a:picLocks noGrp="1" noChangeAspect="1"/>
+          </p:cNvPicPr>
+          <p:nvPr>
+            <p:ph idx="1"/>
+          </p:nvPr>
+        </p:nvPicPr>
+        <p:blipFill>
+          <a:blip r:embed="rId2" cstate="print">
+            <a:extLst>
+              <a:ext uri="{28A0092B-C50C-407E-A947-70E740481C1C}">
+                <a14:useLocalDpi xmlns:a14="http://schemas.microsoft.com/office/drawing/2010/main" val="0"/>
+              </a:ext>
+            </a:extLst>
+          </a:blip>
+          <a:stretch>
+            <a:fillRect/>
+          </a:stretch>
+        </p:blipFill>
+        <p:spPr>
+          <a:xfrm>
+            <a:off x="1575525" y="1540579"/>
+            <a:ext cx="2179089" cy="4351338"/>
+          </a:xfrm>
+        </p:spPr>
+      </p:pic>
+      <p:sp>
+        <p:nvSpPr>
+          <p:cNvPr id="4" name="Footer Placeholder 3"/>
+          <p:cNvSpPr>
+            <a:spLocks noGrp="1"/>
+          </p:cNvSpPr>
+          <p:nvPr>
+            <p:ph type="ftr" sz="quarter" idx="11"/>
+          </p:nvPr>
+        </p:nvSpPr>
+        <p:spPr/>
+        <p:txBody>
+          <a:bodyPr/>
+          <a:lstStyle/>
+          <a:p>
+            <a:r>
+              <a:rPr lang="en-US"/>
+              <a:t>+84 28 3991 2068  |  sales@tpssoft.com  | www.tpssoft.com</a:t>
+            </a:r>
+            <a:endParaRPr lang="en-US" dirty="0"/>
+          </a:p>
+        </p:txBody>
+      </p:sp>
+      <p:sp>
+        <p:nvSpPr>
+          <p:cNvPr id="5" name="Slide Number Placeholder 4"/>
+          <p:cNvSpPr>
+            <a:spLocks noGrp="1"/>
+          </p:cNvSpPr>
+          <p:nvPr>
+            <p:ph type="sldNum" sz="quarter" idx="12"/>
+          </p:nvPr>
+        </p:nvSpPr>
+        <p:spPr/>
+        <p:txBody>
+          <a:bodyPr/>
+          <a:lstStyle/>
+          <a:p>
+            <a:fld id="{D8C32136-2E8F-41D8-87DD-E76A2A241A32}" type="slidenum">
+              <a:rPr lang="en-US" smtClean="0"/>
+              <a:t>9</a:t>
+            </a:fld>
+            <a:endParaRPr lang="en-US" dirty="0"/>
+          </a:p>
+        </p:txBody>
+      </p:sp>
+      <p:pic>
+        <p:nvPicPr>
+          <p:cNvPr id="7" name="Picture 6"/>
+          <p:cNvPicPr>
+            <a:picLocks noChangeAspect="1"/>
+          </p:cNvPicPr>
+          <p:nvPr/>
+        </p:nvPicPr>
+        <p:blipFill>
+          <a:blip r:embed="rId3" cstate="print">
+            <a:extLst>
+              <a:ext uri="{28A0092B-C50C-407E-A947-70E740481C1C}">
+                <a14:useLocalDpi xmlns:a14="http://schemas.microsoft.com/office/drawing/2010/main" val="0"/>
+              </a:ext>
+            </a:extLst>
+          </a:blip>
+          <a:stretch>
+            <a:fillRect/>
+          </a:stretch>
+        </p:blipFill>
+        <p:spPr>
+          <a:xfrm>
+            <a:off x="5174750" y="1535499"/>
+            <a:ext cx="2179090" cy="4351338"/>
+          </a:xfrm>
+          <a:prstGeom prst="rect">
+            <a:avLst/>
+          </a:prstGeom>
+        </p:spPr>
+      </p:pic>
+      <p:pic>
+        <p:nvPicPr>
+          <p:cNvPr id="8" name="Picture 7"/>
+          <p:cNvPicPr>
+            <a:picLocks noChangeAspect="1"/>
+          </p:cNvPicPr>
+          <p:nvPr/>
+        </p:nvPicPr>
+        <p:blipFill>
+          <a:blip r:embed="rId4" cstate="print">
+            <a:extLst>
+              <a:ext uri="{28A0092B-C50C-407E-A947-70E740481C1C}">
+                <a14:useLocalDpi xmlns:a14="http://schemas.microsoft.com/office/drawing/2010/main" val="0"/>
+              </a:ext>
+            </a:extLst>
+          </a:blip>
+          <a:stretch>
+            <a:fillRect/>
+          </a:stretch>
+        </p:blipFill>
+        <p:spPr>
+          <a:xfrm>
+            <a:off x="5174750" y="1550739"/>
+            <a:ext cx="2174784" cy="4356418"/>
+          </a:xfrm>
+          <a:prstGeom prst="rect">
+            <a:avLst/>
+          </a:prstGeom>
+        </p:spPr>
+      </p:pic>
+      <p:pic>
+        <p:nvPicPr>
+          <p:cNvPr id="9" name="Picture 8"/>
+          <p:cNvPicPr>
+            <a:picLocks noChangeAspect="1"/>
+          </p:cNvPicPr>
+          <p:nvPr/>
+        </p:nvPicPr>
+        <p:blipFill>
+          <a:blip r:embed="rId5" cstate="print">
+            <a:extLst>
+              <a:ext uri="{28A0092B-C50C-407E-A947-70E740481C1C}">
+                <a14:useLocalDpi xmlns:a14="http://schemas.microsoft.com/office/drawing/2010/main" val="0"/>
+              </a:ext>
+            </a:extLst>
+          </a:blip>
+          <a:stretch>
+            <a:fillRect/>
+          </a:stretch>
+        </p:blipFill>
+        <p:spPr>
+          <a:xfrm>
+            <a:off x="5160182" y="1535499"/>
+            <a:ext cx="2189352" cy="4351338"/>
+          </a:xfrm>
+          <a:prstGeom prst="rect">
+            <a:avLst/>
+          </a:prstGeom>
+        </p:spPr>
+      </p:pic>
+      <p:sp>
+        <p:nvSpPr>
+          <p:cNvPr id="3" name="Oval 2"/>
+          <p:cNvSpPr/>
+          <p:nvPr/>
+        </p:nvSpPr>
+        <p:spPr>
+          <a:xfrm>
+            <a:off x="3200399" y="2806262"/>
+            <a:ext cx="425669" cy="394138"/>
+          </a:xfrm>
+          <a:prstGeom prst="ellipse">
+            <a:avLst/>
+          </a:prstGeom>
+          <a:noFill/>
+          <a:ln>
+            <a:solidFill>
+              <a:schemeClr val="tx1"/>
+            </a:solidFill>
+          </a:ln>
+        </p:spPr>
+        <p:style>
+          <a:lnRef idx="2">
+            <a:schemeClr val="dk1">
+              <a:shade val="50000"/>
+            </a:schemeClr>
+          </a:lnRef>
+          <a:fillRef idx="1">
+            <a:schemeClr val="dk1"/>
+          </a:fillRef>
+          <a:effectRef idx="0">
+            <a:schemeClr val="dk1"/>
+          </a:effectRef>
+          <a:fontRef idx="minor">
+            <a:schemeClr val="lt1"/>
+          </a:fontRef>
+        </p:style>
+        <p:txBody>
+          <a:bodyPr rtlCol="0" anchor="ctr"/>
+          <a:lstStyle/>
+          <a:p>
+            <a:pPr algn="ctr"/>
+            <a:endParaRPr lang="en-US"/>
+          </a:p>
+        </p:txBody>
+      </p:sp>
+      <p:sp>
+        <p:nvSpPr>
+          <p:cNvPr id="10" name="Oval 9"/>
+          <p:cNvSpPr/>
+          <p:nvPr/>
+        </p:nvSpPr>
+        <p:spPr>
+          <a:xfrm>
+            <a:off x="1764717" y="3324650"/>
+            <a:ext cx="425669" cy="394138"/>
+          </a:xfrm>
+          <a:prstGeom prst="ellipse">
+            <a:avLst/>
+          </a:prstGeom>
+          <a:noFill/>
+          <a:ln>
+            <a:solidFill>
+              <a:schemeClr val="tx1"/>
+            </a:solidFill>
+          </a:ln>
+        </p:spPr>
+        <p:style>
+          <a:lnRef idx="2">
+            <a:schemeClr val="dk1">
+              <a:shade val="50000"/>
+            </a:schemeClr>
+          </a:lnRef>
+          <a:fillRef idx="1">
+            <a:schemeClr val="dk1"/>
+          </a:fillRef>
+          <a:effectRef idx="0">
+            <a:schemeClr val="dk1"/>
+          </a:effectRef>
+          <a:fontRef idx="minor">
+            <a:schemeClr val="lt1"/>
+          </a:fontRef>
+        </p:style>
+        <p:txBody>
+          <a:bodyPr rtlCol="0" anchor="ctr"/>
+          <a:lstStyle/>
+          <a:p>
+            <a:pPr algn="ctr"/>
+            <a:endParaRPr lang="en-US"/>
+          </a:p>
+        </p:txBody>
+      </p:sp>
+    </p:spTree>
+    <p:extLst>
+      <p:ext uri="{BB962C8B-B14F-4D97-AF65-F5344CB8AC3E}">
+        <p14:creationId xmlns:p14="http://schemas.microsoft.com/office/powerpoint/2010/main" val="2902786571"/>
+      </p:ext>
+    </p:extLst>
+  </p:cSld>
+  <p:clrMapOvr>
+    <a:masterClrMapping/>
+  </p:clrMapOvr>
+  <p:timing>
+    <p:tnLst>
+      <p:par>
+        <p:cTn id="1" dur="indefinite" restart="never" nodeType="tmRoot">
+          <p:childTnLst>
+            <p:seq concurrent="1" nextAc="seek">
+              <p:cTn id="2" dur="indefinite" nodeType="mainSeq">
+                <p:childTnLst>
+                  <p:par>
+                    <p:cTn id="3" fill="hold">
+                      <p:stCondLst>
+                        <p:cond delay="indefinite"/>
+                      </p:stCondLst>
+                      <p:childTnLst>
+                        <p:par>
+                          <p:cTn id="4" fill="hold">
+                            <p:stCondLst>
+                              <p:cond delay="0"/>
+                            </p:stCondLst>
+                            <p:childTnLst>
+                              <p:par>
+                                <p:cTn id="5" presetID="10" presetClass="entr" presetSubtype="0" fill="hold" grpId="0" nodeType="clickEffect">
+                                  <p:stCondLst>
+                                    <p:cond delay="0"/>
+                                  </p:stCondLst>
+                                  <p:childTnLst>
+                                    <p:set>
+                                      <p:cBhvr>
+                                        <p:cTn id="6" dur="1" fill="hold">
+                                          <p:stCondLst>
+                                            <p:cond delay="0"/>
+                                          </p:stCondLst>
+                                        </p:cTn>
+                                        <p:tgtEl>
+                                          <p:spTgt spid="3"/>
+                                        </p:tgtEl>
+                                        <p:attrNameLst>
+                                          <p:attrName>style.visibility</p:attrName>
+                                        </p:attrNameLst>
+                                      </p:cBhvr>
+                                      <p:to>
+                                        <p:strVal val="visible"/>
+                                      </p:to>
+                                    </p:set>
+                                    <p:animEffect transition="in" filter="fade">
+                                      <p:cBhvr>
+                                        <p:cTn id="7" dur="500"/>
+                                        <p:tgtEl>
+                                          <p:spTgt spid="3"/>
+                                        </p:tgtEl>
+                                      </p:cBhvr>
+                                    </p:animEffect>
+                                  </p:childTnLst>
+                                </p:cTn>
+                              </p:par>
+                            </p:childTnLst>
+                          </p:cTn>
+                        </p:par>
+                      </p:childTnLst>
+                    </p:cTn>
+                  </p:par>
+                  <p:par>
+                    <p:cTn id="8" fill="hold">
+                      <p:stCondLst>
+                        <p:cond delay="indefinite"/>
+                      </p:stCondLst>
+                      <p:childTnLst>
+                        <p:par>
+                          <p:cTn id="9" fill="hold">
+                            <p:stCondLst>
+                              <p:cond delay="0"/>
+                            </p:stCondLst>
+                            <p:childTnLst>
+                              <p:par>
+                                <p:cTn id="10" presetID="10" presetClass="entr" presetSubtype="0" fill="hold" grpId="0" nodeType="clickEffect">
+                                  <p:stCondLst>
+                                    <p:cond delay="0"/>
+                                  </p:stCondLst>
+                                  <p:childTnLst>
+                                    <p:set>
+                                      <p:cBhvr>
+                                        <p:cTn id="11" dur="1" fill="hold">
+                                          <p:stCondLst>
+                                            <p:cond delay="0"/>
+                                          </p:stCondLst>
+                                        </p:cTn>
+                                        <p:tgtEl>
+                                          <p:spTgt spid="10"/>
+                                        </p:tgtEl>
+                                        <p:attrNameLst>
+                                          <p:attrName>style.visibility</p:attrName>
+                                        </p:attrNameLst>
+                                      </p:cBhvr>
+                                      <p:to>
+                                        <p:strVal val="visible"/>
+                                      </p:to>
+                                    </p:set>
+                                    <p:animEffect transition="in" filter="fade">
+                                      <p:cBhvr>
+                                        <p:cTn id="12" dur="500"/>
+                                        <p:tgtEl>
+                                          <p:spTgt spid="10"/>
+                                        </p:tgtEl>
+                                      </p:cBhvr>
+                                    </p:animEffect>
+                                  </p:childTnLst>
+                                </p:cTn>
+                              </p:par>
+                            </p:childTnLst>
+                          </p:cTn>
+                        </p:par>
+                      </p:childTnLst>
+                    </p:cTn>
+                  </p:par>
+                  <p:par>
+                    <p:cTn id="13" fill="hold">
+                      <p:stCondLst>
+                        <p:cond delay="indefinite"/>
+                      </p:stCondLst>
+                      <p:childTnLst>
+                        <p:par>
+                          <p:cTn id="14" fill="hold">
+                            <p:stCondLst>
+                              <p:cond delay="0"/>
+                            </p:stCondLst>
+                            <p:childTnLst>
+                              <p:par>
+                                <p:cTn id="15" presetID="16" presetClass="entr" presetSubtype="21" fill="hold" nodeType="clickEffect">
+                                  <p:stCondLst>
+                                    <p:cond delay="0"/>
+                                  </p:stCondLst>
+                                  <p:childTnLst>
+                                    <p:set>
+                                      <p:cBhvr>
+                                        <p:cTn id="16" dur="1" fill="hold">
+                                          <p:stCondLst>
+                                            <p:cond delay="0"/>
+                                          </p:stCondLst>
+                                        </p:cTn>
+                                        <p:tgtEl>
+                                          <p:spTgt spid="7"/>
+                                        </p:tgtEl>
+                                        <p:attrNameLst>
+                                          <p:attrName>style.visibility</p:attrName>
+                                        </p:attrNameLst>
+                                      </p:cBhvr>
+                                      <p:to>
+                                        <p:strVal val="visible"/>
+                                      </p:to>
+                                    </p:set>
+                                    <p:animEffect transition="in" filter="barn(inVertical)">
+                                      <p:cBhvr>
+                                        <p:cTn id="17" dur="500"/>
+                                        <p:tgtEl>
+                                          <p:spTgt spid="7"/>
+                                        </p:tgtEl>
+                                      </p:cBhvr>
+                                    </p:animEffect>
+                                  </p:childTnLst>
+                                </p:cTn>
+                              </p:par>
+                            </p:childTnLst>
+                          </p:cTn>
+                        </p:par>
+                      </p:childTnLst>
+                    </p:cTn>
+                  </p:par>
+                  <p:par>
+                    <p:cTn id="18" fill="hold">
+                      <p:stCondLst>
+                        <p:cond delay="indefinite"/>
+                      </p:stCondLst>
+                      <p:childTnLst>
+                        <p:par>
+                          <p:cTn id="19" fill="hold">
+                            <p:stCondLst>
+                              <p:cond delay="0"/>
+                            </p:stCondLst>
+                            <p:childTnLst>
+                              <p:par>
+                                <p:cTn id="20" presetID="16" presetClass="entr" presetSubtype="21" fill="hold" nodeType="clickEffect">
+                                  <p:stCondLst>
+                                    <p:cond delay="0"/>
+                                  </p:stCondLst>
+                                  <p:childTnLst>
+                                    <p:set>
+                                      <p:cBhvr>
+                                        <p:cTn id="21" dur="1" fill="hold">
+                                          <p:stCondLst>
+                                            <p:cond delay="0"/>
+                                          </p:stCondLst>
+                                        </p:cTn>
+                                        <p:tgtEl>
+                                          <p:spTgt spid="8"/>
+                                        </p:tgtEl>
+                                        <p:attrNameLst>
+                                          <p:attrName>style.visibility</p:attrName>
+                                        </p:attrNameLst>
+                                      </p:cBhvr>
+                                      <p:to>
+                                        <p:strVal val="visible"/>
+                                      </p:to>
+                                    </p:set>
+                                    <p:animEffect transition="in" filter="barn(inVertical)">
+                                      <p:cBhvr>
+                                        <p:cTn id="22" dur="500"/>
+                                        <p:tgtEl>
+                                          <p:spTgt spid="8"/>
+                                        </p:tgtEl>
+                                      </p:cBhvr>
+                                    </p:animEffect>
+                                  </p:childTnLst>
+                                </p:cTn>
+                              </p:par>
+                            </p:childTnLst>
+                          </p:cTn>
+                        </p:par>
+                      </p:childTnLst>
+                    </p:cTn>
+                  </p:par>
+                  <p:par>
+                    <p:cTn id="23" fill="hold">
+                      <p:stCondLst>
+                        <p:cond delay="indefinite"/>
+                      </p:stCondLst>
+                      <p:childTnLst>
+                        <p:par>
+                          <p:cTn id="24" fill="hold">
+                            <p:stCondLst>
+                              <p:cond delay="0"/>
+                            </p:stCondLst>
+                            <p:childTnLst>
+                              <p:par>
+                                <p:cTn id="25" presetID="16" presetClass="entr" presetSubtype="21" fill="hold" nodeType="clickEffect">
+                                  <p:stCondLst>
+                                    <p:cond delay="0"/>
+                                  </p:stCondLst>
+                                  <p:childTnLst>
+                                    <p:set>
+                                      <p:cBhvr>
+                                        <p:cTn id="26" dur="1" fill="hold">
+                                          <p:stCondLst>
+                                            <p:cond delay="0"/>
+                                          </p:stCondLst>
+                                        </p:cTn>
+                                        <p:tgtEl>
+                                          <p:spTgt spid="9"/>
+                                        </p:tgtEl>
+                                        <p:attrNameLst>
+                                          <p:attrName>style.visibility</p:attrName>
+                                        </p:attrNameLst>
+                                      </p:cBhvr>
+                                      <p:to>
+                                        <p:strVal val="visible"/>
+                                      </p:to>
+                                    </p:set>
+                                    <p:animEffect transition="in" filter="barn(inVertical)">
+                                      <p:cBhvr>
+                                        <p:cTn id="27" dur="500"/>
+                                        <p:tgtEl>
+                                          <p:spTgt spid="9"/>
+                                        </p:tgtEl>
+                                      </p:cBhvr>
+                                    </p:animEffect>
+                                  </p:childTnLst>
+                                </p:cTn>
+                              </p:par>
+                            </p:childTnLst>
+                          </p:cTn>
+                        </p:par>
+                      </p:childTnLst>
+                    </p:cTn>
+                  </p:par>
+                </p:childTnLst>
+              </p:cTn>
+              <p:prevCondLst>
+                <p:cond evt="onPrev" delay="0">
+                  <p:tgtEl>
+                    <p:sldTgt/>
+                  </p:tgtEl>
+                </p:cond>
+              </p:prevCondLst>
+              <p:nextCondLst>
+                <p:cond evt="onNext" delay="0">
+                  <p:tgtEl>
+                    <p:sldTgt/>
+                  </p:tgtEl>
+                </p:cond>
+              </p:nextCondLst>
+            </p:seq>
+          </p:childTnLst>
+        </p:cTn>
+      </p:par>
+    </p:tnLst>
+    <p:bldLst>
+      <p:bldP spid="3" grpId="0" animBg="1"/>
+      <p:bldP spid="10" grpId="0" animBg="1"/>
+    </p:bldLst>
   </p:timing>
 </p:sld>
 </file>
